--- a/pyntel4004/docs/resources.pptx
+++ b/pyntel4004/docs/resources.pptx
@@ -5,7 +5,7 @@
     <p:sldMasterId id="2147483648" r:id="rId1"/>
   </p:sldMasterIdLst>
   <p:notesMasterIdLst>
-    <p:notesMasterId r:id="rId15"/>
+    <p:notesMasterId r:id="rId16"/>
   </p:notesMasterIdLst>
   <p:sldIdLst>
     <p:sldId id="288" r:id="rId2"/>
@@ -17,10 +17,11 @@
     <p:sldId id="287" r:id="rId8"/>
     <p:sldId id="289" r:id="rId9"/>
     <p:sldId id="290" r:id="rId10"/>
-    <p:sldId id="280" r:id="rId11"/>
-    <p:sldId id="282" r:id="rId12"/>
-    <p:sldId id="284" r:id="rId13"/>
-    <p:sldId id="283" r:id="rId14"/>
+    <p:sldId id="292" r:id="rId11"/>
+    <p:sldId id="280" r:id="rId12"/>
+    <p:sldId id="282" r:id="rId13"/>
+    <p:sldId id="284" r:id="rId14"/>
+    <p:sldId id="283" r:id="rId15"/>
   </p:sldIdLst>
   <p:sldSz cx="12192000" cy="6858000"/>
   <p:notesSz cx="6858000" cy="9144000"/>
@@ -221,7 +222,7 @@
           <a:p>
             <a:fld id="{0E6D88F6-2DDA-CB4F-91F4-9B525386DD76}" type="datetimeFigureOut">
               <a:rPr lang="en-US" smtClean="0"/>
-              <a:t>7/7/21</a:t>
+              <a:t>9/9/21</a:t>
             </a:fld>
             <a:endParaRPr lang="en-US"/>
           </a:p>
@@ -657,7 +658,7 @@
           <a:p>
             <a:fld id="{D651246A-AA0D-1344-AACC-8A747329776B}" type="datetimeFigureOut">
               <a:rPr lang="en-US" smtClean="0"/>
-              <a:t>7/7/21</a:t>
+              <a:t>9/9/21</a:t>
             </a:fld>
             <a:endParaRPr lang="en-US"/>
           </a:p>
@@ -857,7 +858,7 @@
           <a:p>
             <a:fld id="{D651246A-AA0D-1344-AACC-8A747329776B}" type="datetimeFigureOut">
               <a:rPr lang="en-US" smtClean="0"/>
-              <a:t>7/7/21</a:t>
+              <a:t>9/9/21</a:t>
             </a:fld>
             <a:endParaRPr lang="en-US"/>
           </a:p>
@@ -1067,7 +1068,7 @@
           <a:p>
             <a:fld id="{D651246A-AA0D-1344-AACC-8A747329776B}" type="datetimeFigureOut">
               <a:rPr lang="en-US" smtClean="0"/>
-              <a:t>7/7/21</a:t>
+              <a:t>9/9/21</a:t>
             </a:fld>
             <a:endParaRPr lang="en-US"/>
           </a:p>
@@ -1267,7 +1268,7 @@
           <a:p>
             <a:fld id="{D651246A-AA0D-1344-AACC-8A747329776B}" type="datetimeFigureOut">
               <a:rPr lang="en-US" smtClean="0"/>
-              <a:t>7/7/21</a:t>
+              <a:t>9/9/21</a:t>
             </a:fld>
             <a:endParaRPr lang="en-US"/>
           </a:p>
@@ -1543,7 +1544,7 @@
           <a:p>
             <a:fld id="{D651246A-AA0D-1344-AACC-8A747329776B}" type="datetimeFigureOut">
               <a:rPr lang="en-US" smtClean="0"/>
-              <a:t>7/7/21</a:t>
+              <a:t>9/9/21</a:t>
             </a:fld>
             <a:endParaRPr lang="en-US"/>
           </a:p>
@@ -1811,7 +1812,7 @@
           <a:p>
             <a:fld id="{D651246A-AA0D-1344-AACC-8A747329776B}" type="datetimeFigureOut">
               <a:rPr lang="en-US" smtClean="0"/>
-              <a:t>7/7/21</a:t>
+              <a:t>9/9/21</a:t>
             </a:fld>
             <a:endParaRPr lang="en-US"/>
           </a:p>
@@ -2226,7 +2227,7 @@
           <a:p>
             <a:fld id="{D651246A-AA0D-1344-AACC-8A747329776B}" type="datetimeFigureOut">
               <a:rPr lang="en-US" smtClean="0"/>
-              <a:t>7/7/21</a:t>
+              <a:t>9/9/21</a:t>
             </a:fld>
             <a:endParaRPr lang="en-US"/>
           </a:p>
@@ -2368,7 +2369,7 @@
           <a:p>
             <a:fld id="{D651246A-AA0D-1344-AACC-8A747329776B}" type="datetimeFigureOut">
               <a:rPr lang="en-US" smtClean="0"/>
-              <a:t>7/7/21</a:t>
+              <a:t>9/9/21</a:t>
             </a:fld>
             <a:endParaRPr lang="en-US"/>
           </a:p>
@@ -2481,7 +2482,7 @@
           <a:p>
             <a:fld id="{D651246A-AA0D-1344-AACC-8A747329776B}" type="datetimeFigureOut">
               <a:rPr lang="en-US" smtClean="0"/>
-              <a:t>7/7/21</a:t>
+              <a:t>9/9/21</a:t>
             </a:fld>
             <a:endParaRPr lang="en-US"/>
           </a:p>
@@ -2794,7 +2795,7 @@
           <a:p>
             <a:fld id="{D651246A-AA0D-1344-AACC-8A747329776B}" type="datetimeFigureOut">
               <a:rPr lang="en-US" smtClean="0"/>
-              <a:t>7/7/21</a:t>
+              <a:t>9/9/21</a:t>
             </a:fld>
             <a:endParaRPr lang="en-US"/>
           </a:p>
@@ -3083,7 +3084,7 @@
           <a:p>
             <a:fld id="{D651246A-AA0D-1344-AACC-8A747329776B}" type="datetimeFigureOut">
               <a:rPr lang="en-US" smtClean="0"/>
-              <a:t>7/7/21</a:t>
+              <a:t>9/9/21</a:t>
             </a:fld>
             <a:endParaRPr lang="en-US"/>
           </a:p>
@@ -3326,7 +3327,7 @@
           <a:p>
             <a:fld id="{D651246A-AA0D-1344-AACC-8A747329776B}" type="datetimeFigureOut">
               <a:rPr lang="en-US" smtClean="0"/>
-              <a:t>7/7/21</a:t>
+              <a:t>9/9/21</a:t>
             </a:fld>
             <a:endParaRPr lang="en-US"/>
           </a:p>
@@ -3787,6 +3788,2382 @@
 </file>
 
 <file path=ppt/slides/slide10.xml><?xml version="1.0" encoding="utf-8"?>
+<p:sld xmlns:a="http://schemas.openxmlformats.org/drawingml/2006/main" xmlns:r="http://schemas.openxmlformats.org/officeDocument/2006/relationships" xmlns:p="http://schemas.openxmlformats.org/presentationml/2006/main">
+  <p:cSld>
+    <p:spTree>
+      <p:nvGrpSpPr>
+        <p:cNvPr id="1" name=""/>
+        <p:cNvGrpSpPr/>
+        <p:nvPr/>
+      </p:nvGrpSpPr>
+      <p:grpSpPr>
+        <a:xfrm>
+          <a:off x="0" y="0"/>
+          <a:ext cx="0" cy="0"/>
+          <a:chOff x="0" y="0"/>
+          <a:chExt cx="0" cy="0"/>
+        </a:xfrm>
+      </p:grpSpPr>
+      <p:sp>
+        <p:nvSpPr>
+          <p:cNvPr id="4" name="TextBox 3">
+            <a:extLst>
+              <a:ext uri="{FF2B5EF4-FFF2-40B4-BE49-F238E27FC236}">
+                <a16:creationId xmlns:a16="http://schemas.microsoft.com/office/drawing/2014/main" id="{C0976CFA-F460-D04F-AF4D-02350C22FADF}"/>
+              </a:ext>
+            </a:extLst>
+          </p:cNvPr>
+          <p:cNvSpPr txBox="1"/>
+          <p:nvPr/>
+        </p:nvSpPr>
+        <p:spPr>
+          <a:xfrm>
+            <a:off x="10443652" y="6386877"/>
+            <a:ext cx="1576714" cy="369332"/>
+          </a:xfrm>
+          <a:prstGeom prst="rect">
+            <a:avLst/>
+          </a:prstGeom>
+          <a:noFill/>
+          <a:ln w="47625">
+            <a:solidFill>
+              <a:schemeClr val="tx1"/>
+            </a:solidFill>
+          </a:ln>
+        </p:spPr>
+        <p:txBody>
+          <a:bodyPr wrap="square" rtlCol="0">
+            <a:spAutoFit/>
+          </a:bodyPr>
+          <a:lstStyle/>
+          <a:p>
+            <a:r>
+              <a:rPr lang="en-US" dirty="0"/>
+              <a:t>INC</a:t>
+            </a:r>
+          </a:p>
+        </p:txBody>
+      </p:sp>
+      <p:grpSp>
+        <p:nvGrpSpPr>
+          <p:cNvPr id="20" name="Group 19">
+            <a:extLst>
+              <a:ext uri="{FF2B5EF4-FFF2-40B4-BE49-F238E27FC236}">
+                <a16:creationId xmlns:a16="http://schemas.microsoft.com/office/drawing/2014/main" id="{6AF9AC7C-7B56-3D41-ADD2-030694E93EAD}"/>
+              </a:ext>
+            </a:extLst>
+          </p:cNvPr>
+          <p:cNvGrpSpPr/>
+          <p:nvPr/>
+        </p:nvGrpSpPr>
+        <p:grpSpPr>
+          <a:xfrm>
+            <a:off x="7904101" y="-118702"/>
+            <a:ext cx="4116265" cy="6434552"/>
+            <a:chOff x="7904101" y="-118702"/>
+            <a:chExt cx="4116265" cy="6434552"/>
+          </a:xfrm>
+        </p:grpSpPr>
+        <p:sp>
+          <p:nvSpPr>
+            <p:cNvPr id="6" name="Right Arrow 5">
+              <a:extLst>
+                <a:ext uri="{FF2B5EF4-FFF2-40B4-BE49-F238E27FC236}">
+                  <a16:creationId xmlns:a16="http://schemas.microsoft.com/office/drawing/2014/main" id="{1B52BBFC-9CA7-F24F-A635-B80E4B87060D}"/>
+                </a:ext>
+              </a:extLst>
+            </p:cNvPr>
+            <p:cNvSpPr/>
+            <p:nvPr/>
+          </p:nvSpPr>
+          <p:spPr>
+            <a:xfrm rot="16200000">
+              <a:off x="9942545" y="1576559"/>
+              <a:ext cx="306893" cy="129746"/>
+            </a:xfrm>
+            <a:prstGeom prst="rightArrow">
+              <a:avLst/>
+            </a:prstGeom>
+          </p:spPr>
+          <p:style>
+            <a:lnRef idx="0">
+              <a:schemeClr val="accent6"/>
+            </a:lnRef>
+            <a:fillRef idx="3">
+              <a:schemeClr val="accent6"/>
+            </a:fillRef>
+            <a:effectRef idx="3">
+              <a:schemeClr val="accent6"/>
+            </a:effectRef>
+            <a:fontRef idx="minor">
+              <a:schemeClr val="lt1"/>
+            </a:fontRef>
+          </p:style>
+          <p:txBody>
+            <a:bodyPr rtlCol="0" anchor="ctr">
+              <a:scene3d>
+                <a:camera prst="orthographicFront"/>
+                <a:lightRig rig="soft" dir="t">
+                  <a:rot lat="0" lon="0" rev="15600000"/>
+                </a:lightRig>
+              </a:scene3d>
+              <a:sp3d extrusionH="57150" prstMaterial="softEdge">
+                <a:bevelT w="25400" h="38100"/>
+              </a:sp3d>
+            </a:bodyPr>
+            <a:lstStyle/>
+            <a:p>
+              <a:pPr algn="ctr"/>
+              <a:endParaRPr lang="en-US" b="1">
+                <a:ln/>
+                <a:solidFill>
+                  <a:schemeClr val="accent4"/>
+                </a:solidFill>
+              </a:endParaRPr>
+            </a:p>
+          </p:txBody>
+        </p:sp>
+        <p:sp>
+          <p:nvSpPr>
+            <p:cNvPr id="7" name="TextBox 6">
+              <a:extLst>
+                <a:ext uri="{FF2B5EF4-FFF2-40B4-BE49-F238E27FC236}">
+                  <a16:creationId xmlns:a16="http://schemas.microsoft.com/office/drawing/2014/main" id="{B5B7DC3A-9EAF-244D-875C-FAE04D367D4F}"/>
+                </a:ext>
+              </a:extLst>
+            </p:cNvPr>
+            <p:cNvSpPr txBox="1"/>
+            <p:nvPr/>
+          </p:nvSpPr>
+          <p:spPr>
+            <a:xfrm>
+              <a:off x="9150798" y="1791535"/>
+              <a:ext cx="2869568" cy="4524315"/>
+            </a:xfrm>
+            <a:prstGeom prst="rect">
+              <a:avLst/>
+            </a:prstGeom>
+            <a:noFill/>
+          </p:spPr>
+          <p:txBody>
+            <a:bodyPr wrap="square" rtlCol="0">
+              <a:spAutoFit/>
+            </a:bodyPr>
+            <a:lstStyle/>
+            <a:p>
+              <a:r>
+                <a:rPr lang="en-US" dirty="0"/>
+                <a:t>0000 for Register 0</a:t>
+              </a:r>
+            </a:p>
+            <a:p>
+              <a:r>
+                <a:rPr lang="en-US" dirty="0"/>
+                <a:t>0001 for Register 1 </a:t>
+              </a:r>
+            </a:p>
+            <a:p>
+              <a:r>
+                <a:rPr lang="en-US" dirty="0"/>
+                <a:t>0010 for Register 2</a:t>
+              </a:r>
+            </a:p>
+            <a:p>
+              <a:r>
+                <a:rPr lang="en-US" dirty="0"/>
+                <a:t>0011 for Register 3</a:t>
+              </a:r>
+            </a:p>
+            <a:p>
+              <a:r>
+                <a:rPr lang="en-US" dirty="0"/>
+                <a:t>0100 for Register 4</a:t>
+              </a:r>
+            </a:p>
+            <a:p>
+              <a:r>
+                <a:rPr lang="en-US" dirty="0"/>
+                <a:t>0101 for Register 5</a:t>
+              </a:r>
+            </a:p>
+            <a:p>
+              <a:r>
+                <a:rPr lang="en-US" dirty="0"/>
+                <a:t>0110 for Register 6</a:t>
+              </a:r>
+            </a:p>
+            <a:p>
+              <a:r>
+                <a:rPr lang="en-US" dirty="0"/>
+                <a:t>0111 for Register 7</a:t>
+              </a:r>
+            </a:p>
+            <a:p>
+              <a:r>
+                <a:rPr lang="en-US" dirty="0"/>
+                <a:t>1000 for Register 8</a:t>
+              </a:r>
+            </a:p>
+            <a:p>
+              <a:r>
+                <a:rPr lang="en-US" dirty="0"/>
+                <a:t>1001 for Register 9</a:t>
+              </a:r>
+            </a:p>
+            <a:p>
+              <a:r>
+                <a:rPr lang="en-US" dirty="0"/>
+                <a:t>1010 for Register 10</a:t>
+              </a:r>
+            </a:p>
+            <a:p>
+              <a:r>
+                <a:rPr lang="en-US" dirty="0"/>
+                <a:t>1011 for Register 11</a:t>
+              </a:r>
+            </a:p>
+            <a:p>
+              <a:r>
+                <a:rPr lang="en-US" dirty="0"/>
+                <a:t>1100 for Register 12</a:t>
+              </a:r>
+            </a:p>
+            <a:p>
+              <a:r>
+                <a:rPr lang="en-US" dirty="0"/>
+                <a:t>1101 for Register 13</a:t>
+              </a:r>
+            </a:p>
+            <a:p>
+              <a:r>
+                <a:rPr lang="en-US" dirty="0"/>
+                <a:t>1110 for Register 14</a:t>
+              </a:r>
+            </a:p>
+            <a:p>
+              <a:r>
+                <a:rPr lang="en-US" dirty="0"/>
+                <a:t>1111 for Register 15</a:t>
+              </a:r>
+            </a:p>
+          </p:txBody>
+        </p:sp>
+        <p:sp>
+          <p:nvSpPr>
+            <p:cNvPr id="8" name="TextBox 7">
+              <a:extLst>
+                <a:ext uri="{FF2B5EF4-FFF2-40B4-BE49-F238E27FC236}">
+                  <a16:creationId xmlns:a16="http://schemas.microsoft.com/office/drawing/2014/main" id="{F74DCC78-A8E0-9746-A0C2-ABD2C1686796}"/>
+                </a:ext>
+              </a:extLst>
+            </p:cNvPr>
+            <p:cNvSpPr txBox="1"/>
+            <p:nvPr/>
+          </p:nvSpPr>
+          <p:spPr>
+            <a:xfrm>
+              <a:off x="7908026" y="517024"/>
+              <a:ext cx="3153427" cy="540000"/>
+            </a:xfrm>
+            <a:prstGeom prst="rect">
+              <a:avLst/>
+            </a:prstGeom>
+            <a:noFill/>
+            <a:ln w="47625">
+              <a:solidFill>
+                <a:schemeClr val="tx1"/>
+              </a:solidFill>
+            </a:ln>
+          </p:spPr>
+          <p:txBody>
+            <a:bodyPr wrap="square" rtlCol="0">
+              <a:spAutoFit/>
+            </a:bodyPr>
+            <a:lstStyle/>
+            <a:p>
+              <a:endParaRPr lang="en-US" dirty="0"/>
+            </a:p>
+          </p:txBody>
+        </p:sp>
+        <p:sp>
+          <p:nvSpPr>
+            <p:cNvPr id="9" name="TextBox 8">
+              <a:extLst>
+                <a:ext uri="{FF2B5EF4-FFF2-40B4-BE49-F238E27FC236}">
+                  <a16:creationId xmlns:a16="http://schemas.microsoft.com/office/drawing/2014/main" id="{034640F2-2F60-5449-A9F2-C598AFF40BBF}"/>
+                </a:ext>
+              </a:extLst>
+            </p:cNvPr>
+            <p:cNvSpPr txBox="1"/>
+            <p:nvPr/>
+          </p:nvSpPr>
+          <p:spPr>
+            <a:xfrm>
+              <a:off x="7908026" y="517024"/>
+              <a:ext cx="1576714" cy="540000"/>
+            </a:xfrm>
+            <a:prstGeom prst="rect">
+              <a:avLst/>
+            </a:prstGeom>
+            <a:noFill/>
+            <a:ln w="47625">
+              <a:solidFill>
+                <a:schemeClr val="tx1"/>
+              </a:solidFill>
+            </a:ln>
+          </p:spPr>
+          <p:txBody>
+            <a:bodyPr wrap="square" rtlCol="0">
+              <a:spAutoFit/>
+            </a:bodyPr>
+            <a:lstStyle/>
+            <a:p>
+              <a:endParaRPr lang="en-US" dirty="0"/>
+            </a:p>
+          </p:txBody>
+        </p:sp>
+        <p:sp>
+          <p:nvSpPr>
+            <p:cNvPr id="10" name="TextBox 9">
+              <a:extLst>
+                <a:ext uri="{FF2B5EF4-FFF2-40B4-BE49-F238E27FC236}">
+                  <a16:creationId xmlns:a16="http://schemas.microsoft.com/office/drawing/2014/main" id="{B2147DF6-AD7E-1A48-9343-CCFE9BD207F6}"/>
+                </a:ext>
+              </a:extLst>
+            </p:cNvPr>
+            <p:cNvSpPr txBox="1"/>
+            <p:nvPr/>
+          </p:nvSpPr>
+          <p:spPr>
+            <a:xfrm>
+              <a:off x="7908026" y="517024"/>
+              <a:ext cx="788357" cy="540000"/>
+            </a:xfrm>
+            <a:prstGeom prst="rect">
+              <a:avLst/>
+            </a:prstGeom>
+            <a:noFill/>
+            <a:ln w="47625">
+              <a:solidFill>
+                <a:schemeClr val="tx1"/>
+              </a:solidFill>
+            </a:ln>
+          </p:spPr>
+          <p:txBody>
+            <a:bodyPr wrap="square" rtlCol="0">
+              <a:spAutoFit/>
+            </a:bodyPr>
+            <a:lstStyle/>
+            <a:p>
+              <a:endParaRPr lang="en-US" dirty="0"/>
+            </a:p>
+          </p:txBody>
+        </p:sp>
+        <p:sp>
+          <p:nvSpPr>
+            <p:cNvPr id="11" name="TextBox 10">
+              <a:extLst>
+                <a:ext uri="{FF2B5EF4-FFF2-40B4-BE49-F238E27FC236}">
+                  <a16:creationId xmlns:a16="http://schemas.microsoft.com/office/drawing/2014/main" id="{E150D5ED-454A-A743-B928-140372ED3B9A}"/>
+                </a:ext>
+              </a:extLst>
+            </p:cNvPr>
+            <p:cNvSpPr txBox="1"/>
+            <p:nvPr/>
+          </p:nvSpPr>
+          <p:spPr>
+            <a:xfrm>
+              <a:off x="9484740" y="517024"/>
+              <a:ext cx="788357" cy="540000"/>
+            </a:xfrm>
+            <a:prstGeom prst="rect">
+              <a:avLst/>
+            </a:prstGeom>
+            <a:noFill/>
+            <a:ln w="47625">
+              <a:solidFill>
+                <a:schemeClr val="tx1"/>
+              </a:solidFill>
+            </a:ln>
+          </p:spPr>
+          <p:txBody>
+            <a:bodyPr wrap="square" rtlCol="0">
+              <a:spAutoFit/>
+            </a:bodyPr>
+            <a:lstStyle/>
+            <a:p>
+              <a:endParaRPr lang="en-US" dirty="0"/>
+            </a:p>
+          </p:txBody>
+        </p:sp>
+        <p:sp>
+          <p:nvSpPr>
+            <p:cNvPr id="12" name="TextBox 11">
+              <a:extLst>
+                <a:ext uri="{FF2B5EF4-FFF2-40B4-BE49-F238E27FC236}">
+                  <a16:creationId xmlns:a16="http://schemas.microsoft.com/office/drawing/2014/main" id="{D8E51B1F-DF1D-2A40-A8FD-869BF68A0B57}"/>
+                </a:ext>
+              </a:extLst>
+            </p:cNvPr>
+            <p:cNvSpPr txBox="1"/>
+            <p:nvPr/>
+          </p:nvSpPr>
+          <p:spPr>
+            <a:xfrm>
+              <a:off x="7908026" y="517024"/>
+              <a:ext cx="394178" cy="540000"/>
+            </a:xfrm>
+            <a:prstGeom prst="rect">
+              <a:avLst/>
+            </a:prstGeom>
+            <a:noFill/>
+            <a:ln w="47625">
+              <a:solidFill>
+                <a:schemeClr val="tx1"/>
+              </a:solidFill>
+            </a:ln>
+          </p:spPr>
+          <p:txBody>
+            <a:bodyPr wrap="square" rtlCol="0">
+              <a:spAutoFit/>
+            </a:bodyPr>
+            <a:lstStyle/>
+            <a:p>
+              <a:endParaRPr lang="en-US" dirty="0"/>
+            </a:p>
+          </p:txBody>
+        </p:sp>
+        <p:sp>
+          <p:nvSpPr>
+            <p:cNvPr id="13" name="TextBox 12">
+              <a:extLst>
+                <a:ext uri="{FF2B5EF4-FFF2-40B4-BE49-F238E27FC236}">
+                  <a16:creationId xmlns:a16="http://schemas.microsoft.com/office/drawing/2014/main" id="{06FE54DD-6A9E-244A-ADEA-A33CBB35AFB5}"/>
+                </a:ext>
+              </a:extLst>
+            </p:cNvPr>
+            <p:cNvSpPr txBox="1"/>
+            <p:nvPr/>
+          </p:nvSpPr>
+          <p:spPr>
+            <a:xfrm>
+              <a:off x="9090561" y="517024"/>
+              <a:ext cx="788357" cy="540000"/>
+            </a:xfrm>
+            <a:prstGeom prst="rect">
+              <a:avLst/>
+            </a:prstGeom>
+            <a:noFill/>
+            <a:ln w="47625">
+              <a:solidFill>
+                <a:schemeClr val="tx1"/>
+              </a:solidFill>
+            </a:ln>
+          </p:spPr>
+          <p:txBody>
+            <a:bodyPr wrap="square" rtlCol="0">
+              <a:spAutoFit/>
+            </a:bodyPr>
+            <a:lstStyle/>
+            <a:p>
+              <a:endParaRPr lang="en-US" dirty="0"/>
+            </a:p>
+          </p:txBody>
+        </p:sp>
+        <p:sp>
+          <p:nvSpPr>
+            <p:cNvPr id="14" name="TextBox 13">
+              <a:extLst>
+                <a:ext uri="{FF2B5EF4-FFF2-40B4-BE49-F238E27FC236}">
+                  <a16:creationId xmlns:a16="http://schemas.microsoft.com/office/drawing/2014/main" id="{2BC0252B-0E85-9B4C-A08F-B4D2B799E0B5}"/>
+                </a:ext>
+              </a:extLst>
+            </p:cNvPr>
+            <p:cNvSpPr txBox="1"/>
+            <p:nvPr/>
+          </p:nvSpPr>
+          <p:spPr>
+            <a:xfrm>
+              <a:off x="9878918" y="517024"/>
+              <a:ext cx="788357" cy="540000"/>
+            </a:xfrm>
+            <a:prstGeom prst="rect">
+              <a:avLst/>
+            </a:prstGeom>
+            <a:noFill/>
+            <a:ln w="47625">
+              <a:solidFill>
+                <a:schemeClr val="tx1"/>
+              </a:solidFill>
+            </a:ln>
+          </p:spPr>
+          <p:txBody>
+            <a:bodyPr wrap="square" rtlCol="0">
+              <a:spAutoFit/>
+            </a:bodyPr>
+            <a:lstStyle/>
+            <a:p>
+              <a:endParaRPr lang="en-US" dirty="0"/>
+            </a:p>
+          </p:txBody>
+        </p:sp>
+        <p:sp>
+          <p:nvSpPr>
+            <p:cNvPr id="15" name="TextBox 14">
+              <a:extLst>
+                <a:ext uri="{FF2B5EF4-FFF2-40B4-BE49-F238E27FC236}">
+                  <a16:creationId xmlns:a16="http://schemas.microsoft.com/office/drawing/2014/main" id="{DD44DAA3-5164-3E42-8B19-F33C1CB98073}"/>
+                </a:ext>
+              </a:extLst>
+            </p:cNvPr>
+            <p:cNvSpPr txBox="1"/>
+            <p:nvPr/>
+          </p:nvSpPr>
+          <p:spPr>
+            <a:xfrm>
+              <a:off x="7904101" y="494636"/>
+              <a:ext cx="3324999" cy="584775"/>
+            </a:xfrm>
+            <a:prstGeom prst="rect">
+              <a:avLst/>
+            </a:prstGeom>
+            <a:noFill/>
+          </p:spPr>
+          <p:txBody>
+            <a:bodyPr wrap="square" rtlCol="0">
+              <a:spAutoFit/>
+            </a:bodyPr>
+            <a:lstStyle/>
+            <a:p>
+              <a:r>
+                <a:rPr lang="en-US" sz="3200" dirty="0"/>
+                <a:t>0  1  1  0  R</a:t>
+              </a:r>
+              <a:r>
+                <a:rPr lang="en-US" sz="2000" baseline="-25000" dirty="0"/>
+                <a:t> </a:t>
+              </a:r>
+              <a:r>
+                <a:rPr lang="en-US" sz="3200" dirty="0"/>
+                <a:t>  R</a:t>
+              </a:r>
+              <a:r>
+                <a:rPr lang="en-US" sz="3200" baseline="-25000" dirty="0"/>
+                <a:t> </a:t>
+              </a:r>
+              <a:r>
+                <a:rPr lang="en-US" sz="3200" dirty="0"/>
+                <a:t> R</a:t>
+              </a:r>
+              <a:r>
+                <a:rPr lang="en-US" sz="3200" baseline="-25000" dirty="0"/>
+                <a:t> </a:t>
+              </a:r>
+              <a:r>
+                <a:rPr lang="en-US" sz="3200" dirty="0"/>
+                <a:t> R</a:t>
+              </a:r>
+              <a:endParaRPr lang="en-US" sz="3200" baseline="-25000" dirty="0"/>
+            </a:p>
+          </p:txBody>
+        </p:sp>
+        <p:sp>
+          <p:nvSpPr>
+            <p:cNvPr id="16" name="Double Brace 15">
+              <a:extLst>
+                <a:ext uri="{FF2B5EF4-FFF2-40B4-BE49-F238E27FC236}">
+                  <a16:creationId xmlns:a16="http://schemas.microsoft.com/office/drawing/2014/main" id="{FD19FD86-D692-674D-913A-4E440CE76C6F}"/>
+                </a:ext>
+              </a:extLst>
+            </p:cNvPr>
+            <p:cNvSpPr/>
+            <p:nvPr/>
+          </p:nvSpPr>
+          <p:spPr>
+            <a:xfrm rot="16200000">
+              <a:off x="9409201" y="95043"/>
+              <a:ext cx="1373582" cy="1179197"/>
+            </a:xfrm>
+            <a:prstGeom prst="bracePair">
+              <a:avLst/>
+            </a:prstGeom>
+            <a:ln w="38100">
+              <a:solidFill>
+                <a:schemeClr val="tx1">
+                  <a:lumMod val="95000"/>
+                  <a:lumOff val="5000"/>
+                </a:schemeClr>
+              </a:solidFill>
+            </a:ln>
+          </p:spPr>
+          <p:style>
+            <a:lnRef idx="1">
+              <a:schemeClr val="accent1"/>
+            </a:lnRef>
+            <a:fillRef idx="0">
+              <a:schemeClr val="accent1"/>
+            </a:fillRef>
+            <a:effectRef idx="0">
+              <a:schemeClr val="accent1"/>
+            </a:effectRef>
+            <a:fontRef idx="minor">
+              <a:schemeClr val="tx1"/>
+            </a:fontRef>
+          </p:style>
+          <p:txBody>
+            <a:bodyPr rtlCol="0" anchor="ctr"/>
+            <a:lstStyle/>
+            <a:p>
+              <a:pPr algn="ctr"/>
+              <a:endParaRPr lang="en-US"/>
+            </a:p>
+          </p:txBody>
+        </p:sp>
+        <p:sp>
+          <p:nvSpPr>
+            <p:cNvPr id="17" name="TextBox 16">
+              <a:extLst>
+                <a:ext uri="{FF2B5EF4-FFF2-40B4-BE49-F238E27FC236}">
+                  <a16:creationId xmlns:a16="http://schemas.microsoft.com/office/drawing/2014/main" id="{C8F000F5-8A67-9E43-B378-EA0539E126BF}"/>
+                </a:ext>
+              </a:extLst>
+            </p:cNvPr>
+            <p:cNvSpPr txBox="1"/>
+            <p:nvPr/>
+          </p:nvSpPr>
+          <p:spPr>
+            <a:xfrm>
+              <a:off x="9090561" y="-118702"/>
+              <a:ext cx="1946823" cy="540000"/>
+            </a:xfrm>
+            <a:prstGeom prst="rect">
+              <a:avLst/>
+            </a:prstGeom>
+            <a:solidFill>
+              <a:schemeClr val="bg1"/>
+            </a:solidFill>
+            <a:ln w="47625">
+              <a:noFill/>
+            </a:ln>
+          </p:spPr>
+          <p:txBody>
+            <a:bodyPr wrap="square" rtlCol="0">
+              <a:spAutoFit/>
+            </a:bodyPr>
+            <a:lstStyle/>
+            <a:p>
+              <a:endParaRPr lang="en-US" dirty="0"/>
+            </a:p>
+          </p:txBody>
+        </p:sp>
+      </p:grpSp>
+      <p:cxnSp>
+        <p:nvCxnSpPr>
+          <p:cNvPr id="26" name="Straight Connector 25">
+            <a:extLst>
+              <a:ext uri="{FF2B5EF4-FFF2-40B4-BE49-F238E27FC236}">
+                <a16:creationId xmlns:a16="http://schemas.microsoft.com/office/drawing/2014/main" id="{B037EF98-B4D9-6F43-9D34-ECA22F8E3D2E}"/>
+              </a:ext>
+            </a:extLst>
+          </p:cNvPr>
+          <p:cNvCxnSpPr>
+            <a:cxnSpLocks/>
+          </p:cNvCxnSpPr>
+          <p:nvPr/>
+        </p:nvCxnSpPr>
+        <p:spPr>
+          <a:xfrm>
+            <a:off x="7335982" y="-156754"/>
+            <a:ext cx="0" cy="7053943"/>
+          </a:xfrm>
+          <a:prstGeom prst="line">
+            <a:avLst/>
+          </a:prstGeom>
+          <a:ln w="63500">
+            <a:solidFill>
+              <a:schemeClr val="tx1"/>
+            </a:solidFill>
+          </a:ln>
+        </p:spPr>
+        <p:style>
+          <a:lnRef idx="1">
+            <a:schemeClr val="accent1"/>
+          </a:lnRef>
+          <a:fillRef idx="0">
+            <a:schemeClr val="accent1"/>
+          </a:fillRef>
+          <a:effectRef idx="0">
+            <a:schemeClr val="accent1"/>
+          </a:effectRef>
+          <a:fontRef idx="minor">
+            <a:schemeClr val="tx1"/>
+          </a:fontRef>
+        </p:style>
+      </p:cxnSp>
+      <p:sp>
+        <p:nvSpPr>
+          <p:cNvPr id="22" name="TextBox 21">
+            <a:extLst>
+              <a:ext uri="{FF2B5EF4-FFF2-40B4-BE49-F238E27FC236}">
+                <a16:creationId xmlns:a16="http://schemas.microsoft.com/office/drawing/2014/main" id="{12A78311-214F-074C-BF2B-8A167B49EB6D}"/>
+              </a:ext>
+            </a:extLst>
+          </p:cNvPr>
+          <p:cNvSpPr txBox="1"/>
+          <p:nvPr/>
+        </p:nvSpPr>
+        <p:spPr>
+          <a:xfrm>
+            <a:off x="5276041" y="6386877"/>
+            <a:ext cx="1576714" cy="369332"/>
+          </a:xfrm>
+          <a:prstGeom prst="rect">
+            <a:avLst/>
+          </a:prstGeom>
+          <a:noFill/>
+          <a:ln w="47625">
+            <a:solidFill>
+              <a:schemeClr val="tx1"/>
+            </a:solidFill>
+          </a:ln>
+        </p:spPr>
+        <p:txBody>
+          <a:bodyPr wrap="square" rtlCol="0">
+            <a:spAutoFit/>
+          </a:bodyPr>
+          <a:lstStyle/>
+          <a:p>
+            <a:endParaRPr lang="en-US" dirty="0"/>
+          </a:p>
+        </p:txBody>
+      </p:sp>
+      <p:grpSp>
+        <p:nvGrpSpPr>
+          <p:cNvPr id="35" name="Group 34">
+            <a:extLst>
+              <a:ext uri="{FF2B5EF4-FFF2-40B4-BE49-F238E27FC236}">
+                <a16:creationId xmlns:a16="http://schemas.microsoft.com/office/drawing/2014/main" id="{ECC5D612-B5F5-1A44-AF07-871CD1862A95}"/>
+              </a:ext>
+            </a:extLst>
+          </p:cNvPr>
+          <p:cNvGrpSpPr/>
+          <p:nvPr/>
+        </p:nvGrpSpPr>
+        <p:grpSpPr>
+          <a:xfrm>
+            <a:off x="1712460" y="0"/>
+            <a:ext cx="5140296" cy="2448804"/>
+            <a:chOff x="2978604" y="509314"/>
+            <a:chExt cx="5140296" cy="2448804"/>
+          </a:xfrm>
+        </p:grpSpPr>
+        <p:sp>
+          <p:nvSpPr>
+            <p:cNvPr id="36" name="Double Brace 35">
+              <a:extLst>
+                <a:ext uri="{FF2B5EF4-FFF2-40B4-BE49-F238E27FC236}">
+                  <a16:creationId xmlns:a16="http://schemas.microsoft.com/office/drawing/2014/main" id="{94F8AD14-33B4-5F48-AC07-DD5ED99FB800}"/>
+                </a:ext>
+              </a:extLst>
+            </p:cNvPr>
+            <p:cNvSpPr/>
+            <p:nvPr/>
+          </p:nvSpPr>
+          <p:spPr>
+            <a:xfrm rot="16200000">
+              <a:off x="5747317" y="-125799"/>
+              <a:ext cx="1373582" cy="3183811"/>
+            </a:xfrm>
+            <a:prstGeom prst="bracePair">
+              <a:avLst/>
+            </a:prstGeom>
+            <a:ln w="38100">
+              <a:solidFill>
+                <a:schemeClr val="tx1">
+                  <a:lumMod val="95000"/>
+                  <a:lumOff val="5000"/>
+                </a:schemeClr>
+              </a:solidFill>
+            </a:ln>
+          </p:spPr>
+          <p:style>
+            <a:lnRef idx="1">
+              <a:schemeClr val="accent1"/>
+            </a:lnRef>
+            <a:fillRef idx="0">
+              <a:schemeClr val="accent1"/>
+            </a:fillRef>
+            <a:effectRef idx="0">
+              <a:schemeClr val="accent1"/>
+            </a:effectRef>
+            <a:fontRef idx="minor">
+              <a:schemeClr val="tx1"/>
+            </a:fontRef>
+          </p:style>
+          <p:txBody>
+            <a:bodyPr rtlCol="0" anchor="ctr"/>
+            <a:lstStyle/>
+            <a:p>
+              <a:pPr algn="ctr"/>
+              <a:endParaRPr lang="en-US"/>
+            </a:p>
+          </p:txBody>
+        </p:sp>
+        <p:grpSp>
+          <p:nvGrpSpPr>
+            <p:cNvPr id="37" name="Group 36">
+              <a:extLst>
+                <a:ext uri="{FF2B5EF4-FFF2-40B4-BE49-F238E27FC236}">
+                  <a16:creationId xmlns:a16="http://schemas.microsoft.com/office/drawing/2014/main" id="{49F1B100-FED0-5B4D-AC8D-C91F4E52F777}"/>
+                </a:ext>
+              </a:extLst>
+            </p:cNvPr>
+            <p:cNvGrpSpPr/>
+            <p:nvPr/>
+          </p:nvGrpSpPr>
+          <p:grpSpPr>
+            <a:xfrm>
+              <a:off x="2978604" y="509314"/>
+              <a:ext cx="5140296" cy="1329174"/>
+              <a:chOff x="2978604" y="509314"/>
+              <a:chExt cx="5140296" cy="1329174"/>
+            </a:xfrm>
+          </p:grpSpPr>
+          <p:grpSp>
+            <p:nvGrpSpPr>
+              <p:cNvPr id="42" name="Group 41">
+                <a:extLst>
+                  <a:ext uri="{FF2B5EF4-FFF2-40B4-BE49-F238E27FC236}">
+                    <a16:creationId xmlns:a16="http://schemas.microsoft.com/office/drawing/2014/main" id="{ABA1BF4F-18CC-F84D-98EE-074A92F61A75}"/>
+                  </a:ext>
+                </a:extLst>
+              </p:cNvPr>
+              <p:cNvGrpSpPr/>
+              <p:nvPr/>
+            </p:nvGrpSpPr>
+            <p:grpSpPr>
+              <a:xfrm>
+                <a:off x="4842203" y="1298488"/>
+                <a:ext cx="3276697" cy="540000"/>
+                <a:chOff x="1573971" y="1298488"/>
+                <a:chExt cx="3276697" cy="540000"/>
+              </a:xfrm>
+            </p:grpSpPr>
+            <p:grpSp>
+              <p:nvGrpSpPr>
+                <p:cNvPr id="44" name="Group 43">
+                  <a:extLst>
+                    <a:ext uri="{FF2B5EF4-FFF2-40B4-BE49-F238E27FC236}">
+                      <a16:creationId xmlns:a16="http://schemas.microsoft.com/office/drawing/2014/main" id="{39FAFC79-CA42-F340-9B85-E6CCB46FBE4F}"/>
+                    </a:ext>
+                  </a:extLst>
+                </p:cNvPr>
+                <p:cNvGrpSpPr/>
+                <p:nvPr/>
+              </p:nvGrpSpPr>
+              <p:grpSpPr>
+                <a:xfrm>
+                  <a:off x="1604353" y="1298488"/>
+                  <a:ext cx="3153427" cy="540000"/>
+                  <a:chOff x="6267794" y="658408"/>
+                  <a:chExt cx="2880000" cy="540000"/>
+                </a:xfrm>
+              </p:grpSpPr>
+              <p:sp>
+                <p:nvSpPr>
+                  <p:cNvPr id="46" name="TextBox 45">
+                    <a:extLst>
+                      <a:ext uri="{FF2B5EF4-FFF2-40B4-BE49-F238E27FC236}">
+                        <a16:creationId xmlns:a16="http://schemas.microsoft.com/office/drawing/2014/main" id="{520BA237-C405-0C4C-A2D0-E1EFA90C0CE9}"/>
+                      </a:ext>
+                    </a:extLst>
+                  </p:cNvPr>
+                  <p:cNvSpPr txBox="1"/>
+                  <p:nvPr/>
+                </p:nvSpPr>
+                <p:spPr>
+                  <a:xfrm>
+                    <a:off x="6267794" y="658408"/>
+                    <a:ext cx="2880000" cy="540000"/>
+                  </a:xfrm>
+                  <a:prstGeom prst="rect">
+                    <a:avLst/>
+                  </a:prstGeom>
+                  <a:noFill/>
+                  <a:ln w="47625">
+                    <a:solidFill>
+                      <a:schemeClr val="tx1"/>
+                    </a:solidFill>
+                  </a:ln>
+                </p:spPr>
+                <p:txBody>
+                  <a:bodyPr wrap="square" rtlCol="0">
+                    <a:spAutoFit/>
+                  </a:bodyPr>
+                  <a:lstStyle/>
+                  <a:p>
+                    <a:endParaRPr lang="en-US" dirty="0"/>
+                  </a:p>
+                </p:txBody>
+              </p:sp>
+              <p:sp>
+                <p:nvSpPr>
+                  <p:cNvPr id="47" name="TextBox 46">
+                    <a:extLst>
+                      <a:ext uri="{FF2B5EF4-FFF2-40B4-BE49-F238E27FC236}">
+                        <a16:creationId xmlns:a16="http://schemas.microsoft.com/office/drawing/2014/main" id="{67B9E103-E3A5-E648-A388-F367A86EE59E}"/>
+                      </a:ext>
+                    </a:extLst>
+                  </p:cNvPr>
+                  <p:cNvSpPr txBox="1"/>
+                  <p:nvPr/>
+                </p:nvSpPr>
+                <p:spPr>
+                  <a:xfrm>
+                    <a:off x="6267794" y="658408"/>
+                    <a:ext cx="1440000" cy="540000"/>
+                  </a:xfrm>
+                  <a:prstGeom prst="rect">
+                    <a:avLst/>
+                  </a:prstGeom>
+                  <a:noFill/>
+                  <a:ln w="47625">
+                    <a:solidFill>
+                      <a:schemeClr val="tx1"/>
+                    </a:solidFill>
+                  </a:ln>
+                </p:spPr>
+                <p:txBody>
+                  <a:bodyPr wrap="square" rtlCol="0">
+                    <a:spAutoFit/>
+                  </a:bodyPr>
+                  <a:lstStyle/>
+                  <a:p>
+                    <a:endParaRPr lang="en-US" dirty="0"/>
+                  </a:p>
+                </p:txBody>
+              </p:sp>
+              <p:sp>
+                <p:nvSpPr>
+                  <p:cNvPr id="48" name="TextBox 47">
+                    <a:extLst>
+                      <a:ext uri="{FF2B5EF4-FFF2-40B4-BE49-F238E27FC236}">
+                        <a16:creationId xmlns:a16="http://schemas.microsoft.com/office/drawing/2014/main" id="{3172AC68-3F1C-9D44-9C49-D165B4B34E8F}"/>
+                      </a:ext>
+                    </a:extLst>
+                  </p:cNvPr>
+                  <p:cNvSpPr txBox="1"/>
+                  <p:nvPr/>
+                </p:nvSpPr>
+                <p:spPr>
+                  <a:xfrm>
+                    <a:off x="6267794" y="658408"/>
+                    <a:ext cx="720000" cy="540000"/>
+                  </a:xfrm>
+                  <a:prstGeom prst="rect">
+                    <a:avLst/>
+                  </a:prstGeom>
+                  <a:noFill/>
+                  <a:ln w="47625">
+                    <a:solidFill>
+                      <a:schemeClr val="tx1"/>
+                    </a:solidFill>
+                  </a:ln>
+                </p:spPr>
+                <p:txBody>
+                  <a:bodyPr wrap="square" rtlCol="0">
+                    <a:spAutoFit/>
+                  </a:bodyPr>
+                  <a:lstStyle/>
+                  <a:p>
+                    <a:endParaRPr lang="en-US" dirty="0"/>
+                  </a:p>
+                </p:txBody>
+              </p:sp>
+              <p:sp>
+                <p:nvSpPr>
+                  <p:cNvPr id="49" name="TextBox 48">
+                    <a:extLst>
+                      <a:ext uri="{FF2B5EF4-FFF2-40B4-BE49-F238E27FC236}">
+                        <a16:creationId xmlns:a16="http://schemas.microsoft.com/office/drawing/2014/main" id="{04DE0E80-151F-2943-B2BB-E985E6CEB933}"/>
+                      </a:ext>
+                    </a:extLst>
+                  </p:cNvPr>
+                  <p:cNvSpPr txBox="1"/>
+                  <p:nvPr/>
+                </p:nvSpPr>
+                <p:spPr>
+                  <a:xfrm>
+                    <a:off x="7707794" y="658408"/>
+                    <a:ext cx="720000" cy="540000"/>
+                  </a:xfrm>
+                  <a:prstGeom prst="rect">
+                    <a:avLst/>
+                  </a:prstGeom>
+                  <a:noFill/>
+                  <a:ln w="47625">
+                    <a:solidFill>
+                      <a:schemeClr val="tx1"/>
+                    </a:solidFill>
+                  </a:ln>
+                </p:spPr>
+                <p:txBody>
+                  <a:bodyPr wrap="square" rtlCol="0">
+                    <a:spAutoFit/>
+                  </a:bodyPr>
+                  <a:lstStyle/>
+                  <a:p>
+                    <a:endParaRPr lang="en-US" dirty="0"/>
+                  </a:p>
+                </p:txBody>
+              </p:sp>
+              <p:sp>
+                <p:nvSpPr>
+                  <p:cNvPr id="50" name="TextBox 49">
+                    <a:extLst>
+                      <a:ext uri="{FF2B5EF4-FFF2-40B4-BE49-F238E27FC236}">
+                        <a16:creationId xmlns:a16="http://schemas.microsoft.com/office/drawing/2014/main" id="{77F63049-8969-5B40-A553-8A44980A045A}"/>
+                      </a:ext>
+                    </a:extLst>
+                  </p:cNvPr>
+                  <p:cNvSpPr txBox="1"/>
+                  <p:nvPr/>
+                </p:nvSpPr>
+                <p:spPr>
+                  <a:xfrm>
+                    <a:off x="6267794" y="658408"/>
+                    <a:ext cx="360000" cy="540000"/>
+                  </a:xfrm>
+                  <a:prstGeom prst="rect">
+                    <a:avLst/>
+                  </a:prstGeom>
+                  <a:noFill/>
+                  <a:ln w="47625">
+                    <a:solidFill>
+                      <a:schemeClr val="tx1"/>
+                    </a:solidFill>
+                  </a:ln>
+                </p:spPr>
+                <p:txBody>
+                  <a:bodyPr wrap="square" rtlCol="0">
+                    <a:spAutoFit/>
+                  </a:bodyPr>
+                  <a:lstStyle/>
+                  <a:p>
+                    <a:endParaRPr lang="en-US" dirty="0"/>
+                  </a:p>
+                </p:txBody>
+              </p:sp>
+              <p:sp>
+                <p:nvSpPr>
+                  <p:cNvPr id="51" name="TextBox 50">
+                    <a:extLst>
+                      <a:ext uri="{FF2B5EF4-FFF2-40B4-BE49-F238E27FC236}">
+                        <a16:creationId xmlns:a16="http://schemas.microsoft.com/office/drawing/2014/main" id="{79BD86A8-EFC4-AF4C-B2B2-AB9970B0C453}"/>
+                      </a:ext>
+                    </a:extLst>
+                  </p:cNvPr>
+                  <p:cNvSpPr txBox="1"/>
+                  <p:nvPr/>
+                </p:nvSpPr>
+                <p:spPr>
+                  <a:xfrm>
+                    <a:off x="7347794" y="658408"/>
+                    <a:ext cx="720000" cy="540000"/>
+                  </a:xfrm>
+                  <a:prstGeom prst="rect">
+                    <a:avLst/>
+                  </a:prstGeom>
+                  <a:noFill/>
+                  <a:ln w="47625">
+                    <a:solidFill>
+                      <a:schemeClr val="tx1"/>
+                    </a:solidFill>
+                  </a:ln>
+                </p:spPr>
+                <p:txBody>
+                  <a:bodyPr wrap="square" rtlCol="0">
+                    <a:spAutoFit/>
+                  </a:bodyPr>
+                  <a:lstStyle/>
+                  <a:p>
+                    <a:endParaRPr lang="en-US" dirty="0"/>
+                  </a:p>
+                </p:txBody>
+              </p:sp>
+              <p:sp>
+                <p:nvSpPr>
+                  <p:cNvPr id="52" name="TextBox 51">
+                    <a:extLst>
+                      <a:ext uri="{FF2B5EF4-FFF2-40B4-BE49-F238E27FC236}">
+                        <a16:creationId xmlns:a16="http://schemas.microsoft.com/office/drawing/2014/main" id="{B4427196-4F50-4B41-90C8-5F72CCB5AE97}"/>
+                      </a:ext>
+                    </a:extLst>
+                  </p:cNvPr>
+                  <p:cNvSpPr txBox="1"/>
+                  <p:nvPr/>
+                </p:nvSpPr>
+                <p:spPr>
+                  <a:xfrm>
+                    <a:off x="8067794" y="658408"/>
+                    <a:ext cx="720000" cy="540000"/>
+                  </a:xfrm>
+                  <a:prstGeom prst="rect">
+                    <a:avLst/>
+                  </a:prstGeom>
+                  <a:noFill/>
+                  <a:ln w="47625">
+                    <a:solidFill>
+                      <a:schemeClr val="tx1"/>
+                    </a:solidFill>
+                  </a:ln>
+                </p:spPr>
+                <p:txBody>
+                  <a:bodyPr wrap="square" rtlCol="0">
+                    <a:spAutoFit/>
+                  </a:bodyPr>
+                  <a:lstStyle/>
+                  <a:p>
+                    <a:endParaRPr lang="en-US" dirty="0"/>
+                  </a:p>
+                </p:txBody>
+              </p:sp>
+            </p:grpSp>
+            <p:sp>
+              <p:nvSpPr>
+                <p:cNvPr id="45" name="TextBox 44">
+                  <a:extLst>
+                    <a:ext uri="{FF2B5EF4-FFF2-40B4-BE49-F238E27FC236}">
+                      <a16:creationId xmlns:a16="http://schemas.microsoft.com/office/drawing/2014/main" id="{D468C439-9409-E147-9419-E0D063E958A0}"/>
+                    </a:ext>
+                  </a:extLst>
+                </p:cNvPr>
+                <p:cNvSpPr txBox="1"/>
+                <p:nvPr/>
+              </p:nvSpPr>
+              <p:spPr>
+                <a:xfrm>
+                  <a:off x="1573971" y="1298488"/>
+                  <a:ext cx="3276697" cy="523220"/>
+                </a:xfrm>
+                <a:prstGeom prst="rect">
+                  <a:avLst/>
+                </a:prstGeom>
+                <a:noFill/>
+              </p:spPr>
+              <p:txBody>
+                <a:bodyPr wrap="square" rtlCol="0">
+                  <a:spAutoFit/>
+                </a:bodyPr>
+                <a:lstStyle/>
+                <a:p>
+                  <a:r>
+                    <a:rPr lang="en-US" sz="2800" dirty="0"/>
+                    <a:t>A</a:t>
+                  </a:r>
+                  <a:r>
+                    <a:rPr lang="en-US" sz="2000" baseline="-25000" dirty="0"/>
+                    <a:t>2</a:t>
+                  </a:r>
+                  <a:r>
+                    <a:rPr lang="en-US" sz="2800" dirty="0"/>
+                    <a:t> A</a:t>
+                  </a:r>
+                  <a:r>
+                    <a:rPr lang="en-US" sz="2000" baseline="-25000" dirty="0"/>
+                    <a:t>2   </a:t>
+                  </a:r>
+                  <a:r>
+                    <a:rPr lang="en-US" sz="2800" dirty="0"/>
+                    <a:t>A</a:t>
+                  </a:r>
+                  <a:r>
+                    <a:rPr lang="en-US" sz="2000" baseline="-25000" dirty="0"/>
+                    <a:t>2</a:t>
+                  </a:r>
+                  <a:r>
+                    <a:rPr lang="en-US" sz="2800" baseline="-25000" dirty="0"/>
+                    <a:t>  </a:t>
+                  </a:r>
+                  <a:r>
+                    <a:rPr lang="en-US" sz="2800" dirty="0"/>
+                    <a:t>A</a:t>
+                  </a:r>
+                  <a:r>
+                    <a:rPr lang="en-US" sz="2000" baseline="-25000" dirty="0"/>
+                    <a:t>2</a:t>
+                  </a:r>
+                  <a:r>
+                    <a:rPr lang="en-US" sz="2800" baseline="-25000" dirty="0"/>
+                    <a:t>  </a:t>
+                  </a:r>
+                  <a:r>
+                    <a:rPr lang="en-US" sz="2800" dirty="0"/>
+                    <a:t>A</a:t>
+                  </a:r>
+                  <a:r>
+                    <a:rPr lang="en-US" sz="2000" baseline="-25000" dirty="0"/>
+                    <a:t>1</a:t>
+                  </a:r>
+                  <a:r>
+                    <a:rPr lang="en-US" sz="2800" baseline="-25000" dirty="0"/>
+                    <a:t>  </a:t>
+                  </a:r>
+                  <a:r>
+                    <a:rPr lang="en-US" sz="2800" dirty="0"/>
+                    <a:t>A</a:t>
+                  </a:r>
+                  <a:r>
+                    <a:rPr lang="en-US" sz="2000" baseline="-25000" dirty="0"/>
+                    <a:t>1</a:t>
+                  </a:r>
+                  <a:r>
+                    <a:rPr lang="en-US" sz="2800" baseline="-25000" dirty="0"/>
+                    <a:t>  </a:t>
+                  </a:r>
+                  <a:r>
+                    <a:rPr lang="en-US" sz="2800" dirty="0"/>
+                    <a:t>A</a:t>
+                  </a:r>
+                  <a:r>
+                    <a:rPr lang="en-US" sz="2000" baseline="-25000" dirty="0"/>
+                    <a:t>1</a:t>
+                  </a:r>
+                  <a:r>
+                    <a:rPr lang="en-US" sz="2400" baseline="-25000" dirty="0"/>
+                    <a:t> </a:t>
+                  </a:r>
+                  <a:r>
+                    <a:rPr lang="en-US" sz="2800" dirty="0"/>
+                    <a:t>A</a:t>
+                  </a:r>
+                  <a:r>
+                    <a:rPr lang="en-US" sz="2000" baseline="-25000" dirty="0"/>
+                    <a:t>1</a:t>
+                  </a:r>
+                  <a:endParaRPr lang="en-US" sz="2800" baseline="-25000" dirty="0"/>
+                </a:p>
+              </p:txBody>
+            </p:sp>
+          </p:grpSp>
+          <p:sp>
+            <p:nvSpPr>
+              <p:cNvPr id="43" name="TextBox 42">
+                <a:extLst>
+                  <a:ext uri="{FF2B5EF4-FFF2-40B4-BE49-F238E27FC236}">
+                    <a16:creationId xmlns:a16="http://schemas.microsoft.com/office/drawing/2014/main" id="{646F9795-1AFC-B245-8176-B8472FCF76E7}"/>
+                  </a:ext>
+                </a:extLst>
+              </p:cNvPr>
+              <p:cNvSpPr txBox="1"/>
+              <p:nvPr/>
+            </p:nvSpPr>
+            <p:spPr>
+              <a:xfrm>
+                <a:off x="2978604" y="509314"/>
+                <a:ext cx="5047408" cy="540000"/>
+              </a:xfrm>
+              <a:prstGeom prst="rect">
+                <a:avLst/>
+              </a:prstGeom>
+              <a:solidFill>
+                <a:schemeClr val="bg1"/>
+              </a:solidFill>
+              <a:ln w="47625">
+                <a:noFill/>
+              </a:ln>
+            </p:spPr>
+            <p:txBody>
+              <a:bodyPr wrap="square" rtlCol="0">
+                <a:spAutoFit/>
+              </a:bodyPr>
+              <a:lstStyle/>
+              <a:p>
+                <a:endParaRPr lang="en-US" dirty="0"/>
+              </a:p>
+            </p:txBody>
+          </p:sp>
+        </p:grpSp>
+        <p:sp>
+          <p:nvSpPr>
+            <p:cNvPr id="38" name="TextBox 37">
+              <a:extLst>
+                <a:ext uri="{FF2B5EF4-FFF2-40B4-BE49-F238E27FC236}">
+                  <a16:creationId xmlns:a16="http://schemas.microsoft.com/office/drawing/2014/main" id="{D2EFAF1E-F589-674D-8A98-F5A80DAB4B2F}"/>
+                </a:ext>
+              </a:extLst>
+            </p:cNvPr>
+            <p:cNvSpPr txBox="1"/>
+            <p:nvPr/>
+          </p:nvSpPr>
+          <p:spPr>
+            <a:xfrm>
+              <a:off x="4842203" y="2588786"/>
+              <a:ext cx="1520160" cy="369332"/>
+            </a:xfrm>
+            <a:prstGeom prst="rect">
+              <a:avLst/>
+            </a:prstGeom>
+            <a:noFill/>
+          </p:spPr>
+          <p:txBody>
+            <a:bodyPr wrap="none" rtlCol="0">
+              <a:spAutoFit/>
+            </a:bodyPr>
+            <a:lstStyle/>
+            <a:p>
+              <a:r>
+                <a:rPr lang="en-US" dirty="0"/>
+                <a:t>12-bit address</a:t>
+              </a:r>
+            </a:p>
+          </p:txBody>
+        </p:sp>
+        <p:sp>
+          <p:nvSpPr>
+            <p:cNvPr id="39" name="Right Arrow 38">
+              <a:extLst>
+                <a:ext uri="{FF2B5EF4-FFF2-40B4-BE49-F238E27FC236}">
+                  <a16:creationId xmlns:a16="http://schemas.microsoft.com/office/drawing/2014/main" id="{AD04BC02-89E4-A744-B2C1-99BE0C85F7BA}"/>
+                </a:ext>
+              </a:extLst>
+            </p:cNvPr>
+            <p:cNvSpPr/>
+            <p:nvPr/>
+          </p:nvSpPr>
+          <p:spPr>
+            <a:xfrm rot="16200000">
+              <a:off x="5468256" y="2362921"/>
+              <a:ext cx="306893" cy="129746"/>
+            </a:xfrm>
+            <a:prstGeom prst="rightArrow">
+              <a:avLst/>
+            </a:prstGeom>
+          </p:spPr>
+          <p:style>
+            <a:lnRef idx="0">
+              <a:schemeClr val="accent6"/>
+            </a:lnRef>
+            <a:fillRef idx="3">
+              <a:schemeClr val="accent6"/>
+            </a:fillRef>
+            <a:effectRef idx="3">
+              <a:schemeClr val="accent6"/>
+            </a:effectRef>
+            <a:fontRef idx="minor">
+              <a:schemeClr val="lt1"/>
+            </a:fontRef>
+          </p:style>
+          <p:txBody>
+            <a:bodyPr rtlCol="0" anchor="ctr">
+              <a:scene3d>
+                <a:camera prst="orthographicFront"/>
+                <a:lightRig rig="soft" dir="t">
+                  <a:rot lat="0" lon="0" rev="15600000"/>
+                </a:lightRig>
+              </a:scene3d>
+              <a:sp3d extrusionH="57150" prstMaterial="softEdge">
+                <a:bevelT w="25400" h="38100"/>
+              </a:sp3d>
+            </a:bodyPr>
+            <a:lstStyle/>
+            <a:p>
+              <a:pPr algn="ctr"/>
+              <a:endParaRPr lang="en-US" b="1">
+                <a:ln/>
+                <a:solidFill>
+                  <a:schemeClr val="accent4"/>
+                </a:solidFill>
+              </a:endParaRPr>
+            </a:p>
+          </p:txBody>
+        </p:sp>
+      </p:grpSp>
+      <p:grpSp>
+        <p:nvGrpSpPr>
+          <p:cNvPr id="63" name="Group 62">
+            <a:extLst>
+              <a:ext uri="{FF2B5EF4-FFF2-40B4-BE49-F238E27FC236}">
+                <a16:creationId xmlns:a16="http://schemas.microsoft.com/office/drawing/2014/main" id="{481175A5-787F-7242-99C4-F25EA188137A}"/>
+              </a:ext>
+            </a:extLst>
+          </p:cNvPr>
+          <p:cNvGrpSpPr/>
+          <p:nvPr/>
+        </p:nvGrpSpPr>
+        <p:grpSpPr>
+          <a:xfrm>
+            <a:off x="3348026" y="3020436"/>
+            <a:ext cx="884905" cy="1160390"/>
+            <a:chOff x="4547031" y="4518057"/>
+            <a:chExt cx="884905" cy="1160390"/>
+          </a:xfrm>
+        </p:grpSpPr>
+        <p:grpSp>
+          <p:nvGrpSpPr>
+            <p:cNvPr id="64" name="Group 63">
+              <a:extLst>
+                <a:ext uri="{FF2B5EF4-FFF2-40B4-BE49-F238E27FC236}">
+                  <a16:creationId xmlns:a16="http://schemas.microsoft.com/office/drawing/2014/main" id="{5DD70D8D-8E9D-4649-A738-70CBF2170C08}"/>
+                </a:ext>
+              </a:extLst>
+            </p:cNvPr>
+            <p:cNvGrpSpPr/>
+            <p:nvPr/>
+          </p:nvGrpSpPr>
+          <p:grpSpPr>
+            <a:xfrm>
+              <a:off x="4547032" y="4926685"/>
+              <a:ext cx="884904" cy="667015"/>
+              <a:chOff x="4366926" y="4826186"/>
+              <a:chExt cx="884904" cy="667015"/>
+            </a:xfrm>
+          </p:grpSpPr>
+          <p:sp>
+            <p:nvSpPr>
+              <p:cNvPr id="68" name="TextBox 67">
+                <a:extLst>
+                  <a:ext uri="{FF2B5EF4-FFF2-40B4-BE49-F238E27FC236}">
+                    <a16:creationId xmlns:a16="http://schemas.microsoft.com/office/drawing/2014/main" id="{D670EF51-1013-E945-A323-B43EBCEB49AD}"/>
+                  </a:ext>
+                </a:extLst>
+              </p:cNvPr>
+              <p:cNvSpPr txBox="1"/>
+              <p:nvPr/>
+            </p:nvSpPr>
+            <p:spPr>
+              <a:xfrm>
+                <a:off x="4817096" y="4826186"/>
+                <a:ext cx="434734" cy="369332"/>
+              </a:xfrm>
+              <a:prstGeom prst="rect">
+                <a:avLst/>
+              </a:prstGeom>
+              <a:noFill/>
+            </p:spPr>
+            <p:txBody>
+              <a:bodyPr wrap="none" rtlCol="0">
+                <a:spAutoFit/>
+              </a:bodyPr>
+              <a:lstStyle/>
+              <a:p>
+                <a:r>
+                  <a:rPr lang="en-US" dirty="0"/>
+                  <a:t>P</a:t>
+                </a:r>
+                <a:r>
+                  <a:rPr lang="en-US" baseline="-25000" dirty="0"/>
+                  <a:t>M</a:t>
+                </a:r>
+              </a:p>
+            </p:txBody>
+          </p:sp>
+          <p:sp>
+            <p:nvSpPr>
+              <p:cNvPr id="69" name="Right Arrow 68">
+                <a:extLst>
+                  <a:ext uri="{FF2B5EF4-FFF2-40B4-BE49-F238E27FC236}">
+                    <a16:creationId xmlns:a16="http://schemas.microsoft.com/office/drawing/2014/main" id="{AB939C56-F838-C849-AECE-725C8C4F9BA1}"/>
+                  </a:ext>
+                </a:extLst>
+              </p:cNvPr>
+              <p:cNvSpPr/>
+              <p:nvPr/>
+            </p:nvSpPr>
+            <p:spPr>
+              <a:xfrm>
+                <a:off x="4366926" y="4930946"/>
+                <a:ext cx="306893" cy="129746"/>
+              </a:xfrm>
+              <a:prstGeom prst="rightArrow">
+                <a:avLst/>
+              </a:prstGeom>
+            </p:spPr>
+            <p:style>
+              <a:lnRef idx="0">
+                <a:schemeClr val="accent6"/>
+              </a:lnRef>
+              <a:fillRef idx="3">
+                <a:schemeClr val="accent6"/>
+              </a:fillRef>
+              <a:effectRef idx="3">
+                <a:schemeClr val="accent6"/>
+              </a:effectRef>
+              <a:fontRef idx="minor">
+                <a:schemeClr val="lt1"/>
+              </a:fontRef>
+            </p:style>
+            <p:txBody>
+              <a:bodyPr rtlCol="0" anchor="ctr">
+                <a:scene3d>
+                  <a:camera prst="orthographicFront"/>
+                  <a:lightRig rig="soft" dir="t">
+                    <a:rot lat="0" lon="0" rev="15600000"/>
+                  </a:lightRig>
+                </a:scene3d>
+                <a:sp3d extrusionH="57150" prstMaterial="softEdge">
+                  <a:bevelT w="25400" h="38100"/>
+                </a:sp3d>
+              </a:bodyPr>
+              <a:lstStyle/>
+              <a:p>
+                <a:pPr algn="ctr"/>
+                <a:endParaRPr lang="en-US" b="1">
+                  <a:ln/>
+                  <a:solidFill>
+                    <a:schemeClr val="accent4"/>
+                  </a:solidFill>
+                </a:endParaRPr>
+              </a:p>
+            </p:txBody>
+          </p:sp>
+          <p:sp>
+            <p:nvSpPr>
+              <p:cNvPr id="70" name="Right Arrow 69">
+                <a:extLst>
+                  <a:ext uri="{FF2B5EF4-FFF2-40B4-BE49-F238E27FC236}">
+                    <a16:creationId xmlns:a16="http://schemas.microsoft.com/office/drawing/2014/main" id="{BED18F56-8FAE-BA4E-9CFD-84429477C2C6}"/>
+                  </a:ext>
+                </a:extLst>
+              </p:cNvPr>
+              <p:cNvSpPr/>
+              <p:nvPr/>
+            </p:nvSpPr>
+            <p:spPr>
+              <a:xfrm>
+                <a:off x="4366926" y="5363455"/>
+                <a:ext cx="306893" cy="129746"/>
+              </a:xfrm>
+              <a:prstGeom prst="rightArrow">
+                <a:avLst/>
+              </a:prstGeom>
+            </p:spPr>
+            <p:style>
+              <a:lnRef idx="0">
+                <a:schemeClr val="accent6"/>
+              </a:lnRef>
+              <a:fillRef idx="3">
+                <a:schemeClr val="accent6"/>
+              </a:fillRef>
+              <a:effectRef idx="3">
+                <a:schemeClr val="accent6"/>
+              </a:effectRef>
+              <a:fontRef idx="minor">
+                <a:schemeClr val="lt1"/>
+              </a:fontRef>
+            </p:style>
+            <p:txBody>
+              <a:bodyPr rtlCol="0" anchor="ctr">
+                <a:scene3d>
+                  <a:camera prst="orthographicFront"/>
+                  <a:lightRig rig="soft" dir="t">
+                    <a:rot lat="0" lon="0" rev="15600000"/>
+                  </a:lightRig>
+                </a:scene3d>
+                <a:sp3d extrusionH="57150" prstMaterial="softEdge">
+                  <a:bevelT w="25400" h="38100"/>
+                </a:sp3d>
+              </a:bodyPr>
+              <a:lstStyle/>
+              <a:p>
+                <a:pPr algn="ctr"/>
+                <a:endParaRPr lang="en-US" b="1">
+                  <a:ln/>
+                  <a:solidFill>
+                    <a:schemeClr val="accent4"/>
+                  </a:solidFill>
+                </a:endParaRPr>
+              </a:p>
+            </p:txBody>
+          </p:sp>
+        </p:grpSp>
+        <p:sp>
+          <p:nvSpPr>
+            <p:cNvPr id="65" name="TextBox 64">
+              <a:extLst>
+                <a:ext uri="{FF2B5EF4-FFF2-40B4-BE49-F238E27FC236}">
+                  <a16:creationId xmlns:a16="http://schemas.microsoft.com/office/drawing/2014/main" id="{C3721BCC-873A-5848-B0DE-3B24A3B613AE}"/>
+                </a:ext>
+              </a:extLst>
+            </p:cNvPr>
+            <p:cNvSpPr txBox="1"/>
+            <p:nvPr/>
+          </p:nvSpPr>
+          <p:spPr>
+            <a:xfrm>
+              <a:off x="4997202" y="5309115"/>
+              <a:ext cx="367408" cy="369332"/>
+            </a:xfrm>
+            <a:prstGeom prst="rect">
+              <a:avLst/>
+            </a:prstGeom>
+            <a:noFill/>
+          </p:spPr>
+          <p:txBody>
+            <a:bodyPr wrap="none" rtlCol="0">
+              <a:spAutoFit/>
+            </a:bodyPr>
+            <a:lstStyle/>
+            <a:p>
+              <a:r>
+                <a:rPr lang="en-US" dirty="0"/>
+                <a:t>P</a:t>
+              </a:r>
+              <a:r>
+                <a:rPr lang="en-US" baseline="-25000" dirty="0"/>
+                <a:t>L</a:t>
+              </a:r>
+            </a:p>
+          </p:txBody>
+        </p:sp>
+        <p:sp>
+          <p:nvSpPr>
+            <p:cNvPr id="66" name="TextBox 65">
+              <a:extLst>
+                <a:ext uri="{FF2B5EF4-FFF2-40B4-BE49-F238E27FC236}">
+                  <a16:creationId xmlns:a16="http://schemas.microsoft.com/office/drawing/2014/main" id="{771E4AEE-7E55-424C-8B6F-89150F0DE93E}"/>
+                </a:ext>
+              </a:extLst>
+            </p:cNvPr>
+            <p:cNvSpPr txBox="1"/>
+            <p:nvPr/>
+          </p:nvSpPr>
+          <p:spPr>
+            <a:xfrm>
+              <a:off x="4999039" y="4518057"/>
+              <a:ext cx="399468" cy="369332"/>
+            </a:xfrm>
+            <a:prstGeom prst="rect">
+              <a:avLst/>
+            </a:prstGeom>
+            <a:noFill/>
+          </p:spPr>
+          <p:txBody>
+            <a:bodyPr wrap="none" rtlCol="0">
+              <a:spAutoFit/>
+            </a:bodyPr>
+            <a:lstStyle/>
+            <a:p>
+              <a:r>
+                <a:rPr lang="en-US" dirty="0"/>
+                <a:t>P</a:t>
+              </a:r>
+              <a:r>
+                <a:rPr lang="en-US" baseline="-25000" dirty="0"/>
+                <a:t>H</a:t>
+              </a:r>
+            </a:p>
+          </p:txBody>
+        </p:sp>
+        <p:sp>
+          <p:nvSpPr>
+            <p:cNvPr id="67" name="Right Arrow 66">
+              <a:extLst>
+                <a:ext uri="{FF2B5EF4-FFF2-40B4-BE49-F238E27FC236}">
+                  <a16:creationId xmlns:a16="http://schemas.microsoft.com/office/drawing/2014/main" id="{F5291965-D616-5C42-A1EE-1C85D42B16BB}"/>
+                </a:ext>
+              </a:extLst>
+            </p:cNvPr>
+            <p:cNvSpPr/>
+            <p:nvPr/>
+          </p:nvSpPr>
+          <p:spPr>
+            <a:xfrm>
+              <a:off x="4547031" y="4641548"/>
+              <a:ext cx="306893" cy="129746"/>
+            </a:xfrm>
+            <a:prstGeom prst="rightArrow">
+              <a:avLst/>
+            </a:prstGeom>
+          </p:spPr>
+          <p:style>
+            <a:lnRef idx="0">
+              <a:schemeClr val="accent6"/>
+            </a:lnRef>
+            <a:fillRef idx="3">
+              <a:schemeClr val="accent6"/>
+            </a:fillRef>
+            <a:effectRef idx="3">
+              <a:schemeClr val="accent6"/>
+            </a:effectRef>
+            <a:fontRef idx="minor">
+              <a:schemeClr val="lt1"/>
+            </a:fontRef>
+          </p:style>
+          <p:txBody>
+            <a:bodyPr rtlCol="0" anchor="ctr">
+              <a:scene3d>
+                <a:camera prst="orthographicFront"/>
+                <a:lightRig rig="soft" dir="t">
+                  <a:rot lat="0" lon="0" rev="15600000"/>
+                </a:lightRig>
+              </a:scene3d>
+              <a:sp3d extrusionH="57150" prstMaterial="softEdge">
+                <a:bevelT w="25400" h="38100"/>
+              </a:sp3d>
+            </a:bodyPr>
+            <a:lstStyle/>
+            <a:p>
+              <a:pPr algn="ctr"/>
+              <a:endParaRPr lang="en-US" b="1">
+                <a:ln/>
+                <a:solidFill>
+                  <a:schemeClr val="accent4"/>
+                </a:solidFill>
+              </a:endParaRPr>
+            </a:p>
+          </p:txBody>
+        </p:sp>
+      </p:grpSp>
+      <p:sp>
+        <p:nvSpPr>
+          <p:cNvPr id="71" name="Rectangle 70">
+            <a:extLst>
+              <a:ext uri="{FF2B5EF4-FFF2-40B4-BE49-F238E27FC236}">
+                <a16:creationId xmlns:a16="http://schemas.microsoft.com/office/drawing/2014/main" id="{71562554-69DA-ED44-A01A-E86226307CCC}"/>
+              </a:ext>
+            </a:extLst>
+          </p:cNvPr>
+          <p:cNvSpPr/>
+          <p:nvPr/>
+        </p:nvSpPr>
+        <p:spPr>
+          <a:xfrm>
+            <a:off x="2158684" y="3007337"/>
+            <a:ext cx="2304769" cy="369332"/>
+          </a:xfrm>
+          <a:prstGeom prst="rect">
+            <a:avLst/>
+          </a:prstGeom>
+        </p:spPr>
+        <p:txBody>
+          <a:bodyPr wrap="square">
+            <a:spAutoFit/>
+          </a:bodyPr>
+          <a:lstStyle/>
+          <a:p>
+            <a:r>
+              <a:rPr lang="en-US" dirty="0"/>
+              <a:t>A</a:t>
+            </a:r>
+            <a:r>
+              <a:rPr lang="en-US" baseline="-25000" dirty="0"/>
+              <a:t>3 </a:t>
+            </a:r>
+            <a:r>
+              <a:rPr lang="en-US" dirty="0"/>
+              <a:t>A</a:t>
+            </a:r>
+            <a:r>
+              <a:rPr lang="en-US" baseline="-25000" dirty="0"/>
+              <a:t>3</a:t>
+            </a:r>
+            <a:r>
+              <a:rPr lang="en-US" dirty="0"/>
+              <a:t> A</a:t>
+            </a:r>
+            <a:r>
+              <a:rPr lang="en-US" baseline="-25000" dirty="0"/>
+              <a:t>3</a:t>
+            </a:r>
+            <a:r>
+              <a:rPr lang="en-US" dirty="0"/>
+              <a:t> A</a:t>
+            </a:r>
+            <a:r>
+              <a:rPr lang="en-US" baseline="-25000" dirty="0"/>
+              <a:t>3</a:t>
+            </a:r>
+            <a:r>
+              <a:rPr lang="en-US" dirty="0"/>
+              <a:t> </a:t>
+            </a:r>
+          </a:p>
+        </p:txBody>
+      </p:sp>
+      <p:sp>
+        <p:nvSpPr>
+          <p:cNvPr id="72" name="Rectangle 71">
+            <a:extLst>
+              <a:ext uri="{FF2B5EF4-FFF2-40B4-BE49-F238E27FC236}">
+                <a16:creationId xmlns:a16="http://schemas.microsoft.com/office/drawing/2014/main" id="{02E1C655-CD82-9149-AFF3-18DBC8CBA733}"/>
+              </a:ext>
+            </a:extLst>
+          </p:cNvPr>
+          <p:cNvSpPr/>
+          <p:nvPr/>
+        </p:nvSpPr>
+        <p:spPr>
+          <a:xfrm>
+            <a:off x="2158684" y="3408206"/>
+            <a:ext cx="2304769" cy="369332"/>
+          </a:xfrm>
+          <a:prstGeom prst="rect">
+            <a:avLst/>
+          </a:prstGeom>
+        </p:spPr>
+        <p:txBody>
+          <a:bodyPr wrap="square">
+            <a:spAutoFit/>
+          </a:bodyPr>
+          <a:lstStyle/>
+          <a:p>
+            <a:r>
+              <a:rPr lang="en-US" dirty="0"/>
+              <a:t>A</a:t>
+            </a:r>
+            <a:r>
+              <a:rPr lang="en-US" baseline="-25000" dirty="0"/>
+              <a:t>2 </a:t>
+            </a:r>
+            <a:r>
+              <a:rPr lang="en-US" dirty="0"/>
+              <a:t>A</a:t>
+            </a:r>
+            <a:r>
+              <a:rPr lang="en-US" baseline="-25000" dirty="0"/>
+              <a:t>2</a:t>
+            </a:r>
+            <a:r>
+              <a:rPr lang="en-US" dirty="0"/>
+              <a:t> A</a:t>
+            </a:r>
+            <a:r>
+              <a:rPr lang="en-US" baseline="-25000" dirty="0"/>
+              <a:t>2</a:t>
+            </a:r>
+            <a:r>
+              <a:rPr lang="en-US" dirty="0"/>
+              <a:t> A</a:t>
+            </a:r>
+            <a:r>
+              <a:rPr lang="en-US" baseline="-25000" dirty="0"/>
+              <a:t>2</a:t>
+            </a:r>
+            <a:r>
+              <a:rPr lang="en-US" dirty="0"/>
+              <a:t> </a:t>
+            </a:r>
+          </a:p>
+        </p:txBody>
+      </p:sp>
+      <p:sp>
+        <p:nvSpPr>
+          <p:cNvPr id="73" name="Rectangle 72">
+            <a:extLst>
+              <a:ext uri="{FF2B5EF4-FFF2-40B4-BE49-F238E27FC236}">
+                <a16:creationId xmlns:a16="http://schemas.microsoft.com/office/drawing/2014/main" id="{DFC518CF-47C5-4C41-B7E5-E29CC13F3A00}"/>
+              </a:ext>
+            </a:extLst>
+          </p:cNvPr>
+          <p:cNvSpPr/>
+          <p:nvPr/>
+        </p:nvSpPr>
+        <p:spPr>
+          <a:xfrm>
+            <a:off x="2158684" y="3801960"/>
+            <a:ext cx="2304769" cy="369332"/>
+          </a:xfrm>
+          <a:prstGeom prst="rect">
+            <a:avLst/>
+          </a:prstGeom>
+        </p:spPr>
+        <p:txBody>
+          <a:bodyPr wrap="square">
+            <a:spAutoFit/>
+          </a:bodyPr>
+          <a:lstStyle/>
+          <a:p>
+            <a:r>
+              <a:rPr lang="en-US" dirty="0"/>
+              <a:t>A</a:t>
+            </a:r>
+            <a:r>
+              <a:rPr lang="en-US" baseline="-25000" dirty="0"/>
+              <a:t>1 </a:t>
+            </a:r>
+            <a:r>
+              <a:rPr lang="en-US" dirty="0"/>
+              <a:t>A</a:t>
+            </a:r>
+            <a:r>
+              <a:rPr lang="en-US" baseline="-25000" dirty="0"/>
+              <a:t>1</a:t>
+            </a:r>
+            <a:r>
+              <a:rPr lang="en-US" dirty="0"/>
+              <a:t> A</a:t>
+            </a:r>
+            <a:r>
+              <a:rPr lang="en-US" baseline="-25000" dirty="0"/>
+              <a:t>1</a:t>
+            </a:r>
+            <a:r>
+              <a:rPr lang="en-US" dirty="0"/>
+              <a:t> A</a:t>
+            </a:r>
+            <a:r>
+              <a:rPr lang="en-US" baseline="-25000" dirty="0"/>
+              <a:t>1</a:t>
+            </a:r>
+            <a:r>
+              <a:rPr lang="en-US" dirty="0"/>
+              <a:t> </a:t>
+            </a:r>
+          </a:p>
+        </p:txBody>
+      </p:sp>
+      <p:sp>
+        <p:nvSpPr>
+          <p:cNvPr id="61" name="Rectangle 60">
+            <a:extLst>
+              <a:ext uri="{FF2B5EF4-FFF2-40B4-BE49-F238E27FC236}">
+                <a16:creationId xmlns:a16="http://schemas.microsoft.com/office/drawing/2014/main" id="{CB068ACE-0122-F544-9C5B-4DF95C142F35}"/>
+              </a:ext>
+            </a:extLst>
+          </p:cNvPr>
+          <p:cNvSpPr/>
+          <p:nvPr/>
+        </p:nvSpPr>
+        <p:spPr>
+          <a:xfrm>
+            <a:off x="585468" y="5631808"/>
+            <a:ext cx="3337313" cy="369332"/>
+          </a:xfrm>
+          <a:prstGeom prst="rect">
+            <a:avLst/>
+          </a:prstGeom>
+        </p:spPr>
+        <p:txBody>
+          <a:bodyPr wrap="square">
+            <a:spAutoFit/>
+          </a:bodyPr>
+          <a:lstStyle/>
+          <a:p>
+            <a:r>
+              <a:rPr lang="en-US" dirty="0"/>
+              <a:t>( (P</a:t>
+            </a:r>
+            <a:r>
+              <a:rPr lang="en-US" baseline="-25000" dirty="0"/>
+              <a:t>H</a:t>
+            </a:r>
+            <a:r>
+              <a:rPr lang="en-US" dirty="0"/>
+              <a:t>) . (R</a:t>
+            </a:r>
+            <a:r>
+              <a:rPr lang="en-US" baseline="-25000" dirty="0"/>
+              <a:t>0</a:t>
+            </a:r>
+            <a:r>
+              <a:rPr lang="en-US" dirty="0"/>
+              <a:t>) . (R</a:t>
+            </a:r>
+            <a:r>
+              <a:rPr lang="en-US" baseline="-25000" dirty="0"/>
+              <a:t>1</a:t>
+            </a:r>
+            <a:r>
+              <a:rPr lang="en-US" dirty="0"/>
+              <a:t>) )          </a:t>
+            </a:r>
+            <a:r>
+              <a:rPr lang="en-US" dirty="0" err="1"/>
+              <a:t>RP</a:t>
+            </a:r>
+            <a:r>
+              <a:rPr lang="en-US" baseline="-25000" dirty="0" err="1"/>
+              <a:t>p</a:t>
+            </a:r>
+            <a:endParaRPr lang="en-US" dirty="0"/>
+          </a:p>
+        </p:txBody>
+      </p:sp>
+      <p:sp>
+        <p:nvSpPr>
+          <p:cNvPr id="62" name="Right Arrow 61">
+            <a:extLst>
+              <a:ext uri="{FF2B5EF4-FFF2-40B4-BE49-F238E27FC236}">
+                <a16:creationId xmlns:a16="http://schemas.microsoft.com/office/drawing/2014/main" id="{0DFF2C6C-00C7-E54F-BD57-E4527A744C93}"/>
+              </a:ext>
+            </a:extLst>
+          </p:cNvPr>
+          <p:cNvSpPr/>
+          <p:nvPr/>
+        </p:nvSpPr>
+        <p:spPr>
+          <a:xfrm>
+            <a:off x="2400574" y="5762614"/>
+            <a:ext cx="306893" cy="129746"/>
+          </a:xfrm>
+          <a:prstGeom prst="rightArrow">
+            <a:avLst/>
+          </a:prstGeom>
+        </p:spPr>
+        <p:style>
+          <a:lnRef idx="0">
+            <a:schemeClr val="accent6"/>
+          </a:lnRef>
+          <a:fillRef idx="3">
+            <a:schemeClr val="accent6"/>
+          </a:fillRef>
+          <a:effectRef idx="3">
+            <a:schemeClr val="accent6"/>
+          </a:effectRef>
+          <a:fontRef idx="minor">
+            <a:schemeClr val="lt1"/>
+          </a:fontRef>
+        </p:style>
+        <p:txBody>
+          <a:bodyPr rtlCol="0" anchor="ctr">
+            <a:scene3d>
+              <a:camera prst="orthographicFront"/>
+              <a:lightRig rig="soft" dir="t">
+                <a:rot lat="0" lon="0" rev="15600000"/>
+              </a:lightRig>
+            </a:scene3d>
+            <a:sp3d extrusionH="57150" prstMaterial="softEdge">
+              <a:bevelT w="25400" h="38100"/>
+            </a:sp3d>
+          </a:bodyPr>
+          <a:lstStyle/>
+          <a:p>
+            <a:pPr algn="ctr"/>
+            <a:endParaRPr lang="en-US" b="1">
+              <a:ln/>
+              <a:solidFill>
+                <a:schemeClr val="accent4"/>
+              </a:solidFill>
+            </a:endParaRPr>
+          </a:p>
+        </p:txBody>
+      </p:sp>
+      <p:sp>
+        <p:nvSpPr>
+          <p:cNvPr id="74" name="Rectangle 73">
+            <a:extLst>
+              <a:ext uri="{FF2B5EF4-FFF2-40B4-BE49-F238E27FC236}">
+                <a16:creationId xmlns:a16="http://schemas.microsoft.com/office/drawing/2014/main" id="{2DA033E7-6424-7046-8E07-8C497D262C48}"/>
+              </a:ext>
+            </a:extLst>
+          </p:cNvPr>
+          <p:cNvSpPr/>
+          <p:nvPr/>
+        </p:nvSpPr>
+        <p:spPr>
+          <a:xfrm>
+            <a:off x="409634" y="6291505"/>
+            <a:ext cx="3548055" cy="369332"/>
+          </a:xfrm>
+          <a:prstGeom prst="rect">
+            <a:avLst/>
+          </a:prstGeom>
+        </p:spPr>
+        <p:txBody>
+          <a:bodyPr wrap="square">
+            <a:spAutoFit/>
+          </a:bodyPr>
+          <a:lstStyle/>
+          <a:p>
+            <a:r>
+              <a:rPr lang="en-US" dirty="0"/>
+              <a:t>( (P</a:t>
+            </a:r>
+            <a:r>
+              <a:rPr lang="en-US" baseline="-25000" dirty="0"/>
+              <a:t>H+1</a:t>
+            </a:r>
+            <a:r>
+              <a:rPr lang="en-US" dirty="0"/>
+              <a:t>) . (R</a:t>
+            </a:r>
+            <a:r>
+              <a:rPr lang="en-US" baseline="-25000" dirty="0"/>
+              <a:t>0</a:t>
+            </a:r>
+            <a:r>
+              <a:rPr lang="en-US" dirty="0"/>
+              <a:t>) . (R</a:t>
+            </a:r>
+            <a:r>
+              <a:rPr lang="en-US" baseline="-25000" dirty="0"/>
+              <a:t>1</a:t>
+            </a:r>
+            <a:r>
+              <a:rPr lang="en-US" dirty="0"/>
+              <a:t>) )          </a:t>
+            </a:r>
+            <a:r>
+              <a:rPr lang="en-US" dirty="0" err="1"/>
+              <a:t>RP</a:t>
+            </a:r>
+            <a:r>
+              <a:rPr lang="en-US" baseline="-25000" dirty="0" err="1"/>
+              <a:t>p</a:t>
+            </a:r>
+            <a:endParaRPr lang="en-US" dirty="0"/>
+          </a:p>
+        </p:txBody>
+      </p:sp>
+      <p:sp>
+        <p:nvSpPr>
+          <p:cNvPr id="75" name="Right Arrow 74">
+            <a:extLst>
+              <a:ext uri="{FF2B5EF4-FFF2-40B4-BE49-F238E27FC236}">
+                <a16:creationId xmlns:a16="http://schemas.microsoft.com/office/drawing/2014/main" id="{8FBCE37F-B207-3B42-8444-42C030DB13AD}"/>
+              </a:ext>
+            </a:extLst>
+          </p:cNvPr>
+          <p:cNvSpPr/>
+          <p:nvPr/>
+        </p:nvSpPr>
+        <p:spPr>
+          <a:xfrm>
+            <a:off x="2400574" y="6425893"/>
+            <a:ext cx="306893" cy="129746"/>
+          </a:xfrm>
+          <a:prstGeom prst="rightArrow">
+            <a:avLst/>
+          </a:prstGeom>
+        </p:spPr>
+        <p:style>
+          <a:lnRef idx="0">
+            <a:schemeClr val="accent6"/>
+          </a:lnRef>
+          <a:fillRef idx="3">
+            <a:schemeClr val="accent6"/>
+          </a:fillRef>
+          <a:effectRef idx="3">
+            <a:schemeClr val="accent6"/>
+          </a:effectRef>
+          <a:fontRef idx="minor">
+            <a:schemeClr val="lt1"/>
+          </a:fontRef>
+        </p:style>
+        <p:txBody>
+          <a:bodyPr rtlCol="0" anchor="ctr">
+            <a:scene3d>
+              <a:camera prst="orthographicFront"/>
+              <a:lightRig rig="soft" dir="t">
+                <a:rot lat="0" lon="0" rev="15600000"/>
+              </a:lightRig>
+            </a:scene3d>
+            <a:sp3d extrusionH="57150" prstMaterial="softEdge">
+              <a:bevelT w="25400" h="38100"/>
+            </a:sp3d>
+          </a:bodyPr>
+          <a:lstStyle/>
+          <a:p>
+            <a:pPr algn="ctr"/>
+            <a:endParaRPr lang="en-US" b="1">
+              <a:ln/>
+              <a:solidFill>
+                <a:schemeClr val="accent4"/>
+              </a:solidFill>
+            </a:endParaRPr>
+          </a:p>
+        </p:txBody>
+      </p:sp>
+      <p:sp>
+        <p:nvSpPr>
+          <p:cNvPr id="80" name="TextBox 79">
+            <a:extLst>
+              <a:ext uri="{FF2B5EF4-FFF2-40B4-BE49-F238E27FC236}">
+                <a16:creationId xmlns:a16="http://schemas.microsoft.com/office/drawing/2014/main" id="{98D93FF9-4288-3E4D-9F8E-4ED161C5D945}"/>
+              </a:ext>
+            </a:extLst>
+          </p:cNvPr>
+          <p:cNvSpPr txBox="1"/>
+          <p:nvPr/>
+        </p:nvSpPr>
+        <p:spPr>
+          <a:xfrm>
+            <a:off x="201760" y="5998635"/>
+            <a:ext cx="461986" cy="369332"/>
+          </a:xfrm>
+          <a:prstGeom prst="rect">
+            <a:avLst/>
+          </a:prstGeom>
+          <a:noFill/>
+        </p:spPr>
+        <p:txBody>
+          <a:bodyPr wrap="none" rtlCol="0">
+            <a:spAutoFit/>
+          </a:bodyPr>
+          <a:lstStyle/>
+          <a:p>
+            <a:r>
+              <a:rPr lang="en-US" dirty="0"/>
+              <a:t>OR</a:t>
+            </a:r>
+          </a:p>
+        </p:txBody>
+      </p:sp>
+      <p:grpSp>
+        <p:nvGrpSpPr>
+          <p:cNvPr id="92" name="Group 91">
+            <a:extLst>
+              <a:ext uri="{FF2B5EF4-FFF2-40B4-BE49-F238E27FC236}">
+                <a16:creationId xmlns:a16="http://schemas.microsoft.com/office/drawing/2014/main" id="{38C99C44-8E69-3C49-B544-C478CFB06405}"/>
+              </a:ext>
+            </a:extLst>
+          </p:cNvPr>
+          <p:cNvGrpSpPr/>
+          <p:nvPr/>
+        </p:nvGrpSpPr>
+        <p:grpSpPr>
+          <a:xfrm>
+            <a:off x="8893591" y="6425893"/>
+            <a:ext cx="955203" cy="369332"/>
+            <a:chOff x="4547031" y="4509216"/>
+            <a:chExt cx="955203" cy="369332"/>
+          </a:xfrm>
+        </p:grpSpPr>
+        <p:sp>
+          <p:nvSpPr>
+            <p:cNvPr id="93" name="TextBox 92">
+              <a:extLst>
+                <a:ext uri="{FF2B5EF4-FFF2-40B4-BE49-F238E27FC236}">
+                  <a16:creationId xmlns:a16="http://schemas.microsoft.com/office/drawing/2014/main" id="{81C32892-494E-A049-82C9-3FEC80CBCCFD}"/>
+                </a:ext>
+              </a:extLst>
+            </p:cNvPr>
+            <p:cNvSpPr txBox="1"/>
+            <p:nvPr/>
+          </p:nvSpPr>
+          <p:spPr>
+            <a:xfrm>
+              <a:off x="4817431" y="4509216"/>
+              <a:ext cx="684803" cy="369332"/>
+            </a:xfrm>
+            <a:prstGeom prst="rect">
+              <a:avLst/>
+            </a:prstGeom>
+            <a:noFill/>
+          </p:spPr>
+          <p:txBody>
+            <a:bodyPr wrap="none" rtlCol="0">
+              <a:spAutoFit/>
+            </a:bodyPr>
+            <a:lstStyle/>
+            <a:p>
+              <a:r>
+                <a:rPr lang="en-US" dirty="0"/>
+                <a:t>RRRR</a:t>
+              </a:r>
+              <a:endParaRPr lang="en-US" baseline="-25000" dirty="0"/>
+            </a:p>
+          </p:txBody>
+        </p:sp>
+        <p:sp>
+          <p:nvSpPr>
+            <p:cNvPr id="94" name="Right Arrow 93">
+              <a:extLst>
+                <a:ext uri="{FF2B5EF4-FFF2-40B4-BE49-F238E27FC236}">
+                  <a16:creationId xmlns:a16="http://schemas.microsoft.com/office/drawing/2014/main" id="{03CB11C9-1630-4D4E-A880-8A33C77FF6E4}"/>
+                </a:ext>
+              </a:extLst>
+            </p:cNvPr>
+            <p:cNvSpPr/>
+            <p:nvPr/>
+          </p:nvSpPr>
+          <p:spPr>
+            <a:xfrm>
+              <a:off x="4547031" y="4619776"/>
+              <a:ext cx="306893" cy="129746"/>
+            </a:xfrm>
+            <a:prstGeom prst="rightArrow">
+              <a:avLst/>
+            </a:prstGeom>
+          </p:spPr>
+          <p:style>
+            <a:lnRef idx="0">
+              <a:schemeClr val="accent6"/>
+            </a:lnRef>
+            <a:fillRef idx="3">
+              <a:schemeClr val="accent6"/>
+            </a:fillRef>
+            <a:effectRef idx="3">
+              <a:schemeClr val="accent6"/>
+            </a:effectRef>
+            <a:fontRef idx="minor">
+              <a:schemeClr val="lt1"/>
+            </a:fontRef>
+          </p:style>
+          <p:txBody>
+            <a:bodyPr rtlCol="0" anchor="ctr">
+              <a:scene3d>
+                <a:camera prst="orthographicFront"/>
+                <a:lightRig rig="soft" dir="t">
+                  <a:rot lat="0" lon="0" rev="15600000"/>
+                </a:lightRig>
+              </a:scene3d>
+              <a:sp3d extrusionH="57150" prstMaterial="softEdge">
+                <a:bevelT w="25400" h="38100"/>
+              </a:sp3d>
+            </a:bodyPr>
+            <a:lstStyle/>
+            <a:p>
+              <a:pPr algn="ctr"/>
+              <a:endParaRPr lang="en-US" b="1">
+                <a:ln/>
+                <a:solidFill>
+                  <a:schemeClr val="accent4"/>
+                </a:solidFill>
+              </a:endParaRPr>
+            </a:p>
+          </p:txBody>
+        </p:sp>
+      </p:grpSp>
+      <p:sp>
+        <p:nvSpPr>
+          <p:cNvPr id="95" name="Rectangle 94">
+            <a:extLst>
+              <a:ext uri="{FF2B5EF4-FFF2-40B4-BE49-F238E27FC236}">
+                <a16:creationId xmlns:a16="http://schemas.microsoft.com/office/drawing/2014/main" id="{A2074F0C-5E4B-DA45-B46B-EF3388966E9E}"/>
+              </a:ext>
+            </a:extLst>
+          </p:cNvPr>
+          <p:cNvSpPr/>
+          <p:nvPr/>
+        </p:nvSpPr>
+        <p:spPr>
+          <a:xfrm>
+            <a:off x="7741207" y="6411602"/>
+            <a:ext cx="2304769" cy="369332"/>
+          </a:xfrm>
+          <a:prstGeom prst="rect">
+            <a:avLst/>
+          </a:prstGeom>
+        </p:spPr>
+        <p:txBody>
+          <a:bodyPr wrap="square">
+            <a:spAutoFit/>
+          </a:bodyPr>
+          <a:lstStyle/>
+          <a:p>
+            <a:r>
+              <a:rPr lang="en-US" dirty="0"/>
+              <a:t>(RRRR) + 1 </a:t>
+            </a:r>
+          </a:p>
+        </p:txBody>
+      </p:sp>
+    </p:spTree>
+    <p:extLst>
+      <p:ext uri="{BB962C8B-B14F-4D97-AF65-F5344CB8AC3E}">
+        <p14:creationId xmlns:p14="http://schemas.microsoft.com/office/powerpoint/2010/main" val="316440167"/>
+      </p:ext>
+    </p:extLst>
+  </p:cSld>
+  <p:clrMapOvr>
+    <a:masterClrMapping/>
+  </p:clrMapOvr>
+</p:sld>
+</file>
+
+<file path=ppt/slides/slide11.xml><?xml version="1.0" encoding="utf-8"?>
 <p:sld xmlns:a="http://schemas.openxmlformats.org/drawingml/2006/main" xmlns:r="http://schemas.openxmlformats.org/officeDocument/2006/relationships" xmlns:p="http://schemas.openxmlformats.org/presentationml/2006/main">
   <p:cSld>
     <p:spTree>
@@ -8599,7 +10976,7 @@
 </p:sld>
 </file>
 
-<file path=ppt/slides/slide11.xml><?xml version="1.0" encoding="utf-8"?>
+<file path=ppt/slides/slide12.xml><?xml version="1.0" encoding="utf-8"?>
 <p:sld xmlns:a="http://schemas.openxmlformats.org/drawingml/2006/main" xmlns:r="http://schemas.openxmlformats.org/officeDocument/2006/relationships" xmlns:p="http://schemas.openxmlformats.org/presentationml/2006/main">
   <p:cSld>
     <p:spTree>
@@ -13184,7 +15561,7 @@
 </p:sld>
 </file>
 
-<file path=ppt/slides/slide12.xml><?xml version="1.0" encoding="utf-8"?>
+<file path=ppt/slides/slide13.xml><?xml version="1.0" encoding="utf-8"?>
 <p:sld xmlns:a="http://schemas.openxmlformats.org/drawingml/2006/main" xmlns:r="http://schemas.openxmlformats.org/officeDocument/2006/relationships" xmlns:p="http://schemas.openxmlformats.org/presentationml/2006/main">
   <p:cSld>
     <p:spTree>
@@ -17517,7 +19894,7 @@
 </p:sld>
 </file>
 
-<file path=ppt/slides/slide13.xml><?xml version="1.0" encoding="utf-8"?>
+<file path=ppt/slides/slide14.xml><?xml version="1.0" encoding="utf-8"?>
 <p:sld xmlns:a="http://schemas.openxmlformats.org/drawingml/2006/main" xmlns:r="http://schemas.openxmlformats.org/officeDocument/2006/relationships" xmlns:p="http://schemas.openxmlformats.org/presentationml/2006/main">
   <p:cSld>
     <p:spTree>

--- a/pyntel4004/docs/resources.pptx
+++ b/pyntel4004/docs/resources.pptx
@@ -20,8 +20,8 @@
     <p:sldId id="292" r:id="rId11"/>
     <p:sldId id="280" r:id="rId12"/>
     <p:sldId id="282" r:id="rId13"/>
-    <p:sldId id="284" r:id="rId14"/>
-    <p:sldId id="283" r:id="rId15"/>
+    <p:sldId id="283" r:id="rId14"/>
+    <p:sldId id="284" r:id="rId15"/>
   </p:sldIdLst>
   <p:sldSz cx="12192000" cy="6858000"/>
   <p:notesSz cx="6858000" cy="9144000"/>
@@ -222,7 +222,7 @@
           <a:p>
             <a:fld id="{0E6D88F6-2DDA-CB4F-91F4-9B525386DD76}" type="datetimeFigureOut">
               <a:rPr lang="en-US" smtClean="0"/>
-              <a:t>9/9/21</a:t>
+              <a:t>11/17/21</a:t>
             </a:fld>
             <a:endParaRPr lang="en-US"/>
           </a:p>
@@ -658,7 +658,7 @@
           <a:p>
             <a:fld id="{D651246A-AA0D-1344-AACC-8A747329776B}" type="datetimeFigureOut">
               <a:rPr lang="en-US" smtClean="0"/>
-              <a:t>9/9/21</a:t>
+              <a:t>11/17/21</a:t>
             </a:fld>
             <a:endParaRPr lang="en-US"/>
           </a:p>
@@ -858,7 +858,7 @@
           <a:p>
             <a:fld id="{D651246A-AA0D-1344-AACC-8A747329776B}" type="datetimeFigureOut">
               <a:rPr lang="en-US" smtClean="0"/>
-              <a:t>9/9/21</a:t>
+              <a:t>11/17/21</a:t>
             </a:fld>
             <a:endParaRPr lang="en-US"/>
           </a:p>
@@ -1068,7 +1068,7 @@
           <a:p>
             <a:fld id="{D651246A-AA0D-1344-AACC-8A747329776B}" type="datetimeFigureOut">
               <a:rPr lang="en-US" smtClean="0"/>
-              <a:t>9/9/21</a:t>
+              <a:t>11/17/21</a:t>
             </a:fld>
             <a:endParaRPr lang="en-US"/>
           </a:p>
@@ -1268,7 +1268,7 @@
           <a:p>
             <a:fld id="{D651246A-AA0D-1344-AACC-8A747329776B}" type="datetimeFigureOut">
               <a:rPr lang="en-US" smtClean="0"/>
-              <a:t>9/9/21</a:t>
+              <a:t>11/17/21</a:t>
             </a:fld>
             <a:endParaRPr lang="en-US"/>
           </a:p>
@@ -1544,7 +1544,7 @@
           <a:p>
             <a:fld id="{D651246A-AA0D-1344-AACC-8A747329776B}" type="datetimeFigureOut">
               <a:rPr lang="en-US" smtClean="0"/>
-              <a:t>9/9/21</a:t>
+              <a:t>11/17/21</a:t>
             </a:fld>
             <a:endParaRPr lang="en-US"/>
           </a:p>
@@ -1812,7 +1812,7 @@
           <a:p>
             <a:fld id="{D651246A-AA0D-1344-AACC-8A747329776B}" type="datetimeFigureOut">
               <a:rPr lang="en-US" smtClean="0"/>
-              <a:t>9/9/21</a:t>
+              <a:t>11/17/21</a:t>
             </a:fld>
             <a:endParaRPr lang="en-US"/>
           </a:p>
@@ -2227,7 +2227,7 @@
           <a:p>
             <a:fld id="{D651246A-AA0D-1344-AACC-8A747329776B}" type="datetimeFigureOut">
               <a:rPr lang="en-US" smtClean="0"/>
-              <a:t>9/9/21</a:t>
+              <a:t>11/17/21</a:t>
             </a:fld>
             <a:endParaRPr lang="en-US"/>
           </a:p>
@@ -2369,7 +2369,7 @@
           <a:p>
             <a:fld id="{D651246A-AA0D-1344-AACC-8A747329776B}" type="datetimeFigureOut">
               <a:rPr lang="en-US" smtClean="0"/>
-              <a:t>9/9/21</a:t>
+              <a:t>11/17/21</a:t>
             </a:fld>
             <a:endParaRPr lang="en-US"/>
           </a:p>
@@ -2482,7 +2482,7 @@
           <a:p>
             <a:fld id="{D651246A-AA0D-1344-AACC-8A747329776B}" type="datetimeFigureOut">
               <a:rPr lang="en-US" smtClean="0"/>
-              <a:t>9/9/21</a:t>
+              <a:t>11/17/21</a:t>
             </a:fld>
             <a:endParaRPr lang="en-US"/>
           </a:p>
@@ -2795,7 +2795,7 @@
           <a:p>
             <a:fld id="{D651246A-AA0D-1344-AACC-8A747329776B}" type="datetimeFigureOut">
               <a:rPr lang="en-US" smtClean="0"/>
-              <a:t>9/9/21</a:t>
+              <a:t>11/17/21</a:t>
             </a:fld>
             <a:endParaRPr lang="en-US"/>
           </a:p>
@@ -3084,7 +3084,7 @@
           <a:p>
             <a:fld id="{D651246A-AA0D-1344-AACC-8A747329776B}" type="datetimeFigureOut">
               <a:rPr lang="en-US" smtClean="0"/>
-              <a:t>9/9/21</a:t>
+              <a:t>11/17/21</a:t>
             </a:fld>
             <a:endParaRPr lang="en-US"/>
           </a:p>
@@ -3327,7 +3327,7 @@
           <a:p>
             <a:fld id="{D651246A-AA0D-1344-AACC-8A747329776B}" type="datetimeFigureOut">
               <a:rPr lang="en-US" smtClean="0"/>
-              <a:t>9/9/21</a:t>
+              <a:t>11/17/21</a:t>
             </a:fld>
             <a:endParaRPr lang="en-US"/>
           </a:p>
@@ -6194,7 +6194,7 @@
         </p:nvGrpSpPr>
         <p:grpSpPr>
           <a:xfrm>
-            <a:off x="5470814" y="1320613"/>
+            <a:off x="5515784" y="1095763"/>
             <a:ext cx="6010343" cy="5177073"/>
             <a:chOff x="1940212" y="1175903"/>
             <a:chExt cx="6010343" cy="5177073"/>
@@ -8308,7 +8308,7 @@
         </p:nvGrpSpPr>
         <p:grpSpPr>
           <a:xfrm>
-            <a:off x="1784556" y="3468428"/>
+            <a:off x="1610385" y="3468428"/>
             <a:ext cx="1361223" cy="3541071"/>
             <a:chOff x="8362051" y="1084130"/>
             <a:chExt cx="1361223" cy="3541071"/>
@@ -10993,1467 +10993,6 @@
           <a:chExt cx="0" cy="0"/>
         </a:xfrm>
       </p:grpSpPr>
-      <p:grpSp>
-        <p:nvGrpSpPr>
-          <p:cNvPr id="31" name="Group 30">
-            <a:extLst>
-              <a:ext uri="{FF2B5EF4-FFF2-40B4-BE49-F238E27FC236}">
-                <a16:creationId xmlns:a16="http://schemas.microsoft.com/office/drawing/2014/main" id="{592B0155-F3B0-4C40-BF46-4236A943E118}"/>
-              </a:ext>
-            </a:extLst>
-          </p:cNvPr>
-          <p:cNvGrpSpPr/>
-          <p:nvPr/>
-        </p:nvGrpSpPr>
-        <p:grpSpPr>
-          <a:xfrm>
-            <a:off x="1683301" y="3082373"/>
-            <a:ext cx="1361223" cy="3341168"/>
-            <a:chOff x="1683301" y="3082373"/>
-            <a:chExt cx="1361223" cy="3341168"/>
-          </a:xfrm>
-        </p:grpSpPr>
-        <p:sp>
-          <p:nvSpPr>
-            <p:cNvPr id="69" name="Rectangle 68">
-              <a:extLst>
-                <a:ext uri="{FF2B5EF4-FFF2-40B4-BE49-F238E27FC236}">
-                  <a16:creationId xmlns:a16="http://schemas.microsoft.com/office/drawing/2014/main" id="{5E4ED677-F1E0-0341-9124-0EF8842C1955}"/>
-                </a:ext>
-              </a:extLst>
-            </p:cNvPr>
-            <p:cNvSpPr/>
-            <p:nvPr/>
-          </p:nvSpPr>
-          <p:spPr>
-            <a:xfrm>
-              <a:off x="2101568" y="5494093"/>
-              <a:ext cx="311727" cy="311727"/>
-            </a:xfrm>
-            <a:prstGeom prst="rect">
-              <a:avLst/>
-            </a:prstGeom>
-            <a:solidFill>
-              <a:schemeClr val="bg1"/>
-            </a:solidFill>
-          </p:spPr>
-          <p:style>
-            <a:lnRef idx="2">
-              <a:schemeClr val="accent1">
-                <a:shade val="50000"/>
-              </a:schemeClr>
-            </a:lnRef>
-            <a:fillRef idx="1">
-              <a:schemeClr val="accent1"/>
-            </a:fillRef>
-            <a:effectRef idx="0">
-              <a:schemeClr val="accent1"/>
-            </a:effectRef>
-            <a:fontRef idx="minor">
-              <a:schemeClr val="lt1"/>
-            </a:fontRef>
-          </p:style>
-          <p:txBody>
-            <a:bodyPr rtlCol="0" anchor="ctr"/>
-            <a:lstStyle/>
-            <a:p>
-              <a:pPr algn="ctr"/>
-              <a:endParaRPr lang="en-US"/>
-            </a:p>
-          </p:txBody>
-        </p:sp>
-        <p:sp>
-          <p:nvSpPr>
-            <p:cNvPr id="70" name="Rectangle 69">
-              <a:extLst>
-                <a:ext uri="{FF2B5EF4-FFF2-40B4-BE49-F238E27FC236}">
-                  <a16:creationId xmlns:a16="http://schemas.microsoft.com/office/drawing/2014/main" id="{D40E30CE-72D9-6946-9F62-6EFBD543E6F6}"/>
-                </a:ext>
-              </a:extLst>
-            </p:cNvPr>
-            <p:cNvSpPr/>
-            <p:nvPr/>
-          </p:nvSpPr>
-          <p:spPr>
-            <a:xfrm>
-              <a:off x="2101567" y="5824704"/>
-              <a:ext cx="311727" cy="311727"/>
-            </a:xfrm>
-            <a:prstGeom prst="rect">
-              <a:avLst/>
-            </a:prstGeom>
-            <a:solidFill>
-              <a:schemeClr val="bg1"/>
-            </a:solidFill>
-          </p:spPr>
-          <p:style>
-            <a:lnRef idx="2">
-              <a:schemeClr val="accent1">
-                <a:shade val="50000"/>
-              </a:schemeClr>
-            </a:lnRef>
-            <a:fillRef idx="1">
-              <a:schemeClr val="accent1"/>
-            </a:fillRef>
-            <a:effectRef idx="0">
-              <a:schemeClr val="accent1"/>
-            </a:effectRef>
-            <a:fontRef idx="minor">
-              <a:schemeClr val="lt1"/>
-            </a:fontRef>
-          </p:style>
-          <p:txBody>
-            <a:bodyPr rtlCol="0" anchor="ctr"/>
-            <a:lstStyle/>
-            <a:p>
-              <a:pPr algn="ctr"/>
-              <a:endParaRPr lang="en-US"/>
-            </a:p>
-          </p:txBody>
-        </p:sp>
-        <p:sp>
-          <p:nvSpPr>
-            <p:cNvPr id="71" name="Rectangle 70">
-              <a:extLst>
-                <a:ext uri="{FF2B5EF4-FFF2-40B4-BE49-F238E27FC236}">
-                  <a16:creationId xmlns:a16="http://schemas.microsoft.com/office/drawing/2014/main" id="{4C696AC0-BF99-CA4F-A1BB-3F3C0BCD3029}"/>
-                </a:ext>
-              </a:extLst>
-            </p:cNvPr>
-            <p:cNvSpPr/>
-            <p:nvPr/>
-          </p:nvSpPr>
-          <p:spPr>
-            <a:xfrm>
-              <a:off x="2431112" y="5494093"/>
-              <a:ext cx="311727" cy="311727"/>
-            </a:xfrm>
-            <a:prstGeom prst="rect">
-              <a:avLst/>
-            </a:prstGeom>
-            <a:solidFill>
-              <a:schemeClr val="bg1"/>
-            </a:solidFill>
-          </p:spPr>
-          <p:style>
-            <a:lnRef idx="2">
-              <a:schemeClr val="accent1">
-                <a:shade val="50000"/>
-              </a:schemeClr>
-            </a:lnRef>
-            <a:fillRef idx="1">
-              <a:schemeClr val="accent1"/>
-            </a:fillRef>
-            <a:effectRef idx="0">
-              <a:schemeClr val="accent1"/>
-            </a:effectRef>
-            <a:fontRef idx="minor">
-              <a:schemeClr val="lt1"/>
-            </a:fontRef>
-          </p:style>
-          <p:txBody>
-            <a:bodyPr rtlCol="0" anchor="ctr"/>
-            <a:lstStyle/>
-            <a:p>
-              <a:pPr algn="ctr"/>
-              <a:endParaRPr lang="en-US"/>
-            </a:p>
-          </p:txBody>
-        </p:sp>
-        <p:sp>
-          <p:nvSpPr>
-            <p:cNvPr id="72" name="Rectangle 71">
-              <a:extLst>
-                <a:ext uri="{FF2B5EF4-FFF2-40B4-BE49-F238E27FC236}">
-                  <a16:creationId xmlns:a16="http://schemas.microsoft.com/office/drawing/2014/main" id="{37B23E8E-8133-FC49-B774-B1E603DF366A}"/>
-                </a:ext>
-              </a:extLst>
-            </p:cNvPr>
-            <p:cNvSpPr/>
-            <p:nvPr/>
-          </p:nvSpPr>
-          <p:spPr>
-            <a:xfrm>
-              <a:off x="2431111" y="5824704"/>
-              <a:ext cx="311727" cy="311727"/>
-            </a:xfrm>
-            <a:prstGeom prst="rect">
-              <a:avLst/>
-            </a:prstGeom>
-            <a:solidFill>
-              <a:schemeClr val="bg1"/>
-            </a:solidFill>
-          </p:spPr>
-          <p:style>
-            <a:lnRef idx="2">
-              <a:schemeClr val="accent1">
-                <a:shade val="50000"/>
-              </a:schemeClr>
-            </a:lnRef>
-            <a:fillRef idx="1">
-              <a:schemeClr val="accent1"/>
-            </a:fillRef>
-            <a:effectRef idx="0">
-              <a:schemeClr val="accent1"/>
-            </a:effectRef>
-            <a:fontRef idx="minor">
-              <a:schemeClr val="lt1"/>
-            </a:fontRef>
-          </p:style>
-          <p:txBody>
-            <a:bodyPr rtlCol="0" anchor="ctr"/>
-            <a:lstStyle/>
-            <a:p>
-              <a:pPr algn="ctr"/>
-              <a:endParaRPr lang="en-US"/>
-            </a:p>
-          </p:txBody>
-        </p:sp>
-        <p:sp>
-          <p:nvSpPr>
-            <p:cNvPr id="39" name="TextBox 38">
-              <a:extLst>
-                <a:ext uri="{FF2B5EF4-FFF2-40B4-BE49-F238E27FC236}">
-                  <a16:creationId xmlns:a16="http://schemas.microsoft.com/office/drawing/2014/main" id="{656C4E8F-262D-E54E-BDB3-0D57F7FBE3C1}"/>
-                </a:ext>
-              </a:extLst>
-            </p:cNvPr>
-            <p:cNvSpPr txBox="1"/>
-            <p:nvPr/>
-          </p:nvSpPr>
-          <p:spPr>
-            <a:xfrm>
-              <a:off x="2742838" y="5784697"/>
-              <a:ext cx="301686" cy="369332"/>
-            </a:xfrm>
-            <a:prstGeom prst="rect">
-              <a:avLst/>
-            </a:prstGeom>
-            <a:noFill/>
-          </p:spPr>
-          <p:txBody>
-            <a:bodyPr wrap="none" rtlCol="0">
-              <a:spAutoFit/>
-            </a:bodyPr>
-            <a:lstStyle/>
-            <a:p>
-              <a:r>
-                <a:rPr lang="en-US" dirty="0"/>
-                <a:t>1</a:t>
-              </a:r>
-            </a:p>
-          </p:txBody>
-        </p:sp>
-        <p:sp>
-          <p:nvSpPr>
-            <p:cNvPr id="73" name="TextBox 72">
-              <a:extLst>
-                <a:ext uri="{FF2B5EF4-FFF2-40B4-BE49-F238E27FC236}">
-                  <a16:creationId xmlns:a16="http://schemas.microsoft.com/office/drawing/2014/main" id="{F9AD7BAA-68AB-214A-B22D-67ADC84FA778}"/>
-                </a:ext>
-              </a:extLst>
-            </p:cNvPr>
-            <p:cNvSpPr txBox="1"/>
-            <p:nvPr/>
-          </p:nvSpPr>
-          <p:spPr>
-            <a:xfrm>
-              <a:off x="2742837" y="5475073"/>
-              <a:ext cx="301686" cy="369332"/>
-            </a:xfrm>
-            <a:prstGeom prst="rect">
-              <a:avLst/>
-            </a:prstGeom>
-            <a:noFill/>
-          </p:spPr>
-          <p:txBody>
-            <a:bodyPr wrap="none" rtlCol="0">
-              <a:spAutoFit/>
-            </a:bodyPr>
-            <a:lstStyle/>
-            <a:p>
-              <a:r>
-                <a:rPr lang="en-US" dirty="0"/>
-                <a:t>2</a:t>
-              </a:r>
-            </a:p>
-          </p:txBody>
-        </p:sp>
-        <p:sp>
-          <p:nvSpPr>
-            <p:cNvPr id="75" name="TextBox 74">
-              <a:extLst>
-                <a:ext uri="{FF2B5EF4-FFF2-40B4-BE49-F238E27FC236}">
-                  <a16:creationId xmlns:a16="http://schemas.microsoft.com/office/drawing/2014/main" id="{176B92AA-41F3-144C-8884-A3970AABF858}"/>
-                </a:ext>
-              </a:extLst>
-            </p:cNvPr>
-            <p:cNvSpPr txBox="1"/>
-            <p:nvPr/>
-          </p:nvSpPr>
-          <p:spPr>
-            <a:xfrm>
-              <a:off x="1683301" y="5805820"/>
-              <a:ext cx="418704" cy="369332"/>
-            </a:xfrm>
-            <a:prstGeom prst="rect">
-              <a:avLst/>
-            </a:prstGeom>
-            <a:noFill/>
-          </p:spPr>
-          <p:txBody>
-            <a:bodyPr wrap="none" rtlCol="0">
-              <a:spAutoFit/>
-            </a:bodyPr>
-            <a:lstStyle/>
-            <a:p>
-              <a:r>
-                <a:rPr lang="en-US" dirty="0"/>
-                <a:t>16</a:t>
-              </a:r>
-            </a:p>
-          </p:txBody>
-        </p:sp>
-        <p:sp>
-          <p:nvSpPr>
-            <p:cNvPr id="76" name="TextBox 75">
-              <a:extLst>
-                <a:ext uri="{FF2B5EF4-FFF2-40B4-BE49-F238E27FC236}">
-                  <a16:creationId xmlns:a16="http://schemas.microsoft.com/office/drawing/2014/main" id="{1D0AEC00-696F-C941-A7CE-F4FAC90FDE11}"/>
-                </a:ext>
-              </a:extLst>
-            </p:cNvPr>
-            <p:cNvSpPr txBox="1"/>
-            <p:nvPr/>
-          </p:nvSpPr>
-          <p:spPr>
-            <a:xfrm>
-              <a:off x="1688682" y="5463344"/>
-              <a:ext cx="418704" cy="369332"/>
-            </a:xfrm>
-            <a:prstGeom prst="rect">
-              <a:avLst/>
-            </a:prstGeom>
-            <a:noFill/>
-          </p:spPr>
-          <p:txBody>
-            <a:bodyPr wrap="none" rtlCol="0">
-              <a:spAutoFit/>
-            </a:bodyPr>
-            <a:lstStyle/>
-            <a:p>
-              <a:r>
-                <a:rPr lang="en-US" dirty="0"/>
-                <a:t>15</a:t>
-              </a:r>
-            </a:p>
-          </p:txBody>
-        </p:sp>
-        <p:sp>
-          <p:nvSpPr>
-            <p:cNvPr id="77" name="Rectangle 76">
-              <a:extLst>
-                <a:ext uri="{FF2B5EF4-FFF2-40B4-BE49-F238E27FC236}">
-                  <a16:creationId xmlns:a16="http://schemas.microsoft.com/office/drawing/2014/main" id="{CF512852-94C6-7F4F-B80B-A31338D6CCFB}"/>
-                </a:ext>
-              </a:extLst>
-            </p:cNvPr>
-            <p:cNvSpPr/>
-            <p:nvPr/>
-          </p:nvSpPr>
-          <p:spPr>
-            <a:xfrm>
-              <a:off x="2101568" y="4830874"/>
-              <a:ext cx="311727" cy="311727"/>
-            </a:xfrm>
-            <a:prstGeom prst="rect">
-              <a:avLst/>
-            </a:prstGeom>
-            <a:solidFill>
-              <a:schemeClr val="bg1"/>
-            </a:solidFill>
-          </p:spPr>
-          <p:style>
-            <a:lnRef idx="2">
-              <a:schemeClr val="accent1">
-                <a:shade val="50000"/>
-              </a:schemeClr>
-            </a:lnRef>
-            <a:fillRef idx="1">
-              <a:schemeClr val="accent1"/>
-            </a:fillRef>
-            <a:effectRef idx="0">
-              <a:schemeClr val="accent1"/>
-            </a:effectRef>
-            <a:fontRef idx="minor">
-              <a:schemeClr val="lt1"/>
-            </a:fontRef>
-          </p:style>
-          <p:txBody>
-            <a:bodyPr rtlCol="0" anchor="ctr"/>
-            <a:lstStyle/>
-            <a:p>
-              <a:pPr algn="ctr"/>
-              <a:endParaRPr lang="en-US"/>
-            </a:p>
-          </p:txBody>
-        </p:sp>
-        <p:sp>
-          <p:nvSpPr>
-            <p:cNvPr id="78" name="Rectangle 77">
-              <a:extLst>
-                <a:ext uri="{FF2B5EF4-FFF2-40B4-BE49-F238E27FC236}">
-                  <a16:creationId xmlns:a16="http://schemas.microsoft.com/office/drawing/2014/main" id="{0118EFA2-976B-C447-B038-DAB8A436B243}"/>
-                </a:ext>
-              </a:extLst>
-            </p:cNvPr>
-            <p:cNvSpPr/>
-            <p:nvPr/>
-          </p:nvSpPr>
-          <p:spPr>
-            <a:xfrm>
-              <a:off x="2101567" y="5161485"/>
-              <a:ext cx="311727" cy="311727"/>
-            </a:xfrm>
-            <a:prstGeom prst="rect">
-              <a:avLst/>
-            </a:prstGeom>
-            <a:solidFill>
-              <a:schemeClr val="bg1"/>
-            </a:solidFill>
-          </p:spPr>
-          <p:style>
-            <a:lnRef idx="2">
-              <a:schemeClr val="accent1">
-                <a:shade val="50000"/>
-              </a:schemeClr>
-            </a:lnRef>
-            <a:fillRef idx="1">
-              <a:schemeClr val="accent1"/>
-            </a:fillRef>
-            <a:effectRef idx="0">
-              <a:schemeClr val="accent1"/>
-            </a:effectRef>
-            <a:fontRef idx="minor">
-              <a:schemeClr val="lt1"/>
-            </a:fontRef>
-          </p:style>
-          <p:txBody>
-            <a:bodyPr rtlCol="0" anchor="ctr"/>
-            <a:lstStyle/>
-            <a:p>
-              <a:pPr algn="ctr"/>
-              <a:endParaRPr lang="en-US"/>
-            </a:p>
-          </p:txBody>
-        </p:sp>
-        <p:sp>
-          <p:nvSpPr>
-            <p:cNvPr id="79" name="Rectangle 78">
-              <a:extLst>
-                <a:ext uri="{FF2B5EF4-FFF2-40B4-BE49-F238E27FC236}">
-                  <a16:creationId xmlns:a16="http://schemas.microsoft.com/office/drawing/2014/main" id="{16AF76CE-2B1C-CB4D-8768-A3B592A6F8F5}"/>
-                </a:ext>
-              </a:extLst>
-            </p:cNvPr>
-            <p:cNvSpPr/>
-            <p:nvPr/>
-          </p:nvSpPr>
-          <p:spPr>
-            <a:xfrm>
-              <a:off x="2431112" y="4830874"/>
-              <a:ext cx="311727" cy="311727"/>
-            </a:xfrm>
-            <a:prstGeom prst="rect">
-              <a:avLst/>
-            </a:prstGeom>
-            <a:solidFill>
-              <a:schemeClr val="bg1"/>
-            </a:solidFill>
-          </p:spPr>
-          <p:style>
-            <a:lnRef idx="2">
-              <a:schemeClr val="accent1">
-                <a:shade val="50000"/>
-              </a:schemeClr>
-            </a:lnRef>
-            <a:fillRef idx="1">
-              <a:schemeClr val="accent1"/>
-            </a:fillRef>
-            <a:effectRef idx="0">
-              <a:schemeClr val="accent1"/>
-            </a:effectRef>
-            <a:fontRef idx="minor">
-              <a:schemeClr val="lt1"/>
-            </a:fontRef>
-          </p:style>
-          <p:txBody>
-            <a:bodyPr rtlCol="0" anchor="ctr"/>
-            <a:lstStyle/>
-            <a:p>
-              <a:pPr algn="ctr"/>
-              <a:endParaRPr lang="en-US"/>
-            </a:p>
-          </p:txBody>
-        </p:sp>
-        <p:sp>
-          <p:nvSpPr>
-            <p:cNvPr id="80" name="Rectangle 79">
-              <a:extLst>
-                <a:ext uri="{FF2B5EF4-FFF2-40B4-BE49-F238E27FC236}">
-                  <a16:creationId xmlns:a16="http://schemas.microsoft.com/office/drawing/2014/main" id="{DABA1D17-CE26-EC48-9517-67446AAA333A}"/>
-                </a:ext>
-              </a:extLst>
-            </p:cNvPr>
-            <p:cNvSpPr/>
-            <p:nvPr/>
-          </p:nvSpPr>
-          <p:spPr>
-            <a:xfrm>
-              <a:off x="2431111" y="5161485"/>
-              <a:ext cx="311727" cy="311727"/>
-            </a:xfrm>
-            <a:prstGeom prst="rect">
-              <a:avLst/>
-            </a:prstGeom>
-            <a:solidFill>
-              <a:schemeClr val="bg1"/>
-            </a:solidFill>
-          </p:spPr>
-          <p:style>
-            <a:lnRef idx="2">
-              <a:schemeClr val="accent1">
-                <a:shade val="50000"/>
-              </a:schemeClr>
-            </a:lnRef>
-            <a:fillRef idx="1">
-              <a:schemeClr val="accent1"/>
-            </a:fillRef>
-            <a:effectRef idx="0">
-              <a:schemeClr val="accent1"/>
-            </a:effectRef>
-            <a:fontRef idx="minor">
-              <a:schemeClr val="lt1"/>
-            </a:fontRef>
-          </p:style>
-          <p:txBody>
-            <a:bodyPr rtlCol="0" anchor="ctr"/>
-            <a:lstStyle/>
-            <a:p>
-              <a:pPr algn="ctr"/>
-              <a:endParaRPr lang="en-US"/>
-            </a:p>
-          </p:txBody>
-        </p:sp>
-        <p:sp>
-          <p:nvSpPr>
-            <p:cNvPr id="81" name="TextBox 80">
-              <a:extLst>
-                <a:ext uri="{FF2B5EF4-FFF2-40B4-BE49-F238E27FC236}">
-                  <a16:creationId xmlns:a16="http://schemas.microsoft.com/office/drawing/2014/main" id="{B3783C10-8A33-1C48-AA63-C8328058D465}"/>
-                </a:ext>
-              </a:extLst>
-            </p:cNvPr>
-            <p:cNvSpPr txBox="1"/>
-            <p:nvPr/>
-          </p:nvSpPr>
-          <p:spPr>
-            <a:xfrm>
-              <a:off x="2742838" y="5121478"/>
-              <a:ext cx="301686" cy="369332"/>
-            </a:xfrm>
-            <a:prstGeom prst="rect">
-              <a:avLst/>
-            </a:prstGeom>
-            <a:noFill/>
-          </p:spPr>
-          <p:txBody>
-            <a:bodyPr wrap="none" rtlCol="0">
-              <a:spAutoFit/>
-            </a:bodyPr>
-            <a:lstStyle/>
-            <a:p>
-              <a:r>
-                <a:rPr lang="en-US" dirty="0"/>
-                <a:t>3</a:t>
-              </a:r>
-            </a:p>
-          </p:txBody>
-        </p:sp>
-        <p:sp>
-          <p:nvSpPr>
-            <p:cNvPr id="82" name="TextBox 81">
-              <a:extLst>
-                <a:ext uri="{FF2B5EF4-FFF2-40B4-BE49-F238E27FC236}">
-                  <a16:creationId xmlns:a16="http://schemas.microsoft.com/office/drawing/2014/main" id="{261F1B69-40CD-3342-B632-CAABB5032157}"/>
-                </a:ext>
-              </a:extLst>
-            </p:cNvPr>
-            <p:cNvSpPr txBox="1"/>
-            <p:nvPr/>
-          </p:nvSpPr>
-          <p:spPr>
-            <a:xfrm>
-              <a:off x="2742837" y="4811854"/>
-              <a:ext cx="301686" cy="369332"/>
-            </a:xfrm>
-            <a:prstGeom prst="rect">
-              <a:avLst/>
-            </a:prstGeom>
-            <a:noFill/>
-          </p:spPr>
-          <p:txBody>
-            <a:bodyPr wrap="none" rtlCol="0">
-              <a:spAutoFit/>
-            </a:bodyPr>
-            <a:lstStyle/>
-            <a:p>
-              <a:r>
-                <a:rPr lang="en-US" dirty="0"/>
-                <a:t>4</a:t>
-              </a:r>
-            </a:p>
-          </p:txBody>
-        </p:sp>
-        <p:sp>
-          <p:nvSpPr>
-            <p:cNvPr id="83" name="TextBox 82">
-              <a:extLst>
-                <a:ext uri="{FF2B5EF4-FFF2-40B4-BE49-F238E27FC236}">
-                  <a16:creationId xmlns:a16="http://schemas.microsoft.com/office/drawing/2014/main" id="{D22B94C4-6E34-524D-823B-095228DF5CC3}"/>
-                </a:ext>
-              </a:extLst>
-            </p:cNvPr>
-            <p:cNvSpPr txBox="1"/>
-            <p:nvPr/>
-          </p:nvSpPr>
-          <p:spPr>
-            <a:xfrm>
-              <a:off x="1683301" y="5142601"/>
-              <a:ext cx="418704" cy="369332"/>
-            </a:xfrm>
-            <a:prstGeom prst="rect">
-              <a:avLst/>
-            </a:prstGeom>
-            <a:noFill/>
-          </p:spPr>
-          <p:txBody>
-            <a:bodyPr wrap="none" rtlCol="0">
-              <a:spAutoFit/>
-            </a:bodyPr>
-            <a:lstStyle/>
-            <a:p>
-              <a:r>
-                <a:rPr lang="en-US" dirty="0"/>
-                <a:t>14</a:t>
-              </a:r>
-            </a:p>
-          </p:txBody>
-        </p:sp>
-        <p:sp>
-          <p:nvSpPr>
-            <p:cNvPr id="84" name="TextBox 83">
-              <a:extLst>
-                <a:ext uri="{FF2B5EF4-FFF2-40B4-BE49-F238E27FC236}">
-                  <a16:creationId xmlns:a16="http://schemas.microsoft.com/office/drawing/2014/main" id="{85D3FBA8-B06D-2540-A2D4-A60504DFA663}"/>
-                </a:ext>
-              </a:extLst>
-            </p:cNvPr>
-            <p:cNvSpPr txBox="1"/>
-            <p:nvPr/>
-          </p:nvSpPr>
-          <p:spPr>
-            <a:xfrm>
-              <a:off x="1688682" y="4800125"/>
-              <a:ext cx="418704" cy="369332"/>
-            </a:xfrm>
-            <a:prstGeom prst="rect">
-              <a:avLst/>
-            </a:prstGeom>
-            <a:noFill/>
-          </p:spPr>
-          <p:txBody>
-            <a:bodyPr wrap="none" rtlCol="0">
-              <a:spAutoFit/>
-            </a:bodyPr>
-            <a:lstStyle/>
-            <a:p>
-              <a:r>
-                <a:rPr lang="en-US" dirty="0"/>
-                <a:t>13</a:t>
-              </a:r>
-            </a:p>
-          </p:txBody>
-        </p:sp>
-        <p:sp>
-          <p:nvSpPr>
-            <p:cNvPr id="85" name="Rectangle 84">
-              <a:extLst>
-                <a:ext uri="{FF2B5EF4-FFF2-40B4-BE49-F238E27FC236}">
-                  <a16:creationId xmlns:a16="http://schemas.microsoft.com/office/drawing/2014/main" id="{40389188-F3CB-EC43-AD72-297A60064596}"/>
-                </a:ext>
-              </a:extLst>
-            </p:cNvPr>
-            <p:cNvSpPr/>
-            <p:nvPr/>
-          </p:nvSpPr>
-          <p:spPr>
-            <a:xfrm>
-              <a:off x="2101568" y="4173161"/>
-              <a:ext cx="311727" cy="311727"/>
-            </a:xfrm>
-            <a:prstGeom prst="rect">
-              <a:avLst/>
-            </a:prstGeom>
-            <a:solidFill>
-              <a:schemeClr val="bg1"/>
-            </a:solidFill>
-          </p:spPr>
-          <p:style>
-            <a:lnRef idx="2">
-              <a:schemeClr val="accent1">
-                <a:shade val="50000"/>
-              </a:schemeClr>
-            </a:lnRef>
-            <a:fillRef idx="1">
-              <a:schemeClr val="accent1"/>
-            </a:fillRef>
-            <a:effectRef idx="0">
-              <a:schemeClr val="accent1"/>
-            </a:effectRef>
-            <a:fontRef idx="minor">
-              <a:schemeClr val="lt1"/>
-            </a:fontRef>
-          </p:style>
-          <p:txBody>
-            <a:bodyPr rtlCol="0" anchor="ctr"/>
-            <a:lstStyle/>
-            <a:p>
-              <a:pPr algn="ctr"/>
-              <a:endParaRPr lang="en-US"/>
-            </a:p>
-          </p:txBody>
-        </p:sp>
-        <p:sp>
-          <p:nvSpPr>
-            <p:cNvPr id="86" name="Rectangle 85">
-              <a:extLst>
-                <a:ext uri="{FF2B5EF4-FFF2-40B4-BE49-F238E27FC236}">
-                  <a16:creationId xmlns:a16="http://schemas.microsoft.com/office/drawing/2014/main" id="{E1D7198F-C213-F64B-964F-4A1B246E073E}"/>
-                </a:ext>
-              </a:extLst>
-            </p:cNvPr>
-            <p:cNvSpPr/>
-            <p:nvPr/>
-          </p:nvSpPr>
-          <p:spPr>
-            <a:xfrm>
-              <a:off x="2101567" y="4503772"/>
-              <a:ext cx="311727" cy="311727"/>
-            </a:xfrm>
-            <a:prstGeom prst="rect">
-              <a:avLst/>
-            </a:prstGeom>
-            <a:solidFill>
-              <a:schemeClr val="bg1"/>
-            </a:solidFill>
-          </p:spPr>
-          <p:style>
-            <a:lnRef idx="2">
-              <a:schemeClr val="accent1">
-                <a:shade val="50000"/>
-              </a:schemeClr>
-            </a:lnRef>
-            <a:fillRef idx="1">
-              <a:schemeClr val="accent1"/>
-            </a:fillRef>
-            <a:effectRef idx="0">
-              <a:schemeClr val="accent1"/>
-            </a:effectRef>
-            <a:fontRef idx="minor">
-              <a:schemeClr val="lt1"/>
-            </a:fontRef>
-          </p:style>
-          <p:txBody>
-            <a:bodyPr rtlCol="0" anchor="ctr"/>
-            <a:lstStyle/>
-            <a:p>
-              <a:pPr algn="ctr"/>
-              <a:endParaRPr lang="en-US"/>
-            </a:p>
-          </p:txBody>
-        </p:sp>
-        <p:sp>
-          <p:nvSpPr>
-            <p:cNvPr id="87" name="Rectangle 86">
-              <a:extLst>
-                <a:ext uri="{FF2B5EF4-FFF2-40B4-BE49-F238E27FC236}">
-                  <a16:creationId xmlns:a16="http://schemas.microsoft.com/office/drawing/2014/main" id="{AC4C1F42-FA8E-FE44-95DC-B726ACAF003E}"/>
-                </a:ext>
-              </a:extLst>
-            </p:cNvPr>
-            <p:cNvSpPr/>
-            <p:nvPr/>
-          </p:nvSpPr>
-          <p:spPr>
-            <a:xfrm>
-              <a:off x="2431112" y="4173161"/>
-              <a:ext cx="311727" cy="311727"/>
-            </a:xfrm>
-            <a:prstGeom prst="rect">
-              <a:avLst/>
-            </a:prstGeom>
-            <a:solidFill>
-              <a:schemeClr val="bg1"/>
-            </a:solidFill>
-          </p:spPr>
-          <p:style>
-            <a:lnRef idx="2">
-              <a:schemeClr val="accent1">
-                <a:shade val="50000"/>
-              </a:schemeClr>
-            </a:lnRef>
-            <a:fillRef idx="1">
-              <a:schemeClr val="accent1"/>
-            </a:fillRef>
-            <a:effectRef idx="0">
-              <a:schemeClr val="accent1"/>
-            </a:effectRef>
-            <a:fontRef idx="minor">
-              <a:schemeClr val="lt1"/>
-            </a:fontRef>
-          </p:style>
-          <p:txBody>
-            <a:bodyPr rtlCol="0" anchor="ctr"/>
-            <a:lstStyle/>
-            <a:p>
-              <a:pPr algn="ctr"/>
-              <a:endParaRPr lang="en-US"/>
-            </a:p>
-          </p:txBody>
-        </p:sp>
-        <p:sp>
-          <p:nvSpPr>
-            <p:cNvPr id="88" name="Rectangle 87">
-              <a:extLst>
-                <a:ext uri="{FF2B5EF4-FFF2-40B4-BE49-F238E27FC236}">
-                  <a16:creationId xmlns:a16="http://schemas.microsoft.com/office/drawing/2014/main" id="{124793A6-C533-4E4D-BB7C-49C21ED88935}"/>
-                </a:ext>
-              </a:extLst>
-            </p:cNvPr>
-            <p:cNvSpPr/>
-            <p:nvPr/>
-          </p:nvSpPr>
-          <p:spPr>
-            <a:xfrm>
-              <a:off x="2431111" y="4503772"/>
-              <a:ext cx="311727" cy="311727"/>
-            </a:xfrm>
-            <a:prstGeom prst="rect">
-              <a:avLst/>
-            </a:prstGeom>
-            <a:solidFill>
-              <a:schemeClr val="bg1"/>
-            </a:solidFill>
-          </p:spPr>
-          <p:style>
-            <a:lnRef idx="2">
-              <a:schemeClr val="accent1">
-                <a:shade val="50000"/>
-              </a:schemeClr>
-            </a:lnRef>
-            <a:fillRef idx="1">
-              <a:schemeClr val="accent1"/>
-            </a:fillRef>
-            <a:effectRef idx="0">
-              <a:schemeClr val="accent1"/>
-            </a:effectRef>
-            <a:fontRef idx="minor">
-              <a:schemeClr val="lt1"/>
-            </a:fontRef>
-          </p:style>
-          <p:txBody>
-            <a:bodyPr rtlCol="0" anchor="ctr"/>
-            <a:lstStyle/>
-            <a:p>
-              <a:pPr algn="ctr"/>
-              <a:endParaRPr lang="en-US"/>
-            </a:p>
-          </p:txBody>
-        </p:sp>
-        <p:sp>
-          <p:nvSpPr>
-            <p:cNvPr id="89" name="TextBox 88">
-              <a:extLst>
-                <a:ext uri="{FF2B5EF4-FFF2-40B4-BE49-F238E27FC236}">
-                  <a16:creationId xmlns:a16="http://schemas.microsoft.com/office/drawing/2014/main" id="{EB6FCBAC-C0CF-D64E-A671-3F011F939C22}"/>
-                </a:ext>
-              </a:extLst>
-            </p:cNvPr>
-            <p:cNvSpPr txBox="1"/>
-            <p:nvPr/>
-          </p:nvSpPr>
-          <p:spPr>
-            <a:xfrm>
-              <a:off x="2742838" y="4463765"/>
-              <a:ext cx="301686" cy="369332"/>
-            </a:xfrm>
-            <a:prstGeom prst="rect">
-              <a:avLst/>
-            </a:prstGeom>
-            <a:noFill/>
-          </p:spPr>
-          <p:txBody>
-            <a:bodyPr wrap="none" rtlCol="0">
-              <a:spAutoFit/>
-            </a:bodyPr>
-            <a:lstStyle/>
-            <a:p>
-              <a:r>
-                <a:rPr lang="en-US" dirty="0"/>
-                <a:t>5</a:t>
-              </a:r>
-            </a:p>
-          </p:txBody>
-        </p:sp>
-        <p:sp>
-          <p:nvSpPr>
-            <p:cNvPr id="90" name="TextBox 89">
-              <a:extLst>
-                <a:ext uri="{FF2B5EF4-FFF2-40B4-BE49-F238E27FC236}">
-                  <a16:creationId xmlns:a16="http://schemas.microsoft.com/office/drawing/2014/main" id="{F3D0C314-28A6-AD45-87F9-18931A20EB2F}"/>
-                </a:ext>
-              </a:extLst>
-            </p:cNvPr>
-            <p:cNvSpPr txBox="1"/>
-            <p:nvPr/>
-          </p:nvSpPr>
-          <p:spPr>
-            <a:xfrm>
-              <a:off x="2742837" y="4154141"/>
-              <a:ext cx="301686" cy="369332"/>
-            </a:xfrm>
-            <a:prstGeom prst="rect">
-              <a:avLst/>
-            </a:prstGeom>
-            <a:noFill/>
-          </p:spPr>
-          <p:txBody>
-            <a:bodyPr wrap="none" rtlCol="0">
-              <a:spAutoFit/>
-            </a:bodyPr>
-            <a:lstStyle/>
-            <a:p>
-              <a:r>
-                <a:rPr lang="en-US" dirty="0"/>
-                <a:t>6</a:t>
-              </a:r>
-            </a:p>
-          </p:txBody>
-        </p:sp>
-        <p:sp>
-          <p:nvSpPr>
-            <p:cNvPr id="91" name="TextBox 90">
-              <a:extLst>
-                <a:ext uri="{FF2B5EF4-FFF2-40B4-BE49-F238E27FC236}">
-                  <a16:creationId xmlns:a16="http://schemas.microsoft.com/office/drawing/2014/main" id="{64569688-E980-894B-A885-06A334DBCB60}"/>
-                </a:ext>
-              </a:extLst>
-            </p:cNvPr>
-            <p:cNvSpPr txBox="1"/>
-            <p:nvPr/>
-          </p:nvSpPr>
-          <p:spPr>
-            <a:xfrm>
-              <a:off x="1683301" y="4484888"/>
-              <a:ext cx="418704" cy="369332"/>
-            </a:xfrm>
-            <a:prstGeom prst="rect">
-              <a:avLst/>
-            </a:prstGeom>
-            <a:noFill/>
-          </p:spPr>
-          <p:txBody>
-            <a:bodyPr wrap="none" rtlCol="0">
-              <a:spAutoFit/>
-            </a:bodyPr>
-            <a:lstStyle/>
-            <a:p>
-              <a:r>
-                <a:rPr lang="en-US" dirty="0"/>
-                <a:t>12</a:t>
-              </a:r>
-            </a:p>
-          </p:txBody>
-        </p:sp>
-        <p:sp>
-          <p:nvSpPr>
-            <p:cNvPr id="92" name="TextBox 91">
-              <a:extLst>
-                <a:ext uri="{FF2B5EF4-FFF2-40B4-BE49-F238E27FC236}">
-                  <a16:creationId xmlns:a16="http://schemas.microsoft.com/office/drawing/2014/main" id="{8F558DB5-D009-0D4C-9956-E006C964BAB9}"/>
-                </a:ext>
-              </a:extLst>
-            </p:cNvPr>
-            <p:cNvSpPr txBox="1"/>
-            <p:nvPr/>
-          </p:nvSpPr>
-          <p:spPr>
-            <a:xfrm>
-              <a:off x="1688682" y="4142412"/>
-              <a:ext cx="418704" cy="369332"/>
-            </a:xfrm>
-            <a:prstGeom prst="rect">
-              <a:avLst/>
-            </a:prstGeom>
-            <a:noFill/>
-          </p:spPr>
-          <p:txBody>
-            <a:bodyPr wrap="none" rtlCol="0">
-              <a:spAutoFit/>
-            </a:bodyPr>
-            <a:lstStyle/>
-            <a:p>
-              <a:r>
-                <a:rPr lang="en-US" dirty="0"/>
-                <a:t>11</a:t>
-              </a:r>
-            </a:p>
-          </p:txBody>
-        </p:sp>
-        <p:sp>
-          <p:nvSpPr>
-            <p:cNvPr id="93" name="Rectangle 92">
-              <a:extLst>
-                <a:ext uri="{FF2B5EF4-FFF2-40B4-BE49-F238E27FC236}">
-                  <a16:creationId xmlns:a16="http://schemas.microsoft.com/office/drawing/2014/main" id="{4BA1D58A-2F7C-684F-9CE9-6982A69D8636}"/>
-                </a:ext>
-              </a:extLst>
-            </p:cNvPr>
-            <p:cNvSpPr/>
-            <p:nvPr/>
-          </p:nvSpPr>
-          <p:spPr>
-            <a:xfrm>
-              <a:off x="2101568" y="3509942"/>
-              <a:ext cx="311727" cy="311727"/>
-            </a:xfrm>
-            <a:prstGeom prst="rect">
-              <a:avLst/>
-            </a:prstGeom>
-            <a:solidFill>
-              <a:schemeClr val="bg1"/>
-            </a:solidFill>
-          </p:spPr>
-          <p:style>
-            <a:lnRef idx="2">
-              <a:schemeClr val="accent1">
-                <a:shade val="50000"/>
-              </a:schemeClr>
-            </a:lnRef>
-            <a:fillRef idx="1">
-              <a:schemeClr val="accent1"/>
-            </a:fillRef>
-            <a:effectRef idx="0">
-              <a:schemeClr val="accent1"/>
-            </a:effectRef>
-            <a:fontRef idx="minor">
-              <a:schemeClr val="lt1"/>
-            </a:fontRef>
-          </p:style>
-          <p:txBody>
-            <a:bodyPr rtlCol="0" anchor="ctr"/>
-            <a:lstStyle/>
-            <a:p>
-              <a:pPr algn="ctr"/>
-              <a:endParaRPr lang="en-US"/>
-            </a:p>
-          </p:txBody>
-        </p:sp>
-        <p:sp>
-          <p:nvSpPr>
-            <p:cNvPr id="94" name="Rectangle 93">
-              <a:extLst>
-                <a:ext uri="{FF2B5EF4-FFF2-40B4-BE49-F238E27FC236}">
-                  <a16:creationId xmlns:a16="http://schemas.microsoft.com/office/drawing/2014/main" id="{0B0BC219-AB56-414E-A48A-C9EC33904CF4}"/>
-                </a:ext>
-              </a:extLst>
-            </p:cNvPr>
-            <p:cNvSpPr/>
-            <p:nvPr/>
-          </p:nvSpPr>
-          <p:spPr>
-            <a:xfrm>
-              <a:off x="2101567" y="3840553"/>
-              <a:ext cx="311727" cy="311727"/>
-            </a:xfrm>
-            <a:prstGeom prst="rect">
-              <a:avLst/>
-            </a:prstGeom>
-            <a:solidFill>
-              <a:schemeClr val="bg1"/>
-            </a:solidFill>
-          </p:spPr>
-          <p:style>
-            <a:lnRef idx="2">
-              <a:schemeClr val="accent1">
-                <a:shade val="50000"/>
-              </a:schemeClr>
-            </a:lnRef>
-            <a:fillRef idx="1">
-              <a:schemeClr val="accent1"/>
-            </a:fillRef>
-            <a:effectRef idx="0">
-              <a:schemeClr val="accent1"/>
-            </a:effectRef>
-            <a:fontRef idx="minor">
-              <a:schemeClr val="lt1"/>
-            </a:fontRef>
-          </p:style>
-          <p:txBody>
-            <a:bodyPr rtlCol="0" anchor="ctr"/>
-            <a:lstStyle/>
-            <a:p>
-              <a:pPr algn="ctr"/>
-              <a:endParaRPr lang="en-US"/>
-            </a:p>
-          </p:txBody>
-        </p:sp>
-        <p:sp>
-          <p:nvSpPr>
-            <p:cNvPr id="95" name="Rectangle 94">
-              <a:extLst>
-                <a:ext uri="{FF2B5EF4-FFF2-40B4-BE49-F238E27FC236}">
-                  <a16:creationId xmlns:a16="http://schemas.microsoft.com/office/drawing/2014/main" id="{1EF19B71-DEDD-DB4E-887E-4291F42DECF0}"/>
-                </a:ext>
-              </a:extLst>
-            </p:cNvPr>
-            <p:cNvSpPr/>
-            <p:nvPr/>
-          </p:nvSpPr>
-          <p:spPr>
-            <a:xfrm>
-              <a:off x="2431112" y="3509942"/>
-              <a:ext cx="311727" cy="311727"/>
-            </a:xfrm>
-            <a:prstGeom prst="rect">
-              <a:avLst/>
-            </a:prstGeom>
-            <a:solidFill>
-              <a:schemeClr val="bg1"/>
-            </a:solidFill>
-          </p:spPr>
-          <p:style>
-            <a:lnRef idx="2">
-              <a:schemeClr val="accent1">
-                <a:shade val="50000"/>
-              </a:schemeClr>
-            </a:lnRef>
-            <a:fillRef idx="1">
-              <a:schemeClr val="accent1"/>
-            </a:fillRef>
-            <a:effectRef idx="0">
-              <a:schemeClr val="accent1"/>
-            </a:effectRef>
-            <a:fontRef idx="minor">
-              <a:schemeClr val="lt1"/>
-            </a:fontRef>
-          </p:style>
-          <p:txBody>
-            <a:bodyPr rtlCol="0" anchor="ctr"/>
-            <a:lstStyle/>
-            <a:p>
-              <a:pPr algn="ctr"/>
-              <a:endParaRPr lang="en-US"/>
-            </a:p>
-          </p:txBody>
-        </p:sp>
-        <p:sp>
-          <p:nvSpPr>
-            <p:cNvPr id="96" name="Rectangle 95">
-              <a:extLst>
-                <a:ext uri="{FF2B5EF4-FFF2-40B4-BE49-F238E27FC236}">
-                  <a16:creationId xmlns:a16="http://schemas.microsoft.com/office/drawing/2014/main" id="{3DC3FE65-2063-454B-8D07-B83AC735BBDD}"/>
-                </a:ext>
-              </a:extLst>
-            </p:cNvPr>
-            <p:cNvSpPr/>
-            <p:nvPr/>
-          </p:nvSpPr>
-          <p:spPr>
-            <a:xfrm>
-              <a:off x="2431111" y="3840553"/>
-              <a:ext cx="311727" cy="311727"/>
-            </a:xfrm>
-            <a:prstGeom prst="rect">
-              <a:avLst/>
-            </a:prstGeom>
-            <a:solidFill>
-              <a:schemeClr val="bg1"/>
-            </a:solidFill>
-          </p:spPr>
-          <p:style>
-            <a:lnRef idx="2">
-              <a:schemeClr val="accent1">
-                <a:shade val="50000"/>
-              </a:schemeClr>
-            </a:lnRef>
-            <a:fillRef idx="1">
-              <a:schemeClr val="accent1"/>
-            </a:fillRef>
-            <a:effectRef idx="0">
-              <a:schemeClr val="accent1"/>
-            </a:effectRef>
-            <a:fontRef idx="minor">
-              <a:schemeClr val="lt1"/>
-            </a:fontRef>
-          </p:style>
-          <p:txBody>
-            <a:bodyPr rtlCol="0" anchor="ctr"/>
-            <a:lstStyle/>
-            <a:p>
-              <a:pPr algn="ctr"/>
-              <a:endParaRPr lang="en-US"/>
-            </a:p>
-          </p:txBody>
-        </p:sp>
-        <p:sp>
-          <p:nvSpPr>
-            <p:cNvPr id="97" name="TextBox 96">
-              <a:extLst>
-                <a:ext uri="{FF2B5EF4-FFF2-40B4-BE49-F238E27FC236}">
-                  <a16:creationId xmlns:a16="http://schemas.microsoft.com/office/drawing/2014/main" id="{2E177FD8-7665-DD45-946B-95A069C9E57F}"/>
-                </a:ext>
-              </a:extLst>
-            </p:cNvPr>
-            <p:cNvSpPr txBox="1"/>
-            <p:nvPr/>
-          </p:nvSpPr>
-          <p:spPr>
-            <a:xfrm>
-              <a:off x="2742838" y="3800546"/>
-              <a:ext cx="301686" cy="369332"/>
-            </a:xfrm>
-            <a:prstGeom prst="rect">
-              <a:avLst/>
-            </a:prstGeom>
-            <a:noFill/>
-          </p:spPr>
-          <p:txBody>
-            <a:bodyPr wrap="none" rtlCol="0">
-              <a:spAutoFit/>
-            </a:bodyPr>
-            <a:lstStyle/>
-            <a:p>
-              <a:r>
-                <a:rPr lang="en-US" dirty="0"/>
-                <a:t>7</a:t>
-              </a:r>
-            </a:p>
-          </p:txBody>
-        </p:sp>
-        <p:sp>
-          <p:nvSpPr>
-            <p:cNvPr id="98" name="TextBox 97">
-              <a:extLst>
-                <a:ext uri="{FF2B5EF4-FFF2-40B4-BE49-F238E27FC236}">
-                  <a16:creationId xmlns:a16="http://schemas.microsoft.com/office/drawing/2014/main" id="{13FEF010-B253-9F40-B97A-CB7EC90DF1F0}"/>
-                </a:ext>
-              </a:extLst>
-            </p:cNvPr>
-            <p:cNvSpPr txBox="1"/>
-            <p:nvPr/>
-          </p:nvSpPr>
-          <p:spPr>
-            <a:xfrm>
-              <a:off x="2742837" y="3490922"/>
-              <a:ext cx="301686" cy="369332"/>
-            </a:xfrm>
-            <a:prstGeom prst="rect">
-              <a:avLst/>
-            </a:prstGeom>
-            <a:noFill/>
-          </p:spPr>
-          <p:txBody>
-            <a:bodyPr wrap="none" rtlCol="0">
-              <a:spAutoFit/>
-            </a:bodyPr>
-            <a:lstStyle/>
-            <a:p>
-              <a:r>
-                <a:rPr lang="en-US" dirty="0"/>
-                <a:t>8</a:t>
-              </a:r>
-            </a:p>
-          </p:txBody>
-        </p:sp>
-        <p:sp>
-          <p:nvSpPr>
-            <p:cNvPr id="99" name="TextBox 98">
-              <a:extLst>
-                <a:ext uri="{FF2B5EF4-FFF2-40B4-BE49-F238E27FC236}">
-                  <a16:creationId xmlns:a16="http://schemas.microsoft.com/office/drawing/2014/main" id="{05D8BC77-CED7-5B49-B380-3351457EFFFF}"/>
-                </a:ext>
-              </a:extLst>
-            </p:cNvPr>
-            <p:cNvSpPr txBox="1"/>
-            <p:nvPr/>
-          </p:nvSpPr>
-          <p:spPr>
-            <a:xfrm>
-              <a:off x="1683301" y="3821669"/>
-              <a:ext cx="418704" cy="369332"/>
-            </a:xfrm>
-            <a:prstGeom prst="rect">
-              <a:avLst/>
-            </a:prstGeom>
-            <a:noFill/>
-          </p:spPr>
-          <p:txBody>
-            <a:bodyPr wrap="none" rtlCol="0">
-              <a:spAutoFit/>
-            </a:bodyPr>
-            <a:lstStyle/>
-            <a:p>
-              <a:r>
-                <a:rPr lang="en-US" dirty="0"/>
-                <a:t>10</a:t>
-              </a:r>
-            </a:p>
-          </p:txBody>
-        </p:sp>
-        <p:sp>
-          <p:nvSpPr>
-            <p:cNvPr id="100" name="TextBox 99">
-              <a:extLst>
-                <a:ext uri="{FF2B5EF4-FFF2-40B4-BE49-F238E27FC236}">
-                  <a16:creationId xmlns:a16="http://schemas.microsoft.com/office/drawing/2014/main" id="{01032BBB-F5C6-DE4B-9708-45854162CC29}"/>
-                </a:ext>
-              </a:extLst>
-            </p:cNvPr>
-            <p:cNvSpPr txBox="1"/>
-            <p:nvPr/>
-          </p:nvSpPr>
-          <p:spPr>
-            <a:xfrm>
-              <a:off x="1688682" y="3479193"/>
-              <a:ext cx="354584" cy="369332"/>
-            </a:xfrm>
-            <a:prstGeom prst="rect">
-              <a:avLst/>
-            </a:prstGeom>
-            <a:noFill/>
-          </p:spPr>
-          <p:txBody>
-            <a:bodyPr wrap="none" rtlCol="0">
-              <a:spAutoFit/>
-            </a:bodyPr>
-            <a:lstStyle/>
-            <a:p>
-              <a:r>
-                <a:rPr lang="en-US" dirty="0"/>
-                <a:t> 9</a:t>
-              </a:r>
-            </a:p>
-          </p:txBody>
-        </p:sp>
-        <p:sp>
-          <p:nvSpPr>
-            <p:cNvPr id="150" name="TextBox 149">
-              <a:extLst>
-                <a:ext uri="{FF2B5EF4-FFF2-40B4-BE49-F238E27FC236}">
-                  <a16:creationId xmlns:a16="http://schemas.microsoft.com/office/drawing/2014/main" id="{BAC64C0D-F03F-B444-B37D-2B1C93526B08}"/>
-                </a:ext>
-              </a:extLst>
-            </p:cNvPr>
-            <p:cNvSpPr txBox="1"/>
-            <p:nvPr/>
-          </p:nvSpPr>
-          <p:spPr>
-            <a:xfrm>
-              <a:off x="2101568" y="3082373"/>
-              <a:ext cx="641270" cy="369332"/>
-            </a:xfrm>
-            <a:prstGeom prst="rect">
-              <a:avLst/>
-            </a:prstGeom>
-            <a:noFill/>
-          </p:spPr>
-          <p:txBody>
-            <a:bodyPr wrap="square" rtlCol="0">
-              <a:spAutoFit/>
-            </a:bodyPr>
-            <a:lstStyle/>
-            <a:p>
-              <a:pPr algn="ctr"/>
-              <a:r>
-                <a:rPr lang="en-US" dirty="0"/>
-                <a:t>PINS</a:t>
-              </a:r>
-            </a:p>
-          </p:txBody>
-        </p:sp>
-        <p:sp>
-          <p:nvSpPr>
-            <p:cNvPr id="151" name="Oval 150">
-              <a:extLst>
-                <a:ext uri="{FF2B5EF4-FFF2-40B4-BE49-F238E27FC236}">
-                  <a16:creationId xmlns:a16="http://schemas.microsoft.com/office/drawing/2014/main" id="{0DE27145-56E8-5145-8D04-3A9D735C7FF2}"/>
-                </a:ext>
-              </a:extLst>
-            </p:cNvPr>
-            <p:cNvSpPr/>
-            <p:nvPr/>
-          </p:nvSpPr>
-          <p:spPr>
-            <a:xfrm>
-              <a:off x="2257430" y="6045123"/>
-              <a:ext cx="378418" cy="378418"/>
-            </a:xfrm>
-            <a:prstGeom prst="ellipse">
-              <a:avLst/>
-            </a:prstGeom>
-            <a:solidFill>
-              <a:schemeClr val="bg1"/>
-            </a:solidFill>
-            <a:ln>
-              <a:solidFill>
-                <a:srgbClr val="2F518E"/>
-              </a:solidFill>
-            </a:ln>
-          </p:spPr>
-          <p:style>
-            <a:lnRef idx="2">
-              <a:schemeClr val="accent1">
-                <a:shade val="50000"/>
-              </a:schemeClr>
-            </a:lnRef>
-            <a:fillRef idx="1">
-              <a:schemeClr val="accent1"/>
-            </a:fillRef>
-            <a:effectRef idx="0">
-              <a:schemeClr val="accent1"/>
-            </a:effectRef>
-            <a:fontRef idx="minor">
-              <a:schemeClr val="lt1"/>
-            </a:fontRef>
-          </p:style>
-          <p:txBody>
-            <a:bodyPr rtlCol="0" anchor="ctr"/>
-            <a:lstStyle/>
-            <a:p>
-              <a:pPr algn="ctr"/>
-              <a:endParaRPr lang="en-US">
-                <a:ln>
-                  <a:solidFill>
-                    <a:schemeClr val="bg1"/>
-                  </a:solidFill>
-                </a:ln>
-              </a:endParaRPr>
-            </a:p>
-          </p:txBody>
-        </p:sp>
-      </p:grpSp>
       <p:sp>
         <p:nvSpPr>
           <p:cNvPr id="152" name="Rectangle 151">
@@ -15548,42 +14087,12 @@
           </p:txBody>
         </p:sp>
       </p:grpSp>
-    </p:spTree>
-    <p:extLst>
-      <p:ext uri="{BB962C8B-B14F-4D97-AF65-F5344CB8AC3E}">
-        <p14:creationId xmlns:p14="http://schemas.microsoft.com/office/powerpoint/2010/main" val="430175688"/>
-      </p:ext>
-    </p:extLst>
-  </p:cSld>
-  <p:clrMapOvr>
-    <a:masterClrMapping/>
-  </p:clrMapOvr>
-</p:sld>
-</file>
-
-<file path=ppt/slides/slide13.xml><?xml version="1.0" encoding="utf-8"?>
-<p:sld xmlns:a="http://schemas.openxmlformats.org/drawingml/2006/main" xmlns:r="http://schemas.openxmlformats.org/officeDocument/2006/relationships" xmlns:p="http://schemas.openxmlformats.org/presentationml/2006/main">
-  <p:cSld>
-    <p:spTree>
-      <p:nvGrpSpPr>
-        <p:cNvPr id="1" name=""/>
-        <p:cNvGrpSpPr/>
-        <p:nvPr/>
-      </p:nvGrpSpPr>
-      <p:grpSpPr>
-        <a:xfrm>
-          <a:off x="0" y="0"/>
-          <a:ext cx="0" cy="0"/>
-          <a:chOff x="0" y="0"/>
-          <a:chExt cx="0" cy="0"/>
-        </a:xfrm>
-      </p:grpSpPr>
       <p:grpSp>
         <p:nvGrpSpPr>
-          <p:cNvPr id="156" name="Group 155">
+          <p:cNvPr id="101" name="Group 100">
             <a:extLst>
               <a:ext uri="{FF2B5EF4-FFF2-40B4-BE49-F238E27FC236}">
-                <a16:creationId xmlns:a16="http://schemas.microsoft.com/office/drawing/2014/main" id="{ABA3A625-0C6C-DF45-A0F3-63A698A384F4}"/>
+                <a16:creationId xmlns:a16="http://schemas.microsoft.com/office/drawing/2014/main" id="{E7F3F142-49B7-2540-9C9D-B146675E235A}"/>
               </a:ext>
             </a:extLst>
           </p:cNvPr>
@@ -15592,7 +14101,7 @@
         </p:nvGrpSpPr>
         <p:grpSpPr>
           <a:xfrm>
-            <a:off x="1683301" y="3082373"/>
+            <a:off x="1610385" y="3468428"/>
             <a:ext cx="1361223" cy="3541071"/>
             <a:chOff x="8362051" y="1084130"/>
             <a:chExt cx="1361223" cy="3541071"/>
@@ -15600,10 +14109,10 @@
         </p:grpSpPr>
         <p:grpSp>
           <p:nvGrpSpPr>
-            <p:cNvPr id="149" name="Group 148">
+            <p:cNvPr id="116" name="Group 115">
               <a:extLst>
                 <a:ext uri="{FF2B5EF4-FFF2-40B4-BE49-F238E27FC236}">
-                  <a16:creationId xmlns:a16="http://schemas.microsoft.com/office/drawing/2014/main" id="{43D98BBB-0473-F445-907C-65A08B8A1A58}"/>
+                  <a16:creationId xmlns:a16="http://schemas.microsoft.com/office/drawing/2014/main" id="{DE5553F4-1BA6-BE4B-8BB4-3B836E7D090D}"/>
                 </a:ext>
               </a:extLst>
             </p:cNvPr>
@@ -15620,10 +14129,10 @@
           </p:grpSpPr>
           <p:sp>
             <p:nvSpPr>
-              <p:cNvPr id="69" name="Rectangle 68">
+              <p:cNvPr id="121" name="Rectangle 120">
                 <a:extLst>
                   <a:ext uri="{FF2B5EF4-FFF2-40B4-BE49-F238E27FC236}">
-                    <a16:creationId xmlns:a16="http://schemas.microsoft.com/office/drawing/2014/main" id="{5E4ED677-F1E0-0341-9124-0EF8842C1955}"/>
+                    <a16:creationId xmlns:a16="http://schemas.microsoft.com/office/drawing/2014/main" id="{7401F739-0AE0-7B4F-896F-4C2B98CA302A}"/>
                   </a:ext>
                 </a:extLst>
               </p:cNvPr>
@@ -15669,10 +14178,10 @@
           </p:sp>
           <p:sp>
             <p:nvSpPr>
-              <p:cNvPr id="70" name="Rectangle 69">
+              <p:cNvPr id="122" name="Rectangle 121">
                 <a:extLst>
                   <a:ext uri="{FF2B5EF4-FFF2-40B4-BE49-F238E27FC236}">
-                    <a16:creationId xmlns:a16="http://schemas.microsoft.com/office/drawing/2014/main" id="{D40E30CE-72D9-6946-9F62-6EFBD543E6F6}"/>
+                    <a16:creationId xmlns:a16="http://schemas.microsoft.com/office/drawing/2014/main" id="{98D79E2F-D1DC-0545-A95B-E5E39B3D3092}"/>
                   </a:ext>
                 </a:extLst>
               </p:cNvPr>
@@ -15718,10 +14227,10 @@
           </p:sp>
           <p:sp>
             <p:nvSpPr>
-              <p:cNvPr id="71" name="Rectangle 70">
+              <p:cNvPr id="123" name="Rectangle 122">
                 <a:extLst>
                   <a:ext uri="{FF2B5EF4-FFF2-40B4-BE49-F238E27FC236}">
-                    <a16:creationId xmlns:a16="http://schemas.microsoft.com/office/drawing/2014/main" id="{4C696AC0-BF99-CA4F-A1BB-3F3C0BCD3029}"/>
+                    <a16:creationId xmlns:a16="http://schemas.microsoft.com/office/drawing/2014/main" id="{874087AF-A3D8-004D-A074-D75E6044CBF2}"/>
                   </a:ext>
                 </a:extLst>
               </p:cNvPr>
@@ -15767,10 +14276,10 @@
           </p:sp>
           <p:sp>
             <p:nvSpPr>
-              <p:cNvPr id="72" name="Rectangle 71">
+              <p:cNvPr id="124" name="Rectangle 123">
                 <a:extLst>
                   <a:ext uri="{FF2B5EF4-FFF2-40B4-BE49-F238E27FC236}">
-                    <a16:creationId xmlns:a16="http://schemas.microsoft.com/office/drawing/2014/main" id="{37B23E8E-8133-FC49-B774-B1E603DF366A}"/>
+                    <a16:creationId xmlns:a16="http://schemas.microsoft.com/office/drawing/2014/main" id="{8CB9BA92-F58D-9C4E-9F60-C17676313F10}"/>
                   </a:ext>
                 </a:extLst>
               </p:cNvPr>
@@ -15816,10 +14325,10 @@
           </p:sp>
           <p:sp>
             <p:nvSpPr>
-              <p:cNvPr id="39" name="TextBox 38">
+              <p:cNvPr id="125" name="TextBox 124">
                 <a:extLst>
                   <a:ext uri="{FF2B5EF4-FFF2-40B4-BE49-F238E27FC236}">
-                    <a16:creationId xmlns:a16="http://schemas.microsoft.com/office/drawing/2014/main" id="{656C4E8F-262D-E54E-BDB3-0D57F7FBE3C1}"/>
+                    <a16:creationId xmlns:a16="http://schemas.microsoft.com/office/drawing/2014/main" id="{1A0A0A04-86B8-D545-AD1E-28B75979E45D}"/>
                   </a:ext>
                 </a:extLst>
               </p:cNvPr>
@@ -15851,10 +14360,10 @@
           </p:sp>
           <p:sp>
             <p:nvSpPr>
-              <p:cNvPr id="73" name="TextBox 72">
+              <p:cNvPr id="126" name="TextBox 125">
                 <a:extLst>
                   <a:ext uri="{FF2B5EF4-FFF2-40B4-BE49-F238E27FC236}">
-                    <a16:creationId xmlns:a16="http://schemas.microsoft.com/office/drawing/2014/main" id="{F9AD7BAA-68AB-214A-B22D-67ADC84FA778}"/>
+                    <a16:creationId xmlns:a16="http://schemas.microsoft.com/office/drawing/2014/main" id="{0514A85B-0356-114F-83FB-70F62F9BAE58}"/>
                   </a:ext>
                 </a:extLst>
               </p:cNvPr>
@@ -15886,10 +14395,10 @@
           </p:sp>
           <p:sp>
             <p:nvSpPr>
-              <p:cNvPr id="75" name="TextBox 74">
+              <p:cNvPr id="127" name="TextBox 126">
                 <a:extLst>
                   <a:ext uri="{FF2B5EF4-FFF2-40B4-BE49-F238E27FC236}">
-                    <a16:creationId xmlns:a16="http://schemas.microsoft.com/office/drawing/2014/main" id="{176B92AA-41F3-144C-8884-A3970AABF858}"/>
+                    <a16:creationId xmlns:a16="http://schemas.microsoft.com/office/drawing/2014/main" id="{B4CED1DB-9167-9649-883B-0477EDA3799E}"/>
                   </a:ext>
                 </a:extLst>
               </p:cNvPr>
@@ -15921,10 +14430,10 @@
           </p:sp>
           <p:sp>
             <p:nvSpPr>
-              <p:cNvPr id="76" name="TextBox 75">
+              <p:cNvPr id="128" name="TextBox 127">
                 <a:extLst>
                   <a:ext uri="{FF2B5EF4-FFF2-40B4-BE49-F238E27FC236}">
-                    <a16:creationId xmlns:a16="http://schemas.microsoft.com/office/drawing/2014/main" id="{1D0AEC00-696F-C941-A7CE-F4FAC90FDE11}"/>
+                    <a16:creationId xmlns:a16="http://schemas.microsoft.com/office/drawing/2014/main" id="{AB6FEAF9-8AB2-D34C-8557-6026746AFFAE}"/>
                   </a:ext>
                 </a:extLst>
               </p:cNvPr>
@@ -15956,10 +14465,10 @@
           </p:sp>
           <p:sp>
             <p:nvSpPr>
-              <p:cNvPr id="77" name="Rectangle 76">
+              <p:cNvPr id="129" name="Rectangle 128">
                 <a:extLst>
                   <a:ext uri="{FF2B5EF4-FFF2-40B4-BE49-F238E27FC236}">
-                    <a16:creationId xmlns:a16="http://schemas.microsoft.com/office/drawing/2014/main" id="{CF512852-94C6-7F4F-B80B-A31338D6CCFB}"/>
+                    <a16:creationId xmlns:a16="http://schemas.microsoft.com/office/drawing/2014/main" id="{37B90DA9-B7CB-C541-A93B-15055DFB67A7}"/>
                   </a:ext>
                 </a:extLst>
               </p:cNvPr>
@@ -16005,10 +14514,10 @@
           </p:sp>
           <p:sp>
             <p:nvSpPr>
-              <p:cNvPr id="78" name="Rectangle 77">
+              <p:cNvPr id="130" name="Rectangle 129">
                 <a:extLst>
                   <a:ext uri="{FF2B5EF4-FFF2-40B4-BE49-F238E27FC236}">
-                    <a16:creationId xmlns:a16="http://schemas.microsoft.com/office/drawing/2014/main" id="{0118EFA2-976B-C447-B038-DAB8A436B243}"/>
+                    <a16:creationId xmlns:a16="http://schemas.microsoft.com/office/drawing/2014/main" id="{2B598CB1-CACE-954A-B8BB-6BA1DF46628F}"/>
                   </a:ext>
                 </a:extLst>
               </p:cNvPr>
@@ -16054,10 +14563,10 @@
           </p:sp>
           <p:sp>
             <p:nvSpPr>
-              <p:cNvPr id="79" name="Rectangle 78">
+              <p:cNvPr id="131" name="Rectangle 130">
                 <a:extLst>
                   <a:ext uri="{FF2B5EF4-FFF2-40B4-BE49-F238E27FC236}">
-                    <a16:creationId xmlns:a16="http://schemas.microsoft.com/office/drawing/2014/main" id="{16AF76CE-2B1C-CB4D-8768-A3B592A6F8F5}"/>
+                    <a16:creationId xmlns:a16="http://schemas.microsoft.com/office/drawing/2014/main" id="{3DC0D4C1-7DC6-2844-BB02-48E9397DC617}"/>
                   </a:ext>
                 </a:extLst>
               </p:cNvPr>
@@ -16103,10 +14612,10 @@
           </p:sp>
           <p:sp>
             <p:nvSpPr>
-              <p:cNvPr id="80" name="Rectangle 79">
+              <p:cNvPr id="132" name="Rectangle 131">
                 <a:extLst>
                   <a:ext uri="{FF2B5EF4-FFF2-40B4-BE49-F238E27FC236}">
-                    <a16:creationId xmlns:a16="http://schemas.microsoft.com/office/drawing/2014/main" id="{DABA1D17-CE26-EC48-9517-67446AAA333A}"/>
+                    <a16:creationId xmlns:a16="http://schemas.microsoft.com/office/drawing/2014/main" id="{EDF3DD6C-271B-2F4B-A628-C3BA93057C7D}"/>
                   </a:ext>
                 </a:extLst>
               </p:cNvPr>
@@ -16152,10 +14661,10 @@
           </p:sp>
           <p:sp>
             <p:nvSpPr>
-              <p:cNvPr id="81" name="TextBox 80">
+              <p:cNvPr id="133" name="TextBox 132">
                 <a:extLst>
                   <a:ext uri="{FF2B5EF4-FFF2-40B4-BE49-F238E27FC236}">
-                    <a16:creationId xmlns:a16="http://schemas.microsoft.com/office/drawing/2014/main" id="{B3783C10-8A33-1C48-AA63-C8328058D465}"/>
+                    <a16:creationId xmlns:a16="http://schemas.microsoft.com/office/drawing/2014/main" id="{032C6880-6604-2248-BFEB-2F1BA8BA4993}"/>
                   </a:ext>
                 </a:extLst>
               </p:cNvPr>
@@ -16187,10 +14696,10 @@
           </p:sp>
           <p:sp>
             <p:nvSpPr>
-              <p:cNvPr id="82" name="TextBox 81">
+              <p:cNvPr id="134" name="TextBox 133">
                 <a:extLst>
                   <a:ext uri="{FF2B5EF4-FFF2-40B4-BE49-F238E27FC236}">
-                    <a16:creationId xmlns:a16="http://schemas.microsoft.com/office/drawing/2014/main" id="{261F1B69-40CD-3342-B632-CAABB5032157}"/>
+                    <a16:creationId xmlns:a16="http://schemas.microsoft.com/office/drawing/2014/main" id="{39D4E1BC-9663-A947-8B3D-9F452DCFDD23}"/>
                   </a:ext>
                 </a:extLst>
               </p:cNvPr>
@@ -16222,10 +14731,10 @@
           </p:sp>
           <p:sp>
             <p:nvSpPr>
-              <p:cNvPr id="83" name="TextBox 82">
+              <p:cNvPr id="135" name="TextBox 134">
                 <a:extLst>
                   <a:ext uri="{FF2B5EF4-FFF2-40B4-BE49-F238E27FC236}">
-                    <a16:creationId xmlns:a16="http://schemas.microsoft.com/office/drawing/2014/main" id="{D22B94C4-6E34-524D-823B-095228DF5CC3}"/>
+                    <a16:creationId xmlns:a16="http://schemas.microsoft.com/office/drawing/2014/main" id="{EE1C887D-6324-2C4E-A0EF-96AC726DA72A}"/>
                   </a:ext>
                 </a:extLst>
               </p:cNvPr>
@@ -16257,10 +14766,10 @@
           </p:sp>
           <p:sp>
             <p:nvSpPr>
-              <p:cNvPr id="84" name="TextBox 83">
+              <p:cNvPr id="136" name="TextBox 135">
                 <a:extLst>
                   <a:ext uri="{FF2B5EF4-FFF2-40B4-BE49-F238E27FC236}">
-                    <a16:creationId xmlns:a16="http://schemas.microsoft.com/office/drawing/2014/main" id="{85D3FBA8-B06D-2540-A2D4-A60504DFA663}"/>
+                    <a16:creationId xmlns:a16="http://schemas.microsoft.com/office/drawing/2014/main" id="{A28FD37A-254D-CC4F-B43A-5C3782CBA9AD}"/>
                   </a:ext>
                 </a:extLst>
               </p:cNvPr>
@@ -16292,10 +14801,10 @@
           </p:sp>
           <p:sp>
             <p:nvSpPr>
-              <p:cNvPr id="85" name="Rectangle 84">
+              <p:cNvPr id="137" name="Rectangle 136">
                 <a:extLst>
                   <a:ext uri="{FF2B5EF4-FFF2-40B4-BE49-F238E27FC236}">
-                    <a16:creationId xmlns:a16="http://schemas.microsoft.com/office/drawing/2014/main" id="{40389188-F3CB-EC43-AD72-297A60064596}"/>
+                    <a16:creationId xmlns:a16="http://schemas.microsoft.com/office/drawing/2014/main" id="{FBB4B9F5-EC0D-9149-A833-A6058AAF7A6B}"/>
                   </a:ext>
                 </a:extLst>
               </p:cNvPr>
@@ -16341,10 +14850,10 @@
           </p:sp>
           <p:sp>
             <p:nvSpPr>
-              <p:cNvPr id="86" name="Rectangle 85">
+              <p:cNvPr id="138" name="Rectangle 137">
                 <a:extLst>
                   <a:ext uri="{FF2B5EF4-FFF2-40B4-BE49-F238E27FC236}">
-                    <a16:creationId xmlns:a16="http://schemas.microsoft.com/office/drawing/2014/main" id="{E1D7198F-C213-F64B-964F-4A1B246E073E}"/>
+                    <a16:creationId xmlns:a16="http://schemas.microsoft.com/office/drawing/2014/main" id="{71F1B137-B4E7-DC42-8BCC-28B745DA5657}"/>
                   </a:ext>
                 </a:extLst>
               </p:cNvPr>
@@ -16390,10 +14899,10 @@
           </p:sp>
           <p:sp>
             <p:nvSpPr>
-              <p:cNvPr id="87" name="Rectangle 86">
+              <p:cNvPr id="139" name="Rectangle 138">
                 <a:extLst>
                   <a:ext uri="{FF2B5EF4-FFF2-40B4-BE49-F238E27FC236}">
-                    <a16:creationId xmlns:a16="http://schemas.microsoft.com/office/drawing/2014/main" id="{AC4C1F42-FA8E-FE44-95DC-B726ACAF003E}"/>
+                    <a16:creationId xmlns:a16="http://schemas.microsoft.com/office/drawing/2014/main" id="{4246FC38-32F1-8E45-BEA6-E5E771EBA60E}"/>
                   </a:ext>
                 </a:extLst>
               </p:cNvPr>
@@ -16439,10 +14948,10 @@
           </p:sp>
           <p:sp>
             <p:nvSpPr>
-              <p:cNvPr id="88" name="Rectangle 87">
+              <p:cNvPr id="140" name="Rectangle 139">
                 <a:extLst>
                   <a:ext uri="{FF2B5EF4-FFF2-40B4-BE49-F238E27FC236}">
-                    <a16:creationId xmlns:a16="http://schemas.microsoft.com/office/drawing/2014/main" id="{124793A6-C533-4E4D-BB7C-49C21ED88935}"/>
+                    <a16:creationId xmlns:a16="http://schemas.microsoft.com/office/drawing/2014/main" id="{0970CDED-4EB2-494E-A82F-E0587B9368C5}"/>
                   </a:ext>
                 </a:extLst>
               </p:cNvPr>
@@ -16488,10 +14997,10 @@
           </p:sp>
           <p:sp>
             <p:nvSpPr>
-              <p:cNvPr id="89" name="TextBox 88">
+              <p:cNvPr id="141" name="TextBox 140">
                 <a:extLst>
                   <a:ext uri="{FF2B5EF4-FFF2-40B4-BE49-F238E27FC236}">
-                    <a16:creationId xmlns:a16="http://schemas.microsoft.com/office/drawing/2014/main" id="{EB6FCBAC-C0CF-D64E-A671-3F011F939C22}"/>
+                    <a16:creationId xmlns:a16="http://schemas.microsoft.com/office/drawing/2014/main" id="{96F16CCE-C54E-554D-97BC-4A22E5B5B5AD}"/>
                   </a:ext>
                 </a:extLst>
               </p:cNvPr>
@@ -16523,10 +15032,10 @@
           </p:sp>
           <p:sp>
             <p:nvSpPr>
-              <p:cNvPr id="90" name="TextBox 89">
+              <p:cNvPr id="142" name="TextBox 141">
                 <a:extLst>
                   <a:ext uri="{FF2B5EF4-FFF2-40B4-BE49-F238E27FC236}">
-                    <a16:creationId xmlns:a16="http://schemas.microsoft.com/office/drawing/2014/main" id="{F3D0C314-28A6-AD45-87F9-18931A20EB2F}"/>
+                    <a16:creationId xmlns:a16="http://schemas.microsoft.com/office/drawing/2014/main" id="{459AB2C8-9F56-9149-9970-504F5718C4F2}"/>
                   </a:ext>
                 </a:extLst>
               </p:cNvPr>
@@ -16558,10 +15067,10 @@
           </p:sp>
           <p:sp>
             <p:nvSpPr>
-              <p:cNvPr id="91" name="TextBox 90">
+              <p:cNvPr id="143" name="TextBox 142">
                 <a:extLst>
                   <a:ext uri="{FF2B5EF4-FFF2-40B4-BE49-F238E27FC236}">
-                    <a16:creationId xmlns:a16="http://schemas.microsoft.com/office/drawing/2014/main" id="{64569688-E980-894B-A885-06A334DBCB60}"/>
+                    <a16:creationId xmlns:a16="http://schemas.microsoft.com/office/drawing/2014/main" id="{A11057F8-5882-9A47-A26D-2400905253AA}"/>
                   </a:ext>
                 </a:extLst>
               </p:cNvPr>
@@ -16593,10 +15102,10 @@
           </p:sp>
           <p:sp>
             <p:nvSpPr>
-              <p:cNvPr id="92" name="TextBox 91">
+              <p:cNvPr id="144" name="TextBox 143">
                 <a:extLst>
                   <a:ext uri="{FF2B5EF4-FFF2-40B4-BE49-F238E27FC236}">
-                    <a16:creationId xmlns:a16="http://schemas.microsoft.com/office/drawing/2014/main" id="{8F558DB5-D009-0D4C-9956-E006C964BAB9}"/>
+                    <a16:creationId xmlns:a16="http://schemas.microsoft.com/office/drawing/2014/main" id="{51BB75E3-4764-9F49-91A5-416AE10BE041}"/>
                   </a:ext>
                 </a:extLst>
               </p:cNvPr>
@@ -16628,10 +15137,10 @@
           </p:sp>
           <p:sp>
             <p:nvSpPr>
-              <p:cNvPr id="93" name="Rectangle 92">
+              <p:cNvPr id="145" name="Rectangle 144">
                 <a:extLst>
                   <a:ext uri="{FF2B5EF4-FFF2-40B4-BE49-F238E27FC236}">
-                    <a16:creationId xmlns:a16="http://schemas.microsoft.com/office/drawing/2014/main" id="{4BA1D58A-2F7C-684F-9CE9-6982A69D8636}"/>
+                    <a16:creationId xmlns:a16="http://schemas.microsoft.com/office/drawing/2014/main" id="{A30DA640-DE90-3D4C-B6E3-C287BA14DC04}"/>
                   </a:ext>
                 </a:extLst>
               </p:cNvPr>
@@ -16677,10 +15186,10 @@
           </p:sp>
           <p:sp>
             <p:nvSpPr>
-              <p:cNvPr id="94" name="Rectangle 93">
+              <p:cNvPr id="146" name="Rectangle 145">
                 <a:extLst>
                   <a:ext uri="{FF2B5EF4-FFF2-40B4-BE49-F238E27FC236}">
-                    <a16:creationId xmlns:a16="http://schemas.microsoft.com/office/drawing/2014/main" id="{0B0BC219-AB56-414E-A48A-C9EC33904CF4}"/>
+                    <a16:creationId xmlns:a16="http://schemas.microsoft.com/office/drawing/2014/main" id="{F55890F9-D658-004C-A5D5-C05B52E88CF2}"/>
                   </a:ext>
                 </a:extLst>
               </p:cNvPr>
@@ -16726,10 +15235,10 @@
           </p:sp>
           <p:sp>
             <p:nvSpPr>
-              <p:cNvPr id="95" name="Rectangle 94">
+              <p:cNvPr id="147" name="Rectangle 146">
                 <a:extLst>
                   <a:ext uri="{FF2B5EF4-FFF2-40B4-BE49-F238E27FC236}">
-                    <a16:creationId xmlns:a16="http://schemas.microsoft.com/office/drawing/2014/main" id="{1EF19B71-DEDD-DB4E-887E-4291F42DECF0}"/>
+                    <a16:creationId xmlns:a16="http://schemas.microsoft.com/office/drawing/2014/main" id="{2EE528FD-3D24-3140-8EDC-4401CABD885C}"/>
                   </a:ext>
                 </a:extLst>
               </p:cNvPr>
@@ -16775,10 +15284,10 @@
           </p:sp>
           <p:sp>
             <p:nvSpPr>
-              <p:cNvPr id="96" name="Rectangle 95">
+              <p:cNvPr id="148" name="Rectangle 147">
                 <a:extLst>
                   <a:ext uri="{FF2B5EF4-FFF2-40B4-BE49-F238E27FC236}">
-                    <a16:creationId xmlns:a16="http://schemas.microsoft.com/office/drawing/2014/main" id="{3DC3FE65-2063-454B-8D07-B83AC735BBDD}"/>
+                    <a16:creationId xmlns:a16="http://schemas.microsoft.com/office/drawing/2014/main" id="{E5932FC5-A5EE-3E4F-B41B-D4BBFE87F6DD}"/>
                   </a:ext>
                 </a:extLst>
               </p:cNvPr>
@@ -16824,10 +15333,10 @@
           </p:sp>
           <p:sp>
             <p:nvSpPr>
-              <p:cNvPr id="97" name="TextBox 96">
+              <p:cNvPr id="149" name="TextBox 148">
                 <a:extLst>
                   <a:ext uri="{FF2B5EF4-FFF2-40B4-BE49-F238E27FC236}">
-                    <a16:creationId xmlns:a16="http://schemas.microsoft.com/office/drawing/2014/main" id="{2E177FD8-7665-DD45-946B-95A069C9E57F}"/>
+                    <a16:creationId xmlns:a16="http://schemas.microsoft.com/office/drawing/2014/main" id="{36301538-9CCD-274E-AC02-40F4A9141121}"/>
                   </a:ext>
                 </a:extLst>
               </p:cNvPr>
@@ -16859,10 +15368,10 @@
           </p:sp>
           <p:sp>
             <p:nvSpPr>
-              <p:cNvPr id="98" name="TextBox 97">
+              <p:cNvPr id="153" name="TextBox 152">
                 <a:extLst>
                   <a:ext uri="{FF2B5EF4-FFF2-40B4-BE49-F238E27FC236}">
-                    <a16:creationId xmlns:a16="http://schemas.microsoft.com/office/drawing/2014/main" id="{13FEF010-B253-9F40-B97A-CB7EC90DF1F0}"/>
+                    <a16:creationId xmlns:a16="http://schemas.microsoft.com/office/drawing/2014/main" id="{1F84366F-3E80-1D42-BA44-6D3502592264}"/>
                   </a:ext>
                 </a:extLst>
               </p:cNvPr>
@@ -16894,10 +15403,10 @@
           </p:sp>
           <p:sp>
             <p:nvSpPr>
-              <p:cNvPr id="99" name="TextBox 98">
+              <p:cNvPr id="155" name="TextBox 154">
                 <a:extLst>
                   <a:ext uri="{FF2B5EF4-FFF2-40B4-BE49-F238E27FC236}">
-                    <a16:creationId xmlns:a16="http://schemas.microsoft.com/office/drawing/2014/main" id="{05D8BC77-CED7-5B49-B380-3351457EFFFF}"/>
+                    <a16:creationId xmlns:a16="http://schemas.microsoft.com/office/drawing/2014/main" id="{F11A3449-486C-2A4F-8429-98DBE00DDBF5}"/>
                   </a:ext>
                 </a:extLst>
               </p:cNvPr>
@@ -16929,10 +15438,10 @@
           </p:sp>
           <p:sp>
             <p:nvSpPr>
-              <p:cNvPr id="100" name="TextBox 99">
+              <p:cNvPr id="156" name="TextBox 155">
                 <a:extLst>
                   <a:ext uri="{FF2B5EF4-FFF2-40B4-BE49-F238E27FC236}">
-                    <a16:creationId xmlns:a16="http://schemas.microsoft.com/office/drawing/2014/main" id="{01032BBB-F5C6-DE4B-9708-45854162CC29}"/>
+                    <a16:creationId xmlns:a16="http://schemas.microsoft.com/office/drawing/2014/main" id="{E13D9989-8820-0A47-90BB-B52A86E64614}"/>
                   </a:ext>
                 </a:extLst>
               </p:cNvPr>
@@ -16965,10 +15474,10 @@
         </p:grpSp>
         <p:sp>
           <p:nvSpPr>
-            <p:cNvPr id="150" name="TextBox 149">
+            <p:cNvPr id="117" name="TextBox 116">
               <a:extLst>
                 <a:ext uri="{FF2B5EF4-FFF2-40B4-BE49-F238E27FC236}">
-                  <a16:creationId xmlns:a16="http://schemas.microsoft.com/office/drawing/2014/main" id="{BAC64C0D-F03F-B444-B37D-2B1C93526B08}"/>
+                  <a16:creationId xmlns:a16="http://schemas.microsoft.com/office/drawing/2014/main" id="{48923027-6D14-324E-8CF2-159EFEDE75C6}"/>
                 </a:ext>
               </a:extLst>
             </p:cNvPr>
@@ -17001,10 +15510,10 @@
         </p:sp>
         <p:sp>
           <p:nvSpPr>
-            <p:cNvPr id="151" name="Oval 150">
+            <p:cNvPr id="118" name="Oval 117">
               <a:extLst>
                 <a:ext uri="{FF2B5EF4-FFF2-40B4-BE49-F238E27FC236}">
-                  <a16:creationId xmlns:a16="http://schemas.microsoft.com/office/drawing/2014/main" id="{0DE27145-56E8-5145-8D04-3A9D735C7FF2}"/>
+                  <a16:creationId xmlns:a16="http://schemas.microsoft.com/office/drawing/2014/main" id="{02B650C1-4C5C-9242-8922-3917DB66112C}"/>
                 </a:ext>
               </a:extLst>
             </p:cNvPr>
@@ -17061,10 +15570,10 @@
         </p:sp>
         <p:sp>
           <p:nvSpPr>
-            <p:cNvPr id="152" name="Rectangle 151">
+            <p:cNvPr id="119" name="Rectangle 118">
               <a:extLst>
                 <a:ext uri="{FF2B5EF4-FFF2-40B4-BE49-F238E27FC236}">
-                  <a16:creationId xmlns:a16="http://schemas.microsoft.com/office/drawing/2014/main" id="{CD454EBD-224F-F249-9AEF-F5F571DDA32F}"/>
+                  <a16:creationId xmlns:a16="http://schemas.microsoft.com/office/drawing/2014/main" id="{DF19F9C6-99D9-7B43-8083-7B2A8D4121CD}"/>
                 </a:ext>
               </a:extLst>
             </p:cNvPr>
@@ -17113,10 +15622,10 @@
         </p:sp>
         <p:cxnSp>
           <p:nvCxnSpPr>
-            <p:cNvPr id="154" name="Straight Connector 153">
+            <p:cNvPr id="120" name="Straight Connector 119">
               <a:extLst>
                 <a:ext uri="{FF2B5EF4-FFF2-40B4-BE49-F238E27FC236}">
-                  <a16:creationId xmlns:a16="http://schemas.microsoft.com/office/drawing/2014/main" id="{0696EB16-EC01-2345-9C49-6D6287E9FA2A}"/>
+                  <a16:creationId xmlns:a16="http://schemas.microsoft.com/office/drawing/2014/main" id="{774030E7-6CCE-504A-9186-184CD6F2C1E6}"/>
                 </a:ext>
               </a:extLst>
             </p:cNvPr>
@@ -17155,6 +15664,4459 @@
           </p:style>
         </p:cxnSp>
       </p:grpSp>
+    </p:spTree>
+    <p:extLst>
+      <p:ext uri="{BB962C8B-B14F-4D97-AF65-F5344CB8AC3E}">
+        <p14:creationId xmlns:p14="http://schemas.microsoft.com/office/powerpoint/2010/main" val="430175688"/>
+      </p:ext>
+    </p:extLst>
+  </p:cSld>
+  <p:clrMapOvr>
+    <a:masterClrMapping/>
+  </p:clrMapOvr>
+</p:sld>
+</file>
+
+<file path=ppt/slides/slide13.xml><?xml version="1.0" encoding="utf-8"?>
+<p:sld xmlns:a="http://schemas.openxmlformats.org/drawingml/2006/main" xmlns:r="http://schemas.openxmlformats.org/officeDocument/2006/relationships" xmlns:p="http://schemas.openxmlformats.org/presentationml/2006/main">
+  <p:cSld>
+    <p:spTree>
+      <p:nvGrpSpPr>
+        <p:cNvPr id="1" name=""/>
+        <p:cNvGrpSpPr/>
+        <p:nvPr/>
+      </p:nvGrpSpPr>
+      <p:grpSpPr>
+        <a:xfrm>
+          <a:off x="0" y="0"/>
+          <a:ext cx="0" cy="0"/>
+          <a:chOff x="0" y="0"/>
+          <a:chExt cx="0" cy="0"/>
+        </a:xfrm>
+      </p:grpSpPr>
+      <p:grpSp>
+        <p:nvGrpSpPr>
+          <p:cNvPr id="61" name="Group 60">
+            <a:extLst>
+              <a:ext uri="{FF2B5EF4-FFF2-40B4-BE49-F238E27FC236}">
+                <a16:creationId xmlns:a16="http://schemas.microsoft.com/office/drawing/2014/main" id="{07F00DF2-2708-6345-BDDE-784C1AF19E51}"/>
+              </a:ext>
+            </a:extLst>
+          </p:cNvPr>
+          <p:cNvGrpSpPr/>
+          <p:nvPr/>
+        </p:nvGrpSpPr>
+        <p:grpSpPr>
+          <a:xfrm>
+            <a:off x="5992153" y="1087200"/>
+            <a:ext cx="5531110" cy="5177073"/>
+            <a:chOff x="5178899" y="748834"/>
+            <a:chExt cx="5531110" cy="5177073"/>
+          </a:xfrm>
+        </p:grpSpPr>
+        <p:grpSp>
+          <p:nvGrpSpPr>
+            <p:cNvPr id="48" name="Group 47">
+              <a:extLst>
+                <a:ext uri="{FF2B5EF4-FFF2-40B4-BE49-F238E27FC236}">
+                  <a16:creationId xmlns:a16="http://schemas.microsoft.com/office/drawing/2014/main" id="{08765087-4529-9243-853B-1B6B298A34E0}"/>
+                </a:ext>
+              </a:extLst>
+            </p:cNvPr>
+            <p:cNvGrpSpPr/>
+            <p:nvPr/>
+          </p:nvGrpSpPr>
+          <p:grpSpPr>
+            <a:xfrm>
+              <a:off x="5178899" y="748834"/>
+              <a:ext cx="5531110" cy="5177073"/>
+              <a:chOff x="2419445" y="1175903"/>
+              <a:chExt cx="5531110" cy="5177073"/>
+            </a:xfrm>
+          </p:grpSpPr>
+          <p:grpSp>
+            <p:nvGrpSpPr>
+              <p:cNvPr id="45" name="Group 44">
+                <a:extLst>
+                  <a:ext uri="{FF2B5EF4-FFF2-40B4-BE49-F238E27FC236}">
+                    <a16:creationId xmlns:a16="http://schemas.microsoft.com/office/drawing/2014/main" id="{4B70F0F0-CF3F-6644-8E03-27DEB174A36B}"/>
+                  </a:ext>
+                </a:extLst>
+              </p:cNvPr>
+              <p:cNvGrpSpPr/>
+              <p:nvPr/>
+            </p:nvGrpSpPr>
+            <p:grpSpPr>
+              <a:xfrm>
+                <a:off x="2419445" y="1175903"/>
+                <a:ext cx="4869628" cy="5177073"/>
+                <a:chOff x="2419445" y="1175903"/>
+                <a:chExt cx="4869628" cy="5177073"/>
+              </a:xfrm>
+            </p:grpSpPr>
+            <p:grpSp>
+              <p:nvGrpSpPr>
+                <p:cNvPr id="32" name="Group 31">
+                  <a:extLst>
+                    <a:ext uri="{FF2B5EF4-FFF2-40B4-BE49-F238E27FC236}">
+                      <a16:creationId xmlns:a16="http://schemas.microsoft.com/office/drawing/2014/main" id="{D84A29CC-BACE-BB49-9446-1B030AEBDC91}"/>
+                    </a:ext>
+                  </a:extLst>
+                </p:cNvPr>
+                <p:cNvGrpSpPr/>
+                <p:nvPr/>
+              </p:nvGrpSpPr>
+              <p:grpSpPr>
+                <a:xfrm>
+                  <a:off x="3177759" y="1175903"/>
+                  <a:ext cx="3078447" cy="5177073"/>
+                  <a:chOff x="850196" y="1135836"/>
+                  <a:chExt cx="3078447" cy="5177073"/>
+                </a:xfrm>
+              </p:grpSpPr>
+              <p:grpSp>
+                <p:nvGrpSpPr>
+                  <p:cNvPr id="30" name="Group 29">
+                    <a:extLst>
+                      <a:ext uri="{FF2B5EF4-FFF2-40B4-BE49-F238E27FC236}">
+                        <a16:creationId xmlns:a16="http://schemas.microsoft.com/office/drawing/2014/main" id="{160BD7D1-5ABA-114C-A0AF-CB603648744F}"/>
+                      </a:ext>
+                    </a:extLst>
+                  </p:cNvPr>
+                  <p:cNvGrpSpPr/>
+                  <p:nvPr/>
+                </p:nvGrpSpPr>
+                <p:grpSpPr>
+                  <a:xfrm>
+                    <a:off x="1659953" y="1135836"/>
+                    <a:ext cx="2268690" cy="5177073"/>
+                    <a:chOff x="2854908" y="1095769"/>
+                    <a:chExt cx="2268690" cy="5177073"/>
+                  </a:xfrm>
+                </p:grpSpPr>
+                <p:grpSp>
+                  <p:nvGrpSpPr>
+                    <p:cNvPr id="13" name="Group 12">
+                      <a:extLst>
+                        <a:ext uri="{FF2B5EF4-FFF2-40B4-BE49-F238E27FC236}">
+                          <a16:creationId xmlns:a16="http://schemas.microsoft.com/office/drawing/2014/main" id="{156CF6C1-0BC1-384B-ADD6-0D3C772902F5}"/>
+                        </a:ext>
+                      </a:extLst>
+                    </p:cNvPr>
+                    <p:cNvGrpSpPr/>
+                    <p:nvPr/>
+                  </p:nvGrpSpPr>
+                  <p:grpSpPr>
+                    <a:xfrm>
+                      <a:off x="2854908" y="1095769"/>
+                      <a:ext cx="2268690" cy="5177073"/>
+                      <a:chOff x="2854908" y="1095769"/>
+                      <a:chExt cx="2268690" cy="5177073"/>
+                    </a:xfrm>
+                  </p:grpSpPr>
+                  <p:sp>
+                    <p:nvSpPr>
+                      <p:cNvPr id="4" name="Rectangle 3">
+                        <a:extLst>
+                          <a:ext uri="{FF2B5EF4-FFF2-40B4-BE49-F238E27FC236}">
+                            <a16:creationId xmlns:a16="http://schemas.microsoft.com/office/drawing/2014/main" id="{162A526B-682F-264E-9D85-EEBA426C8132}"/>
+                          </a:ext>
+                        </a:extLst>
+                      </p:cNvPr>
+                      <p:cNvSpPr/>
+                      <p:nvPr/>
+                    </p:nvSpPr>
+                    <p:spPr>
+                      <a:xfrm>
+                        <a:off x="2897189" y="1402772"/>
+                        <a:ext cx="2183966" cy="290945"/>
+                      </a:xfrm>
+                      <a:prstGeom prst="rect">
+                        <a:avLst/>
+                      </a:prstGeom>
+                      <a:solidFill>
+                        <a:srgbClr val="BCCDE7"/>
+                      </a:solidFill>
+                      <a:ln>
+                        <a:noFill/>
+                      </a:ln>
+                    </p:spPr>
+                    <p:style>
+                      <a:lnRef idx="2">
+                        <a:schemeClr val="accent1">
+                          <a:shade val="50000"/>
+                        </a:schemeClr>
+                      </a:lnRef>
+                      <a:fillRef idx="1">
+                        <a:schemeClr val="accent1"/>
+                      </a:fillRef>
+                      <a:effectRef idx="0">
+                        <a:schemeClr val="accent1"/>
+                      </a:effectRef>
+                      <a:fontRef idx="minor">
+                        <a:schemeClr val="lt1"/>
+                      </a:fontRef>
+                    </p:style>
+                    <p:txBody>
+                      <a:bodyPr rtlCol="0" anchor="ctr"/>
+                      <a:lstStyle/>
+                      <a:p>
+                        <a:pPr algn="ctr"/>
+                        <a:endParaRPr lang="en-US"/>
+                      </a:p>
+                    </p:txBody>
+                  </p:sp>
+                  <p:sp>
+                    <p:nvSpPr>
+                      <p:cNvPr id="6" name="Rectangle 5">
+                        <a:extLst>
+                          <a:ext uri="{FF2B5EF4-FFF2-40B4-BE49-F238E27FC236}">
+                            <a16:creationId xmlns:a16="http://schemas.microsoft.com/office/drawing/2014/main" id="{42F487B7-CA62-B74D-9C7C-62D9165D2EE5}"/>
+                          </a:ext>
+                        </a:extLst>
+                      </p:cNvPr>
+                      <p:cNvSpPr/>
+                      <p:nvPr/>
+                    </p:nvSpPr>
+                    <p:spPr>
+                      <a:xfrm>
+                        <a:off x="2897189" y="2000044"/>
+                        <a:ext cx="2183966" cy="290945"/>
+                      </a:xfrm>
+                      <a:prstGeom prst="rect">
+                        <a:avLst/>
+                      </a:prstGeom>
+                      <a:solidFill>
+                        <a:srgbClr val="BCCDE7"/>
+                      </a:solidFill>
+                      <a:ln>
+                        <a:noFill/>
+                      </a:ln>
+                    </p:spPr>
+                    <p:style>
+                      <a:lnRef idx="2">
+                        <a:schemeClr val="accent1">
+                          <a:shade val="50000"/>
+                        </a:schemeClr>
+                      </a:lnRef>
+                      <a:fillRef idx="1">
+                        <a:schemeClr val="accent1"/>
+                      </a:fillRef>
+                      <a:effectRef idx="0">
+                        <a:schemeClr val="accent1"/>
+                      </a:effectRef>
+                      <a:fontRef idx="minor">
+                        <a:schemeClr val="lt1"/>
+                      </a:fontRef>
+                    </p:style>
+                    <p:txBody>
+                      <a:bodyPr rtlCol="0" anchor="ctr"/>
+                      <a:lstStyle/>
+                      <a:p>
+                        <a:pPr algn="ctr"/>
+                        <a:endParaRPr lang="en-US"/>
+                      </a:p>
+                    </p:txBody>
+                  </p:sp>
+                  <p:sp>
+                    <p:nvSpPr>
+                      <p:cNvPr id="7" name="Rectangle 6">
+                        <a:extLst>
+                          <a:ext uri="{FF2B5EF4-FFF2-40B4-BE49-F238E27FC236}">
+                            <a16:creationId xmlns:a16="http://schemas.microsoft.com/office/drawing/2014/main" id="{1A4B9C2C-8D3D-C045-A3A2-E36A31BC7856}"/>
+                          </a:ext>
+                        </a:extLst>
+                      </p:cNvPr>
+                      <p:cNvSpPr/>
+                      <p:nvPr/>
+                    </p:nvSpPr>
+                    <p:spPr>
+                      <a:xfrm>
+                        <a:off x="2905705" y="2560741"/>
+                        <a:ext cx="2183966" cy="290945"/>
+                      </a:xfrm>
+                      <a:prstGeom prst="rect">
+                        <a:avLst/>
+                      </a:prstGeom>
+                      <a:solidFill>
+                        <a:srgbClr val="BCCDE7"/>
+                      </a:solidFill>
+                      <a:ln>
+                        <a:noFill/>
+                      </a:ln>
+                    </p:spPr>
+                    <p:style>
+                      <a:lnRef idx="2">
+                        <a:schemeClr val="accent1">
+                          <a:shade val="50000"/>
+                        </a:schemeClr>
+                      </a:lnRef>
+                      <a:fillRef idx="1">
+                        <a:schemeClr val="accent1"/>
+                      </a:fillRef>
+                      <a:effectRef idx="0">
+                        <a:schemeClr val="accent1"/>
+                      </a:effectRef>
+                      <a:fontRef idx="minor">
+                        <a:schemeClr val="lt1"/>
+                      </a:fontRef>
+                    </p:style>
+                    <p:txBody>
+                      <a:bodyPr rtlCol="0" anchor="ctr"/>
+                      <a:lstStyle/>
+                      <a:p>
+                        <a:pPr algn="ctr"/>
+                        <a:endParaRPr lang="en-US"/>
+                      </a:p>
+                    </p:txBody>
+                  </p:sp>
+                  <p:sp>
+                    <p:nvSpPr>
+                      <p:cNvPr id="8" name="Rectangle 7">
+                        <a:extLst>
+                          <a:ext uri="{FF2B5EF4-FFF2-40B4-BE49-F238E27FC236}">
+                            <a16:creationId xmlns:a16="http://schemas.microsoft.com/office/drawing/2014/main" id="{884185DB-77B5-4144-B793-709ADF81C0BF}"/>
+                          </a:ext>
+                        </a:extLst>
+                      </p:cNvPr>
+                      <p:cNvSpPr/>
+                      <p:nvPr/>
+                    </p:nvSpPr>
+                    <p:spPr>
+                      <a:xfrm>
+                        <a:off x="2905705" y="3158013"/>
+                        <a:ext cx="2183966" cy="290945"/>
+                      </a:xfrm>
+                      <a:prstGeom prst="rect">
+                        <a:avLst/>
+                      </a:prstGeom>
+                      <a:solidFill>
+                        <a:srgbClr val="BCCDE7"/>
+                      </a:solidFill>
+                      <a:ln>
+                        <a:noFill/>
+                      </a:ln>
+                    </p:spPr>
+                    <p:style>
+                      <a:lnRef idx="2">
+                        <a:schemeClr val="accent1">
+                          <a:shade val="50000"/>
+                        </a:schemeClr>
+                      </a:lnRef>
+                      <a:fillRef idx="1">
+                        <a:schemeClr val="accent1"/>
+                      </a:fillRef>
+                      <a:effectRef idx="0">
+                        <a:schemeClr val="accent1"/>
+                      </a:effectRef>
+                      <a:fontRef idx="minor">
+                        <a:schemeClr val="lt1"/>
+                      </a:fontRef>
+                    </p:style>
+                    <p:txBody>
+                      <a:bodyPr rtlCol="0" anchor="ctr"/>
+                      <a:lstStyle/>
+                      <a:p>
+                        <a:pPr algn="ctr"/>
+                        <a:endParaRPr lang="en-US"/>
+                      </a:p>
+                    </p:txBody>
+                  </p:sp>
+                  <p:sp>
+                    <p:nvSpPr>
+                      <p:cNvPr id="9" name="Rectangle 8">
+                        <a:extLst>
+                          <a:ext uri="{FF2B5EF4-FFF2-40B4-BE49-F238E27FC236}">
+                            <a16:creationId xmlns:a16="http://schemas.microsoft.com/office/drawing/2014/main" id="{7156B845-3269-7747-BB69-B99BB762D0F2}"/>
+                          </a:ext>
+                        </a:extLst>
+                      </p:cNvPr>
+                      <p:cNvSpPr/>
+                      <p:nvPr/>
+                    </p:nvSpPr>
+                    <p:spPr>
+                      <a:xfrm>
+                        <a:off x="2905705" y="3699817"/>
+                        <a:ext cx="2183966" cy="290945"/>
+                      </a:xfrm>
+                      <a:prstGeom prst="rect">
+                        <a:avLst/>
+                      </a:prstGeom>
+                      <a:solidFill>
+                        <a:srgbClr val="BCCDE7"/>
+                      </a:solidFill>
+                      <a:ln>
+                        <a:noFill/>
+                      </a:ln>
+                    </p:spPr>
+                    <p:style>
+                      <a:lnRef idx="2">
+                        <a:schemeClr val="accent1">
+                          <a:shade val="50000"/>
+                        </a:schemeClr>
+                      </a:lnRef>
+                      <a:fillRef idx="1">
+                        <a:schemeClr val="accent1"/>
+                      </a:fillRef>
+                      <a:effectRef idx="0">
+                        <a:schemeClr val="accent1"/>
+                      </a:effectRef>
+                      <a:fontRef idx="minor">
+                        <a:schemeClr val="lt1"/>
+                      </a:fontRef>
+                    </p:style>
+                    <p:txBody>
+                      <a:bodyPr rtlCol="0" anchor="ctr"/>
+                      <a:lstStyle/>
+                      <a:p>
+                        <a:pPr algn="ctr"/>
+                        <a:endParaRPr lang="en-US"/>
+                      </a:p>
+                    </p:txBody>
+                  </p:sp>
+                  <p:sp>
+                    <p:nvSpPr>
+                      <p:cNvPr id="10" name="Rectangle 9">
+                        <a:extLst>
+                          <a:ext uri="{FF2B5EF4-FFF2-40B4-BE49-F238E27FC236}">
+                            <a16:creationId xmlns:a16="http://schemas.microsoft.com/office/drawing/2014/main" id="{FB085937-9E2E-1041-AA75-20D3C9E34087}"/>
+                          </a:ext>
+                        </a:extLst>
+                      </p:cNvPr>
+                      <p:cNvSpPr/>
+                      <p:nvPr/>
+                    </p:nvSpPr>
+                    <p:spPr>
+                      <a:xfrm>
+                        <a:off x="2905705" y="4297089"/>
+                        <a:ext cx="2183966" cy="290945"/>
+                      </a:xfrm>
+                      <a:prstGeom prst="rect">
+                        <a:avLst/>
+                      </a:prstGeom>
+                      <a:solidFill>
+                        <a:srgbClr val="BCCDE7"/>
+                      </a:solidFill>
+                      <a:ln>
+                        <a:noFill/>
+                      </a:ln>
+                    </p:spPr>
+                    <p:style>
+                      <a:lnRef idx="2">
+                        <a:schemeClr val="accent1">
+                          <a:shade val="50000"/>
+                        </a:schemeClr>
+                      </a:lnRef>
+                      <a:fillRef idx="1">
+                        <a:schemeClr val="accent1"/>
+                      </a:fillRef>
+                      <a:effectRef idx="0">
+                        <a:schemeClr val="accent1"/>
+                      </a:effectRef>
+                      <a:fontRef idx="minor">
+                        <a:schemeClr val="lt1"/>
+                      </a:fontRef>
+                    </p:style>
+                    <p:txBody>
+                      <a:bodyPr rtlCol="0" anchor="ctr"/>
+                      <a:lstStyle/>
+                      <a:p>
+                        <a:pPr algn="ctr"/>
+                        <a:endParaRPr lang="en-US"/>
+                      </a:p>
+                    </p:txBody>
+                  </p:sp>
+                  <p:sp>
+                    <p:nvSpPr>
+                      <p:cNvPr id="11" name="Rectangle 10">
+                        <a:extLst>
+                          <a:ext uri="{FF2B5EF4-FFF2-40B4-BE49-F238E27FC236}">
+                            <a16:creationId xmlns:a16="http://schemas.microsoft.com/office/drawing/2014/main" id="{79C92C71-2C35-9E43-A348-E712BC7DBF19}"/>
+                          </a:ext>
+                        </a:extLst>
+                      </p:cNvPr>
+                      <p:cNvSpPr/>
+                      <p:nvPr/>
+                    </p:nvSpPr>
+                    <p:spPr>
+                      <a:xfrm>
+                        <a:off x="2897189" y="4846791"/>
+                        <a:ext cx="2183966" cy="290945"/>
+                      </a:xfrm>
+                      <a:prstGeom prst="rect">
+                        <a:avLst/>
+                      </a:prstGeom>
+                      <a:solidFill>
+                        <a:srgbClr val="BCCDE7"/>
+                      </a:solidFill>
+                      <a:ln>
+                        <a:noFill/>
+                      </a:ln>
+                    </p:spPr>
+                    <p:style>
+                      <a:lnRef idx="2">
+                        <a:schemeClr val="accent1">
+                          <a:shade val="50000"/>
+                        </a:schemeClr>
+                      </a:lnRef>
+                      <a:fillRef idx="1">
+                        <a:schemeClr val="accent1"/>
+                      </a:fillRef>
+                      <a:effectRef idx="0">
+                        <a:schemeClr val="accent1"/>
+                      </a:effectRef>
+                      <a:fontRef idx="minor">
+                        <a:schemeClr val="lt1"/>
+                      </a:fontRef>
+                    </p:style>
+                    <p:txBody>
+                      <a:bodyPr rtlCol="0" anchor="ctr"/>
+                      <a:lstStyle/>
+                      <a:p>
+                        <a:pPr algn="ctr"/>
+                        <a:endParaRPr lang="en-US"/>
+                      </a:p>
+                    </p:txBody>
+                  </p:sp>
+                  <p:sp>
+                    <p:nvSpPr>
+                      <p:cNvPr id="12" name="Rectangle 11">
+                        <a:extLst>
+                          <a:ext uri="{FF2B5EF4-FFF2-40B4-BE49-F238E27FC236}">
+                            <a16:creationId xmlns:a16="http://schemas.microsoft.com/office/drawing/2014/main" id="{419CB047-D3BA-C443-BF66-8CBF12A88B75}"/>
+                          </a:ext>
+                        </a:extLst>
+                      </p:cNvPr>
+                      <p:cNvSpPr/>
+                      <p:nvPr/>
+                    </p:nvSpPr>
+                    <p:spPr>
+                      <a:xfrm>
+                        <a:off x="2897189" y="5444063"/>
+                        <a:ext cx="2183966" cy="290945"/>
+                      </a:xfrm>
+                      <a:prstGeom prst="rect">
+                        <a:avLst/>
+                      </a:prstGeom>
+                      <a:solidFill>
+                        <a:srgbClr val="BCCDE7"/>
+                      </a:solidFill>
+                      <a:ln>
+                        <a:noFill/>
+                      </a:ln>
+                    </p:spPr>
+                    <p:style>
+                      <a:lnRef idx="2">
+                        <a:schemeClr val="accent1">
+                          <a:shade val="50000"/>
+                        </a:schemeClr>
+                      </a:lnRef>
+                      <a:fillRef idx="1">
+                        <a:schemeClr val="accent1"/>
+                      </a:fillRef>
+                      <a:effectRef idx="0">
+                        <a:schemeClr val="accent1"/>
+                      </a:effectRef>
+                      <a:fontRef idx="minor">
+                        <a:schemeClr val="lt1"/>
+                      </a:fontRef>
+                    </p:style>
+                    <p:txBody>
+                      <a:bodyPr rtlCol="0" anchor="ctr"/>
+                      <a:lstStyle/>
+                      <a:p>
+                        <a:pPr algn="ctr"/>
+                        <a:endParaRPr lang="en-US"/>
+                      </a:p>
+                    </p:txBody>
+                  </p:sp>
+                  <p:sp>
+                    <p:nvSpPr>
+                      <p:cNvPr id="5" name="TextBox 4">
+                        <a:extLst>
+                          <a:ext uri="{FF2B5EF4-FFF2-40B4-BE49-F238E27FC236}">
+                            <a16:creationId xmlns:a16="http://schemas.microsoft.com/office/drawing/2014/main" id="{F74D46F4-EA6F-C54B-AF82-844633E6F89A}"/>
+                          </a:ext>
+                        </a:extLst>
+                      </p:cNvPr>
+                      <p:cNvSpPr txBox="1"/>
+                      <p:nvPr/>
+                    </p:nvSpPr>
+                    <p:spPr>
+                      <a:xfrm>
+                        <a:off x="2858661" y="5444063"/>
+                        <a:ext cx="367408" cy="307777"/>
+                      </a:xfrm>
+                      <a:prstGeom prst="rect">
+                        <a:avLst/>
+                      </a:prstGeom>
+                      <a:solidFill>
+                        <a:srgbClr val="BCCDE7"/>
+                      </a:solidFill>
+                    </p:spPr>
+                    <p:txBody>
+                      <a:bodyPr wrap="none" rtlCol="0">
+                        <a:spAutoFit/>
+                      </a:bodyPr>
+                      <a:lstStyle/>
+                      <a:p>
+                        <a:r>
+                          <a:rPr lang="en-US" sz="1400" dirty="0"/>
+                          <a:t>16</a:t>
+                        </a:r>
+                        <a:endParaRPr lang="en-US" dirty="0"/>
+                      </a:p>
+                    </p:txBody>
+                  </p:sp>
+                  <p:sp>
+                    <p:nvSpPr>
+                      <p:cNvPr id="14" name="TextBox 13">
+                        <a:extLst>
+                          <a:ext uri="{FF2B5EF4-FFF2-40B4-BE49-F238E27FC236}">
+                            <a16:creationId xmlns:a16="http://schemas.microsoft.com/office/drawing/2014/main" id="{377E9EA6-4298-B044-B3A2-1DC7850E023C}"/>
+                          </a:ext>
+                        </a:extLst>
+                      </p:cNvPr>
+                      <p:cNvSpPr txBox="1"/>
+                      <p:nvPr/>
+                    </p:nvSpPr>
+                    <p:spPr>
+                      <a:xfrm>
+                        <a:off x="2858661" y="4838374"/>
+                        <a:ext cx="367408" cy="307777"/>
+                      </a:xfrm>
+                      <a:prstGeom prst="rect">
+                        <a:avLst/>
+                      </a:prstGeom>
+                      <a:solidFill>
+                        <a:srgbClr val="BCCDE7"/>
+                      </a:solidFill>
+                    </p:spPr>
+                    <p:txBody>
+                      <a:bodyPr wrap="none" rtlCol="0">
+                        <a:spAutoFit/>
+                      </a:bodyPr>
+                      <a:lstStyle/>
+                      <a:p>
+                        <a:r>
+                          <a:rPr lang="en-US" sz="1400" dirty="0"/>
+                          <a:t>15</a:t>
+                        </a:r>
+                        <a:endParaRPr lang="en-US" dirty="0"/>
+                      </a:p>
+                    </p:txBody>
+                  </p:sp>
+                  <p:sp>
+                    <p:nvSpPr>
+                      <p:cNvPr id="15" name="TextBox 14">
+                        <a:extLst>
+                          <a:ext uri="{FF2B5EF4-FFF2-40B4-BE49-F238E27FC236}">
+                            <a16:creationId xmlns:a16="http://schemas.microsoft.com/office/drawing/2014/main" id="{A6583B3D-8765-4D4D-AD74-534A853BE42D}"/>
+                          </a:ext>
+                        </a:extLst>
+                      </p:cNvPr>
+                      <p:cNvSpPr txBox="1"/>
+                      <p:nvPr/>
+                    </p:nvSpPr>
+                    <p:spPr>
+                      <a:xfrm>
+                        <a:off x="2858661" y="4276593"/>
+                        <a:ext cx="367408" cy="307777"/>
+                      </a:xfrm>
+                      <a:prstGeom prst="rect">
+                        <a:avLst/>
+                      </a:prstGeom>
+                      <a:solidFill>
+                        <a:srgbClr val="BCCDE7"/>
+                      </a:solidFill>
+                    </p:spPr>
+                    <p:txBody>
+                      <a:bodyPr wrap="none" rtlCol="0">
+                        <a:spAutoFit/>
+                      </a:bodyPr>
+                      <a:lstStyle/>
+                      <a:p>
+                        <a:r>
+                          <a:rPr lang="en-US" sz="1400" dirty="0"/>
+                          <a:t>14</a:t>
+                        </a:r>
+                        <a:endParaRPr lang="en-US" dirty="0"/>
+                      </a:p>
+                    </p:txBody>
+                  </p:sp>
+                  <p:sp>
+                    <p:nvSpPr>
+                      <p:cNvPr id="16" name="TextBox 15">
+                        <a:extLst>
+                          <a:ext uri="{FF2B5EF4-FFF2-40B4-BE49-F238E27FC236}">
+                            <a16:creationId xmlns:a16="http://schemas.microsoft.com/office/drawing/2014/main" id="{40EFBFB4-192E-984B-9586-ECD1701806B9}"/>
+                          </a:ext>
+                        </a:extLst>
+                      </p:cNvPr>
+                      <p:cNvSpPr txBox="1"/>
+                      <p:nvPr/>
+                    </p:nvSpPr>
+                    <p:spPr>
+                      <a:xfrm>
+                        <a:off x="2858661" y="3670904"/>
+                        <a:ext cx="367408" cy="307777"/>
+                      </a:xfrm>
+                      <a:prstGeom prst="rect">
+                        <a:avLst/>
+                      </a:prstGeom>
+                      <a:solidFill>
+                        <a:srgbClr val="BCCDE7"/>
+                      </a:solidFill>
+                    </p:spPr>
+                    <p:txBody>
+                      <a:bodyPr wrap="none" rtlCol="0">
+                        <a:spAutoFit/>
+                      </a:bodyPr>
+                      <a:lstStyle/>
+                      <a:p>
+                        <a:r>
+                          <a:rPr lang="en-US" sz="1400" dirty="0"/>
+                          <a:t>13</a:t>
+                        </a:r>
+                        <a:endParaRPr lang="en-US" dirty="0"/>
+                      </a:p>
+                    </p:txBody>
+                  </p:sp>
+                  <p:sp>
+                    <p:nvSpPr>
+                      <p:cNvPr id="17" name="TextBox 16">
+                        <a:extLst>
+                          <a:ext uri="{FF2B5EF4-FFF2-40B4-BE49-F238E27FC236}">
+                            <a16:creationId xmlns:a16="http://schemas.microsoft.com/office/drawing/2014/main" id="{C0A34CBC-4865-DF49-A0D7-FC369650FBD3}"/>
+                          </a:ext>
+                        </a:extLst>
+                      </p:cNvPr>
+                      <p:cNvSpPr txBox="1"/>
+                      <p:nvPr/>
+                    </p:nvSpPr>
+                    <p:spPr>
+                      <a:xfrm>
+                        <a:off x="2854909" y="3147622"/>
+                        <a:ext cx="367408" cy="307777"/>
+                      </a:xfrm>
+                      <a:prstGeom prst="rect">
+                        <a:avLst/>
+                      </a:prstGeom>
+                      <a:solidFill>
+                        <a:srgbClr val="BCCDE7"/>
+                      </a:solidFill>
+                    </p:spPr>
+                    <p:txBody>
+                      <a:bodyPr wrap="none" rtlCol="0">
+                        <a:spAutoFit/>
+                      </a:bodyPr>
+                      <a:lstStyle/>
+                      <a:p>
+                        <a:r>
+                          <a:rPr lang="en-US" sz="1400" dirty="0"/>
+                          <a:t>12</a:t>
+                        </a:r>
+                        <a:endParaRPr lang="en-US" dirty="0"/>
+                      </a:p>
+                    </p:txBody>
+                  </p:sp>
+                  <p:sp>
+                    <p:nvSpPr>
+                      <p:cNvPr id="18" name="TextBox 17">
+                        <a:extLst>
+                          <a:ext uri="{FF2B5EF4-FFF2-40B4-BE49-F238E27FC236}">
+                            <a16:creationId xmlns:a16="http://schemas.microsoft.com/office/drawing/2014/main" id="{574A1F26-3736-EE4F-83B1-E403411FA0D3}"/>
+                          </a:ext>
+                        </a:extLst>
+                      </p:cNvPr>
+                      <p:cNvSpPr txBox="1"/>
+                      <p:nvPr/>
+                    </p:nvSpPr>
+                    <p:spPr>
+                      <a:xfrm>
+                        <a:off x="2854909" y="2541933"/>
+                        <a:ext cx="367408" cy="307777"/>
+                      </a:xfrm>
+                      <a:prstGeom prst="rect">
+                        <a:avLst/>
+                      </a:prstGeom>
+                      <a:solidFill>
+                        <a:srgbClr val="BCCDE7"/>
+                      </a:solidFill>
+                    </p:spPr>
+                    <p:txBody>
+                      <a:bodyPr wrap="none" rtlCol="0">
+                        <a:spAutoFit/>
+                      </a:bodyPr>
+                      <a:lstStyle/>
+                      <a:p>
+                        <a:r>
+                          <a:rPr lang="en-US" sz="1400" dirty="0"/>
+                          <a:t>11</a:t>
+                        </a:r>
+                        <a:endParaRPr lang="en-US" dirty="0"/>
+                      </a:p>
+                    </p:txBody>
+                  </p:sp>
+                  <p:sp>
+                    <p:nvSpPr>
+                      <p:cNvPr id="19" name="TextBox 18">
+                        <a:extLst>
+                          <a:ext uri="{FF2B5EF4-FFF2-40B4-BE49-F238E27FC236}">
+                            <a16:creationId xmlns:a16="http://schemas.microsoft.com/office/drawing/2014/main" id="{5CC245CA-59BC-FF4A-B6CB-0716E4E294D7}"/>
+                          </a:ext>
+                        </a:extLst>
+                      </p:cNvPr>
+                      <p:cNvSpPr txBox="1"/>
+                      <p:nvPr/>
+                    </p:nvSpPr>
+                    <p:spPr>
+                      <a:xfrm>
+                        <a:off x="2854909" y="1980152"/>
+                        <a:ext cx="367408" cy="307777"/>
+                      </a:xfrm>
+                      <a:prstGeom prst="rect">
+                        <a:avLst/>
+                      </a:prstGeom>
+                      <a:solidFill>
+                        <a:srgbClr val="BCCDE7"/>
+                      </a:solidFill>
+                    </p:spPr>
+                    <p:txBody>
+                      <a:bodyPr wrap="none" rtlCol="0">
+                        <a:spAutoFit/>
+                      </a:bodyPr>
+                      <a:lstStyle/>
+                      <a:p>
+                        <a:r>
+                          <a:rPr lang="en-US" sz="1400" dirty="0"/>
+                          <a:t>10</a:t>
+                        </a:r>
+                        <a:endParaRPr lang="en-US" dirty="0"/>
+                      </a:p>
+                    </p:txBody>
+                  </p:sp>
+                  <p:sp>
+                    <p:nvSpPr>
+                      <p:cNvPr id="20" name="TextBox 19">
+                        <a:extLst>
+                          <a:ext uri="{FF2B5EF4-FFF2-40B4-BE49-F238E27FC236}">
+                            <a16:creationId xmlns:a16="http://schemas.microsoft.com/office/drawing/2014/main" id="{C1826819-9435-5441-B2FC-E04867D1F76D}"/>
+                          </a:ext>
+                        </a:extLst>
+                      </p:cNvPr>
+                      <p:cNvSpPr txBox="1"/>
+                      <p:nvPr/>
+                    </p:nvSpPr>
+                    <p:spPr>
+                      <a:xfrm>
+                        <a:off x="2854908" y="1374463"/>
+                        <a:ext cx="367408" cy="307777"/>
+                      </a:xfrm>
+                      <a:prstGeom prst="rect">
+                        <a:avLst/>
+                      </a:prstGeom>
+                      <a:solidFill>
+                        <a:srgbClr val="BCCDE7"/>
+                      </a:solidFill>
+                    </p:spPr>
+                    <p:txBody>
+                      <a:bodyPr wrap="square" rtlCol="0">
+                        <a:spAutoFit/>
+                      </a:bodyPr>
+                      <a:lstStyle/>
+                      <a:p>
+                        <a:pPr algn="ctr"/>
+                        <a:r>
+                          <a:rPr lang="en-US" sz="1400" dirty="0"/>
+                          <a:t>9</a:t>
+                        </a:r>
+                      </a:p>
+                    </p:txBody>
+                  </p:sp>
+                  <p:sp>
+                    <p:nvSpPr>
+                      <p:cNvPr id="21" name="TextBox 20">
+                        <a:extLst>
+                          <a:ext uri="{FF2B5EF4-FFF2-40B4-BE49-F238E27FC236}">
+                            <a16:creationId xmlns:a16="http://schemas.microsoft.com/office/drawing/2014/main" id="{70B56535-3F22-7949-94C2-70D9718AAB80}"/>
+                          </a:ext>
+                        </a:extLst>
+                      </p:cNvPr>
+                      <p:cNvSpPr txBox="1"/>
+                      <p:nvPr/>
+                    </p:nvSpPr>
+                    <p:spPr>
+                      <a:xfrm>
+                        <a:off x="4736925" y="1374462"/>
+                        <a:ext cx="367408" cy="307777"/>
+                      </a:xfrm>
+                      <a:prstGeom prst="rect">
+                        <a:avLst/>
+                      </a:prstGeom>
+                      <a:solidFill>
+                        <a:srgbClr val="BCCDE7"/>
+                      </a:solidFill>
+                    </p:spPr>
+                    <p:txBody>
+                      <a:bodyPr wrap="square" rtlCol="0">
+                        <a:spAutoFit/>
+                      </a:bodyPr>
+                      <a:lstStyle/>
+                      <a:p>
+                        <a:pPr algn="ctr"/>
+                        <a:r>
+                          <a:rPr lang="en-US" sz="1400" dirty="0"/>
+                          <a:t>8</a:t>
+                        </a:r>
+                      </a:p>
+                    </p:txBody>
+                  </p:sp>
+                  <p:sp>
+                    <p:nvSpPr>
+                      <p:cNvPr id="22" name="TextBox 21">
+                        <a:extLst>
+                          <a:ext uri="{FF2B5EF4-FFF2-40B4-BE49-F238E27FC236}">
+                            <a16:creationId xmlns:a16="http://schemas.microsoft.com/office/drawing/2014/main" id="{E5758700-864D-AC44-9815-3EA5B2D7006B}"/>
+                          </a:ext>
+                        </a:extLst>
+                      </p:cNvPr>
+                      <p:cNvSpPr txBox="1"/>
+                      <p:nvPr/>
+                    </p:nvSpPr>
+                    <p:spPr>
+                      <a:xfrm>
+                        <a:off x="4736925" y="1982675"/>
+                        <a:ext cx="367408" cy="307777"/>
+                      </a:xfrm>
+                      <a:prstGeom prst="rect">
+                        <a:avLst/>
+                      </a:prstGeom>
+                      <a:solidFill>
+                        <a:srgbClr val="BCCDE7"/>
+                      </a:solidFill>
+                    </p:spPr>
+                    <p:txBody>
+                      <a:bodyPr wrap="square" rtlCol="0">
+                        <a:spAutoFit/>
+                      </a:bodyPr>
+                      <a:lstStyle/>
+                      <a:p>
+                        <a:pPr algn="ctr"/>
+                        <a:r>
+                          <a:rPr lang="en-US" sz="1400" dirty="0"/>
+                          <a:t>7</a:t>
+                        </a:r>
+                      </a:p>
+                    </p:txBody>
+                  </p:sp>
+                  <p:sp>
+                    <p:nvSpPr>
+                      <p:cNvPr id="23" name="TextBox 22">
+                        <a:extLst>
+                          <a:ext uri="{FF2B5EF4-FFF2-40B4-BE49-F238E27FC236}">
+                            <a16:creationId xmlns:a16="http://schemas.microsoft.com/office/drawing/2014/main" id="{ED3EBAE8-DB35-9A43-8256-7CC2691DB09C}"/>
+                          </a:ext>
+                        </a:extLst>
+                      </p:cNvPr>
+                      <p:cNvSpPr txBox="1"/>
+                      <p:nvPr/>
+                    </p:nvSpPr>
+                    <p:spPr>
+                      <a:xfrm>
+                        <a:off x="4749805" y="2555226"/>
+                        <a:ext cx="367408" cy="307777"/>
+                      </a:xfrm>
+                      <a:prstGeom prst="rect">
+                        <a:avLst/>
+                      </a:prstGeom>
+                      <a:solidFill>
+                        <a:srgbClr val="BCCDE7"/>
+                      </a:solidFill>
+                    </p:spPr>
+                    <p:txBody>
+                      <a:bodyPr wrap="square" rtlCol="0">
+                        <a:spAutoFit/>
+                      </a:bodyPr>
+                      <a:lstStyle/>
+                      <a:p>
+                        <a:pPr algn="ctr"/>
+                        <a:r>
+                          <a:rPr lang="en-US" sz="1400" dirty="0"/>
+                          <a:t>6</a:t>
+                        </a:r>
+                      </a:p>
+                    </p:txBody>
+                  </p:sp>
+                  <p:sp>
+                    <p:nvSpPr>
+                      <p:cNvPr id="24" name="TextBox 23">
+                        <a:extLst>
+                          <a:ext uri="{FF2B5EF4-FFF2-40B4-BE49-F238E27FC236}">
+                            <a16:creationId xmlns:a16="http://schemas.microsoft.com/office/drawing/2014/main" id="{F482B356-4C8A-5944-9E50-6334C6337F2B}"/>
+                          </a:ext>
+                        </a:extLst>
+                      </p:cNvPr>
+                      <p:cNvSpPr txBox="1"/>
+                      <p:nvPr/>
+                    </p:nvSpPr>
+                    <p:spPr>
+                      <a:xfrm>
+                        <a:off x="4749805" y="3132755"/>
+                        <a:ext cx="367408" cy="307777"/>
+                      </a:xfrm>
+                      <a:prstGeom prst="rect">
+                        <a:avLst/>
+                      </a:prstGeom>
+                      <a:solidFill>
+                        <a:srgbClr val="BCCDE7"/>
+                      </a:solidFill>
+                    </p:spPr>
+                    <p:txBody>
+                      <a:bodyPr wrap="square" rtlCol="0">
+                        <a:spAutoFit/>
+                      </a:bodyPr>
+                      <a:lstStyle/>
+                      <a:p>
+                        <a:pPr algn="ctr"/>
+                        <a:r>
+                          <a:rPr lang="en-US" sz="1400" dirty="0"/>
+                          <a:t>5</a:t>
+                        </a:r>
+                      </a:p>
+                    </p:txBody>
+                  </p:sp>
+                  <p:sp>
+                    <p:nvSpPr>
+                      <p:cNvPr id="25" name="TextBox 24">
+                        <a:extLst>
+                          <a:ext uri="{FF2B5EF4-FFF2-40B4-BE49-F238E27FC236}">
+                            <a16:creationId xmlns:a16="http://schemas.microsoft.com/office/drawing/2014/main" id="{ED90DD4C-3B06-D840-9D5B-0A7AC35468B3}"/>
+                          </a:ext>
+                        </a:extLst>
+                      </p:cNvPr>
+                      <p:cNvSpPr txBox="1"/>
+                      <p:nvPr/>
+                    </p:nvSpPr>
+                    <p:spPr>
+                      <a:xfrm>
+                        <a:off x="4743310" y="3679468"/>
+                        <a:ext cx="367408" cy="307777"/>
+                      </a:xfrm>
+                      <a:prstGeom prst="rect">
+                        <a:avLst/>
+                      </a:prstGeom>
+                      <a:solidFill>
+                        <a:srgbClr val="BCCDE7"/>
+                      </a:solidFill>
+                    </p:spPr>
+                    <p:txBody>
+                      <a:bodyPr wrap="square" rtlCol="0">
+                        <a:spAutoFit/>
+                      </a:bodyPr>
+                      <a:lstStyle/>
+                      <a:p>
+                        <a:pPr algn="ctr"/>
+                        <a:r>
+                          <a:rPr lang="en-US" sz="1400" dirty="0"/>
+                          <a:t>4</a:t>
+                        </a:r>
+                      </a:p>
+                    </p:txBody>
+                  </p:sp>
+                  <p:sp>
+                    <p:nvSpPr>
+                      <p:cNvPr id="26" name="TextBox 25">
+                        <a:extLst>
+                          <a:ext uri="{FF2B5EF4-FFF2-40B4-BE49-F238E27FC236}">
+                            <a16:creationId xmlns:a16="http://schemas.microsoft.com/office/drawing/2014/main" id="{ED5AE710-FDE2-C841-A0B2-FCCD1C2616BE}"/>
+                          </a:ext>
+                        </a:extLst>
+                      </p:cNvPr>
+                      <p:cNvSpPr txBox="1"/>
+                      <p:nvPr/>
+                    </p:nvSpPr>
+                    <p:spPr>
+                      <a:xfrm>
+                        <a:off x="4743310" y="4287681"/>
+                        <a:ext cx="367408" cy="307777"/>
+                      </a:xfrm>
+                      <a:prstGeom prst="rect">
+                        <a:avLst/>
+                      </a:prstGeom>
+                      <a:solidFill>
+                        <a:srgbClr val="BCCDE7"/>
+                      </a:solidFill>
+                    </p:spPr>
+                    <p:txBody>
+                      <a:bodyPr wrap="square" rtlCol="0">
+                        <a:spAutoFit/>
+                      </a:bodyPr>
+                      <a:lstStyle/>
+                      <a:p>
+                        <a:pPr algn="ctr"/>
+                        <a:r>
+                          <a:rPr lang="en-US" sz="1400" dirty="0"/>
+                          <a:t>3</a:t>
+                        </a:r>
+                      </a:p>
+                    </p:txBody>
+                  </p:sp>
+                  <p:sp>
+                    <p:nvSpPr>
+                      <p:cNvPr id="27" name="TextBox 26">
+                        <a:extLst>
+                          <a:ext uri="{FF2B5EF4-FFF2-40B4-BE49-F238E27FC236}">
+                            <a16:creationId xmlns:a16="http://schemas.microsoft.com/office/drawing/2014/main" id="{0132DDA6-D48E-B948-8A62-016AA473EF92}"/>
+                          </a:ext>
+                        </a:extLst>
+                      </p:cNvPr>
+                      <p:cNvSpPr txBox="1"/>
+                      <p:nvPr/>
+                    </p:nvSpPr>
+                    <p:spPr>
+                      <a:xfrm>
+                        <a:off x="4756190" y="4860232"/>
+                        <a:ext cx="367408" cy="307777"/>
+                      </a:xfrm>
+                      <a:prstGeom prst="rect">
+                        <a:avLst/>
+                      </a:prstGeom>
+                      <a:solidFill>
+                        <a:srgbClr val="BCCDE7"/>
+                      </a:solidFill>
+                    </p:spPr>
+                    <p:txBody>
+                      <a:bodyPr wrap="square" rtlCol="0">
+                        <a:spAutoFit/>
+                      </a:bodyPr>
+                      <a:lstStyle/>
+                      <a:p>
+                        <a:pPr algn="ctr"/>
+                        <a:r>
+                          <a:rPr lang="en-US" sz="1400" dirty="0"/>
+                          <a:t>2</a:t>
+                        </a:r>
+                      </a:p>
+                    </p:txBody>
+                  </p:sp>
+                  <p:sp>
+                    <p:nvSpPr>
+                      <p:cNvPr id="28" name="TextBox 27">
+                        <a:extLst>
+                          <a:ext uri="{FF2B5EF4-FFF2-40B4-BE49-F238E27FC236}">
+                            <a16:creationId xmlns:a16="http://schemas.microsoft.com/office/drawing/2014/main" id="{1AD38BCB-FC59-0240-8BEC-AAB1E6926ECB}"/>
+                          </a:ext>
+                        </a:extLst>
+                      </p:cNvPr>
+                      <p:cNvSpPr txBox="1"/>
+                      <p:nvPr/>
+                    </p:nvSpPr>
+                    <p:spPr>
+                      <a:xfrm>
+                        <a:off x="4756190" y="5437761"/>
+                        <a:ext cx="367408" cy="307777"/>
+                      </a:xfrm>
+                      <a:prstGeom prst="rect">
+                        <a:avLst/>
+                      </a:prstGeom>
+                      <a:solidFill>
+                        <a:srgbClr val="BCCDE7"/>
+                      </a:solidFill>
+                    </p:spPr>
+                    <p:txBody>
+                      <a:bodyPr wrap="square" rtlCol="0">
+                        <a:spAutoFit/>
+                      </a:bodyPr>
+                      <a:lstStyle/>
+                      <a:p>
+                        <a:pPr algn="ctr"/>
+                        <a:r>
+                          <a:rPr lang="en-US" sz="1400" dirty="0"/>
+                          <a:t>1</a:t>
+                        </a:r>
+                      </a:p>
+                    </p:txBody>
+                  </p:sp>
+                  <p:sp>
+                    <p:nvSpPr>
+                      <p:cNvPr id="2" name="Rectangle 1">
+                        <a:extLst>
+                          <a:ext uri="{FF2B5EF4-FFF2-40B4-BE49-F238E27FC236}">
+                            <a16:creationId xmlns:a16="http://schemas.microsoft.com/office/drawing/2014/main" id="{90323245-E493-C744-85FB-20C57334397D}"/>
+                          </a:ext>
+                        </a:extLst>
+                      </p:cNvPr>
+                      <p:cNvSpPr/>
+                      <p:nvPr/>
+                    </p:nvSpPr>
+                    <p:spPr>
+                      <a:xfrm>
+                        <a:off x="3197291" y="1095769"/>
+                        <a:ext cx="1600794" cy="4947797"/>
+                      </a:xfrm>
+                      <a:prstGeom prst="rect">
+                        <a:avLst/>
+                      </a:prstGeom>
+                      <a:solidFill>
+                        <a:schemeClr val="tx1"/>
+                      </a:solidFill>
+                    </p:spPr>
+                    <p:style>
+                      <a:lnRef idx="2">
+                        <a:schemeClr val="accent1">
+                          <a:shade val="50000"/>
+                        </a:schemeClr>
+                      </a:lnRef>
+                      <a:fillRef idx="1">
+                        <a:schemeClr val="accent1"/>
+                      </a:fillRef>
+                      <a:effectRef idx="0">
+                        <a:schemeClr val="accent1"/>
+                      </a:effectRef>
+                      <a:fontRef idx="minor">
+                        <a:schemeClr val="lt1"/>
+                      </a:fontRef>
+                    </p:style>
+                    <p:txBody>
+                      <a:bodyPr rtlCol="0" anchor="ctr"/>
+                      <a:lstStyle/>
+                      <a:p>
+                        <a:pPr algn="ctr"/>
+                        <a:endParaRPr lang="en-US"/>
+                      </a:p>
+                    </p:txBody>
+                  </p:sp>
+                  <p:sp>
+                    <p:nvSpPr>
+                      <p:cNvPr id="3" name="Oval 2">
+                        <a:extLst>
+                          <a:ext uri="{FF2B5EF4-FFF2-40B4-BE49-F238E27FC236}">
+                            <a16:creationId xmlns:a16="http://schemas.microsoft.com/office/drawing/2014/main" id="{BB3CA70C-4C58-2D45-B548-43CA1110DD25}"/>
+                          </a:ext>
+                        </a:extLst>
+                      </p:cNvPr>
+                      <p:cNvSpPr/>
+                      <p:nvPr/>
+                    </p:nvSpPr>
+                    <p:spPr>
+                      <a:xfrm>
+                        <a:off x="3798728" y="5894424"/>
+                        <a:ext cx="378418" cy="378418"/>
+                      </a:xfrm>
+                      <a:prstGeom prst="ellipse">
+                        <a:avLst/>
+                      </a:prstGeom>
+                      <a:solidFill>
+                        <a:schemeClr val="bg1"/>
+                      </a:solidFill>
+                      <a:ln>
+                        <a:noFill/>
+                      </a:ln>
+                    </p:spPr>
+                    <p:style>
+                      <a:lnRef idx="2">
+                        <a:schemeClr val="accent1">
+                          <a:shade val="50000"/>
+                        </a:schemeClr>
+                      </a:lnRef>
+                      <a:fillRef idx="1">
+                        <a:schemeClr val="accent1"/>
+                      </a:fillRef>
+                      <a:effectRef idx="0">
+                        <a:schemeClr val="accent1"/>
+                      </a:effectRef>
+                      <a:fontRef idx="minor">
+                        <a:schemeClr val="lt1"/>
+                      </a:fontRef>
+                    </p:style>
+                    <p:txBody>
+                      <a:bodyPr rtlCol="0" anchor="ctr"/>
+                      <a:lstStyle/>
+                      <a:p>
+                        <a:pPr algn="ctr"/>
+                        <a:endParaRPr lang="en-US">
+                          <a:ln>
+                            <a:solidFill>
+                              <a:schemeClr val="bg1"/>
+                            </a:solidFill>
+                          </a:ln>
+                        </a:endParaRPr>
+                      </a:p>
+                    </p:txBody>
+                  </p:sp>
+                </p:grpSp>
+                <p:sp>
+                  <p:nvSpPr>
+                    <p:cNvPr id="29" name="TextBox 28">
+                      <a:extLst>
+                        <a:ext uri="{FF2B5EF4-FFF2-40B4-BE49-F238E27FC236}">
+                          <a16:creationId xmlns:a16="http://schemas.microsoft.com/office/drawing/2014/main" id="{DB35441E-F1F7-B948-A70F-16B7905F5C68}"/>
+                        </a:ext>
+                      </a:extLst>
+                    </p:cNvPr>
+                    <p:cNvSpPr txBox="1"/>
+                    <p:nvPr/>
+                  </p:nvSpPr>
+                  <p:spPr>
+                    <a:xfrm rot="16200000">
+                      <a:off x="3559106" y="3264318"/>
+                      <a:ext cx="877163" cy="461665"/>
+                    </a:xfrm>
+                    <a:prstGeom prst="rect">
+                      <a:avLst/>
+                    </a:prstGeom>
+                    <a:noFill/>
+                  </p:spPr>
+                  <p:txBody>
+                    <a:bodyPr wrap="none" rtlCol="0">
+                      <a:spAutoFit/>
+                    </a:bodyPr>
+                    <a:lstStyle/>
+                    <a:p>
+                      <a:r>
+                        <a:rPr lang="en-US" sz="2400" dirty="0">
+                          <a:solidFill>
+                            <a:schemeClr val="bg1"/>
+                          </a:solidFill>
+                        </a:rPr>
+                        <a:t>i4002</a:t>
+                      </a:r>
+                    </a:p>
+                  </p:txBody>
+                </p:sp>
+              </p:grpSp>
+              <p:sp>
+                <p:nvSpPr>
+                  <p:cNvPr id="31" name="TextBox 30">
+                    <a:extLst>
+                      <a:ext uri="{FF2B5EF4-FFF2-40B4-BE49-F238E27FC236}">
+                        <a16:creationId xmlns:a16="http://schemas.microsoft.com/office/drawing/2014/main" id="{DD5650B8-2C5A-D949-A538-B4321861C5AC}"/>
+                      </a:ext>
+                    </a:extLst>
+                  </p:cNvPr>
+                  <p:cNvSpPr txBox="1"/>
+                  <p:nvPr/>
+                </p:nvSpPr>
+                <p:spPr>
+                  <a:xfrm>
+                    <a:off x="850196" y="1414529"/>
+                    <a:ext cx="701987" cy="369332"/>
+                  </a:xfrm>
+                  <a:prstGeom prst="rect">
+                    <a:avLst/>
+                  </a:prstGeom>
+                  <a:noFill/>
+                </p:spPr>
+                <p:txBody>
+                  <a:bodyPr wrap="none" rtlCol="0">
+                    <a:spAutoFit/>
+                  </a:bodyPr>
+                  <a:lstStyle/>
+                  <a:p>
+                    <a:r>
+                      <a:rPr lang="en-US" dirty="0"/>
+                      <a:t>Reset</a:t>
+                    </a:r>
+                  </a:p>
+                </p:txBody>
+              </p:sp>
+              <p:sp>
+                <p:nvSpPr>
+                  <p:cNvPr id="33" name="TextBox 32">
+                    <a:extLst>
+                      <a:ext uri="{FF2B5EF4-FFF2-40B4-BE49-F238E27FC236}">
+                        <a16:creationId xmlns:a16="http://schemas.microsoft.com/office/drawing/2014/main" id="{83D6930B-BF6D-2346-8676-9D2E82A562BB}"/>
+                      </a:ext>
+                    </a:extLst>
+                  </p:cNvPr>
+                  <p:cNvSpPr txBox="1"/>
+                  <p:nvPr/>
+                </p:nvSpPr>
+                <p:spPr>
+                  <a:xfrm>
+                    <a:off x="996262" y="1959096"/>
+                    <a:ext cx="381836" cy="369332"/>
+                  </a:xfrm>
+                  <a:prstGeom prst="rect">
+                    <a:avLst/>
+                  </a:prstGeom>
+                  <a:noFill/>
+                </p:spPr>
+                <p:txBody>
+                  <a:bodyPr wrap="none" rtlCol="0">
+                    <a:spAutoFit/>
+                  </a:bodyPr>
+                  <a:lstStyle/>
+                  <a:p>
+                    <a:r>
+                      <a:rPr lang="en-US" dirty="0"/>
+                      <a:t>P</a:t>
+                    </a:r>
+                    <a:r>
+                      <a:rPr lang="en-US" baseline="-25000" dirty="0"/>
+                      <a:t>0</a:t>
+                    </a:r>
+                  </a:p>
+                </p:txBody>
+              </p:sp>
+              <p:sp>
+                <p:nvSpPr>
+                  <p:cNvPr id="35" name="TextBox 34">
+                    <a:extLst>
+                      <a:ext uri="{FF2B5EF4-FFF2-40B4-BE49-F238E27FC236}">
+                        <a16:creationId xmlns:a16="http://schemas.microsoft.com/office/drawing/2014/main" id="{F921922E-DEF9-B94F-9513-594575CBB810}"/>
+                      </a:ext>
+                    </a:extLst>
+                  </p:cNvPr>
+                  <p:cNvSpPr txBox="1"/>
+                  <p:nvPr/>
+                </p:nvSpPr>
+                <p:spPr>
+                  <a:xfrm>
+                    <a:off x="1013297" y="2524787"/>
+                    <a:ext cx="505267" cy="369332"/>
+                  </a:xfrm>
+                  <a:prstGeom prst="rect">
+                    <a:avLst/>
+                  </a:prstGeom>
+                  <a:noFill/>
+                </p:spPr>
+                <p:txBody>
+                  <a:bodyPr wrap="none" rtlCol="0">
+                    <a:spAutoFit/>
+                  </a:bodyPr>
+                  <a:lstStyle/>
+                  <a:p>
+                    <a:r>
+                      <a:rPr lang="en-US" dirty="0"/>
+                      <a:t>CM</a:t>
+                    </a:r>
+                  </a:p>
+                </p:txBody>
+              </p:sp>
+              <p:sp>
+                <p:nvSpPr>
+                  <p:cNvPr id="36" name="TextBox 35">
+                    <a:extLst>
+                      <a:ext uri="{FF2B5EF4-FFF2-40B4-BE49-F238E27FC236}">
+                        <a16:creationId xmlns:a16="http://schemas.microsoft.com/office/drawing/2014/main" id="{D853606E-3C8C-9B46-A895-539042729362}"/>
+                      </a:ext>
+                    </a:extLst>
+                  </p:cNvPr>
+                  <p:cNvSpPr txBox="1"/>
+                  <p:nvPr/>
+                </p:nvSpPr>
+                <p:spPr>
+                  <a:xfrm>
+                    <a:off x="1046916" y="3059668"/>
+                    <a:ext cx="505267" cy="369332"/>
+                  </a:xfrm>
+                  <a:prstGeom prst="rect">
+                    <a:avLst/>
+                  </a:prstGeom>
+                  <a:noFill/>
+                </p:spPr>
+                <p:txBody>
+                  <a:bodyPr wrap="none" rtlCol="0">
+                    <a:spAutoFit/>
+                  </a:bodyPr>
+                  <a:lstStyle/>
+                  <a:p>
+                    <a:r>
+                      <a:rPr lang="en-US" dirty="0"/>
+                      <a:t>V</a:t>
+                    </a:r>
+                    <a:r>
+                      <a:rPr lang="en-US" baseline="-25000" dirty="0"/>
+                      <a:t>DD</a:t>
+                    </a:r>
+                  </a:p>
+                </p:txBody>
+              </p:sp>
+              <p:sp>
+                <p:nvSpPr>
+                  <p:cNvPr id="37" name="TextBox 36">
+                    <a:extLst>
+                      <a:ext uri="{FF2B5EF4-FFF2-40B4-BE49-F238E27FC236}">
+                        <a16:creationId xmlns:a16="http://schemas.microsoft.com/office/drawing/2014/main" id="{F680FDA0-4915-4640-B858-0AA74DC34C00}"/>
+                      </a:ext>
+                    </a:extLst>
+                  </p:cNvPr>
+                  <p:cNvSpPr txBox="1"/>
+                  <p:nvPr/>
+                </p:nvSpPr>
+                <p:spPr>
+                  <a:xfrm>
+                    <a:off x="1084834" y="3693782"/>
+                    <a:ext cx="453970" cy="369332"/>
+                  </a:xfrm>
+                  <a:prstGeom prst="rect">
+                    <a:avLst/>
+                  </a:prstGeom>
+                  <a:noFill/>
+                </p:spPr>
+                <p:txBody>
+                  <a:bodyPr wrap="square" rtlCol="0">
+                    <a:spAutoFit/>
+                  </a:bodyPr>
+                  <a:lstStyle/>
+                  <a:p>
+                    <a:r>
+                      <a:rPr lang="en-US" dirty="0"/>
+                      <a:t>O</a:t>
+                    </a:r>
+                    <a:r>
+                      <a:rPr lang="en-US" baseline="-25000" dirty="0"/>
+                      <a:t>3</a:t>
+                    </a:r>
+                  </a:p>
+                </p:txBody>
+              </p:sp>
+              <p:sp>
+                <p:nvSpPr>
+                  <p:cNvPr id="40" name="TextBox 39">
+                    <a:extLst>
+                      <a:ext uri="{FF2B5EF4-FFF2-40B4-BE49-F238E27FC236}">
+                        <a16:creationId xmlns:a16="http://schemas.microsoft.com/office/drawing/2014/main" id="{C95C4066-BFDC-9742-8A47-18106B88EC76}"/>
+                      </a:ext>
+                    </a:extLst>
+                  </p:cNvPr>
+                  <p:cNvSpPr txBox="1"/>
+                  <p:nvPr/>
+                </p:nvSpPr>
+                <p:spPr>
+                  <a:xfrm>
+                    <a:off x="1084834" y="4282748"/>
+                    <a:ext cx="415498" cy="369332"/>
+                  </a:xfrm>
+                  <a:prstGeom prst="rect">
+                    <a:avLst/>
+                  </a:prstGeom>
+                  <a:noFill/>
+                </p:spPr>
+                <p:txBody>
+                  <a:bodyPr wrap="none" rtlCol="0">
+                    <a:spAutoFit/>
+                  </a:bodyPr>
+                  <a:lstStyle/>
+                  <a:p>
+                    <a:r>
+                      <a:rPr lang="en-US" dirty="0"/>
+                      <a:t>O</a:t>
+                    </a:r>
+                    <a:r>
+                      <a:rPr lang="en-US" baseline="-25000" dirty="0"/>
+                      <a:t>2</a:t>
+                    </a:r>
+                  </a:p>
+                </p:txBody>
+              </p:sp>
+              <p:sp>
+                <p:nvSpPr>
+                  <p:cNvPr id="41" name="TextBox 40">
+                    <a:extLst>
+                      <a:ext uri="{FF2B5EF4-FFF2-40B4-BE49-F238E27FC236}">
+                        <a16:creationId xmlns:a16="http://schemas.microsoft.com/office/drawing/2014/main" id="{80FF1CCB-D146-5E47-AB48-CCDE3FFAB840}"/>
+                      </a:ext>
+                    </a:extLst>
+                  </p:cNvPr>
+                  <p:cNvSpPr txBox="1"/>
+                  <p:nvPr/>
+                </p:nvSpPr>
+                <p:spPr>
+                  <a:xfrm>
+                    <a:off x="1084834" y="4864218"/>
+                    <a:ext cx="415498" cy="369332"/>
+                  </a:xfrm>
+                  <a:prstGeom prst="rect">
+                    <a:avLst/>
+                  </a:prstGeom>
+                  <a:noFill/>
+                </p:spPr>
+                <p:txBody>
+                  <a:bodyPr wrap="none" rtlCol="0">
+                    <a:spAutoFit/>
+                  </a:bodyPr>
+                  <a:lstStyle/>
+                  <a:p>
+                    <a:r>
+                      <a:rPr lang="en-US" dirty="0"/>
+                      <a:t>O</a:t>
+                    </a:r>
+                    <a:r>
+                      <a:rPr lang="en-US" baseline="-25000" dirty="0"/>
+                      <a:t>1</a:t>
+                    </a:r>
+                  </a:p>
+                </p:txBody>
+              </p:sp>
+              <p:sp>
+                <p:nvSpPr>
+                  <p:cNvPr id="42" name="TextBox 41">
+                    <a:extLst>
+                      <a:ext uri="{FF2B5EF4-FFF2-40B4-BE49-F238E27FC236}">
+                        <a16:creationId xmlns:a16="http://schemas.microsoft.com/office/drawing/2014/main" id="{B57CBFF0-721D-494D-A3CC-AC0AF1CD18B3}"/>
+                      </a:ext>
+                    </a:extLst>
+                  </p:cNvPr>
+                  <p:cNvSpPr txBox="1"/>
+                  <p:nvPr/>
+                </p:nvSpPr>
+                <p:spPr>
+                  <a:xfrm>
+                    <a:off x="1084834" y="5434614"/>
+                    <a:ext cx="415498" cy="369332"/>
+                  </a:xfrm>
+                  <a:prstGeom prst="rect">
+                    <a:avLst/>
+                  </a:prstGeom>
+                  <a:noFill/>
+                </p:spPr>
+                <p:txBody>
+                  <a:bodyPr wrap="none" rtlCol="0">
+                    <a:spAutoFit/>
+                  </a:bodyPr>
+                  <a:lstStyle/>
+                  <a:p>
+                    <a:r>
+                      <a:rPr lang="en-US" dirty="0"/>
+                      <a:t>O</a:t>
+                    </a:r>
+                    <a:r>
+                      <a:rPr lang="en-US" baseline="-25000" dirty="0"/>
+                      <a:t>0</a:t>
+                    </a:r>
+                  </a:p>
+                </p:txBody>
+              </p:sp>
+            </p:grpSp>
+            <p:sp>
+              <p:nvSpPr>
+                <p:cNvPr id="43" name="Double Brace 42">
+                  <a:extLst>
+                    <a:ext uri="{FF2B5EF4-FFF2-40B4-BE49-F238E27FC236}">
+                      <a16:creationId xmlns:a16="http://schemas.microsoft.com/office/drawing/2014/main" id="{0DAD5FD4-331B-4348-B5C1-F3867B97935A}"/>
+                    </a:ext>
+                  </a:extLst>
+                </p:cNvPr>
+                <p:cNvSpPr/>
+                <p:nvPr/>
+              </p:nvSpPr>
+              <p:spPr>
+                <a:xfrm>
+                  <a:off x="3123414" y="2566797"/>
+                  <a:ext cx="2025711" cy="394824"/>
+                </a:xfrm>
+                <a:prstGeom prst="bracePair">
+                  <a:avLst>
+                    <a:gd name="adj" fmla="val 22622"/>
+                  </a:avLst>
+                </a:prstGeom>
+                <a:ln w="38100">
+                  <a:solidFill>
+                    <a:schemeClr val="tx1">
+                      <a:lumMod val="95000"/>
+                      <a:lumOff val="5000"/>
+                    </a:schemeClr>
+                  </a:solidFill>
+                </a:ln>
+              </p:spPr>
+              <p:style>
+                <a:lnRef idx="1">
+                  <a:schemeClr val="accent1"/>
+                </a:lnRef>
+                <a:fillRef idx="0">
+                  <a:schemeClr val="accent1"/>
+                </a:fillRef>
+                <a:effectRef idx="0">
+                  <a:schemeClr val="accent1"/>
+                </a:effectRef>
+                <a:fontRef idx="minor">
+                  <a:schemeClr val="tx1"/>
+                </a:fontRef>
+              </p:style>
+              <p:txBody>
+                <a:bodyPr rtlCol="0" anchor="ctr"/>
+                <a:lstStyle/>
+                <a:p>
+                  <a:pPr algn="ctr"/>
+                  <a:endParaRPr lang="en-US"/>
+                </a:p>
+              </p:txBody>
+            </p:sp>
+            <p:sp>
+              <p:nvSpPr>
+                <p:cNvPr id="44" name="TextBox 43">
+                  <a:extLst>
+                    <a:ext uri="{FF2B5EF4-FFF2-40B4-BE49-F238E27FC236}">
+                      <a16:creationId xmlns:a16="http://schemas.microsoft.com/office/drawing/2014/main" id="{6E8684FC-CB28-5342-A5AE-E41843B470EA}"/>
+                    </a:ext>
+                  </a:extLst>
+                </p:cNvPr>
+                <p:cNvSpPr txBox="1"/>
+                <p:nvPr/>
+              </p:nvSpPr>
+              <p:spPr>
+                <a:xfrm>
+                  <a:off x="2449370" y="2467957"/>
+                  <a:ext cx="675185" cy="600164"/>
+                </a:xfrm>
+                <a:prstGeom prst="rect">
+                  <a:avLst/>
+                </a:prstGeom>
+                <a:noFill/>
+              </p:spPr>
+              <p:txBody>
+                <a:bodyPr wrap="none" rtlCol="0">
+                  <a:spAutoFit/>
+                </a:bodyPr>
+                <a:lstStyle/>
+                <a:p>
+                  <a:pPr algn="just"/>
+                  <a:r>
+                    <a:rPr lang="en-US" sz="1100" dirty="0"/>
+                    <a:t>Memory</a:t>
+                  </a:r>
+                </a:p>
+                <a:p>
+                  <a:pPr algn="just"/>
+                  <a:r>
+                    <a:rPr lang="en-US" sz="1100" dirty="0"/>
+                    <a:t>Control</a:t>
+                  </a:r>
+                </a:p>
+                <a:p>
+                  <a:pPr algn="just"/>
+                  <a:r>
+                    <a:rPr lang="en-US" sz="1100" dirty="0"/>
+                    <a:t>Input</a:t>
+                  </a:r>
+                </a:p>
+              </p:txBody>
+            </p:sp>
+            <p:sp>
+              <p:nvSpPr>
+                <p:cNvPr id="46" name="TextBox 45">
+                  <a:extLst>
+                    <a:ext uri="{FF2B5EF4-FFF2-40B4-BE49-F238E27FC236}">
+                      <a16:creationId xmlns:a16="http://schemas.microsoft.com/office/drawing/2014/main" id="{48724525-E23B-E147-BF47-0A29CE9374A5}"/>
+                    </a:ext>
+                  </a:extLst>
+                </p:cNvPr>
+                <p:cNvSpPr txBox="1"/>
+                <p:nvPr/>
+              </p:nvSpPr>
+              <p:spPr>
+                <a:xfrm>
+                  <a:off x="2419445" y="4481979"/>
+                  <a:ext cx="591829" cy="430887"/>
+                </a:xfrm>
+                <a:prstGeom prst="rect">
+                  <a:avLst/>
+                </a:prstGeom>
+                <a:noFill/>
+              </p:spPr>
+              <p:txBody>
+                <a:bodyPr wrap="none" rtlCol="0">
+                  <a:spAutoFit/>
+                </a:bodyPr>
+                <a:lstStyle/>
+                <a:p>
+                  <a:pPr algn="ctr"/>
+                  <a:r>
+                    <a:rPr lang="en-US" sz="1100" dirty="0"/>
+                    <a:t>Output</a:t>
+                  </a:r>
+                </a:p>
+                <a:p>
+                  <a:pPr algn="ctr"/>
+                  <a:r>
+                    <a:rPr lang="en-US" sz="1100" dirty="0"/>
+                    <a:t>Lines</a:t>
+                  </a:r>
+                </a:p>
+              </p:txBody>
+            </p:sp>
+            <p:sp>
+              <p:nvSpPr>
+                <p:cNvPr id="47" name="Double Brace 46">
+                  <a:extLst>
+                    <a:ext uri="{FF2B5EF4-FFF2-40B4-BE49-F238E27FC236}">
+                      <a16:creationId xmlns:a16="http://schemas.microsoft.com/office/drawing/2014/main" id="{B92355B1-C777-3340-BF54-A8CDB40B8A13}"/>
+                    </a:ext>
+                  </a:extLst>
+                </p:cNvPr>
+                <p:cNvSpPr/>
+                <p:nvPr/>
+              </p:nvSpPr>
+              <p:spPr>
+                <a:xfrm>
+                  <a:off x="2986604" y="3758700"/>
+                  <a:ext cx="4302469" cy="2066971"/>
+                </a:xfrm>
+                <a:prstGeom prst="bracePair">
+                  <a:avLst/>
+                </a:prstGeom>
+                <a:ln w="38100">
+                  <a:solidFill>
+                    <a:schemeClr val="tx1">
+                      <a:lumMod val="95000"/>
+                      <a:lumOff val="5000"/>
+                    </a:schemeClr>
+                  </a:solidFill>
+                </a:ln>
+              </p:spPr>
+              <p:style>
+                <a:lnRef idx="1">
+                  <a:schemeClr val="accent1"/>
+                </a:lnRef>
+                <a:fillRef idx="0">
+                  <a:schemeClr val="accent1"/>
+                </a:fillRef>
+                <a:effectRef idx="0">
+                  <a:schemeClr val="accent1"/>
+                </a:effectRef>
+                <a:fontRef idx="minor">
+                  <a:schemeClr val="tx1"/>
+                </a:fontRef>
+              </p:style>
+              <p:txBody>
+                <a:bodyPr rtlCol="0" anchor="ctr"/>
+                <a:lstStyle/>
+                <a:p>
+                  <a:pPr algn="ctr"/>
+                  <a:endParaRPr lang="en-US"/>
+                </a:p>
+              </p:txBody>
+            </p:sp>
+          </p:grpSp>
+          <p:sp>
+            <p:nvSpPr>
+              <p:cNvPr id="49" name="TextBox 48">
+                <a:extLst>
+                  <a:ext uri="{FF2B5EF4-FFF2-40B4-BE49-F238E27FC236}">
+                    <a16:creationId xmlns:a16="http://schemas.microsoft.com/office/drawing/2014/main" id="{E6BCD0F3-52C2-2645-BE46-E75F33B0CEEE}"/>
+                  </a:ext>
+                </a:extLst>
+              </p:cNvPr>
+              <p:cNvSpPr txBox="1"/>
+              <p:nvPr/>
+            </p:nvSpPr>
+            <p:spPr>
+              <a:xfrm>
+                <a:off x="6516664" y="3193295"/>
+                <a:ext cx="455830" cy="369332"/>
+              </a:xfrm>
+              <a:prstGeom prst="rect">
+                <a:avLst/>
+              </a:prstGeom>
+              <a:noFill/>
+            </p:spPr>
+            <p:txBody>
+              <a:bodyPr wrap="none" rtlCol="0">
+                <a:spAutoFit/>
+              </a:bodyPr>
+              <a:lstStyle/>
+              <a:p>
+                <a:r>
+                  <a:rPr lang="en-US" dirty="0"/>
+                  <a:t>V</a:t>
+                </a:r>
+                <a:r>
+                  <a:rPr lang="en-US" baseline="-25000" dirty="0"/>
+                  <a:t>SS</a:t>
+                </a:r>
+              </a:p>
+            </p:txBody>
+          </p:sp>
+          <p:sp>
+            <p:nvSpPr>
+              <p:cNvPr id="50" name="TextBox 49">
+                <a:extLst>
+                  <a:ext uri="{FF2B5EF4-FFF2-40B4-BE49-F238E27FC236}">
+                    <a16:creationId xmlns:a16="http://schemas.microsoft.com/office/drawing/2014/main" id="{7BC3687A-C0F0-2941-B5CD-E34BA8D61228}"/>
+                  </a:ext>
+                </a:extLst>
+              </p:cNvPr>
+              <p:cNvSpPr txBox="1"/>
+              <p:nvPr/>
+            </p:nvSpPr>
+            <p:spPr>
+              <a:xfrm>
+                <a:off x="6480121" y="2591289"/>
+                <a:ext cx="1244251" cy="369332"/>
+              </a:xfrm>
+              <a:prstGeom prst="rect">
+                <a:avLst/>
+              </a:prstGeom>
+              <a:noFill/>
+            </p:spPr>
+            <p:txBody>
+              <a:bodyPr wrap="none" rtlCol="0">
+                <a:spAutoFit/>
+              </a:bodyPr>
+              <a:lstStyle/>
+              <a:p>
+                <a:r>
+                  <a:rPr lang="en-US" dirty="0" err="1"/>
+                  <a:t>Clk</a:t>
+                </a:r>
+                <a:r>
+                  <a:rPr lang="en-US" dirty="0"/>
+                  <a:t> Phase 1</a:t>
+                </a:r>
+                <a:endParaRPr lang="en-US" baseline="-25000" dirty="0"/>
+              </a:p>
+            </p:txBody>
+          </p:sp>
+          <p:sp>
+            <p:nvSpPr>
+              <p:cNvPr id="51" name="TextBox 50">
+                <a:extLst>
+                  <a:ext uri="{FF2B5EF4-FFF2-40B4-BE49-F238E27FC236}">
+                    <a16:creationId xmlns:a16="http://schemas.microsoft.com/office/drawing/2014/main" id="{2566F70D-EA9A-0740-80E1-366913FF3AB0}"/>
+                  </a:ext>
+                </a:extLst>
+              </p:cNvPr>
+              <p:cNvSpPr txBox="1"/>
+              <p:nvPr/>
+            </p:nvSpPr>
+            <p:spPr>
+              <a:xfrm>
+                <a:off x="6475046" y="2060286"/>
+                <a:ext cx="1244251" cy="369332"/>
+              </a:xfrm>
+              <a:prstGeom prst="rect">
+                <a:avLst/>
+              </a:prstGeom>
+              <a:noFill/>
+            </p:spPr>
+            <p:txBody>
+              <a:bodyPr wrap="none" rtlCol="0">
+                <a:spAutoFit/>
+              </a:bodyPr>
+              <a:lstStyle/>
+              <a:p>
+                <a:r>
+                  <a:rPr lang="en-US" dirty="0" err="1"/>
+                  <a:t>Clk</a:t>
+                </a:r>
+                <a:r>
+                  <a:rPr lang="en-US" dirty="0"/>
+                  <a:t> Phase 2</a:t>
+                </a:r>
+                <a:endParaRPr lang="en-US" baseline="-25000" dirty="0"/>
+              </a:p>
+            </p:txBody>
+          </p:sp>
+          <p:sp>
+            <p:nvSpPr>
+              <p:cNvPr id="52" name="TextBox 51">
+                <a:extLst>
+                  <a:ext uri="{FF2B5EF4-FFF2-40B4-BE49-F238E27FC236}">
+                    <a16:creationId xmlns:a16="http://schemas.microsoft.com/office/drawing/2014/main" id="{BB7987C9-7AA3-E241-ADF5-EF92189810CC}"/>
+                  </a:ext>
+                </a:extLst>
+              </p:cNvPr>
+              <p:cNvSpPr txBox="1"/>
+              <p:nvPr/>
+            </p:nvSpPr>
+            <p:spPr>
+              <a:xfrm>
+                <a:off x="6475046" y="1453462"/>
+                <a:ext cx="1033040" cy="369332"/>
+              </a:xfrm>
+              <a:prstGeom prst="rect">
+                <a:avLst/>
+              </a:prstGeom>
+              <a:noFill/>
+            </p:spPr>
+            <p:txBody>
+              <a:bodyPr wrap="none" rtlCol="0">
+                <a:spAutoFit/>
+              </a:bodyPr>
+              <a:lstStyle/>
+              <a:p>
+                <a:r>
+                  <a:rPr lang="en-US" dirty="0"/>
+                  <a:t>Sync-Out</a:t>
+                </a:r>
+                <a:endParaRPr lang="en-US" baseline="-25000" dirty="0"/>
+              </a:p>
+            </p:txBody>
+          </p:sp>
+          <p:sp>
+            <p:nvSpPr>
+              <p:cNvPr id="53" name="TextBox 52">
+                <a:extLst>
+                  <a:ext uri="{FF2B5EF4-FFF2-40B4-BE49-F238E27FC236}">
+                    <a16:creationId xmlns:a16="http://schemas.microsoft.com/office/drawing/2014/main" id="{8EE809C1-1E01-0448-90C0-B924FBC2AA1E}"/>
+                  </a:ext>
+                </a:extLst>
+              </p:cNvPr>
+              <p:cNvSpPr txBox="1"/>
+              <p:nvPr/>
+            </p:nvSpPr>
+            <p:spPr>
+              <a:xfrm>
+                <a:off x="6512256" y="3698047"/>
+                <a:ext cx="444352" cy="369332"/>
+              </a:xfrm>
+              <a:prstGeom prst="rect">
+                <a:avLst/>
+              </a:prstGeom>
+              <a:noFill/>
+            </p:spPr>
+            <p:txBody>
+              <a:bodyPr wrap="none" rtlCol="0">
+                <a:spAutoFit/>
+              </a:bodyPr>
+              <a:lstStyle/>
+              <a:p>
+                <a:r>
+                  <a:rPr lang="en-US" dirty="0"/>
+                  <a:t>D3</a:t>
+                </a:r>
+                <a:endParaRPr lang="en-US" baseline="-25000" dirty="0"/>
+              </a:p>
+            </p:txBody>
+          </p:sp>
+          <p:sp>
+            <p:nvSpPr>
+              <p:cNvPr id="54" name="TextBox 53">
+                <a:extLst>
+                  <a:ext uri="{FF2B5EF4-FFF2-40B4-BE49-F238E27FC236}">
+                    <a16:creationId xmlns:a16="http://schemas.microsoft.com/office/drawing/2014/main" id="{26438E7C-9D05-914C-8753-FB8A00471470}"/>
+                  </a:ext>
+                </a:extLst>
+              </p:cNvPr>
+              <p:cNvSpPr txBox="1"/>
+              <p:nvPr/>
+            </p:nvSpPr>
+            <p:spPr>
+              <a:xfrm>
+                <a:off x="6480667" y="4288732"/>
+                <a:ext cx="444352" cy="369332"/>
+              </a:xfrm>
+              <a:prstGeom prst="rect">
+                <a:avLst/>
+              </a:prstGeom>
+              <a:noFill/>
+            </p:spPr>
+            <p:txBody>
+              <a:bodyPr wrap="none" rtlCol="0">
+                <a:spAutoFit/>
+              </a:bodyPr>
+              <a:lstStyle/>
+              <a:p>
+                <a:r>
+                  <a:rPr lang="en-US" dirty="0"/>
+                  <a:t>D2</a:t>
+                </a:r>
+                <a:endParaRPr lang="en-US" baseline="-25000" dirty="0"/>
+              </a:p>
+            </p:txBody>
+          </p:sp>
+          <p:sp>
+            <p:nvSpPr>
+              <p:cNvPr id="55" name="TextBox 54">
+                <a:extLst>
+                  <a:ext uri="{FF2B5EF4-FFF2-40B4-BE49-F238E27FC236}">
+                    <a16:creationId xmlns:a16="http://schemas.microsoft.com/office/drawing/2014/main" id="{4086D043-5AD7-6544-83B7-A5C039D51449}"/>
+                  </a:ext>
+                </a:extLst>
+              </p:cNvPr>
+              <p:cNvSpPr txBox="1"/>
+              <p:nvPr/>
+            </p:nvSpPr>
+            <p:spPr>
+              <a:xfrm>
+                <a:off x="6464079" y="4945778"/>
+                <a:ext cx="444352" cy="369332"/>
+              </a:xfrm>
+              <a:prstGeom prst="rect">
+                <a:avLst/>
+              </a:prstGeom>
+              <a:noFill/>
+            </p:spPr>
+            <p:txBody>
+              <a:bodyPr wrap="none" rtlCol="0">
+                <a:spAutoFit/>
+              </a:bodyPr>
+              <a:lstStyle/>
+              <a:p>
+                <a:r>
+                  <a:rPr lang="en-US" dirty="0"/>
+                  <a:t>D1</a:t>
+                </a:r>
+                <a:endParaRPr lang="en-US" baseline="-25000" dirty="0"/>
+              </a:p>
+            </p:txBody>
+          </p:sp>
+          <p:sp>
+            <p:nvSpPr>
+              <p:cNvPr id="56" name="TextBox 55">
+                <a:extLst>
+                  <a:ext uri="{FF2B5EF4-FFF2-40B4-BE49-F238E27FC236}">
+                    <a16:creationId xmlns:a16="http://schemas.microsoft.com/office/drawing/2014/main" id="{53ECCEFF-15CB-794B-B8F4-DF0A1B64D8E1}"/>
+                  </a:ext>
+                </a:extLst>
+              </p:cNvPr>
+              <p:cNvSpPr txBox="1"/>
+              <p:nvPr/>
+            </p:nvSpPr>
+            <p:spPr>
+              <a:xfrm>
+                <a:off x="6432490" y="5536463"/>
+                <a:ext cx="444352" cy="369332"/>
+              </a:xfrm>
+              <a:prstGeom prst="rect">
+                <a:avLst/>
+              </a:prstGeom>
+              <a:noFill/>
+            </p:spPr>
+            <p:txBody>
+              <a:bodyPr wrap="none" rtlCol="0">
+                <a:spAutoFit/>
+              </a:bodyPr>
+              <a:lstStyle/>
+              <a:p>
+                <a:r>
+                  <a:rPr lang="en-US" dirty="0"/>
+                  <a:t>D0</a:t>
+                </a:r>
+                <a:endParaRPr lang="en-US" baseline="-25000" dirty="0"/>
+              </a:p>
+            </p:txBody>
+          </p:sp>
+          <p:sp>
+            <p:nvSpPr>
+              <p:cNvPr id="57" name="TextBox 56">
+                <a:extLst>
+                  <a:ext uri="{FF2B5EF4-FFF2-40B4-BE49-F238E27FC236}">
+                    <a16:creationId xmlns:a16="http://schemas.microsoft.com/office/drawing/2014/main" id="{A4415EAE-DA0E-ED41-8ED0-C903A6DD0487}"/>
+                  </a:ext>
+                </a:extLst>
+              </p:cNvPr>
+              <p:cNvSpPr txBox="1"/>
+              <p:nvPr/>
+            </p:nvSpPr>
+            <p:spPr>
+              <a:xfrm>
+                <a:off x="7498187" y="4530280"/>
+                <a:ext cx="452368" cy="600164"/>
+              </a:xfrm>
+              <a:prstGeom prst="rect">
+                <a:avLst/>
+              </a:prstGeom>
+              <a:noFill/>
+            </p:spPr>
+            <p:txBody>
+              <a:bodyPr wrap="none" rtlCol="0">
+                <a:spAutoFit/>
+              </a:bodyPr>
+              <a:lstStyle/>
+              <a:p>
+                <a:pPr algn="ctr"/>
+                <a:r>
+                  <a:rPr lang="en-US" sz="1100" dirty="0"/>
+                  <a:t>Data</a:t>
+                </a:r>
+              </a:p>
+              <a:p>
+                <a:pPr algn="ctr"/>
+                <a:r>
+                  <a:rPr lang="en-US" sz="1100" dirty="0"/>
+                  <a:t>Bus</a:t>
+                </a:r>
+              </a:p>
+              <a:p>
+                <a:pPr algn="ctr"/>
+                <a:r>
+                  <a:rPr lang="en-US" sz="1100" dirty="0"/>
+                  <a:t>I/O</a:t>
+                </a:r>
+              </a:p>
+            </p:txBody>
+          </p:sp>
+        </p:grpSp>
+        <p:sp>
+          <p:nvSpPr>
+            <p:cNvPr id="101" name="TextBox 100">
+              <a:extLst>
+                <a:ext uri="{FF2B5EF4-FFF2-40B4-BE49-F238E27FC236}">
+                  <a16:creationId xmlns:a16="http://schemas.microsoft.com/office/drawing/2014/main" id="{C4037D5B-0FD9-324E-B90C-53427A477679}"/>
+                </a:ext>
+              </a:extLst>
+            </p:cNvPr>
+            <p:cNvSpPr txBox="1"/>
+            <p:nvPr/>
+          </p:nvSpPr>
+          <p:spPr>
+            <a:xfrm>
+              <a:off x="5183106" y="1548471"/>
+              <a:ext cx="814647" cy="430887"/>
+            </a:xfrm>
+            <a:prstGeom prst="rect">
+              <a:avLst/>
+            </a:prstGeom>
+            <a:noFill/>
+          </p:spPr>
+          <p:txBody>
+            <a:bodyPr wrap="none" rtlCol="0">
+              <a:spAutoFit/>
+            </a:bodyPr>
+            <a:lstStyle/>
+            <a:p>
+              <a:pPr algn="ctr"/>
+              <a:r>
+                <a:rPr lang="en-US" sz="1100" dirty="0"/>
+                <a:t>Chip Select</a:t>
+              </a:r>
+            </a:p>
+            <a:p>
+              <a:pPr algn="ctr"/>
+              <a:r>
+                <a:rPr lang="en-US" sz="1100" dirty="0"/>
+                <a:t>Input</a:t>
+              </a:r>
+            </a:p>
+          </p:txBody>
+        </p:sp>
+      </p:grpSp>
+      <p:graphicFrame>
+        <p:nvGraphicFramePr>
+          <p:cNvPr id="59" name="Table 58">
+            <a:extLst>
+              <a:ext uri="{FF2B5EF4-FFF2-40B4-BE49-F238E27FC236}">
+                <a16:creationId xmlns:a16="http://schemas.microsoft.com/office/drawing/2014/main" id="{6246ABF2-E5FF-154D-BC0C-7EC571A6E132}"/>
+              </a:ext>
+            </a:extLst>
+          </p:cNvPr>
+          <p:cNvGraphicFramePr>
+            <a:graphicFrameLocks noGrp="1"/>
+          </p:cNvGraphicFramePr>
+          <p:nvPr>
+            <p:extLst>
+              <p:ext uri="{D42A27DB-BD31-4B8C-83A1-F6EECF244321}">
+                <p14:modId xmlns:p14="http://schemas.microsoft.com/office/powerpoint/2010/main" val="3206328443"/>
+              </p:ext>
+            </p:extLst>
+          </p:nvPr>
+        </p:nvGraphicFramePr>
+        <p:xfrm>
+          <a:off x="102044" y="429952"/>
+          <a:ext cx="5247438" cy="1844040"/>
+        </p:xfrm>
+        <a:graphic>
+          <a:graphicData uri="http://schemas.openxmlformats.org/drawingml/2006/table">
+            <a:tbl>
+              <a:tblPr/>
+              <a:tblGrid>
+                <a:gridCol w="1291806">
+                  <a:extLst>
+                    <a:ext uri="{9D8B030D-6E8A-4147-A177-3AD203B41FA5}">
+                      <a16:colId xmlns:a16="http://schemas.microsoft.com/office/drawing/2014/main" val="760947265"/>
+                    </a:ext>
+                  </a:extLst>
+                </a:gridCol>
+                <a:gridCol w="3955632">
+                  <a:extLst>
+                    <a:ext uri="{9D8B030D-6E8A-4147-A177-3AD203B41FA5}">
+                      <a16:colId xmlns:a16="http://schemas.microsoft.com/office/drawing/2014/main" val="925352198"/>
+                    </a:ext>
+                  </a:extLst>
+                </a:gridCol>
+              </a:tblGrid>
+              <a:tr h="101665">
+                <a:tc>
+                  <a:txBody>
+                    <a:bodyPr/>
+                    <a:lstStyle/>
+                    <a:p>
+                      <a:pPr algn="r"/>
+                      <a:r>
+                        <a:rPr lang="en-GB" sz="1100" b="1" dirty="0">
+                          <a:latin typeface="+mn-lt"/>
+                        </a:rPr>
+                        <a:t>Introduction date:</a:t>
+                      </a:r>
+                      <a:endParaRPr lang="en-GB" sz="1100" dirty="0">
+                        <a:latin typeface="+mn-lt"/>
+                      </a:endParaRPr>
+                    </a:p>
+                  </a:txBody>
+                  <a:tcPr marL="0" marR="0" marT="0" marB="0">
+                    <a:lnL>
+                      <a:noFill/>
+                    </a:lnL>
+                    <a:lnR>
+                      <a:noFill/>
+                    </a:lnR>
+                    <a:lnT>
+                      <a:noFill/>
+                    </a:lnT>
+                    <a:lnB>
+                      <a:noFill/>
+                    </a:lnB>
+                    <a:solidFill>
+                      <a:srgbClr val="BCCDE8"/>
+                    </a:solidFill>
+                  </a:tcPr>
+                </a:tc>
+                <a:tc>
+                  <a:txBody>
+                    <a:bodyPr/>
+                    <a:lstStyle/>
+                    <a:p>
+                      <a:r>
+                        <a:rPr lang="en-GB" sz="1100">
+                          <a:latin typeface="+mn-lt"/>
+                        </a:rPr>
+                        <a:t>1971</a:t>
+                      </a:r>
+                    </a:p>
+                  </a:txBody>
+                  <a:tcPr marL="0" marR="0" marT="0" marB="0">
+                    <a:lnL>
+                      <a:noFill/>
+                    </a:lnL>
+                    <a:lnR>
+                      <a:noFill/>
+                    </a:lnR>
+                    <a:lnT>
+                      <a:noFill/>
+                    </a:lnT>
+                    <a:lnB>
+                      <a:noFill/>
+                    </a:lnB>
+                    <a:solidFill>
+                      <a:srgbClr val="BCCDE8"/>
+                    </a:solidFill>
+                  </a:tcPr>
+                </a:tc>
+                <a:extLst>
+                  <a:ext uri="{0D108BD9-81ED-4DB2-BD59-A6C34878D82A}">
+                    <a16:rowId xmlns:a16="http://schemas.microsoft.com/office/drawing/2014/main" val="3169308416"/>
+                  </a:ext>
+                </a:extLst>
+              </a:tr>
+              <a:tr h="101665">
+                <a:tc>
+                  <a:txBody>
+                    <a:bodyPr/>
+                    <a:lstStyle/>
+                    <a:p>
+                      <a:pPr algn="r"/>
+                      <a:r>
+                        <a:rPr lang="en-GB" sz="1100" b="1">
+                          <a:latin typeface="+mn-lt"/>
+                        </a:rPr>
+                        <a:t>Type:</a:t>
+                      </a:r>
+                      <a:endParaRPr lang="en-GB" sz="1100">
+                        <a:latin typeface="+mn-lt"/>
+                      </a:endParaRPr>
+                    </a:p>
+                  </a:txBody>
+                  <a:tcPr marL="0" marR="0" marT="0" marB="0">
+                    <a:lnL>
+                      <a:noFill/>
+                    </a:lnL>
+                    <a:lnR>
+                      <a:noFill/>
+                    </a:lnR>
+                    <a:lnT>
+                      <a:noFill/>
+                    </a:lnT>
+                    <a:lnB>
+                      <a:noFill/>
+                    </a:lnB>
+                    <a:solidFill>
+                      <a:srgbClr val="BCCDE8"/>
+                    </a:solidFill>
+                  </a:tcPr>
+                </a:tc>
+                <a:tc>
+                  <a:txBody>
+                    <a:bodyPr/>
+                    <a:lstStyle/>
+                    <a:p>
+                      <a:r>
+                        <a:rPr lang="en-GB" sz="1100">
+                          <a:latin typeface="+mn-lt"/>
+                        </a:rPr>
+                        <a:t>320-bit MOS RAM and 4-bit output port.</a:t>
+                      </a:r>
+                    </a:p>
+                  </a:txBody>
+                  <a:tcPr marL="0" marR="0" marT="0" marB="0">
+                    <a:lnL>
+                      <a:noFill/>
+                    </a:lnL>
+                    <a:lnR>
+                      <a:noFill/>
+                    </a:lnR>
+                    <a:lnT>
+                      <a:noFill/>
+                    </a:lnT>
+                    <a:lnB>
+                      <a:noFill/>
+                    </a:lnB>
+                    <a:solidFill>
+                      <a:srgbClr val="BCCDE8"/>
+                    </a:solidFill>
+                  </a:tcPr>
+                </a:tc>
+                <a:extLst>
+                  <a:ext uri="{0D108BD9-81ED-4DB2-BD59-A6C34878D82A}">
+                    <a16:rowId xmlns:a16="http://schemas.microsoft.com/office/drawing/2014/main" val="51752050"/>
+                  </a:ext>
+                </a:extLst>
+              </a:tr>
+              <a:tr h="101665">
+                <a:tc>
+                  <a:txBody>
+                    <a:bodyPr/>
+                    <a:lstStyle/>
+                    <a:p>
+                      <a:pPr algn="r"/>
+                      <a:r>
+                        <a:rPr lang="en-GB" sz="1100" b="1">
+                          <a:latin typeface="+mn-lt"/>
+                        </a:rPr>
+                        <a:t>Memory:</a:t>
+                      </a:r>
+                      <a:endParaRPr lang="en-GB" sz="1100">
+                        <a:latin typeface="+mn-lt"/>
+                      </a:endParaRPr>
+                    </a:p>
+                  </a:txBody>
+                  <a:tcPr marL="0" marR="0" marT="0" marB="0">
+                    <a:lnL>
+                      <a:noFill/>
+                    </a:lnL>
+                    <a:lnR>
+                      <a:noFill/>
+                    </a:lnR>
+                    <a:lnT>
+                      <a:noFill/>
+                    </a:lnT>
+                    <a:lnB>
+                      <a:noFill/>
+                    </a:lnB>
+                    <a:solidFill>
+                      <a:srgbClr val="BCCDE8"/>
+                    </a:solidFill>
+                  </a:tcPr>
+                </a:tc>
+                <a:tc>
+                  <a:txBody>
+                    <a:bodyPr/>
+                    <a:lstStyle/>
+                    <a:p>
+                      <a:r>
+                        <a:rPr lang="en-GB" sz="1100" dirty="0">
+                          <a:latin typeface="+mn-lt"/>
+                        </a:rPr>
+                        <a:t>80 x 4-bit</a:t>
+                      </a:r>
+                    </a:p>
+                  </a:txBody>
+                  <a:tcPr marL="0" marR="0" marT="0" marB="0">
+                    <a:lnL>
+                      <a:noFill/>
+                    </a:lnL>
+                    <a:lnR>
+                      <a:noFill/>
+                    </a:lnR>
+                    <a:lnT>
+                      <a:noFill/>
+                    </a:lnT>
+                    <a:lnB>
+                      <a:noFill/>
+                    </a:lnB>
+                    <a:solidFill>
+                      <a:srgbClr val="BCCDE8"/>
+                    </a:solidFill>
+                  </a:tcPr>
+                </a:tc>
+                <a:extLst>
+                  <a:ext uri="{0D108BD9-81ED-4DB2-BD59-A6C34878D82A}">
+                    <a16:rowId xmlns:a16="http://schemas.microsoft.com/office/drawing/2014/main" val="179454527"/>
+                  </a:ext>
+                </a:extLst>
+              </a:tr>
+              <a:tr h="101665">
+                <a:tc>
+                  <a:txBody>
+                    <a:bodyPr/>
+                    <a:lstStyle/>
+                    <a:p>
+                      <a:pPr algn="r"/>
+                      <a:r>
+                        <a:rPr lang="en-GB" sz="1100" b="1">
+                          <a:latin typeface="+mn-lt"/>
+                        </a:rPr>
+                        <a:t>Technology:</a:t>
+                      </a:r>
+                      <a:endParaRPr lang="en-GB" sz="1100">
+                        <a:latin typeface="+mn-lt"/>
+                      </a:endParaRPr>
+                    </a:p>
+                  </a:txBody>
+                  <a:tcPr marL="0" marR="0" marT="0" marB="0">
+                    <a:lnL>
+                      <a:noFill/>
+                    </a:lnL>
+                    <a:lnR>
+                      <a:noFill/>
+                    </a:lnR>
+                    <a:lnT>
+                      <a:noFill/>
+                    </a:lnT>
+                    <a:lnB>
+                      <a:noFill/>
+                    </a:lnB>
+                    <a:solidFill>
+                      <a:srgbClr val="BCCDE8"/>
+                    </a:solidFill>
+                  </a:tcPr>
+                </a:tc>
+                <a:tc>
+                  <a:txBody>
+                    <a:bodyPr/>
+                    <a:lstStyle/>
+                    <a:p>
+                      <a:r>
+                        <a:rPr lang="en-GB" sz="1100" dirty="0">
+                          <a:latin typeface="+mn-lt"/>
+                        </a:rPr>
+                        <a:t>P-channel silicon gate MOS technology</a:t>
+                      </a:r>
+                    </a:p>
+                  </a:txBody>
+                  <a:tcPr marL="0" marR="0" marT="0" marB="0">
+                    <a:lnL>
+                      <a:noFill/>
+                    </a:lnL>
+                    <a:lnR>
+                      <a:noFill/>
+                    </a:lnR>
+                    <a:lnT>
+                      <a:noFill/>
+                    </a:lnT>
+                    <a:lnB>
+                      <a:noFill/>
+                    </a:lnB>
+                    <a:solidFill>
+                      <a:srgbClr val="BCCDE8"/>
+                    </a:solidFill>
+                  </a:tcPr>
+                </a:tc>
+                <a:extLst>
+                  <a:ext uri="{0D108BD9-81ED-4DB2-BD59-A6C34878D82A}">
+                    <a16:rowId xmlns:a16="http://schemas.microsoft.com/office/drawing/2014/main" val="2877346425"/>
+                  </a:ext>
+                </a:extLst>
+              </a:tr>
+              <a:tr h="74834">
+                <a:tc>
+                  <a:txBody>
+                    <a:bodyPr/>
+                    <a:lstStyle/>
+                    <a:p>
+                      <a:pPr algn="r"/>
+                      <a:r>
+                        <a:rPr lang="en-GB" sz="1100" b="1" dirty="0">
+                          <a:latin typeface="+mn-lt"/>
+                        </a:rPr>
+                        <a:t>History:</a:t>
+                      </a:r>
+                      <a:br>
+                        <a:rPr lang="en-GB" sz="1100" b="1" dirty="0">
+                          <a:latin typeface="+mn-lt"/>
+                        </a:rPr>
+                      </a:br>
+                      <a:br>
+                        <a:rPr lang="en-GB" sz="1100" b="1" dirty="0">
+                          <a:latin typeface="+mn-lt"/>
+                        </a:rPr>
+                      </a:br>
+                      <a:br>
+                        <a:rPr lang="en-GB" sz="1100" b="1" dirty="0">
+                          <a:latin typeface="+mn-lt"/>
+                        </a:rPr>
+                      </a:br>
+                      <a:r>
+                        <a:rPr lang="en-GB" sz="1100" b="1" dirty="0">
+                          <a:latin typeface="+mn-lt"/>
+                        </a:rPr>
+                        <a:t> </a:t>
+                      </a:r>
+                      <a:endParaRPr lang="en-GB" sz="1100" dirty="0">
+                        <a:latin typeface="+mn-lt"/>
+                      </a:endParaRPr>
+                    </a:p>
+                  </a:txBody>
+                  <a:tcPr marL="0" marR="0" marT="0" marB="0">
+                    <a:lnL>
+                      <a:noFill/>
+                    </a:lnL>
+                    <a:lnR>
+                      <a:noFill/>
+                    </a:lnR>
+                    <a:lnT>
+                      <a:noFill/>
+                    </a:lnT>
+                    <a:lnB>
+                      <a:noFill/>
+                    </a:lnB>
+                    <a:solidFill>
+                      <a:srgbClr val="BCCDE8"/>
+                    </a:solidFill>
+                  </a:tcPr>
+                </a:tc>
+                <a:tc>
+                  <a:txBody>
+                    <a:bodyPr/>
+                    <a:lstStyle/>
+                    <a:p>
+                      <a:r>
+                        <a:rPr lang="en-GB" sz="1100" dirty="0">
+                          <a:latin typeface="+mn-lt"/>
+                        </a:rPr>
+                        <a:t>The 4002 was designed to be used with other MCS-4/40 devices such as the 4004 CPU.</a:t>
+                      </a:r>
+                      <a:br>
+                        <a:rPr lang="en-GB" sz="1100" dirty="0">
+                          <a:latin typeface="+mn-lt"/>
+                        </a:rPr>
+                      </a:br>
+                      <a:r>
+                        <a:rPr lang="en-GB" sz="1100" dirty="0">
+                          <a:latin typeface="+mn-lt"/>
+                        </a:rPr>
+                        <a:t>The chip was available in two different metal options 4002-1 and 4002-2 this was to make it possible to extend the chip selection so that 4pcs of 4002 chips could be connected to the 4004 CPU without any external chip selection logic. </a:t>
+                      </a:r>
+                    </a:p>
+                  </a:txBody>
+                  <a:tcPr marL="0" marR="0" marT="0" marB="0">
+                    <a:lnL>
+                      <a:noFill/>
+                    </a:lnL>
+                    <a:lnR>
+                      <a:noFill/>
+                    </a:lnR>
+                    <a:lnT>
+                      <a:noFill/>
+                    </a:lnT>
+                    <a:lnB>
+                      <a:noFill/>
+                    </a:lnB>
+                    <a:solidFill>
+                      <a:srgbClr val="BCCDE8"/>
+                    </a:solidFill>
+                  </a:tcPr>
+                </a:tc>
+                <a:extLst>
+                  <a:ext uri="{0D108BD9-81ED-4DB2-BD59-A6C34878D82A}">
+                    <a16:rowId xmlns:a16="http://schemas.microsoft.com/office/drawing/2014/main" val="3357763909"/>
+                  </a:ext>
+                </a:extLst>
+              </a:tr>
+              <a:tr h="101665">
+                <a:tc>
+                  <a:txBody>
+                    <a:bodyPr/>
+                    <a:lstStyle/>
+                    <a:p>
+                      <a:pPr algn="r"/>
+                      <a:r>
+                        <a:rPr lang="en-GB" sz="1100" b="1" dirty="0">
+                          <a:latin typeface="+mn-lt"/>
+                        </a:rPr>
+                        <a:t>Second source:</a:t>
+                      </a:r>
+                      <a:endParaRPr lang="en-GB" sz="1100" dirty="0">
+                        <a:latin typeface="+mn-lt"/>
+                      </a:endParaRPr>
+                    </a:p>
+                  </a:txBody>
+                  <a:tcPr marL="0" marR="0" marT="0" marB="0">
+                    <a:lnL>
+                      <a:noFill/>
+                    </a:lnL>
+                    <a:lnR>
+                      <a:noFill/>
+                    </a:lnR>
+                    <a:lnT>
+                      <a:noFill/>
+                    </a:lnT>
+                    <a:lnB>
+                      <a:noFill/>
+                    </a:lnB>
+                    <a:solidFill>
+                      <a:srgbClr val="BCCDE8"/>
+                    </a:solidFill>
+                  </a:tcPr>
+                </a:tc>
+                <a:tc>
+                  <a:txBody>
+                    <a:bodyPr/>
+                    <a:lstStyle/>
+                    <a:p>
+                      <a:r>
+                        <a:rPr lang="en-GB" sz="1100" dirty="0">
+                          <a:latin typeface="+mn-lt"/>
+                        </a:rPr>
+                        <a:t>National Semiconductors was the only second source.</a:t>
+                      </a:r>
+                    </a:p>
+                  </a:txBody>
+                  <a:tcPr marL="0" marR="0" marT="0" marB="0">
+                    <a:lnL>
+                      <a:noFill/>
+                    </a:lnL>
+                    <a:lnR>
+                      <a:noFill/>
+                    </a:lnR>
+                    <a:lnT>
+                      <a:noFill/>
+                    </a:lnT>
+                    <a:lnB>
+                      <a:noFill/>
+                    </a:lnB>
+                    <a:solidFill>
+                      <a:srgbClr val="BCCDE8"/>
+                    </a:solidFill>
+                  </a:tcPr>
+                </a:tc>
+                <a:extLst>
+                  <a:ext uri="{0D108BD9-81ED-4DB2-BD59-A6C34878D82A}">
+                    <a16:rowId xmlns:a16="http://schemas.microsoft.com/office/drawing/2014/main" val="2458150794"/>
+                  </a:ext>
+                </a:extLst>
+              </a:tr>
+            </a:tbl>
+          </a:graphicData>
+        </a:graphic>
+      </p:graphicFrame>
+      <p:sp>
+        <p:nvSpPr>
+          <p:cNvPr id="60" name="Rectangle 3">
+            <a:extLst>
+              <a:ext uri="{FF2B5EF4-FFF2-40B4-BE49-F238E27FC236}">
+                <a16:creationId xmlns:a16="http://schemas.microsoft.com/office/drawing/2014/main" id="{5F9EAEAD-FFF1-914E-93B5-C6B2F0E540F3}"/>
+              </a:ext>
+            </a:extLst>
+          </p:cNvPr>
+          <p:cNvSpPr>
+            <a:spLocks noChangeArrowheads="1"/>
+          </p:cNvSpPr>
+          <p:nvPr/>
+        </p:nvSpPr>
+        <p:spPr bwMode="auto">
+          <a:xfrm>
+            <a:off x="838200" y="2492375"/>
+            <a:ext cx="12192000" cy="457200"/>
+          </a:xfrm>
+          <a:prstGeom prst="rect">
+            <a:avLst/>
+          </a:prstGeom>
+          <a:noFill/>
+          <a:ln>
+            <a:noFill/>
+          </a:ln>
+          <a:effectLst/>
+          <a:extLst>
+            <a:ext uri="{909E8E84-426E-40DD-AFC4-6F175D3DCCD1}">
+              <a14:hiddenFill xmlns:a14="http://schemas.microsoft.com/office/drawing/2010/main">
+                <a:solidFill>
+                  <a:schemeClr val="accent1"/>
+                </a:solidFill>
+              </a14:hiddenFill>
+            </a:ext>
+            <a:ext uri="{91240B29-F687-4F45-9708-019B960494DF}">
+              <a14:hiddenLine xmlns:a14="http://schemas.microsoft.com/office/drawing/2010/main" w="9525">
+                <a:solidFill>
+                  <a:schemeClr val="tx1"/>
+                </a:solidFill>
+                <a:miter lim="800000"/>
+                <a:headEnd/>
+                <a:tailEnd/>
+              </a14:hiddenLine>
+            </a:ext>
+            <a:ext uri="{AF507438-7753-43E0-B8FC-AC1667EBCBE1}">
+              <a14:hiddenEffects xmlns:a14="http://schemas.microsoft.com/office/drawing/2010/main">
+                <a:effectLst>
+                  <a:outerShdw dist="35921" dir="2700000" algn="ctr" rotWithShape="0">
+                    <a:schemeClr val="bg2"/>
+                  </a:outerShdw>
+                </a:effectLst>
+              </a14:hiddenEffects>
+            </a:ext>
+          </a:extLst>
+        </p:spPr>
+        <p:txBody>
+          <a:bodyPr vert="horz" wrap="none" lIns="91440" tIns="45720" rIns="91440" bIns="45720" numCol="1" anchor="ctr" anchorCtr="0" compatLnSpc="1">
+            <a:prstTxWarp prst="textNoShape">
+              <a:avLst/>
+            </a:prstTxWarp>
+            <a:spAutoFit/>
+          </a:bodyPr>
+          <a:lstStyle/>
+          <a:p>
+            <a:pPr marL="0" marR="0" lvl="0" indent="0" algn="l" defTabSz="914400" rtl="0" eaLnBrk="0" fontAlgn="base" latinLnBrk="0" hangingPunct="0">
+              <a:lnSpc>
+                <a:spcPct val="100000"/>
+              </a:lnSpc>
+              <a:spcBef>
+                <a:spcPct val="0"/>
+              </a:spcBef>
+              <a:spcAft>
+                <a:spcPct val="0"/>
+              </a:spcAft>
+              <a:buClrTx/>
+              <a:buSzTx/>
+              <a:buFontTx/>
+              <a:buNone/>
+              <a:tabLst/>
+            </a:pPr>
+            <a:r>
+              <a:rPr kumimoji="0" lang="en-US" altLang="en-US" sz="1800" b="0" i="0" u="none" strike="noStrike" cap="none" normalizeH="0" baseline="0">
+                <a:ln>
+                  <a:noFill/>
+                </a:ln>
+                <a:solidFill>
+                  <a:srgbClr val="000000"/>
+                </a:solidFill>
+                <a:effectLst/>
+                <a:latin typeface="-webkit-standard"/>
+              </a:rPr>
+              <a:t> </a:t>
+            </a:r>
+            <a:endParaRPr kumimoji="0" lang="en-US" altLang="en-US" sz="1800" b="0" i="0" u="none" strike="noStrike" cap="none" normalizeH="0" baseline="0">
+              <a:ln>
+                <a:noFill/>
+              </a:ln>
+              <a:solidFill>
+                <a:schemeClr val="tx1"/>
+              </a:solidFill>
+              <a:effectLst/>
+              <a:latin typeface="Arial" panose="020B0604020202020204" pitchFamily="34" charset="0"/>
+            </a:endParaRPr>
+          </a:p>
+        </p:txBody>
+      </p:sp>
+      <p:grpSp>
+        <p:nvGrpSpPr>
+          <p:cNvPr id="102" name="Group 101">
+            <a:extLst>
+              <a:ext uri="{FF2B5EF4-FFF2-40B4-BE49-F238E27FC236}">
+                <a16:creationId xmlns:a16="http://schemas.microsoft.com/office/drawing/2014/main" id="{C74C4A6C-3BD0-CD41-9E41-76B17FB7E8CA}"/>
+              </a:ext>
+            </a:extLst>
+          </p:cNvPr>
+          <p:cNvGrpSpPr/>
+          <p:nvPr/>
+        </p:nvGrpSpPr>
+        <p:grpSpPr>
+          <a:xfrm>
+            <a:off x="1610385" y="3468428"/>
+            <a:ext cx="1361223" cy="3541071"/>
+            <a:chOff x="8362051" y="1084130"/>
+            <a:chExt cx="1361223" cy="3541071"/>
+          </a:xfrm>
+        </p:grpSpPr>
+        <p:grpSp>
+          <p:nvGrpSpPr>
+            <p:cNvPr id="103" name="Group 102">
+              <a:extLst>
+                <a:ext uri="{FF2B5EF4-FFF2-40B4-BE49-F238E27FC236}">
+                  <a16:creationId xmlns:a16="http://schemas.microsoft.com/office/drawing/2014/main" id="{8C4222B5-8285-E14E-A2AA-9556A40C0DED}"/>
+                </a:ext>
+              </a:extLst>
+            </p:cNvPr>
+            <p:cNvGrpSpPr/>
+            <p:nvPr/>
+          </p:nvGrpSpPr>
+          <p:grpSpPr>
+            <a:xfrm>
+              <a:off x="8362051" y="1480950"/>
+              <a:ext cx="1361223" cy="2695959"/>
+              <a:chOff x="8362051" y="1480950"/>
+              <a:chExt cx="1361223" cy="2695959"/>
+            </a:xfrm>
+          </p:grpSpPr>
+          <p:sp>
+            <p:nvSpPr>
+              <p:cNvPr id="108" name="Rectangle 107">
+                <a:extLst>
+                  <a:ext uri="{FF2B5EF4-FFF2-40B4-BE49-F238E27FC236}">
+                    <a16:creationId xmlns:a16="http://schemas.microsoft.com/office/drawing/2014/main" id="{9AD32AE5-E1DD-5B45-ABDB-599B54C97A22}"/>
+                  </a:ext>
+                </a:extLst>
+              </p:cNvPr>
+              <p:cNvSpPr/>
+              <p:nvPr/>
+            </p:nvSpPr>
+            <p:spPr>
+              <a:xfrm>
+                <a:off x="8780318" y="3495850"/>
+                <a:ext cx="311727" cy="311727"/>
+              </a:xfrm>
+              <a:prstGeom prst="rect">
+                <a:avLst/>
+              </a:prstGeom>
+              <a:solidFill>
+                <a:schemeClr val="bg1"/>
+              </a:solidFill>
+            </p:spPr>
+            <p:style>
+              <a:lnRef idx="2">
+                <a:schemeClr val="accent1">
+                  <a:shade val="50000"/>
+                </a:schemeClr>
+              </a:lnRef>
+              <a:fillRef idx="1">
+                <a:schemeClr val="accent1"/>
+              </a:fillRef>
+              <a:effectRef idx="0">
+                <a:schemeClr val="accent1"/>
+              </a:effectRef>
+              <a:fontRef idx="minor">
+                <a:schemeClr val="lt1"/>
+              </a:fontRef>
+            </p:style>
+            <p:txBody>
+              <a:bodyPr rtlCol="0" anchor="ctr"/>
+              <a:lstStyle/>
+              <a:p>
+                <a:pPr algn="ctr"/>
+                <a:endParaRPr lang="en-US"/>
+              </a:p>
+            </p:txBody>
+          </p:sp>
+          <p:sp>
+            <p:nvSpPr>
+              <p:cNvPr id="109" name="Rectangle 108">
+                <a:extLst>
+                  <a:ext uri="{FF2B5EF4-FFF2-40B4-BE49-F238E27FC236}">
+                    <a16:creationId xmlns:a16="http://schemas.microsoft.com/office/drawing/2014/main" id="{1A5CC4AB-FF19-374B-B875-5FD15AD1F53C}"/>
+                  </a:ext>
+                </a:extLst>
+              </p:cNvPr>
+              <p:cNvSpPr/>
+              <p:nvPr/>
+            </p:nvSpPr>
+            <p:spPr>
+              <a:xfrm>
+                <a:off x="8780317" y="3826461"/>
+                <a:ext cx="311727" cy="311727"/>
+              </a:xfrm>
+              <a:prstGeom prst="rect">
+                <a:avLst/>
+              </a:prstGeom>
+              <a:solidFill>
+                <a:schemeClr val="bg1"/>
+              </a:solidFill>
+            </p:spPr>
+            <p:style>
+              <a:lnRef idx="2">
+                <a:schemeClr val="accent1">
+                  <a:shade val="50000"/>
+                </a:schemeClr>
+              </a:lnRef>
+              <a:fillRef idx="1">
+                <a:schemeClr val="accent1"/>
+              </a:fillRef>
+              <a:effectRef idx="0">
+                <a:schemeClr val="accent1"/>
+              </a:effectRef>
+              <a:fontRef idx="minor">
+                <a:schemeClr val="lt1"/>
+              </a:fontRef>
+            </p:style>
+            <p:txBody>
+              <a:bodyPr rtlCol="0" anchor="ctr"/>
+              <a:lstStyle/>
+              <a:p>
+                <a:pPr algn="ctr"/>
+                <a:endParaRPr lang="en-US"/>
+              </a:p>
+            </p:txBody>
+          </p:sp>
+          <p:sp>
+            <p:nvSpPr>
+              <p:cNvPr id="110" name="Rectangle 109">
+                <a:extLst>
+                  <a:ext uri="{FF2B5EF4-FFF2-40B4-BE49-F238E27FC236}">
+                    <a16:creationId xmlns:a16="http://schemas.microsoft.com/office/drawing/2014/main" id="{5F01AB10-9ED6-7E45-9AB5-C072878647E1}"/>
+                  </a:ext>
+                </a:extLst>
+              </p:cNvPr>
+              <p:cNvSpPr/>
+              <p:nvPr/>
+            </p:nvSpPr>
+            <p:spPr>
+              <a:xfrm>
+                <a:off x="9109862" y="3495850"/>
+                <a:ext cx="311727" cy="311727"/>
+              </a:xfrm>
+              <a:prstGeom prst="rect">
+                <a:avLst/>
+              </a:prstGeom>
+              <a:solidFill>
+                <a:schemeClr val="bg1"/>
+              </a:solidFill>
+            </p:spPr>
+            <p:style>
+              <a:lnRef idx="2">
+                <a:schemeClr val="accent1">
+                  <a:shade val="50000"/>
+                </a:schemeClr>
+              </a:lnRef>
+              <a:fillRef idx="1">
+                <a:schemeClr val="accent1"/>
+              </a:fillRef>
+              <a:effectRef idx="0">
+                <a:schemeClr val="accent1"/>
+              </a:effectRef>
+              <a:fontRef idx="minor">
+                <a:schemeClr val="lt1"/>
+              </a:fontRef>
+            </p:style>
+            <p:txBody>
+              <a:bodyPr rtlCol="0" anchor="ctr"/>
+              <a:lstStyle/>
+              <a:p>
+                <a:pPr algn="ctr"/>
+                <a:endParaRPr lang="en-US"/>
+              </a:p>
+            </p:txBody>
+          </p:sp>
+          <p:sp>
+            <p:nvSpPr>
+              <p:cNvPr id="111" name="Rectangle 110">
+                <a:extLst>
+                  <a:ext uri="{FF2B5EF4-FFF2-40B4-BE49-F238E27FC236}">
+                    <a16:creationId xmlns:a16="http://schemas.microsoft.com/office/drawing/2014/main" id="{AC399D7D-D60A-B44A-A79E-D1233A258B3C}"/>
+                  </a:ext>
+                </a:extLst>
+              </p:cNvPr>
+              <p:cNvSpPr/>
+              <p:nvPr/>
+            </p:nvSpPr>
+            <p:spPr>
+              <a:xfrm>
+                <a:off x="9109861" y="3826461"/>
+                <a:ext cx="311727" cy="311727"/>
+              </a:xfrm>
+              <a:prstGeom prst="rect">
+                <a:avLst/>
+              </a:prstGeom>
+              <a:solidFill>
+                <a:schemeClr val="bg1"/>
+              </a:solidFill>
+            </p:spPr>
+            <p:style>
+              <a:lnRef idx="2">
+                <a:schemeClr val="accent1">
+                  <a:shade val="50000"/>
+                </a:schemeClr>
+              </a:lnRef>
+              <a:fillRef idx="1">
+                <a:schemeClr val="accent1"/>
+              </a:fillRef>
+              <a:effectRef idx="0">
+                <a:schemeClr val="accent1"/>
+              </a:effectRef>
+              <a:fontRef idx="minor">
+                <a:schemeClr val="lt1"/>
+              </a:fontRef>
+            </p:style>
+            <p:txBody>
+              <a:bodyPr rtlCol="0" anchor="ctr"/>
+              <a:lstStyle/>
+              <a:p>
+                <a:pPr algn="ctr"/>
+                <a:endParaRPr lang="en-US"/>
+              </a:p>
+            </p:txBody>
+          </p:sp>
+          <p:sp>
+            <p:nvSpPr>
+              <p:cNvPr id="112" name="TextBox 111">
+                <a:extLst>
+                  <a:ext uri="{FF2B5EF4-FFF2-40B4-BE49-F238E27FC236}">
+                    <a16:creationId xmlns:a16="http://schemas.microsoft.com/office/drawing/2014/main" id="{E163B682-3C0F-E647-AF5E-65FD77029C6C}"/>
+                  </a:ext>
+                </a:extLst>
+              </p:cNvPr>
+              <p:cNvSpPr txBox="1"/>
+              <p:nvPr/>
+            </p:nvSpPr>
+            <p:spPr>
+              <a:xfrm>
+                <a:off x="9421588" y="3786454"/>
+                <a:ext cx="301686" cy="369332"/>
+              </a:xfrm>
+              <a:prstGeom prst="rect">
+                <a:avLst/>
+              </a:prstGeom>
+              <a:noFill/>
+            </p:spPr>
+            <p:txBody>
+              <a:bodyPr wrap="none" rtlCol="0">
+                <a:spAutoFit/>
+              </a:bodyPr>
+              <a:lstStyle/>
+              <a:p>
+                <a:r>
+                  <a:rPr lang="en-US" dirty="0"/>
+                  <a:t>1</a:t>
+                </a:r>
+              </a:p>
+            </p:txBody>
+          </p:sp>
+          <p:sp>
+            <p:nvSpPr>
+              <p:cNvPr id="113" name="TextBox 112">
+                <a:extLst>
+                  <a:ext uri="{FF2B5EF4-FFF2-40B4-BE49-F238E27FC236}">
+                    <a16:creationId xmlns:a16="http://schemas.microsoft.com/office/drawing/2014/main" id="{4B38A22E-D5B9-3348-932F-CFC8C0A32A2E}"/>
+                  </a:ext>
+                </a:extLst>
+              </p:cNvPr>
+              <p:cNvSpPr txBox="1"/>
+              <p:nvPr/>
+            </p:nvSpPr>
+            <p:spPr>
+              <a:xfrm>
+                <a:off x="9421587" y="3476830"/>
+                <a:ext cx="301686" cy="369332"/>
+              </a:xfrm>
+              <a:prstGeom prst="rect">
+                <a:avLst/>
+              </a:prstGeom>
+              <a:noFill/>
+            </p:spPr>
+            <p:txBody>
+              <a:bodyPr wrap="none" rtlCol="0">
+                <a:spAutoFit/>
+              </a:bodyPr>
+              <a:lstStyle/>
+              <a:p>
+                <a:r>
+                  <a:rPr lang="en-US" dirty="0"/>
+                  <a:t>2</a:t>
+                </a:r>
+              </a:p>
+            </p:txBody>
+          </p:sp>
+          <p:sp>
+            <p:nvSpPr>
+              <p:cNvPr id="114" name="TextBox 113">
+                <a:extLst>
+                  <a:ext uri="{FF2B5EF4-FFF2-40B4-BE49-F238E27FC236}">
+                    <a16:creationId xmlns:a16="http://schemas.microsoft.com/office/drawing/2014/main" id="{2D9464F9-C99F-D448-9D66-3A5D67FDE8D5}"/>
+                  </a:ext>
+                </a:extLst>
+              </p:cNvPr>
+              <p:cNvSpPr txBox="1"/>
+              <p:nvPr/>
+            </p:nvSpPr>
+            <p:spPr>
+              <a:xfrm>
+                <a:off x="8362051" y="3807577"/>
+                <a:ext cx="418704" cy="369332"/>
+              </a:xfrm>
+              <a:prstGeom prst="rect">
+                <a:avLst/>
+              </a:prstGeom>
+              <a:noFill/>
+            </p:spPr>
+            <p:txBody>
+              <a:bodyPr wrap="none" rtlCol="0">
+                <a:spAutoFit/>
+              </a:bodyPr>
+              <a:lstStyle/>
+              <a:p>
+                <a:r>
+                  <a:rPr lang="en-US" dirty="0"/>
+                  <a:t>16</a:t>
+                </a:r>
+              </a:p>
+            </p:txBody>
+          </p:sp>
+          <p:sp>
+            <p:nvSpPr>
+              <p:cNvPr id="115" name="TextBox 114">
+                <a:extLst>
+                  <a:ext uri="{FF2B5EF4-FFF2-40B4-BE49-F238E27FC236}">
+                    <a16:creationId xmlns:a16="http://schemas.microsoft.com/office/drawing/2014/main" id="{B54481C5-6C76-814A-8A52-CD6DB99EE0D6}"/>
+                  </a:ext>
+                </a:extLst>
+              </p:cNvPr>
+              <p:cNvSpPr txBox="1"/>
+              <p:nvPr/>
+            </p:nvSpPr>
+            <p:spPr>
+              <a:xfrm>
+                <a:off x="8367432" y="3465101"/>
+                <a:ext cx="418704" cy="369332"/>
+              </a:xfrm>
+              <a:prstGeom prst="rect">
+                <a:avLst/>
+              </a:prstGeom>
+              <a:noFill/>
+            </p:spPr>
+            <p:txBody>
+              <a:bodyPr wrap="none" rtlCol="0">
+                <a:spAutoFit/>
+              </a:bodyPr>
+              <a:lstStyle/>
+              <a:p>
+                <a:r>
+                  <a:rPr lang="en-US" dirty="0"/>
+                  <a:t>15</a:t>
+                </a:r>
+              </a:p>
+            </p:txBody>
+          </p:sp>
+          <p:sp>
+            <p:nvSpPr>
+              <p:cNvPr id="116" name="Rectangle 115">
+                <a:extLst>
+                  <a:ext uri="{FF2B5EF4-FFF2-40B4-BE49-F238E27FC236}">
+                    <a16:creationId xmlns:a16="http://schemas.microsoft.com/office/drawing/2014/main" id="{8C227361-FDCF-AA4E-8337-FDE88BF02EC2}"/>
+                  </a:ext>
+                </a:extLst>
+              </p:cNvPr>
+              <p:cNvSpPr/>
+              <p:nvPr/>
+            </p:nvSpPr>
+            <p:spPr>
+              <a:xfrm>
+                <a:off x="8780318" y="2832631"/>
+                <a:ext cx="311727" cy="311727"/>
+              </a:xfrm>
+              <a:prstGeom prst="rect">
+                <a:avLst/>
+              </a:prstGeom>
+              <a:solidFill>
+                <a:schemeClr val="bg1"/>
+              </a:solidFill>
+            </p:spPr>
+            <p:style>
+              <a:lnRef idx="2">
+                <a:schemeClr val="accent1">
+                  <a:shade val="50000"/>
+                </a:schemeClr>
+              </a:lnRef>
+              <a:fillRef idx="1">
+                <a:schemeClr val="accent1"/>
+              </a:fillRef>
+              <a:effectRef idx="0">
+                <a:schemeClr val="accent1"/>
+              </a:effectRef>
+              <a:fontRef idx="minor">
+                <a:schemeClr val="lt1"/>
+              </a:fontRef>
+            </p:style>
+            <p:txBody>
+              <a:bodyPr rtlCol="0" anchor="ctr"/>
+              <a:lstStyle/>
+              <a:p>
+                <a:pPr algn="ctr"/>
+                <a:endParaRPr lang="en-US"/>
+              </a:p>
+            </p:txBody>
+          </p:sp>
+          <p:sp>
+            <p:nvSpPr>
+              <p:cNvPr id="117" name="Rectangle 116">
+                <a:extLst>
+                  <a:ext uri="{FF2B5EF4-FFF2-40B4-BE49-F238E27FC236}">
+                    <a16:creationId xmlns:a16="http://schemas.microsoft.com/office/drawing/2014/main" id="{EE037A8D-231B-5E4D-BA7D-E1A5AABEAEB6}"/>
+                  </a:ext>
+                </a:extLst>
+              </p:cNvPr>
+              <p:cNvSpPr/>
+              <p:nvPr/>
+            </p:nvSpPr>
+            <p:spPr>
+              <a:xfrm>
+                <a:off x="8780317" y="3163242"/>
+                <a:ext cx="311727" cy="311727"/>
+              </a:xfrm>
+              <a:prstGeom prst="rect">
+                <a:avLst/>
+              </a:prstGeom>
+              <a:solidFill>
+                <a:schemeClr val="bg1"/>
+              </a:solidFill>
+            </p:spPr>
+            <p:style>
+              <a:lnRef idx="2">
+                <a:schemeClr val="accent1">
+                  <a:shade val="50000"/>
+                </a:schemeClr>
+              </a:lnRef>
+              <a:fillRef idx="1">
+                <a:schemeClr val="accent1"/>
+              </a:fillRef>
+              <a:effectRef idx="0">
+                <a:schemeClr val="accent1"/>
+              </a:effectRef>
+              <a:fontRef idx="minor">
+                <a:schemeClr val="lt1"/>
+              </a:fontRef>
+            </p:style>
+            <p:txBody>
+              <a:bodyPr rtlCol="0" anchor="ctr"/>
+              <a:lstStyle/>
+              <a:p>
+                <a:pPr algn="ctr"/>
+                <a:endParaRPr lang="en-US"/>
+              </a:p>
+            </p:txBody>
+          </p:sp>
+          <p:sp>
+            <p:nvSpPr>
+              <p:cNvPr id="118" name="Rectangle 117">
+                <a:extLst>
+                  <a:ext uri="{FF2B5EF4-FFF2-40B4-BE49-F238E27FC236}">
+                    <a16:creationId xmlns:a16="http://schemas.microsoft.com/office/drawing/2014/main" id="{7BC02782-C92A-ED45-BA04-248483CC7877}"/>
+                  </a:ext>
+                </a:extLst>
+              </p:cNvPr>
+              <p:cNvSpPr/>
+              <p:nvPr/>
+            </p:nvSpPr>
+            <p:spPr>
+              <a:xfrm>
+                <a:off x="9109862" y="2832631"/>
+                <a:ext cx="311727" cy="311727"/>
+              </a:xfrm>
+              <a:prstGeom prst="rect">
+                <a:avLst/>
+              </a:prstGeom>
+              <a:solidFill>
+                <a:schemeClr val="bg1"/>
+              </a:solidFill>
+            </p:spPr>
+            <p:style>
+              <a:lnRef idx="2">
+                <a:schemeClr val="accent1">
+                  <a:shade val="50000"/>
+                </a:schemeClr>
+              </a:lnRef>
+              <a:fillRef idx="1">
+                <a:schemeClr val="accent1"/>
+              </a:fillRef>
+              <a:effectRef idx="0">
+                <a:schemeClr val="accent1"/>
+              </a:effectRef>
+              <a:fontRef idx="minor">
+                <a:schemeClr val="lt1"/>
+              </a:fontRef>
+            </p:style>
+            <p:txBody>
+              <a:bodyPr rtlCol="0" anchor="ctr"/>
+              <a:lstStyle/>
+              <a:p>
+                <a:pPr algn="ctr"/>
+                <a:endParaRPr lang="en-US"/>
+              </a:p>
+            </p:txBody>
+          </p:sp>
+          <p:sp>
+            <p:nvSpPr>
+              <p:cNvPr id="119" name="Rectangle 118">
+                <a:extLst>
+                  <a:ext uri="{FF2B5EF4-FFF2-40B4-BE49-F238E27FC236}">
+                    <a16:creationId xmlns:a16="http://schemas.microsoft.com/office/drawing/2014/main" id="{41598ABE-AE32-CD48-8B16-334FE777D168}"/>
+                  </a:ext>
+                </a:extLst>
+              </p:cNvPr>
+              <p:cNvSpPr/>
+              <p:nvPr/>
+            </p:nvSpPr>
+            <p:spPr>
+              <a:xfrm>
+                <a:off x="9109861" y="3163242"/>
+                <a:ext cx="311727" cy="311727"/>
+              </a:xfrm>
+              <a:prstGeom prst="rect">
+                <a:avLst/>
+              </a:prstGeom>
+              <a:solidFill>
+                <a:schemeClr val="bg1"/>
+              </a:solidFill>
+            </p:spPr>
+            <p:style>
+              <a:lnRef idx="2">
+                <a:schemeClr val="accent1">
+                  <a:shade val="50000"/>
+                </a:schemeClr>
+              </a:lnRef>
+              <a:fillRef idx="1">
+                <a:schemeClr val="accent1"/>
+              </a:fillRef>
+              <a:effectRef idx="0">
+                <a:schemeClr val="accent1"/>
+              </a:effectRef>
+              <a:fontRef idx="minor">
+                <a:schemeClr val="lt1"/>
+              </a:fontRef>
+            </p:style>
+            <p:txBody>
+              <a:bodyPr rtlCol="0" anchor="ctr"/>
+              <a:lstStyle/>
+              <a:p>
+                <a:pPr algn="ctr"/>
+                <a:endParaRPr lang="en-US"/>
+              </a:p>
+            </p:txBody>
+          </p:sp>
+          <p:sp>
+            <p:nvSpPr>
+              <p:cNvPr id="120" name="TextBox 119">
+                <a:extLst>
+                  <a:ext uri="{FF2B5EF4-FFF2-40B4-BE49-F238E27FC236}">
+                    <a16:creationId xmlns:a16="http://schemas.microsoft.com/office/drawing/2014/main" id="{B59ADC09-CEF1-534D-8E07-48F76533A789}"/>
+                  </a:ext>
+                </a:extLst>
+              </p:cNvPr>
+              <p:cNvSpPr txBox="1"/>
+              <p:nvPr/>
+            </p:nvSpPr>
+            <p:spPr>
+              <a:xfrm>
+                <a:off x="9421588" y="3123235"/>
+                <a:ext cx="301686" cy="369332"/>
+              </a:xfrm>
+              <a:prstGeom prst="rect">
+                <a:avLst/>
+              </a:prstGeom>
+              <a:noFill/>
+            </p:spPr>
+            <p:txBody>
+              <a:bodyPr wrap="none" rtlCol="0">
+                <a:spAutoFit/>
+              </a:bodyPr>
+              <a:lstStyle/>
+              <a:p>
+                <a:r>
+                  <a:rPr lang="en-US" dirty="0"/>
+                  <a:t>3</a:t>
+                </a:r>
+              </a:p>
+            </p:txBody>
+          </p:sp>
+          <p:sp>
+            <p:nvSpPr>
+              <p:cNvPr id="121" name="TextBox 120">
+                <a:extLst>
+                  <a:ext uri="{FF2B5EF4-FFF2-40B4-BE49-F238E27FC236}">
+                    <a16:creationId xmlns:a16="http://schemas.microsoft.com/office/drawing/2014/main" id="{F2E8774D-3FFE-C242-A6DD-707E8C7AF3BF}"/>
+                  </a:ext>
+                </a:extLst>
+              </p:cNvPr>
+              <p:cNvSpPr txBox="1"/>
+              <p:nvPr/>
+            </p:nvSpPr>
+            <p:spPr>
+              <a:xfrm>
+                <a:off x="9421587" y="2813611"/>
+                <a:ext cx="301686" cy="369332"/>
+              </a:xfrm>
+              <a:prstGeom prst="rect">
+                <a:avLst/>
+              </a:prstGeom>
+              <a:noFill/>
+            </p:spPr>
+            <p:txBody>
+              <a:bodyPr wrap="none" rtlCol="0">
+                <a:spAutoFit/>
+              </a:bodyPr>
+              <a:lstStyle/>
+              <a:p>
+                <a:r>
+                  <a:rPr lang="en-US" dirty="0"/>
+                  <a:t>4</a:t>
+                </a:r>
+              </a:p>
+            </p:txBody>
+          </p:sp>
+          <p:sp>
+            <p:nvSpPr>
+              <p:cNvPr id="122" name="TextBox 121">
+                <a:extLst>
+                  <a:ext uri="{FF2B5EF4-FFF2-40B4-BE49-F238E27FC236}">
+                    <a16:creationId xmlns:a16="http://schemas.microsoft.com/office/drawing/2014/main" id="{6F9A31C5-B357-6D4A-9893-6E89D43FBE90}"/>
+                  </a:ext>
+                </a:extLst>
+              </p:cNvPr>
+              <p:cNvSpPr txBox="1"/>
+              <p:nvPr/>
+            </p:nvSpPr>
+            <p:spPr>
+              <a:xfrm>
+                <a:off x="8362051" y="3144358"/>
+                <a:ext cx="418704" cy="369332"/>
+              </a:xfrm>
+              <a:prstGeom prst="rect">
+                <a:avLst/>
+              </a:prstGeom>
+              <a:noFill/>
+            </p:spPr>
+            <p:txBody>
+              <a:bodyPr wrap="none" rtlCol="0">
+                <a:spAutoFit/>
+              </a:bodyPr>
+              <a:lstStyle/>
+              <a:p>
+                <a:r>
+                  <a:rPr lang="en-US" dirty="0"/>
+                  <a:t>14</a:t>
+                </a:r>
+              </a:p>
+            </p:txBody>
+          </p:sp>
+          <p:sp>
+            <p:nvSpPr>
+              <p:cNvPr id="123" name="TextBox 122">
+                <a:extLst>
+                  <a:ext uri="{FF2B5EF4-FFF2-40B4-BE49-F238E27FC236}">
+                    <a16:creationId xmlns:a16="http://schemas.microsoft.com/office/drawing/2014/main" id="{A500E0F3-A828-1443-A4D1-FBC2B7E8FDC4}"/>
+                  </a:ext>
+                </a:extLst>
+              </p:cNvPr>
+              <p:cNvSpPr txBox="1"/>
+              <p:nvPr/>
+            </p:nvSpPr>
+            <p:spPr>
+              <a:xfrm>
+                <a:off x="8367432" y="2801882"/>
+                <a:ext cx="418704" cy="369332"/>
+              </a:xfrm>
+              <a:prstGeom prst="rect">
+                <a:avLst/>
+              </a:prstGeom>
+              <a:noFill/>
+            </p:spPr>
+            <p:txBody>
+              <a:bodyPr wrap="none" rtlCol="0">
+                <a:spAutoFit/>
+              </a:bodyPr>
+              <a:lstStyle/>
+              <a:p>
+                <a:r>
+                  <a:rPr lang="en-US" dirty="0"/>
+                  <a:t>13</a:t>
+                </a:r>
+              </a:p>
+            </p:txBody>
+          </p:sp>
+          <p:sp>
+            <p:nvSpPr>
+              <p:cNvPr id="124" name="Rectangle 123">
+                <a:extLst>
+                  <a:ext uri="{FF2B5EF4-FFF2-40B4-BE49-F238E27FC236}">
+                    <a16:creationId xmlns:a16="http://schemas.microsoft.com/office/drawing/2014/main" id="{874FBE51-F0D8-364E-A646-BEE9AF235CE4}"/>
+                  </a:ext>
+                </a:extLst>
+              </p:cNvPr>
+              <p:cNvSpPr/>
+              <p:nvPr/>
+            </p:nvSpPr>
+            <p:spPr>
+              <a:xfrm>
+                <a:off x="8780318" y="2174918"/>
+                <a:ext cx="311727" cy="311727"/>
+              </a:xfrm>
+              <a:prstGeom prst="rect">
+                <a:avLst/>
+              </a:prstGeom>
+              <a:solidFill>
+                <a:schemeClr val="bg1"/>
+              </a:solidFill>
+            </p:spPr>
+            <p:style>
+              <a:lnRef idx="2">
+                <a:schemeClr val="accent1">
+                  <a:shade val="50000"/>
+                </a:schemeClr>
+              </a:lnRef>
+              <a:fillRef idx="1">
+                <a:schemeClr val="accent1"/>
+              </a:fillRef>
+              <a:effectRef idx="0">
+                <a:schemeClr val="accent1"/>
+              </a:effectRef>
+              <a:fontRef idx="minor">
+                <a:schemeClr val="lt1"/>
+              </a:fontRef>
+            </p:style>
+            <p:txBody>
+              <a:bodyPr rtlCol="0" anchor="ctr"/>
+              <a:lstStyle/>
+              <a:p>
+                <a:pPr algn="ctr"/>
+                <a:endParaRPr lang="en-US"/>
+              </a:p>
+            </p:txBody>
+          </p:sp>
+          <p:sp>
+            <p:nvSpPr>
+              <p:cNvPr id="125" name="Rectangle 124">
+                <a:extLst>
+                  <a:ext uri="{FF2B5EF4-FFF2-40B4-BE49-F238E27FC236}">
+                    <a16:creationId xmlns:a16="http://schemas.microsoft.com/office/drawing/2014/main" id="{47BDB3DF-ED23-0E49-884C-0CE0EB07CBAE}"/>
+                  </a:ext>
+                </a:extLst>
+              </p:cNvPr>
+              <p:cNvSpPr/>
+              <p:nvPr/>
+            </p:nvSpPr>
+            <p:spPr>
+              <a:xfrm>
+                <a:off x="8780317" y="2505529"/>
+                <a:ext cx="311727" cy="311727"/>
+              </a:xfrm>
+              <a:prstGeom prst="rect">
+                <a:avLst/>
+              </a:prstGeom>
+              <a:solidFill>
+                <a:schemeClr val="bg1"/>
+              </a:solidFill>
+            </p:spPr>
+            <p:style>
+              <a:lnRef idx="2">
+                <a:schemeClr val="accent1">
+                  <a:shade val="50000"/>
+                </a:schemeClr>
+              </a:lnRef>
+              <a:fillRef idx="1">
+                <a:schemeClr val="accent1"/>
+              </a:fillRef>
+              <a:effectRef idx="0">
+                <a:schemeClr val="accent1"/>
+              </a:effectRef>
+              <a:fontRef idx="minor">
+                <a:schemeClr val="lt1"/>
+              </a:fontRef>
+            </p:style>
+            <p:txBody>
+              <a:bodyPr rtlCol="0" anchor="ctr"/>
+              <a:lstStyle/>
+              <a:p>
+                <a:pPr algn="ctr"/>
+                <a:endParaRPr lang="en-US"/>
+              </a:p>
+            </p:txBody>
+          </p:sp>
+          <p:sp>
+            <p:nvSpPr>
+              <p:cNvPr id="126" name="Rectangle 125">
+                <a:extLst>
+                  <a:ext uri="{FF2B5EF4-FFF2-40B4-BE49-F238E27FC236}">
+                    <a16:creationId xmlns:a16="http://schemas.microsoft.com/office/drawing/2014/main" id="{B6341AF2-9835-264C-92BF-621AA69CCDCB}"/>
+                  </a:ext>
+                </a:extLst>
+              </p:cNvPr>
+              <p:cNvSpPr/>
+              <p:nvPr/>
+            </p:nvSpPr>
+            <p:spPr>
+              <a:xfrm>
+                <a:off x="9109862" y="2174918"/>
+                <a:ext cx="311727" cy="311727"/>
+              </a:xfrm>
+              <a:prstGeom prst="rect">
+                <a:avLst/>
+              </a:prstGeom>
+              <a:solidFill>
+                <a:schemeClr val="bg1"/>
+              </a:solidFill>
+            </p:spPr>
+            <p:style>
+              <a:lnRef idx="2">
+                <a:schemeClr val="accent1">
+                  <a:shade val="50000"/>
+                </a:schemeClr>
+              </a:lnRef>
+              <a:fillRef idx="1">
+                <a:schemeClr val="accent1"/>
+              </a:fillRef>
+              <a:effectRef idx="0">
+                <a:schemeClr val="accent1"/>
+              </a:effectRef>
+              <a:fontRef idx="minor">
+                <a:schemeClr val="lt1"/>
+              </a:fontRef>
+            </p:style>
+            <p:txBody>
+              <a:bodyPr rtlCol="0" anchor="ctr"/>
+              <a:lstStyle/>
+              <a:p>
+                <a:pPr algn="ctr"/>
+                <a:endParaRPr lang="en-US"/>
+              </a:p>
+            </p:txBody>
+          </p:sp>
+          <p:sp>
+            <p:nvSpPr>
+              <p:cNvPr id="127" name="Rectangle 126">
+                <a:extLst>
+                  <a:ext uri="{FF2B5EF4-FFF2-40B4-BE49-F238E27FC236}">
+                    <a16:creationId xmlns:a16="http://schemas.microsoft.com/office/drawing/2014/main" id="{16A38589-4C25-4E48-ACAA-697FA3132609}"/>
+                  </a:ext>
+                </a:extLst>
+              </p:cNvPr>
+              <p:cNvSpPr/>
+              <p:nvPr/>
+            </p:nvSpPr>
+            <p:spPr>
+              <a:xfrm>
+                <a:off x="9109861" y="2505529"/>
+                <a:ext cx="311727" cy="311727"/>
+              </a:xfrm>
+              <a:prstGeom prst="rect">
+                <a:avLst/>
+              </a:prstGeom>
+              <a:solidFill>
+                <a:schemeClr val="bg1"/>
+              </a:solidFill>
+            </p:spPr>
+            <p:style>
+              <a:lnRef idx="2">
+                <a:schemeClr val="accent1">
+                  <a:shade val="50000"/>
+                </a:schemeClr>
+              </a:lnRef>
+              <a:fillRef idx="1">
+                <a:schemeClr val="accent1"/>
+              </a:fillRef>
+              <a:effectRef idx="0">
+                <a:schemeClr val="accent1"/>
+              </a:effectRef>
+              <a:fontRef idx="minor">
+                <a:schemeClr val="lt1"/>
+              </a:fontRef>
+            </p:style>
+            <p:txBody>
+              <a:bodyPr rtlCol="0" anchor="ctr"/>
+              <a:lstStyle/>
+              <a:p>
+                <a:pPr algn="ctr"/>
+                <a:endParaRPr lang="en-US"/>
+              </a:p>
+            </p:txBody>
+          </p:sp>
+          <p:sp>
+            <p:nvSpPr>
+              <p:cNvPr id="128" name="TextBox 127">
+                <a:extLst>
+                  <a:ext uri="{FF2B5EF4-FFF2-40B4-BE49-F238E27FC236}">
+                    <a16:creationId xmlns:a16="http://schemas.microsoft.com/office/drawing/2014/main" id="{60380370-4DCC-4C49-952F-33949DF53F32}"/>
+                  </a:ext>
+                </a:extLst>
+              </p:cNvPr>
+              <p:cNvSpPr txBox="1"/>
+              <p:nvPr/>
+            </p:nvSpPr>
+            <p:spPr>
+              <a:xfrm>
+                <a:off x="9421588" y="2465522"/>
+                <a:ext cx="301686" cy="369332"/>
+              </a:xfrm>
+              <a:prstGeom prst="rect">
+                <a:avLst/>
+              </a:prstGeom>
+              <a:noFill/>
+            </p:spPr>
+            <p:txBody>
+              <a:bodyPr wrap="none" rtlCol="0">
+                <a:spAutoFit/>
+              </a:bodyPr>
+              <a:lstStyle/>
+              <a:p>
+                <a:r>
+                  <a:rPr lang="en-US" dirty="0"/>
+                  <a:t>5</a:t>
+                </a:r>
+              </a:p>
+            </p:txBody>
+          </p:sp>
+          <p:sp>
+            <p:nvSpPr>
+              <p:cNvPr id="129" name="TextBox 128">
+                <a:extLst>
+                  <a:ext uri="{FF2B5EF4-FFF2-40B4-BE49-F238E27FC236}">
+                    <a16:creationId xmlns:a16="http://schemas.microsoft.com/office/drawing/2014/main" id="{5A0B1E12-20E9-F744-9EBD-EF2293C3EEFB}"/>
+                  </a:ext>
+                </a:extLst>
+              </p:cNvPr>
+              <p:cNvSpPr txBox="1"/>
+              <p:nvPr/>
+            </p:nvSpPr>
+            <p:spPr>
+              <a:xfrm>
+                <a:off x="9421587" y="2155898"/>
+                <a:ext cx="301686" cy="369332"/>
+              </a:xfrm>
+              <a:prstGeom prst="rect">
+                <a:avLst/>
+              </a:prstGeom>
+              <a:noFill/>
+            </p:spPr>
+            <p:txBody>
+              <a:bodyPr wrap="none" rtlCol="0">
+                <a:spAutoFit/>
+              </a:bodyPr>
+              <a:lstStyle/>
+              <a:p>
+                <a:r>
+                  <a:rPr lang="en-US" dirty="0"/>
+                  <a:t>6</a:t>
+                </a:r>
+              </a:p>
+            </p:txBody>
+          </p:sp>
+          <p:sp>
+            <p:nvSpPr>
+              <p:cNvPr id="130" name="TextBox 129">
+                <a:extLst>
+                  <a:ext uri="{FF2B5EF4-FFF2-40B4-BE49-F238E27FC236}">
+                    <a16:creationId xmlns:a16="http://schemas.microsoft.com/office/drawing/2014/main" id="{E664FEEC-3056-8B40-B741-D38E3EC0D46D}"/>
+                  </a:ext>
+                </a:extLst>
+              </p:cNvPr>
+              <p:cNvSpPr txBox="1"/>
+              <p:nvPr/>
+            </p:nvSpPr>
+            <p:spPr>
+              <a:xfrm>
+                <a:off x="8362051" y="2486645"/>
+                <a:ext cx="418704" cy="369332"/>
+              </a:xfrm>
+              <a:prstGeom prst="rect">
+                <a:avLst/>
+              </a:prstGeom>
+              <a:noFill/>
+            </p:spPr>
+            <p:txBody>
+              <a:bodyPr wrap="none" rtlCol="0">
+                <a:spAutoFit/>
+              </a:bodyPr>
+              <a:lstStyle/>
+              <a:p>
+                <a:r>
+                  <a:rPr lang="en-US" dirty="0"/>
+                  <a:t>12</a:t>
+                </a:r>
+              </a:p>
+            </p:txBody>
+          </p:sp>
+          <p:sp>
+            <p:nvSpPr>
+              <p:cNvPr id="131" name="TextBox 130">
+                <a:extLst>
+                  <a:ext uri="{FF2B5EF4-FFF2-40B4-BE49-F238E27FC236}">
+                    <a16:creationId xmlns:a16="http://schemas.microsoft.com/office/drawing/2014/main" id="{91F2BDED-2ACE-C140-A50E-936D51BF602B}"/>
+                  </a:ext>
+                </a:extLst>
+              </p:cNvPr>
+              <p:cNvSpPr txBox="1"/>
+              <p:nvPr/>
+            </p:nvSpPr>
+            <p:spPr>
+              <a:xfrm>
+                <a:off x="8367432" y="2144169"/>
+                <a:ext cx="418704" cy="369332"/>
+              </a:xfrm>
+              <a:prstGeom prst="rect">
+                <a:avLst/>
+              </a:prstGeom>
+              <a:noFill/>
+            </p:spPr>
+            <p:txBody>
+              <a:bodyPr wrap="none" rtlCol="0">
+                <a:spAutoFit/>
+              </a:bodyPr>
+              <a:lstStyle/>
+              <a:p>
+                <a:r>
+                  <a:rPr lang="en-US" dirty="0"/>
+                  <a:t>11</a:t>
+                </a:r>
+              </a:p>
+            </p:txBody>
+          </p:sp>
+          <p:sp>
+            <p:nvSpPr>
+              <p:cNvPr id="132" name="Rectangle 131">
+                <a:extLst>
+                  <a:ext uri="{FF2B5EF4-FFF2-40B4-BE49-F238E27FC236}">
+                    <a16:creationId xmlns:a16="http://schemas.microsoft.com/office/drawing/2014/main" id="{319F8813-9B6D-194C-A8B5-5575DE443166}"/>
+                  </a:ext>
+                </a:extLst>
+              </p:cNvPr>
+              <p:cNvSpPr/>
+              <p:nvPr/>
+            </p:nvSpPr>
+            <p:spPr>
+              <a:xfrm>
+                <a:off x="8780318" y="1511699"/>
+                <a:ext cx="311727" cy="311727"/>
+              </a:xfrm>
+              <a:prstGeom prst="rect">
+                <a:avLst/>
+              </a:prstGeom>
+              <a:solidFill>
+                <a:schemeClr val="bg1"/>
+              </a:solidFill>
+            </p:spPr>
+            <p:style>
+              <a:lnRef idx="2">
+                <a:schemeClr val="accent1">
+                  <a:shade val="50000"/>
+                </a:schemeClr>
+              </a:lnRef>
+              <a:fillRef idx="1">
+                <a:schemeClr val="accent1"/>
+              </a:fillRef>
+              <a:effectRef idx="0">
+                <a:schemeClr val="accent1"/>
+              </a:effectRef>
+              <a:fontRef idx="minor">
+                <a:schemeClr val="lt1"/>
+              </a:fontRef>
+            </p:style>
+            <p:txBody>
+              <a:bodyPr rtlCol="0" anchor="ctr"/>
+              <a:lstStyle/>
+              <a:p>
+                <a:pPr algn="ctr"/>
+                <a:endParaRPr lang="en-US"/>
+              </a:p>
+            </p:txBody>
+          </p:sp>
+          <p:sp>
+            <p:nvSpPr>
+              <p:cNvPr id="133" name="Rectangle 132">
+                <a:extLst>
+                  <a:ext uri="{FF2B5EF4-FFF2-40B4-BE49-F238E27FC236}">
+                    <a16:creationId xmlns:a16="http://schemas.microsoft.com/office/drawing/2014/main" id="{9B9EC5C9-3553-E24F-8D4B-14E8D74D3AA4}"/>
+                  </a:ext>
+                </a:extLst>
+              </p:cNvPr>
+              <p:cNvSpPr/>
+              <p:nvPr/>
+            </p:nvSpPr>
+            <p:spPr>
+              <a:xfrm>
+                <a:off x="8780317" y="1842310"/>
+                <a:ext cx="311727" cy="311727"/>
+              </a:xfrm>
+              <a:prstGeom prst="rect">
+                <a:avLst/>
+              </a:prstGeom>
+              <a:solidFill>
+                <a:schemeClr val="bg1"/>
+              </a:solidFill>
+            </p:spPr>
+            <p:style>
+              <a:lnRef idx="2">
+                <a:schemeClr val="accent1">
+                  <a:shade val="50000"/>
+                </a:schemeClr>
+              </a:lnRef>
+              <a:fillRef idx="1">
+                <a:schemeClr val="accent1"/>
+              </a:fillRef>
+              <a:effectRef idx="0">
+                <a:schemeClr val="accent1"/>
+              </a:effectRef>
+              <a:fontRef idx="minor">
+                <a:schemeClr val="lt1"/>
+              </a:fontRef>
+            </p:style>
+            <p:txBody>
+              <a:bodyPr rtlCol="0" anchor="ctr"/>
+              <a:lstStyle/>
+              <a:p>
+                <a:pPr algn="ctr"/>
+                <a:endParaRPr lang="en-US"/>
+              </a:p>
+            </p:txBody>
+          </p:sp>
+          <p:sp>
+            <p:nvSpPr>
+              <p:cNvPr id="134" name="Rectangle 133">
+                <a:extLst>
+                  <a:ext uri="{FF2B5EF4-FFF2-40B4-BE49-F238E27FC236}">
+                    <a16:creationId xmlns:a16="http://schemas.microsoft.com/office/drawing/2014/main" id="{A85C61BC-02DC-A247-97F6-EC933FF3C21D}"/>
+                  </a:ext>
+                </a:extLst>
+              </p:cNvPr>
+              <p:cNvSpPr/>
+              <p:nvPr/>
+            </p:nvSpPr>
+            <p:spPr>
+              <a:xfrm>
+                <a:off x="9109862" y="1511699"/>
+                <a:ext cx="311727" cy="311727"/>
+              </a:xfrm>
+              <a:prstGeom prst="rect">
+                <a:avLst/>
+              </a:prstGeom>
+              <a:solidFill>
+                <a:schemeClr val="bg1"/>
+              </a:solidFill>
+            </p:spPr>
+            <p:style>
+              <a:lnRef idx="2">
+                <a:schemeClr val="accent1">
+                  <a:shade val="50000"/>
+                </a:schemeClr>
+              </a:lnRef>
+              <a:fillRef idx="1">
+                <a:schemeClr val="accent1"/>
+              </a:fillRef>
+              <a:effectRef idx="0">
+                <a:schemeClr val="accent1"/>
+              </a:effectRef>
+              <a:fontRef idx="minor">
+                <a:schemeClr val="lt1"/>
+              </a:fontRef>
+            </p:style>
+            <p:txBody>
+              <a:bodyPr rtlCol="0" anchor="ctr"/>
+              <a:lstStyle/>
+              <a:p>
+                <a:pPr algn="ctr"/>
+                <a:endParaRPr lang="en-US"/>
+              </a:p>
+            </p:txBody>
+          </p:sp>
+          <p:sp>
+            <p:nvSpPr>
+              <p:cNvPr id="135" name="Rectangle 134">
+                <a:extLst>
+                  <a:ext uri="{FF2B5EF4-FFF2-40B4-BE49-F238E27FC236}">
+                    <a16:creationId xmlns:a16="http://schemas.microsoft.com/office/drawing/2014/main" id="{7C39D23F-30A2-2C40-9D5C-6F9877E1711D}"/>
+                  </a:ext>
+                </a:extLst>
+              </p:cNvPr>
+              <p:cNvSpPr/>
+              <p:nvPr/>
+            </p:nvSpPr>
+            <p:spPr>
+              <a:xfrm>
+                <a:off x="9109861" y="1842310"/>
+                <a:ext cx="311727" cy="311727"/>
+              </a:xfrm>
+              <a:prstGeom prst="rect">
+                <a:avLst/>
+              </a:prstGeom>
+              <a:solidFill>
+                <a:schemeClr val="bg1"/>
+              </a:solidFill>
+            </p:spPr>
+            <p:style>
+              <a:lnRef idx="2">
+                <a:schemeClr val="accent1">
+                  <a:shade val="50000"/>
+                </a:schemeClr>
+              </a:lnRef>
+              <a:fillRef idx="1">
+                <a:schemeClr val="accent1"/>
+              </a:fillRef>
+              <a:effectRef idx="0">
+                <a:schemeClr val="accent1"/>
+              </a:effectRef>
+              <a:fontRef idx="minor">
+                <a:schemeClr val="lt1"/>
+              </a:fontRef>
+            </p:style>
+            <p:txBody>
+              <a:bodyPr rtlCol="0" anchor="ctr"/>
+              <a:lstStyle/>
+              <a:p>
+                <a:pPr algn="ctr"/>
+                <a:endParaRPr lang="en-US"/>
+              </a:p>
+            </p:txBody>
+          </p:sp>
+          <p:sp>
+            <p:nvSpPr>
+              <p:cNvPr id="136" name="TextBox 135">
+                <a:extLst>
+                  <a:ext uri="{FF2B5EF4-FFF2-40B4-BE49-F238E27FC236}">
+                    <a16:creationId xmlns:a16="http://schemas.microsoft.com/office/drawing/2014/main" id="{A6CD19D6-783E-DA48-9EE0-F6C365E3C026}"/>
+                  </a:ext>
+                </a:extLst>
+              </p:cNvPr>
+              <p:cNvSpPr txBox="1"/>
+              <p:nvPr/>
+            </p:nvSpPr>
+            <p:spPr>
+              <a:xfrm>
+                <a:off x="9421588" y="1802303"/>
+                <a:ext cx="301686" cy="369332"/>
+              </a:xfrm>
+              <a:prstGeom prst="rect">
+                <a:avLst/>
+              </a:prstGeom>
+              <a:noFill/>
+            </p:spPr>
+            <p:txBody>
+              <a:bodyPr wrap="none" rtlCol="0">
+                <a:spAutoFit/>
+              </a:bodyPr>
+              <a:lstStyle/>
+              <a:p>
+                <a:r>
+                  <a:rPr lang="en-US" dirty="0"/>
+                  <a:t>7</a:t>
+                </a:r>
+              </a:p>
+            </p:txBody>
+          </p:sp>
+          <p:sp>
+            <p:nvSpPr>
+              <p:cNvPr id="137" name="TextBox 136">
+                <a:extLst>
+                  <a:ext uri="{FF2B5EF4-FFF2-40B4-BE49-F238E27FC236}">
+                    <a16:creationId xmlns:a16="http://schemas.microsoft.com/office/drawing/2014/main" id="{E518FA84-AC78-D14D-967D-F6CE74C51FEB}"/>
+                  </a:ext>
+                </a:extLst>
+              </p:cNvPr>
+              <p:cNvSpPr txBox="1"/>
+              <p:nvPr/>
+            </p:nvSpPr>
+            <p:spPr>
+              <a:xfrm>
+                <a:off x="9421587" y="1492679"/>
+                <a:ext cx="301686" cy="369332"/>
+              </a:xfrm>
+              <a:prstGeom prst="rect">
+                <a:avLst/>
+              </a:prstGeom>
+              <a:noFill/>
+            </p:spPr>
+            <p:txBody>
+              <a:bodyPr wrap="none" rtlCol="0">
+                <a:spAutoFit/>
+              </a:bodyPr>
+              <a:lstStyle/>
+              <a:p>
+                <a:r>
+                  <a:rPr lang="en-US" dirty="0"/>
+                  <a:t>8</a:t>
+                </a:r>
+              </a:p>
+            </p:txBody>
+          </p:sp>
+          <p:sp>
+            <p:nvSpPr>
+              <p:cNvPr id="138" name="TextBox 137">
+                <a:extLst>
+                  <a:ext uri="{FF2B5EF4-FFF2-40B4-BE49-F238E27FC236}">
+                    <a16:creationId xmlns:a16="http://schemas.microsoft.com/office/drawing/2014/main" id="{DC8D216C-DF78-594C-8BCC-81CFAB247A27}"/>
+                  </a:ext>
+                </a:extLst>
+              </p:cNvPr>
+              <p:cNvSpPr txBox="1"/>
+              <p:nvPr/>
+            </p:nvSpPr>
+            <p:spPr>
+              <a:xfrm>
+                <a:off x="8362051" y="1823426"/>
+                <a:ext cx="418704" cy="369332"/>
+              </a:xfrm>
+              <a:prstGeom prst="rect">
+                <a:avLst/>
+              </a:prstGeom>
+              <a:noFill/>
+            </p:spPr>
+            <p:txBody>
+              <a:bodyPr wrap="none" rtlCol="0">
+                <a:spAutoFit/>
+              </a:bodyPr>
+              <a:lstStyle/>
+              <a:p>
+                <a:r>
+                  <a:rPr lang="en-US" dirty="0"/>
+                  <a:t>10</a:t>
+                </a:r>
+              </a:p>
+            </p:txBody>
+          </p:sp>
+          <p:sp>
+            <p:nvSpPr>
+              <p:cNvPr id="139" name="TextBox 138">
+                <a:extLst>
+                  <a:ext uri="{FF2B5EF4-FFF2-40B4-BE49-F238E27FC236}">
+                    <a16:creationId xmlns:a16="http://schemas.microsoft.com/office/drawing/2014/main" id="{15E8BD3C-1B10-FD44-87E5-B88AF109AA0A}"/>
+                  </a:ext>
+                </a:extLst>
+              </p:cNvPr>
+              <p:cNvSpPr txBox="1"/>
+              <p:nvPr/>
+            </p:nvSpPr>
+            <p:spPr>
+              <a:xfrm>
+                <a:off x="8367432" y="1480950"/>
+                <a:ext cx="354584" cy="369332"/>
+              </a:xfrm>
+              <a:prstGeom prst="rect">
+                <a:avLst/>
+              </a:prstGeom>
+              <a:noFill/>
+            </p:spPr>
+            <p:txBody>
+              <a:bodyPr wrap="none" rtlCol="0">
+                <a:spAutoFit/>
+              </a:bodyPr>
+              <a:lstStyle/>
+              <a:p>
+                <a:r>
+                  <a:rPr lang="en-US" dirty="0"/>
+                  <a:t> 9</a:t>
+                </a:r>
+              </a:p>
+            </p:txBody>
+          </p:sp>
+        </p:grpSp>
+        <p:sp>
+          <p:nvSpPr>
+            <p:cNvPr id="104" name="TextBox 103">
+              <a:extLst>
+                <a:ext uri="{FF2B5EF4-FFF2-40B4-BE49-F238E27FC236}">
+                  <a16:creationId xmlns:a16="http://schemas.microsoft.com/office/drawing/2014/main" id="{4E98EB41-D0B1-0C4B-ABA8-9AF067D39516}"/>
+                </a:ext>
+              </a:extLst>
+            </p:cNvPr>
+            <p:cNvSpPr txBox="1"/>
+            <p:nvPr/>
+          </p:nvSpPr>
+          <p:spPr>
+            <a:xfrm>
+              <a:off x="8780318" y="1084130"/>
+              <a:ext cx="641270" cy="369332"/>
+            </a:xfrm>
+            <a:prstGeom prst="rect">
+              <a:avLst/>
+            </a:prstGeom>
+            <a:noFill/>
+          </p:spPr>
+          <p:txBody>
+            <a:bodyPr wrap="square" rtlCol="0">
+              <a:spAutoFit/>
+            </a:bodyPr>
+            <a:lstStyle/>
+            <a:p>
+              <a:pPr algn="ctr"/>
+              <a:r>
+                <a:rPr lang="en-US" dirty="0"/>
+                <a:t>PINS</a:t>
+              </a:r>
+            </a:p>
+          </p:txBody>
+        </p:sp>
+        <p:sp>
+          <p:nvSpPr>
+            <p:cNvPr id="105" name="Oval 104">
+              <a:extLst>
+                <a:ext uri="{FF2B5EF4-FFF2-40B4-BE49-F238E27FC236}">
+                  <a16:creationId xmlns:a16="http://schemas.microsoft.com/office/drawing/2014/main" id="{47CCE649-9595-9E41-A4C3-40F70FD16F56}"/>
+                </a:ext>
+              </a:extLst>
+            </p:cNvPr>
+            <p:cNvSpPr/>
+            <p:nvPr/>
+          </p:nvSpPr>
+          <p:spPr>
+            <a:xfrm>
+              <a:off x="8936180" y="4046880"/>
+              <a:ext cx="378418" cy="378418"/>
+            </a:xfrm>
+            <a:prstGeom prst="ellipse">
+              <a:avLst/>
+            </a:prstGeom>
+            <a:solidFill>
+              <a:schemeClr val="bg1"/>
+            </a:solidFill>
+            <a:ln>
+              <a:solidFill>
+                <a:srgbClr val="2F518E"/>
+              </a:solidFill>
+            </a:ln>
+          </p:spPr>
+          <p:style>
+            <a:lnRef idx="2">
+              <a:schemeClr val="accent1">
+                <a:shade val="50000"/>
+              </a:schemeClr>
+            </a:lnRef>
+            <a:fillRef idx="1">
+              <a:schemeClr val="accent1"/>
+            </a:fillRef>
+            <a:effectRef idx="0">
+              <a:schemeClr val="accent1"/>
+            </a:effectRef>
+            <a:fontRef idx="minor">
+              <a:schemeClr val="lt1"/>
+            </a:fontRef>
+          </p:style>
+          <p:txBody>
+            <a:bodyPr rtlCol="0" anchor="ctr"/>
+            <a:lstStyle/>
+            <a:p>
+              <a:pPr algn="ctr"/>
+              <a:endParaRPr lang="en-US">
+                <a:ln>
+                  <a:solidFill>
+                    <a:schemeClr val="bg1"/>
+                  </a:solidFill>
+                </a:ln>
+              </a:endParaRPr>
+            </a:p>
+          </p:txBody>
+        </p:sp>
+        <p:sp>
+          <p:nvSpPr>
+            <p:cNvPr id="106" name="Rectangle 105">
+              <a:extLst>
+                <a:ext uri="{FF2B5EF4-FFF2-40B4-BE49-F238E27FC236}">
+                  <a16:creationId xmlns:a16="http://schemas.microsoft.com/office/drawing/2014/main" id="{275868C4-0BC6-6643-B032-A8A39985E68A}"/>
+                </a:ext>
+              </a:extLst>
+            </p:cNvPr>
+            <p:cNvSpPr/>
+            <p:nvPr/>
+          </p:nvSpPr>
+          <p:spPr>
+            <a:xfrm>
+              <a:off x="8775149" y="4147477"/>
+              <a:ext cx="695324" cy="311727"/>
+            </a:xfrm>
+            <a:prstGeom prst="rect">
+              <a:avLst/>
+            </a:prstGeom>
+            <a:solidFill>
+              <a:schemeClr val="bg1"/>
+            </a:solidFill>
+            <a:ln>
+              <a:noFill/>
+            </a:ln>
+          </p:spPr>
+          <p:style>
+            <a:lnRef idx="2">
+              <a:schemeClr val="accent1">
+                <a:shade val="50000"/>
+              </a:schemeClr>
+            </a:lnRef>
+            <a:fillRef idx="1">
+              <a:schemeClr val="accent1"/>
+            </a:fillRef>
+            <a:effectRef idx="0">
+              <a:schemeClr val="accent1"/>
+            </a:effectRef>
+            <a:fontRef idx="minor">
+              <a:schemeClr val="lt1"/>
+            </a:fontRef>
+          </p:style>
+          <p:txBody>
+            <a:bodyPr rtlCol="0" anchor="ctr"/>
+            <a:lstStyle/>
+            <a:p>
+              <a:pPr algn="ctr"/>
+              <a:endParaRPr lang="en-US"/>
+            </a:p>
+          </p:txBody>
+        </p:sp>
+        <p:cxnSp>
+          <p:nvCxnSpPr>
+            <p:cNvPr id="107" name="Straight Connector 106">
+              <a:extLst>
+                <a:ext uri="{FF2B5EF4-FFF2-40B4-BE49-F238E27FC236}">
+                  <a16:creationId xmlns:a16="http://schemas.microsoft.com/office/drawing/2014/main" id="{CE086107-20C5-5A46-94B7-CFDBD3D6C9D3}"/>
+                </a:ext>
+              </a:extLst>
+            </p:cNvPr>
+            <p:cNvCxnSpPr>
+              <a:cxnSpLocks/>
+            </p:cNvCxnSpPr>
+            <p:nvPr/>
+          </p:nvCxnSpPr>
+          <p:spPr>
+            <a:xfrm flipV="1">
+              <a:off x="9102861" y="3474969"/>
+              <a:ext cx="0" cy="1150232"/>
+            </a:xfrm>
+            <a:prstGeom prst="line">
+              <a:avLst/>
+            </a:prstGeom>
+            <a:ln>
+              <a:solidFill>
+                <a:schemeClr val="bg1"/>
+              </a:solidFill>
+            </a:ln>
+          </p:spPr>
+          <p:style>
+            <a:lnRef idx="1">
+              <a:schemeClr val="accent1"/>
+            </a:lnRef>
+            <a:fillRef idx="0">
+              <a:schemeClr val="accent1"/>
+            </a:fillRef>
+            <a:effectRef idx="0">
+              <a:schemeClr val="accent1"/>
+            </a:effectRef>
+            <a:fontRef idx="minor">
+              <a:schemeClr val="tx1"/>
+            </a:fontRef>
+          </p:style>
+        </p:cxnSp>
+      </p:grpSp>
+    </p:spTree>
+    <p:extLst>
+      <p:ext uri="{BB962C8B-B14F-4D97-AF65-F5344CB8AC3E}">
+        <p14:creationId xmlns:p14="http://schemas.microsoft.com/office/powerpoint/2010/main" val="869540554"/>
+      </p:ext>
+    </p:extLst>
+  </p:cSld>
+  <p:clrMapOvr>
+    <a:masterClrMapping/>
+  </p:clrMapOvr>
+</p:sld>
+</file>
+
+<file path=ppt/slides/slide14.xml><?xml version="1.0" encoding="utf-8"?>
+<p:sld xmlns:a="http://schemas.openxmlformats.org/drawingml/2006/main" xmlns:r="http://schemas.openxmlformats.org/officeDocument/2006/relationships" xmlns:p="http://schemas.openxmlformats.org/presentationml/2006/main">
+  <p:cSld>
+    <p:spTree>
+      <p:nvGrpSpPr>
+        <p:cNvPr id="1" name=""/>
+        <p:cNvGrpSpPr/>
+        <p:nvPr/>
+      </p:nvGrpSpPr>
+      <p:grpSpPr>
+        <a:xfrm>
+          <a:off x="0" y="0"/>
+          <a:ext cx="0" cy="0"/>
+          <a:chOff x="0" y="0"/>
+          <a:chExt cx="0" cy="0"/>
+        </a:xfrm>
+      </p:grpSpPr>
       <p:grpSp>
         <p:nvGrpSpPr>
           <p:cNvPr id="34" name="Group 33">
@@ -17169,7 +20131,7 @@
         </p:nvGrpSpPr>
         <p:grpSpPr>
           <a:xfrm>
-            <a:off x="5989496" y="1088446"/>
+            <a:off x="5990400" y="1088446"/>
             <a:ext cx="5531110" cy="5177073"/>
             <a:chOff x="2419445" y="1175903"/>
             <a:chExt cx="5531110" cy="5177073"/>
@@ -19881,42 +22843,12 @@
           </a:graphicData>
         </a:graphic>
       </p:graphicFrame>
-    </p:spTree>
-    <p:extLst>
-      <p:ext uri="{BB962C8B-B14F-4D97-AF65-F5344CB8AC3E}">
-        <p14:creationId xmlns:p14="http://schemas.microsoft.com/office/powerpoint/2010/main" val="3225038744"/>
-      </p:ext>
-    </p:extLst>
-  </p:cSld>
-  <p:clrMapOvr>
-    <a:masterClrMapping/>
-  </p:clrMapOvr>
-</p:sld>
-</file>
-
-<file path=ppt/slides/slide14.xml><?xml version="1.0" encoding="utf-8"?>
-<p:sld xmlns:a="http://schemas.openxmlformats.org/drawingml/2006/main" xmlns:r="http://schemas.openxmlformats.org/officeDocument/2006/relationships" xmlns:p="http://schemas.openxmlformats.org/presentationml/2006/main">
-  <p:cSld>
-    <p:spTree>
-      <p:nvGrpSpPr>
-        <p:cNvPr id="1" name=""/>
-        <p:cNvGrpSpPr/>
-        <p:nvPr/>
-      </p:nvGrpSpPr>
-      <p:grpSpPr>
-        <a:xfrm>
-          <a:off x="0" y="0"/>
-          <a:ext cx="0" cy="0"/>
-          <a:chOff x="0" y="0"/>
-          <a:chExt cx="0" cy="0"/>
-        </a:xfrm>
-      </p:grpSpPr>
       <p:grpSp>
         <p:nvGrpSpPr>
-          <p:cNvPr id="156" name="Group 155">
+          <p:cNvPr id="103" name="Group 102">
             <a:extLst>
               <a:ext uri="{FF2B5EF4-FFF2-40B4-BE49-F238E27FC236}">
-                <a16:creationId xmlns:a16="http://schemas.microsoft.com/office/drawing/2014/main" id="{ABA3A625-0C6C-DF45-A0F3-63A698A384F4}"/>
+                <a16:creationId xmlns:a16="http://schemas.microsoft.com/office/drawing/2014/main" id="{307D5222-3846-DC49-BEDC-356BF1F6A9ED}"/>
               </a:ext>
             </a:extLst>
           </p:cNvPr>
@@ -19925,7 +22857,7 @@
         </p:nvGrpSpPr>
         <p:grpSpPr>
           <a:xfrm>
-            <a:off x="1694493" y="2949575"/>
+            <a:off x="1610385" y="3468428"/>
             <a:ext cx="1361223" cy="3541071"/>
             <a:chOff x="8362051" y="1084130"/>
             <a:chExt cx="1361223" cy="3541071"/>
@@ -19933,10 +22865,10 @@
         </p:grpSpPr>
         <p:grpSp>
           <p:nvGrpSpPr>
-            <p:cNvPr id="149" name="Group 148">
+            <p:cNvPr id="104" name="Group 103">
               <a:extLst>
                 <a:ext uri="{FF2B5EF4-FFF2-40B4-BE49-F238E27FC236}">
-                  <a16:creationId xmlns:a16="http://schemas.microsoft.com/office/drawing/2014/main" id="{43D98BBB-0473-F445-907C-65A08B8A1A58}"/>
+                  <a16:creationId xmlns:a16="http://schemas.microsoft.com/office/drawing/2014/main" id="{AC225D8F-EBD2-8F4A-99C0-7AD493741B37}"/>
                 </a:ext>
               </a:extLst>
             </p:cNvPr>
@@ -19953,10 +22885,10 @@
           </p:grpSpPr>
           <p:sp>
             <p:nvSpPr>
-              <p:cNvPr id="69" name="Rectangle 68">
+              <p:cNvPr id="109" name="Rectangle 108">
                 <a:extLst>
                   <a:ext uri="{FF2B5EF4-FFF2-40B4-BE49-F238E27FC236}">
-                    <a16:creationId xmlns:a16="http://schemas.microsoft.com/office/drawing/2014/main" id="{5E4ED677-F1E0-0341-9124-0EF8842C1955}"/>
+                    <a16:creationId xmlns:a16="http://schemas.microsoft.com/office/drawing/2014/main" id="{23DF5AA1-BE7F-614D-A6D2-744F3C9417BE}"/>
                   </a:ext>
                 </a:extLst>
               </p:cNvPr>
@@ -20002,10 +22934,10 @@
           </p:sp>
           <p:sp>
             <p:nvSpPr>
-              <p:cNvPr id="70" name="Rectangle 69">
+              <p:cNvPr id="110" name="Rectangle 109">
                 <a:extLst>
                   <a:ext uri="{FF2B5EF4-FFF2-40B4-BE49-F238E27FC236}">
-                    <a16:creationId xmlns:a16="http://schemas.microsoft.com/office/drawing/2014/main" id="{D40E30CE-72D9-6946-9F62-6EFBD543E6F6}"/>
+                    <a16:creationId xmlns:a16="http://schemas.microsoft.com/office/drawing/2014/main" id="{2B5027FD-93C0-CD46-BEA8-10827BB1161F}"/>
                   </a:ext>
                 </a:extLst>
               </p:cNvPr>
@@ -20051,10 +22983,10 @@
           </p:sp>
           <p:sp>
             <p:nvSpPr>
-              <p:cNvPr id="71" name="Rectangle 70">
+              <p:cNvPr id="111" name="Rectangle 110">
                 <a:extLst>
                   <a:ext uri="{FF2B5EF4-FFF2-40B4-BE49-F238E27FC236}">
-                    <a16:creationId xmlns:a16="http://schemas.microsoft.com/office/drawing/2014/main" id="{4C696AC0-BF99-CA4F-A1BB-3F3C0BCD3029}"/>
+                    <a16:creationId xmlns:a16="http://schemas.microsoft.com/office/drawing/2014/main" id="{4114E666-79A5-074A-9135-AB2EFB2A3739}"/>
                   </a:ext>
                 </a:extLst>
               </p:cNvPr>
@@ -20100,10 +23032,10 @@
           </p:sp>
           <p:sp>
             <p:nvSpPr>
-              <p:cNvPr id="72" name="Rectangle 71">
+              <p:cNvPr id="112" name="Rectangle 111">
                 <a:extLst>
                   <a:ext uri="{FF2B5EF4-FFF2-40B4-BE49-F238E27FC236}">
-                    <a16:creationId xmlns:a16="http://schemas.microsoft.com/office/drawing/2014/main" id="{37B23E8E-8133-FC49-B774-B1E603DF366A}"/>
+                    <a16:creationId xmlns:a16="http://schemas.microsoft.com/office/drawing/2014/main" id="{B6376AA5-0445-5D47-B91E-17D61726213A}"/>
                   </a:ext>
                 </a:extLst>
               </p:cNvPr>
@@ -20149,10 +23081,10 @@
           </p:sp>
           <p:sp>
             <p:nvSpPr>
-              <p:cNvPr id="39" name="TextBox 38">
+              <p:cNvPr id="113" name="TextBox 112">
                 <a:extLst>
                   <a:ext uri="{FF2B5EF4-FFF2-40B4-BE49-F238E27FC236}">
-                    <a16:creationId xmlns:a16="http://schemas.microsoft.com/office/drawing/2014/main" id="{656C4E8F-262D-E54E-BDB3-0D57F7FBE3C1}"/>
+                    <a16:creationId xmlns:a16="http://schemas.microsoft.com/office/drawing/2014/main" id="{59B14DFD-2C1A-934B-80B5-D60E4FBF477E}"/>
                   </a:ext>
                 </a:extLst>
               </p:cNvPr>
@@ -20184,10 +23116,10 @@
           </p:sp>
           <p:sp>
             <p:nvSpPr>
-              <p:cNvPr id="73" name="TextBox 72">
+              <p:cNvPr id="114" name="TextBox 113">
                 <a:extLst>
                   <a:ext uri="{FF2B5EF4-FFF2-40B4-BE49-F238E27FC236}">
-                    <a16:creationId xmlns:a16="http://schemas.microsoft.com/office/drawing/2014/main" id="{F9AD7BAA-68AB-214A-B22D-67ADC84FA778}"/>
+                    <a16:creationId xmlns:a16="http://schemas.microsoft.com/office/drawing/2014/main" id="{BA29AB15-BB82-6043-B0AE-EF21368886ED}"/>
                   </a:ext>
                 </a:extLst>
               </p:cNvPr>
@@ -20219,10 +23151,10 @@
           </p:sp>
           <p:sp>
             <p:nvSpPr>
-              <p:cNvPr id="75" name="TextBox 74">
+              <p:cNvPr id="115" name="TextBox 114">
                 <a:extLst>
                   <a:ext uri="{FF2B5EF4-FFF2-40B4-BE49-F238E27FC236}">
-                    <a16:creationId xmlns:a16="http://schemas.microsoft.com/office/drawing/2014/main" id="{176B92AA-41F3-144C-8884-A3970AABF858}"/>
+                    <a16:creationId xmlns:a16="http://schemas.microsoft.com/office/drawing/2014/main" id="{BD4B1FB4-7EF1-E44B-94E0-BB539B557CD1}"/>
                   </a:ext>
                 </a:extLst>
               </p:cNvPr>
@@ -20254,10 +23186,10 @@
           </p:sp>
           <p:sp>
             <p:nvSpPr>
-              <p:cNvPr id="76" name="TextBox 75">
+              <p:cNvPr id="116" name="TextBox 115">
                 <a:extLst>
                   <a:ext uri="{FF2B5EF4-FFF2-40B4-BE49-F238E27FC236}">
-                    <a16:creationId xmlns:a16="http://schemas.microsoft.com/office/drawing/2014/main" id="{1D0AEC00-696F-C941-A7CE-F4FAC90FDE11}"/>
+                    <a16:creationId xmlns:a16="http://schemas.microsoft.com/office/drawing/2014/main" id="{715D147F-2D90-9142-BAB1-78BB54EE3D00}"/>
                   </a:ext>
                 </a:extLst>
               </p:cNvPr>
@@ -20289,10 +23221,10 @@
           </p:sp>
           <p:sp>
             <p:nvSpPr>
-              <p:cNvPr id="77" name="Rectangle 76">
+              <p:cNvPr id="117" name="Rectangle 116">
                 <a:extLst>
                   <a:ext uri="{FF2B5EF4-FFF2-40B4-BE49-F238E27FC236}">
-                    <a16:creationId xmlns:a16="http://schemas.microsoft.com/office/drawing/2014/main" id="{CF512852-94C6-7F4F-B80B-A31338D6CCFB}"/>
+                    <a16:creationId xmlns:a16="http://schemas.microsoft.com/office/drawing/2014/main" id="{A4D15609-941E-E94C-93FC-FDE8F6FFDA94}"/>
                   </a:ext>
                 </a:extLst>
               </p:cNvPr>
@@ -20338,10 +23270,10 @@
           </p:sp>
           <p:sp>
             <p:nvSpPr>
-              <p:cNvPr id="78" name="Rectangle 77">
+              <p:cNvPr id="118" name="Rectangle 117">
                 <a:extLst>
                   <a:ext uri="{FF2B5EF4-FFF2-40B4-BE49-F238E27FC236}">
-                    <a16:creationId xmlns:a16="http://schemas.microsoft.com/office/drawing/2014/main" id="{0118EFA2-976B-C447-B038-DAB8A436B243}"/>
+                    <a16:creationId xmlns:a16="http://schemas.microsoft.com/office/drawing/2014/main" id="{EFBA4D9B-F4AB-124B-9402-90F2DE26A966}"/>
                   </a:ext>
                 </a:extLst>
               </p:cNvPr>
@@ -20387,10 +23319,10 @@
           </p:sp>
           <p:sp>
             <p:nvSpPr>
-              <p:cNvPr id="79" name="Rectangle 78">
+              <p:cNvPr id="119" name="Rectangle 118">
                 <a:extLst>
                   <a:ext uri="{FF2B5EF4-FFF2-40B4-BE49-F238E27FC236}">
-                    <a16:creationId xmlns:a16="http://schemas.microsoft.com/office/drawing/2014/main" id="{16AF76CE-2B1C-CB4D-8768-A3B592A6F8F5}"/>
+                    <a16:creationId xmlns:a16="http://schemas.microsoft.com/office/drawing/2014/main" id="{349C67F1-7CD5-E046-8F92-D2F828BA616A}"/>
                   </a:ext>
                 </a:extLst>
               </p:cNvPr>
@@ -20436,10 +23368,10 @@
           </p:sp>
           <p:sp>
             <p:nvSpPr>
-              <p:cNvPr id="80" name="Rectangle 79">
+              <p:cNvPr id="120" name="Rectangle 119">
                 <a:extLst>
                   <a:ext uri="{FF2B5EF4-FFF2-40B4-BE49-F238E27FC236}">
-                    <a16:creationId xmlns:a16="http://schemas.microsoft.com/office/drawing/2014/main" id="{DABA1D17-CE26-EC48-9517-67446AAA333A}"/>
+                    <a16:creationId xmlns:a16="http://schemas.microsoft.com/office/drawing/2014/main" id="{BCDE0701-D1BF-9641-BC53-3CD988830BD9}"/>
                   </a:ext>
                 </a:extLst>
               </p:cNvPr>
@@ -20485,10 +23417,10 @@
           </p:sp>
           <p:sp>
             <p:nvSpPr>
-              <p:cNvPr id="81" name="TextBox 80">
+              <p:cNvPr id="121" name="TextBox 120">
                 <a:extLst>
                   <a:ext uri="{FF2B5EF4-FFF2-40B4-BE49-F238E27FC236}">
-                    <a16:creationId xmlns:a16="http://schemas.microsoft.com/office/drawing/2014/main" id="{B3783C10-8A33-1C48-AA63-C8328058D465}"/>
+                    <a16:creationId xmlns:a16="http://schemas.microsoft.com/office/drawing/2014/main" id="{36D81756-F05E-4244-9261-0FB1E1F1BA91}"/>
                   </a:ext>
                 </a:extLst>
               </p:cNvPr>
@@ -20520,10 +23452,10 @@
           </p:sp>
           <p:sp>
             <p:nvSpPr>
-              <p:cNvPr id="82" name="TextBox 81">
+              <p:cNvPr id="122" name="TextBox 121">
                 <a:extLst>
                   <a:ext uri="{FF2B5EF4-FFF2-40B4-BE49-F238E27FC236}">
-                    <a16:creationId xmlns:a16="http://schemas.microsoft.com/office/drawing/2014/main" id="{261F1B69-40CD-3342-B632-CAABB5032157}"/>
+                    <a16:creationId xmlns:a16="http://schemas.microsoft.com/office/drawing/2014/main" id="{F163A185-6169-9D4E-B92B-18AB35A2FAD8}"/>
                   </a:ext>
                 </a:extLst>
               </p:cNvPr>
@@ -20555,10 +23487,10 @@
           </p:sp>
           <p:sp>
             <p:nvSpPr>
-              <p:cNvPr id="83" name="TextBox 82">
+              <p:cNvPr id="123" name="TextBox 122">
                 <a:extLst>
                   <a:ext uri="{FF2B5EF4-FFF2-40B4-BE49-F238E27FC236}">
-                    <a16:creationId xmlns:a16="http://schemas.microsoft.com/office/drawing/2014/main" id="{D22B94C4-6E34-524D-823B-095228DF5CC3}"/>
+                    <a16:creationId xmlns:a16="http://schemas.microsoft.com/office/drawing/2014/main" id="{59C71323-B58D-4F40-A60C-F1EF19EA7FA9}"/>
                   </a:ext>
                 </a:extLst>
               </p:cNvPr>
@@ -20590,10 +23522,10 @@
           </p:sp>
           <p:sp>
             <p:nvSpPr>
-              <p:cNvPr id="84" name="TextBox 83">
+              <p:cNvPr id="124" name="TextBox 123">
                 <a:extLst>
                   <a:ext uri="{FF2B5EF4-FFF2-40B4-BE49-F238E27FC236}">
-                    <a16:creationId xmlns:a16="http://schemas.microsoft.com/office/drawing/2014/main" id="{85D3FBA8-B06D-2540-A2D4-A60504DFA663}"/>
+                    <a16:creationId xmlns:a16="http://schemas.microsoft.com/office/drawing/2014/main" id="{D7D9F95F-5CBD-4544-8DBF-3A9323CA8B85}"/>
                   </a:ext>
                 </a:extLst>
               </p:cNvPr>
@@ -20625,10 +23557,10 @@
           </p:sp>
           <p:sp>
             <p:nvSpPr>
-              <p:cNvPr id="85" name="Rectangle 84">
+              <p:cNvPr id="125" name="Rectangle 124">
                 <a:extLst>
                   <a:ext uri="{FF2B5EF4-FFF2-40B4-BE49-F238E27FC236}">
-                    <a16:creationId xmlns:a16="http://schemas.microsoft.com/office/drawing/2014/main" id="{40389188-F3CB-EC43-AD72-297A60064596}"/>
+                    <a16:creationId xmlns:a16="http://schemas.microsoft.com/office/drawing/2014/main" id="{5A99C761-9FB9-C749-B054-8CB08BB5A27A}"/>
                   </a:ext>
                 </a:extLst>
               </p:cNvPr>
@@ -20674,10 +23606,10 @@
           </p:sp>
           <p:sp>
             <p:nvSpPr>
-              <p:cNvPr id="86" name="Rectangle 85">
+              <p:cNvPr id="126" name="Rectangle 125">
                 <a:extLst>
                   <a:ext uri="{FF2B5EF4-FFF2-40B4-BE49-F238E27FC236}">
-                    <a16:creationId xmlns:a16="http://schemas.microsoft.com/office/drawing/2014/main" id="{E1D7198F-C213-F64B-964F-4A1B246E073E}"/>
+                    <a16:creationId xmlns:a16="http://schemas.microsoft.com/office/drawing/2014/main" id="{A40D3327-54C4-B64C-A581-5A8DFE4B614E}"/>
                   </a:ext>
                 </a:extLst>
               </p:cNvPr>
@@ -20723,10 +23655,10 @@
           </p:sp>
           <p:sp>
             <p:nvSpPr>
-              <p:cNvPr id="87" name="Rectangle 86">
+              <p:cNvPr id="127" name="Rectangle 126">
                 <a:extLst>
                   <a:ext uri="{FF2B5EF4-FFF2-40B4-BE49-F238E27FC236}">
-                    <a16:creationId xmlns:a16="http://schemas.microsoft.com/office/drawing/2014/main" id="{AC4C1F42-FA8E-FE44-95DC-B726ACAF003E}"/>
+                    <a16:creationId xmlns:a16="http://schemas.microsoft.com/office/drawing/2014/main" id="{D3BF8702-74A5-E54B-9382-EEBDF025C125}"/>
                   </a:ext>
                 </a:extLst>
               </p:cNvPr>
@@ -20772,10 +23704,10 @@
           </p:sp>
           <p:sp>
             <p:nvSpPr>
-              <p:cNvPr id="88" name="Rectangle 87">
+              <p:cNvPr id="128" name="Rectangle 127">
                 <a:extLst>
                   <a:ext uri="{FF2B5EF4-FFF2-40B4-BE49-F238E27FC236}">
-                    <a16:creationId xmlns:a16="http://schemas.microsoft.com/office/drawing/2014/main" id="{124793A6-C533-4E4D-BB7C-49C21ED88935}"/>
+                    <a16:creationId xmlns:a16="http://schemas.microsoft.com/office/drawing/2014/main" id="{5C3919F8-656A-A941-B619-8922C53466D4}"/>
                   </a:ext>
                 </a:extLst>
               </p:cNvPr>
@@ -20821,10 +23753,10 @@
           </p:sp>
           <p:sp>
             <p:nvSpPr>
-              <p:cNvPr id="89" name="TextBox 88">
+              <p:cNvPr id="129" name="TextBox 128">
                 <a:extLst>
                   <a:ext uri="{FF2B5EF4-FFF2-40B4-BE49-F238E27FC236}">
-                    <a16:creationId xmlns:a16="http://schemas.microsoft.com/office/drawing/2014/main" id="{EB6FCBAC-C0CF-D64E-A671-3F011F939C22}"/>
+                    <a16:creationId xmlns:a16="http://schemas.microsoft.com/office/drawing/2014/main" id="{AFC110AE-9CB1-AC42-B3BD-C8CFF6A9A230}"/>
                   </a:ext>
                 </a:extLst>
               </p:cNvPr>
@@ -20856,10 +23788,10 @@
           </p:sp>
           <p:sp>
             <p:nvSpPr>
-              <p:cNvPr id="90" name="TextBox 89">
+              <p:cNvPr id="130" name="TextBox 129">
                 <a:extLst>
                   <a:ext uri="{FF2B5EF4-FFF2-40B4-BE49-F238E27FC236}">
-                    <a16:creationId xmlns:a16="http://schemas.microsoft.com/office/drawing/2014/main" id="{F3D0C314-28A6-AD45-87F9-18931A20EB2F}"/>
+                    <a16:creationId xmlns:a16="http://schemas.microsoft.com/office/drawing/2014/main" id="{6ED92F48-3EA4-074E-B6B1-703476C83701}"/>
                   </a:ext>
                 </a:extLst>
               </p:cNvPr>
@@ -20891,10 +23823,10 @@
           </p:sp>
           <p:sp>
             <p:nvSpPr>
-              <p:cNvPr id="91" name="TextBox 90">
+              <p:cNvPr id="131" name="TextBox 130">
                 <a:extLst>
                   <a:ext uri="{FF2B5EF4-FFF2-40B4-BE49-F238E27FC236}">
-                    <a16:creationId xmlns:a16="http://schemas.microsoft.com/office/drawing/2014/main" id="{64569688-E980-894B-A885-06A334DBCB60}"/>
+                    <a16:creationId xmlns:a16="http://schemas.microsoft.com/office/drawing/2014/main" id="{15A6BF4B-4773-2E45-A4D0-30465F8AF425}"/>
                   </a:ext>
                 </a:extLst>
               </p:cNvPr>
@@ -20926,10 +23858,10 @@
           </p:sp>
           <p:sp>
             <p:nvSpPr>
-              <p:cNvPr id="92" name="TextBox 91">
+              <p:cNvPr id="132" name="TextBox 131">
                 <a:extLst>
                   <a:ext uri="{FF2B5EF4-FFF2-40B4-BE49-F238E27FC236}">
-                    <a16:creationId xmlns:a16="http://schemas.microsoft.com/office/drawing/2014/main" id="{8F558DB5-D009-0D4C-9956-E006C964BAB9}"/>
+                    <a16:creationId xmlns:a16="http://schemas.microsoft.com/office/drawing/2014/main" id="{8B6CC2A9-55AC-2246-AA5A-384B2B237E01}"/>
                   </a:ext>
                 </a:extLst>
               </p:cNvPr>
@@ -20961,10 +23893,10 @@
           </p:sp>
           <p:sp>
             <p:nvSpPr>
-              <p:cNvPr id="93" name="Rectangle 92">
+              <p:cNvPr id="133" name="Rectangle 132">
                 <a:extLst>
                   <a:ext uri="{FF2B5EF4-FFF2-40B4-BE49-F238E27FC236}">
-                    <a16:creationId xmlns:a16="http://schemas.microsoft.com/office/drawing/2014/main" id="{4BA1D58A-2F7C-684F-9CE9-6982A69D8636}"/>
+                    <a16:creationId xmlns:a16="http://schemas.microsoft.com/office/drawing/2014/main" id="{B99C3A55-7BA2-1B48-A5B8-5D21980F352F}"/>
                   </a:ext>
                 </a:extLst>
               </p:cNvPr>
@@ -21010,10 +23942,10 @@
           </p:sp>
           <p:sp>
             <p:nvSpPr>
-              <p:cNvPr id="94" name="Rectangle 93">
+              <p:cNvPr id="134" name="Rectangle 133">
                 <a:extLst>
                   <a:ext uri="{FF2B5EF4-FFF2-40B4-BE49-F238E27FC236}">
-                    <a16:creationId xmlns:a16="http://schemas.microsoft.com/office/drawing/2014/main" id="{0B0BC219-AB56-414E-A48A-C9EC33904CF4}"/>
+                    <a16:creationId xmlns:a16="http://schemas.microsoft.com/office/drawing/2014/main" id="{183931A6-7876-934F-BC5D-CAE1169AC6C8}"/>
                   </a:ext>
                 </a:extLst>
               </p:cNvPr>
@@ -21059,10 +23991,10 @@
           </p:sp>
           <p:sp>
             <p:nvSpPr>
-              <p:cNvPr id="95" name="Rectangle 94">
+              <p:cNvPr id="135" name="Rectangle 134">
                 <a:extLst>
                   <a:ext uri="{FF2B5EF4-FFF2-40B4-BE49-F238E27FC236}">
-                    <a16:creationId xmlns:a16="http://schemas.microsoft.com/office/drawing/2014/main" id="{1EF19B71-DEDD-DB4E-887E-4291F42DECF0}"/>
+                    <a16:creationId xmlns:a16="http://schemas.microsoft.com/office/drawing/2014/main" id="{3DADC044-FD99-1C43-88C0-00FA28B4375E}"/>
                   </a:ext>
                 </a:extLst>
               </p:cNvPr>
@@ -21108,10 +24040,10 @@
           </p:sp>
           <p:sp>
             <p:nvSpPr>
-              <p:cNvPr id="96" name="Rectangle 95">
+              <p:cNvPr id="136" name="Rectangle 135">
                 <a:extLst>
                   <a:ext uri="{FF2B5EF4-FFF2-40B4-BE49-F238E27FC236}">
-                    <a16:creationId xmlns:a16="http://schemas.microsoft.com/office/drawing/2014/main" id="{3DC3FE65-2063-454B-8D07-B83AC735BBDD}"/>
+                    <a16:creationId xmlns:a16="http://schemas.microsoft.com/office/drawing/2014/main" id="{1118F629-7E52-6E44-AB5B-463B96899391}"/>
                   </a:ext>
                 </a:extLst>
               </p:cNvPr>
@@ -21157,10 +24089,10 @@
           </p:sp>
           <p:sp>
             <p:nvSpPr>
-              <p:cNvPr id="97" name="TextBox 96">
+              <p:cNvPr id="137" name="TextBox 136">
                 <a:extLst>
                   <a:ext uri="{FF2B5EF4-FFF2-40B4-BE49-F238E27FC236}">
-                    <a16:creationId xmlns:a16="http://schemas.microsoft.com/office/drawing/2014/main" id="{2E177FD8-7665-DD45-946B-95A069C9E57F}"/>
+                    <a16:creationId xmlns:a16="http://schemas.microsoft.com/office/drawing/2014/main" id="{2123D7CA-E796-AD4C-924E-4317A873520E}"/>
                   </a:ext>
                 </a:extLst>
               </p:cNvPr>
@@ -21192,10 +24124,10 @@
           </p:sp>
           <p:sp>
             <p:nvSpPr>
-              <p:cNvPr id="98" name="TextBox 97">
+              <p:cNvPr id="138" name="TextBox 137">
                 <a:extLst>
                   <a:ext uri="{FF2B5EF4-FFF2-40B4-BE49-F238E27FC236}">
-                    <a16:creationId xmlns:a16="http://schemas.microsoft.com/office/drawing/2014/main" id="{13FEF010-B253-9F40-B97A-CB7EC90DF1F0}"/>
+                    <a16:creationId xmlns:a16="http://schemas.microsoft.com/office/drawing/2014/main" id="{89F75387-CCEF-8E4F-B658-072F6467FA88}"/>
                   </a:ext>
                 </a:extLst>
               </p:cNvPr>
@@ -21227,10 +24159,10 @@
           </p:sp>
           <p:sp>
             <p:nvSpPr>
-              <p:cNvPr id="99" name="TextBox 98">
+              <p:cNvPr id="139" name="TextBox 138">
                 <a:extLst>
                   <a:ext uri="{FF2B5EF4-FFF2-40B4-BE49-F238E27FC236}">
-                    <a16:creationId xmlns:a16="http://schemas.microsoft.com/office/drawing/2014/main" id="{05D8BC77-CED7-5B49-B380-3351457EFFFF}"/>
+                    <a16:creationId xmlns:a16="http://schemas.microsoft.com/office/drawing/2014/main" id="{AED022D4-4EDD-1D4B-933A-5F0D1A47756C}"/>
                   </a:ext>
                 </a:extLst>
               </p:cNvPr>
@@ -21262,10 +24194,10 @@
           </p:sp>
           <p:sp>
             <p:nvSpPr>
-              <p:cNvPr id="100" name="TextBox 99">
+              <p:cNvPr id="140" name="TextBox 139">
                 <a:extLst>
                   <a:ext uri="{FF2B5EF4-FFF2-40B4-BE49-F238E27FC236}">
-                    <a16:creationId xmlns:a16="http://schemas.microsoft.com/office/drawing/2014/main" id="{01032BBB-F5C6-DE4B-9708-45854162CC29}"/>
+                    <a16:creationId xmlns:a16="http://schemas.microsoft.com/office/drawing/2014/main" id="{75F47707-E93A-DA4A-84FE-D2C37212E9FA}"/>
                   </a:ext>
                 </a:extLst>
               </p:cNvPr>
@@ -21298,10 +24230,10 @@
         </p:grpSp>
         <p:sp>
           <p:nvSpPr>
-            <p:cNvPr id="150" name="TextBox 149">
+            <p:cNvPr id="105" name="TextBox 104">
               <a:extLst>
                 <a:ext uri="{FF2B5EF4-FFF2-40B4-BE49-F238E27FC236}">
-                  <a16:creationId xmlns:a16="http://schemas.microsoft.com/office/drawing/2014/main" id="{BAC64C0D-F03F-B444-B37D-2B1C93526B08}"/>
+                  <a16:creationId xmlns:a16="http://schemas.microsoft.com/office/drawing/2014/main" id="{C8C91D43-9DD8-E44A-8FF6-62973B62E800}"/>
                 </a:ext>
               </a:extLst>
             </p:cNvPr>
@@ -21334,10 +24266,10 @@
         </p:sp>
         <p:sp>
           <p:nvSpPr>
-            <p:cNvPr id="151" name="Oval 150">
+            <p:cNvPr id="106" name="Oval 105">
               <a:extLst>
                 <a:ext uri="{FF2B5EF4-FFF2-40B4-BE49-F238E27FC236}">
-                  <a16:creationId xmlns:a16="http://schemas.microsoft.com/office/drawing/2014/main" id="{0DE27145-56E8-5145-8D04-3A9D735C7FF2}"/>
+                  <a16:creationId xmlns:a16="http://schemas.microsoft.com/office/drawing/2014/main" id="{12A2E4F2-20D3-D442-AAD8-921AC9045449}"/>
                 </a:ext>
               </a:extLst>
             </p:cNvPr>
@@ -21394,10 +24326,10 @@
         </p:sp>
         <p:sp>
           <p:nvSpPr>
-            <p:cNvPr id="152" name="Rectangle 151">
+            <p:cNvPr id="107" name="Rectangle 106">
               <a:extLst>
                 <a:ext uri="{FF2B5EF4-FFF2-40B4-BE49-F238E27FC236}">
-                  <a16:creationId xmlns:a16="http://schemas.microsoft.com/office/drawing/2014/main" id="{CD454EBD-224F-F249-9AEF-F5F571DDA32F}"/>
+                  <a16:creationId xmlns:a16="http://schemas.microsoft.com/office/drawing/2014/main" id="{1EFBFADC-8159-CB45-B038-6092513212B7}"/>
                 </a:ext>
               </a:extLst>
             </p:cNvPr>
@@ -21446,10 +24378,10 @@
         </p:sp>
         <p:cxnSp>
           <p:nvCxnSpPr>
-            <p:cNvPr id="154" name="Straight Connector 153">
+            <p:cNvPr id="108" name="Straight Connector 107">
               <a:extLst>
                 <a:ext uri="{FF2B5EF4-FFF2-40B4-BE49-F238E27FC236}">
-                  <a16:creationId xmlns:a16="http://schemas.microsoft.com/office/drawing/2014/main" id="{0696EB16-EC01-2345-9C49-6D6287E9FA2A}"/>
+                  <a16:creationId xmlns:a16="http://schemas.microsoft.com/office/drawing/2014/main" id="{F05AC361-03CC-D148-ABBF-5ECFAAD6C950}"/>
                 </a:ext>
               </a:extLst>
             </p:cNvPr>
@@ -21488,2826 +24420,10 @@
           </p:style>
         </p:cxnSp>
       </p:grpSp>
-      <p:grpSp>
-        <p:nvGrpSpPr>
-          <p:cNvPr id="61" name="Group 60">
-            <a:extLst>
-              <a:ext uri="{FF2B5EF4-FFF2-40B4-BE49-F238E27FC236}">
-                <a16:creationId xmlns:a16="http://schemas.microsoft.com/office/drawing/2014/main" id="{07F00DF2-2708-6345-BDDE-784C1AF19E51}"/>
-              </a:ext>
-            </a:extLst>
-          </p:cNvPr>
-          <p:cNvGrpSpPr/>
-          <p:nvPr/>
-        </p:nvGrpSpPr>
-        <p:grpSpPr>
-          <a:xfrm>
-            <a:off x="5762367" y="727002"/>
-            <a:ext cx="5556883" cy="5177073"/>
-            <a:chOff x="5153126" y="748834"/>
-            <a:chExt cx="5556883" cy="5177073"/>
-          </a:xfrm>
-        </p:grpSpPr>
-        <p:grpSp>
-          <p:nvGrpSpPr>
-            <p:cNvPr id="48" name="Group 47">
-              <a:extLst>
-                <a:ext uri="{FF2B5EF4-FFF2-40B4-BE49-F238E27FC236}">
-                  <a16:creationId xmlns:a16="http://schemas.microsoft.com/office/drawing/2014/main" id="{08765087-4529-9243-853B-1B6B298A34E0}"/>
-                </a:ext>
-              </a:extLst>
-            </p:cNvPr>
-            <p:cNvGrpSpPr/>
-            <p:nvPr/>
-          </p:nvGrpSpPr>
-          <p:grpSpPr>
-            <a:xfrm>
-              <a:off x="5178899" y="748834"/>
-              <a:ext cx="5531110" cy="5177073"/>
-              <a:chOff x="2419445" y="1175903"/>
-              <a:chExt cx="5531110" cy="5177073"/>
-            </a:xfrm>
-          </p:grpSpPr>
-          <p:grpSp>
-            <p:nvGrpSpPr>
-              <p:cNvPr id="45" name="Group 44">
-                <a:extLst>
-                  <a:ext uri="{FF2B5EF4-FFF2-40B4-BE49-F238E27FC236}">
-                    <a16:creationId xmlns:a16="http://schemas.microsoft.com/office/drawing/2014/main" id="{4B70F0F0-CF3F-6644-8E03-27DEB174A36B}"/>
-                  </a:ext>
-                </a:extLst>
-              </p:cNvPr>
-              <p:cNvGrpSpPr/>
-              <p:nvPr/>
-            </p:nvGrpSpPr>
-            <p:grpSpPr>
-              <a:xfrm>
-                <a:off x="2419445" y="1175903"/>
-                <a:ext cx="4869628" cy="5177073"/>
-                <a:chOff x="2419445" y="1175903"/>
-                <a:chExt cx="4869628" cy="5177073"/>
-              </a:xfrm>
-            </p:grpSpPr>
-            <p:grpSp>
-              <p:nvGrpSpPr>
-                <p:cNvPr id="32" name="Group 31">
-                  <a:extLst>
-                    <a:ext uri="{FF2B5EF4-FFF2-40B4-BE49-F238E27FC236}">
-                      <a16:creationId xmlns:a16="http://schemas.microsoft.com/office/drawing/2014/main" id="{D84A29CC-BACE-BB49-9446-1B030AEBDC91}"/>
-                    </a:ext>
-                  </a:extLst>
-                </p:cNvPr>
-                <p:cNvGrpSpPr/>
-                <p:nvPr/>
-              </p:nvGrpSpPr>
-              <p:grpSpPr>
-                <a:xfrm>
-                  <a:off x="3177759" y="1175903"/>
-                  <a:ext cx="3078447" cy="5177073"/>
-                  <a:chOff x="850196" y="1135836"/>
-                  <a:chExt cx="3078447" cy="5177073"/>
-                </a:xfrm>
-              </p:grpSpPr>
-              <p:grpSp>
-                <p:nvGrpSpPr>
-                  <p:cNvPr id="30" name="Group 29">
-                    <a:extLst>
-                      <a:ext uri="{FF2B5EF4-FFF2-40B4-BE49-F238E27FC236}">
-                        <a16:creationId xmlns:a16="http://schemas.microsoft.com/office/drawing/2014/main" id="{160BD7D1-5ABA-114C-A0AF-CB603648744F}"/>
-                      </a:ext>
-                    </a:extLst>
-                  </p:cNvPr>
-                  <p:cNvGrpSpPr/>
-                  <p:nvPr/>
-                </p:nvGrpSpPr>
-                <p:grpSpPr>
-                  <a:xfrm>
-                    <a:off x="1659953" y="1135836"/>
-                    <a:ext cx="2268690" cy="5177073"/>
-                    <a:chOff x="2854908" y="1095769"/>
-                    <a:chExt cx="2268690" cy="5177073"/>
-                  </a:xfrm>
-                </p:grpSpPr>
-                <p:grpSp>
-                  <p:nvGrpSpPr>
-                    <p:cNvPr id="13" name="Group 12">
-                      <a:extLst>
-                        <a:ext uri="{FF2B5EF4-FFF2-40B4-BE49-F238E27FC236}">
-                          <a16:creationId xmlns:a16="http://schemas.microsoft.com/office/drawing/2014/main" id="{156CF6C1-0BC1-384B-ADD6-0D3C772902F5}"/>
-                        </a:ext>
-                      </a:extLst>
-                    </p:cNvPr>
-                    <p:cNvGrpSpPr/>
-                    <p:nvPr/>
-                  </p:nvGrpSpPr>
-                  <p:grpSpPr>
-                    <a:xfrm>
-                      <a:off x="2854908" y="1095769"/>
-                      <a:ext cx="2268690" cy="5177073"/>
-                      <a:chOff x="2854908" y="1095769"/>
-                      <a:chExt cx="2268690" cy="5177073"/>
-                    </a:xfrm>
-                  </p:grpSpPr>
-                  <p:sp>
-                    <p:nvSpPr>
-                      <p:cNvPr id="4" name="Rectangle 3">
-                        <a:extLst>
-                          <a:ext uri="{FF2B5EF4-FFF2-40B4-BE49-F238E27FC236}">
-                            <a16:creationId xmlns:a16="http://schemas.microsoft.com/office/drawing/2014/main" id="{162A526B-682F-264E-9D85-EEBA426C8132}"/>
-                          </a:ext>
-                        </a:extLst>
-                      </p:cNvPr>
-                      <p:cNvSpPr/>
-                      <p:nvPr/>
-                    </p:nvSpPr>
-                    <p:spPr>
-                      <a:xfrm>
-                        <a:off x="2897189" y="1402772"/>
-                        <a:ext cx="2183966" cy="290945"/>
-                      </a:xfrm>
-                      <a:prstGeom prst="rect">
-                        <a:avLst/>
-                      </a:prstGeom>
-                      <a:solidFill>
-                        <a:srgbClr val="BCCDE7"/>
-                      </a:solidFill>
-                      <a:ln>
-                        <a:noFill/>
-                      </a:ln>
-                    </p:spPr>
-                    <p:style>
-                      <a:lnRef idx="2">
-                        <a:schemeClr val="accent1">
-                          <a:shade val="50000"/>
-                        </a:schemeClr>
-                      </a:lnRef>
-                      <a:fillRef idx="1">
-                        <a:schemeClr val="accent1"/>
-                      </a:fillRef>
-                      <a:effectRef idx="0">
-                        <a:schemeClr val="accent1"/>
-                      </a:effectRef>
-                      <a:fontRef idx="minor">
-                        <a:schemeClr val="lt1"/>
-                      </a:fontRef>
-                    </p:style>
-                    <p:txBody>
-                      <a:bodyPr rtlCol="0" anchor="ctr"/>
-                      <a:lstStyle/>
-                      <a:p>
-                        <a:pPr algn="ctr"/>
-                        <a:endParaRPr lang="en-US"/>
-                      </a:p>
-                    </p:txBody>
-                  </p:sp>
-                  <p:sp>
-                    <p:nvSpPr>
-                      <p:cNvPr id="6" name="Rectangle 5">
-                        <a:extLst>
-                          <a:ext uri="{FF2B5EF4-FFF2-40B4-BE49-F238E27FC236}">
-                            <a16:creationId xmlns:a16="http://schemas.microsoft.com/office/drawing/2014/main" id="{42F487B7-CA62-B74D-9C7C-62D9165D2EE5}"/>
-                          </a:ext>
-                        </a:extLst>
-                      </p:cNvPr>
-                      <p:cNvSpPr/>
-                      <p:nvPr/>
-                    </p:nvSpPr>
-                    <p:spPr>
-                      <a:xfrm>
-                        <a:off x="2897189" y="2000044"/>
-                        <a:ext cx="2183966" cy="290945"/>
-                      </a:xfrm>
-                      <a:prstGeom prst="rect">
-                        <a:avLst/>
-                      </a:prstGeom>
-                      <a:solidFill>
-                        <a:srgbClr val="BCCDE7"/>
-                      </a:solidFill>
-                      <a:ln>
-                        <a:noFill/>
-                      </a:ln>
-                    </p:spPr>
-                    <p:style>
-                      <a:lnRef idx="2">
-                        <a:schemeClr val="accent1">
-                          <a:shade val="50000"/>
-                        </a:schemeClr>
-                      </a:lnRef>
-                      <a:fillRef idx="1">
-                        <a:schemeClr val="accent1"/>
-                      </a:fillRef>
-                      <a:effectRef idx="0">
-                        <a:schemeClr val="accent1"/>
-                      </a:effectRef>
-                      <a:fontRef idx="minor">
-                        <a:schemeClr val="lt1"/>
-                      </a:fontRef>
-                    </p:style>
-                    <p:txBody>
-                      <a:bodyPr rtlCol="0" anchor="ctr"/>
-                      <a:lstStyle/>
-                      <a:p>
-                        <a:pPr algn="ctr"/>
-                        <a:endParaRPr lang="en-US"/>
-                      </a:p>
-                    </p:txBody>
-                  </p:sp>
-                  <p:sp>
-                    <p:nvSpPr>
-                      <p:cNvPr id="7" name="Rectangle 6">
-                        <a:extLst>
-                          <a:ext uri="{FF2B5EF4-FFF2-40B4-BE49-F238E27FC236}">
-                            <a16:creationId xmlns:a16="http://schemas.microsoft.com/office/drawing/2014/main" id="{1A4B9C2C-8D3D-C045-A3A2-E36A31BC7856}"/>
-                          </a:ext>
-                        </a:extLst>
-                      </p:cNvPr>
-                      <p:cNvSpPr/>
-                      <p:nvPr/>
-                    </p:nvSpPr>
-                    <p:spPr>
-                      <a:xfrm>
-                        <a:off x="2905705" y="2560741"/>
-                        <a:ext cx="2183966" cy="290945"/>
-                      </a:xfrm>
-                      <a:prstGeom prst="rect">
-                        <a:avLst/>
-                      </a:prstGeom>
-                      <a:solidFill>
-                        <a:srgbClr val="BCCDE7"/>
-                      </a:solidFill>
-                      <a:ln>
-                        <a:noFill/>
-                      </a:ln>
-                    </p:spPr>
-                    <p:style>
-                      <a:lnRef idx="2">
-                        <a:schemeClr val="accent1">
-                          <a:shade val="50000"/>
-                        </a:schemeClr>
-                      </a:lnRef>
-                      <a:fillRef idx="1">
-                        <a:schemeClr val="accent1"/>
-                      </a:fillRef>
-                      <a:effectRef idx="0">
-                        <a:schemeClr val="accent1"/>
-                      </a:effectRef>
-                      <a:fontRef idx="minor">
-                        <a:schemeClr val="lt1"/>
-                      </a:fontRef>
-                    </p:style>
-                    <p:txBody>
-                      <a:bodyPr rtlCol="0" anchor="ctr"/>
-                      <a:lstStyle/>
-                      <a:p>
-                        <a:pPr algn="ctr"/>
-                        <a:endParaRPr lang="en-US"/>
-                      </a:p>
-                    </p:txBody>
-                  </p:sp>
-                  <p:sp>
-                    <p:nvSpPr>
-                      <p:cNvPr id="8" name="Rectangle 7">
-                        <a:extLst>
-                          <a:ext uri="{FF2B5EF4-FFF2-40B4-BE49-F238E27FC236}">
-                            <a16:creationId xmlns:a16="http://schemas.microsoft.com/office/drawing/2014/main" id="{884185DB-77B5-4144-B793-709ADF81C0BF}"/>
-                          </a:ext>
-                        </a:extLst>
-                      </p:cNvPr>
-                      <p:cNvSpPr/>
-                      <p:nvPr/>
-                    </p:nvSpPr>
-                    <p:spPr>
-                      <a:xfrm>
-                        <a:off x="2905705" y="3158013"/>
-                        <a:ext cx="2183966" cy="290945"/>
-                      </a:xfrm>
-                      <a:prstGeom prst="rect">
-                        <a:avLst/>
-                      </a:prstGeom>
-                      <a:solidFill>
-                        <a:srgbClr val="BCCDE7"/>
-                      </a:solidFill>
-                      <a:ln>
-                        <a:noFill/>
-                      </a:ln>
-                    </p:spPr>
-                    <p:style>
-                      <a:lnRef idx="2">
-                        <a:schemeClr val="accent1">
-                          <a:shade val="50000"/>
-                        </a:schemeClr>
-                      </a:lnRef>
-                      <a:fillRef idx="1">
-                        <a:schemeClr val="accent1"/>
-                      </a:fillRef>
-                      <a:effectRef idx="0">
-                        <a:schemeClr val="accent1"/>
-                      </a:effectRef>
-                      <a:fontRef idx="minor">
-                        <a:schemeClr val="lt1"/>
-                      </a:fontRef>
-                    </p:style>
-                    <p:txBody>
-                      <a:bodyPr rtlCol="0" anchor="ctr"/>
-                      <a:lstStyle/>
-                      <a:p>
-                        <a:pPr algn="ctr"/>
-                        <a:endParaRPr lang="en-US"/>
-                      </a:p>
-                    </p:txBody>
-                  </p:sp>
-                  <p:sp>
-                    <p:nvSpPr>
-                      <p:cNvPr id="9" name="Rectangle 8">
-                        <a:extLst>
-                          <a:ext uri="{FF2B5EF4-FFF2-40B4-BE49-F238E27FC236}">
-                            <a16:creationId xmlns:a16="http://schemas.microsoft.com/office/drawing/2014/main" id="{7156B845-3269-7747-BB69-B99BB762D0F2}"/>
-                          </a:ext>
-                        </a:extLst>
-                      </p:cNvPr>
-                      <p:cNvSpPr/>
-                      <p:nvPr/>
-                    </p:nvSpPr>
-                    <p:spPr>
-                      <a:xfrm>
-                        <a:off x="2905705" y="3699817"/>
-                        <a:ext cx="2183966" cy="290945"/>
-                      </a:xfrm>
-                      <a:prstGeom prst="rect">
-                        <a:avLst/>
-                      </a:prstGeom>
-                      <a:solidFill>
-                        <a:srgbClr val="BCCDE7"/>
-                      </a:solidFill>
-                      <a:ln>
-                        <a:noFill/>
-                      </a:ln>
-                    </p:spPr>
-                    <p:style>
-                      <a:lnRef idx="2">
-                        <a:schemeClr val="accent1">
-                          <a:shade val="50000"/>
-                        </a:schemeClr>
-                      </a:lnRef>
-                      <a:fillRef idx="1">
-                        <a:schemeClr val="accent1"/>
-                      </a:fillRef>
-                      <a:effectRef idx="0">
-                        <a:schemeClr val="accent1"/>
-                      </a:effectRef>
-                      <a:fontRef idx="minor">
-                        <a:schemeClr val="lt1"/>
-                      </a:fontRef>
-                    </p:style>
-                    <p:txBody>
-                      <a:bodyPr rtlCol="0" anchor="ctr"/>
-                      <a:lstStyle/>
-                      <a:p>
-                        <a:pPr algn="ctr"/>
-                        <a:endParaRPr lang="en-US"/>
-                      </a:p>
-                    </p:txBody>
-                  </p:sp>
-                  <p:sp>
-                    <p:nvSpPr>
-                      <p:cNvPr id="10" name="Rectangle 9">
-                        <a:extLst>
-                          <a:ext uri="{FF2B5EF4-FFF2-40B4-BE49-F238E27FC236}">
-                            <a16:creationId xmlns:a16="http://schemas.microsoft.com/office/drawing/2014/main" id="{FB085937-9E2E-1041-AA75-20D3C9E34087}"/>
-                          </a:ext>
-                        </a:extLst>
-                      </p:cNvPr>
-                      <p:cNvSpPr/>
-                      <p:nvPr/>
-                    </p:nvSpPr>
-                    <p:spPr>
-                      <a:xfrm>
-                        <a:off x="2905705" y="4297089"/>
-                        <a:ext cx="2183966" cy="290945"/>
-                      </a:xfrm>
-                      <a:prstGeom prst="rect">
-                        <a:avLst/>
-                      </a:prstGeom>
-                      <a:solidFill>
-                        <a:srgbClr val="BCCDE7"/>
-                      </a:solidFill>
-                      <a:ln>
-                        <a:noFill/>
-                      </a:ln>
-                    </p:spPr>
-                    <p:style>
-                      <a:lnRef idx="2">
-                        <a:schemeClr val="accent1">
-                          <a:shade val="50000"/>
-                        </a:schemeClr>
-                      </a:lnRef>
-                      <a:fillRef idx="1">
-                        <a:schemeClr val="accent1"/>
-                      </a:fillRef>
-                      <a:effectRef idx="0">
-                        <a:schemeClr val="accent1"/>
-                      </a:effectRef>
-                      <a:fontRef idx="minor">
-                        <a:schemeClr val="lt1"/>
-                      </a:fontRef>
-                    </p:style>
-                    <p:txBody>
-                      <a:bodyPr rtlCol="0" anchor="ctr"/>
-                      <a:lstStyle/>
-                      <a:p>
-                        <a:pPr algn="ctr"/>
-                        <a:endParaRPr lang="en-US"/>
-                      </a:p>
-                    </p:txBody>
-                  </p:sp>
-                  <p:sp>
-                    <p:nvSpPr>
-                      <p:cNvPr id="11" name="Rectangle 10">
-                        <a:extLst>
-                          <a:ext uri="{FF2B5EF4-FFF2-40B4-BE49-F238E27FC236}">
-                            <a16:creationId xmlns:a16="http://schemas.microsoft.com/office/drawing/2014/main" id="{79C92C71-2C35-9E43-A348-E712BC7DBF19}"/>
-                          </a:ext>
-                        </a:extLst>
-                      </p:cNvPr>
-                      <p:cNvSpPr/>
-                      <p:nvPr/>
-                    </p:nvSpPr>
-                    <p:spPr>
-                      <a:xfrm>
-                        <a:off x="2897189" y="4846791"/>
-                        <a:ext cx="2183966" cy="290945"/>
-                      </a:xfrm>
-                      <a:prstGeom prst="rect">
-                        <a:avLst/>
-                      </a:prstGeom>
-                      <a:solidFill>
-                        <a:srgbClr val="BCCDE7"/>
-                      </a:solidFill>
-                      <a:ln>
-                        <a:noFill/>
-                      </a:ln>
-                    </p:spPr>
-                    <p:style>
-                      <a:lnRef idx="2">
-                        <a:schemeClr val="accent1">
-                          <a:shade val="50000"/>
-                        </a:schemeClr>
-                      </a:lnRef>
-                      <a:fillRef idx="1">
-                        <a:schemeClr val="accent1"/>
-                      </a:fillRef>
-                      <a:effectRef idx="0">
-                        <a:schemeClr val="accent1"/>
-                      </a:effectRef>
-                      <a:fontRef idx="minor">
-                        <a:schemeClr val="lt1"/>
-                      </a:fontRef>
-                    </p:style>
-                    <p:txBody>
-                      <a:bodyPr rtlCol="0" anchor="ctr"/>
-                      <a:lstStyle/>
-                      <a:p>
-                        <a:pPr algn="ctr"/>
-                        <a:endParaRPr lang="en-US"/>
-                      </a:p>
-                    </p:txBody>
-                  </p:sp>
-                  <p:sp>
-                    <p:nvSpPr>
-                      <p:cNvPr id="12" name="Rectangle 11">
-                        <a:extLst>
-                          <a:ext uri="{FF2B5EF4-FFF2-40B4-BE49-F238E27FC236}">
-                            <a16:creationId xmlns:a16="http://schemas.microsoft.com/office/drawing/2014/main" id="{419CB047-D3BA-C443-BF66-8CBF12A88B75}"/>
-                          </a:ext>
-                        </a:extLst>
-                      </p:cNvPr>
-                      <p:cNvSpPr/>
-                      <p:nvPr/>
-                    </p:nvSpPr>
-                    <p:spPr>
-                      <a:xfrm>
-                        <a:off x="2897189" y="5444063"/>
-                        <a:ext cx="2183966" cy="290945"/>
-                      </a:xfrm>
-                      <a:prstGeom prst="rect">
-                        <a:avLst/>
-                      </a:prstGeom>
-                      <a:solidFill>
-                        <a:srgbClr val="BCCDE7"/>
-                      </a:solidFill>
-                      <a:ln>
-                        <a:noFill/>
-                      </a:ln>
-                    </p:spPr>
-                    <p:style>
-                      <a:lnRef idx="2">
-                        <a:schemeClr val="accent1">
-                          <a:shade val="50000"/>
-                        </a:schemeClr>
-                      </a:lnRef>
-                      <a:fillRef idx="1">
-                        <a:schemeClr val="accent1"/>
-                      </a:fillRef>
-                      <a:effectRef idx="0">
-                        <a:schemeClr val="accent1"/>
-                      </a:effectRef>
-                      <a:fontRef idx="minor">
-                        <a:schemeClr val="lt1"/>
-                      </a:fontRef>
-                    </p:style>
-                    <p:txBody>
-                      <a:bodyPr rtlCol="0" anchor="ctr"/>
-                      <a:lstStyle/>
-                      <a:p>
-                        <a:pPr algn="ctr"/>
-                        <a:endParaRPr lang="en-US"/>
-                      </a:p>
-                    </p:txBody>
-                  </p:sp>
-                  <p:sp>
-                    <p:nvSpPr>
-                      <p:cNvPr id="5" name="TextBox 4">
-                        <a:extLst>
-                          <a:ext uri="{FF2B5EF4-FFF2-40B4-BE49-F238E27FC236}">
-                            <a16:creationId xmlns:a16="http://schemas.microsoft.com/office/drawing/2014/main" id="{F74D46F4-EA6F-C54B-AF82-844633E6F89A}"/>
-                          </a:ext>
-                        </a:extLst>
-                      </p:cNvPr>
-                      <p:cNvSpPr txBox="1"/>
-                      <p:nvPr/>
-                    </p:nvSpPr>
-                    <p:spPr>
-                      <a:xfrm>
-                        <a:off x="2858661" y="5444063"/>
-                        <a:ext cx="367408" cy="307777"/>
-                      </a:xfrm>
-                      <a:prstGeom prst="rect">
-                        <a:avLst/>
-                      </a:prstGeom>
-                      <a:solidFill>
-                        <a:srgbClr val="BCCDE7"/>
-                      </a:solidFill>
-                    </p:spPr>
-                    <p:txBody>
-                      <a:bodyPr wrap="none" rtlCol="0">
-                        <a:spAutoFit/>
-                      </a:bodyPr>
-                      <a:lstStyle/>
-                      <a:p>
-                        <a:r>
-                          <a:rPr lang="en-US" sz="1400" dirty="0"/>
-                          <a:t>16</a:t>
-                        </a:r>
-                        <a:endParaRPr lang="en-US" dirty="0"/>
-                      </a:p>
-                    </p:txBody>
-                  </p:sp>
-                  <p:sp>
-                    <p:nvSpPr>
-                      <p:cNvPr id="14" name="TextBox 13">
-                        <a:extLst>
-                          <a:ext uri="{FF2B5EF4-FFF2-40B4-BE49-F238E27FC236}">
-                            <a16:creationId xmlns:a16="http://schemas.microsoft.com/office/drawing/2014/main" id="{377E9EA6-4298-B044-B3A2-1DC7850E023C}"/>
-                          </a:ext>
-                        </a:extLst>
-                      </p:cNvPr>
-                      <p:cNvSpPr txBox="1"/>
-                      <p:nvPr/>
-                    </p:nvSpPr>
-                    <p:spPr>
-                      <a:xfrm>
-                        <a:off x="2858661" y="4838374"/>
-                        <a:ext cx="367408" cy="307777"/>
-                      </a:xfrm>
-                      <a:prstGeom prst="rect">
-                        <a:avLst/>
-                      </a:prstGeom>
-                      <a:solidFill>
-                        <a:srgbClr val="BCCDE7"/>
-                      </a:solidFill>
-                    </p:spPr>
-                    <p:txBody>
-                      <a:bodyPr wrap="none" rtlCol="0">
-                        <a:spAutoFit/>
-                      </a:bodyPr>
-                      <a:lstStyle/>
-                      <a:p>
-                        <a:r>
-                          <a:rPr lang="en-US" sz="1400" dirty="0"/>
-                          <a:t>15</a:t>
-                        </a:r>
-                        <a:endParaRPr lang="en-US" dirty="0"/>
-                      </a:p>
-                    </p:txBody>
-                  </p:sp>
-                  <p:sp>
-                    <p:nvSpPr>
-                      <p:cNvPr id="15" name="TextBox 14">
-                        <a:extLst>
-                          <a:ext uri="{FF2B5EF4-FFF2-40B4-BE49-F238E27FC236}">
-                            <a16:creationId xmlns:a16="http://schemas.microsoft.com/office/drawing/2014/main" id="{A6583B3D-8765-4D4D-AD74-534A853BE42D}"/>
-                          </a:ext>
-                        </a:extLst>
-                      </p:cNvPr>
-                      <p:cNvSpPr txBox="1"/>
-                      <p:nvPr/>
-                    </p:nvSpPr>
-                    <p:spPr>
-                      <a:xfrm>
-                        <a:off x="2858661" y="4276593"/>
-                        <a:ext cx="367408" cy="307777"/>
-                      </a:xfrm>
-                      <a:prstGeom prst="rect">
-                        <a:avLst/>
-                      </a:prstGeom>
-                      <a:solidFill>
-                        <a:srgbClr val="BCCDE7"/>
-                      </a:solidFill>
-                    </p:spPr>
-                    <p:txBody>
-                      <a:bodyPr wrap="none" rtlCol="0">
-                        <a:spAutoFit/>
-                      </a:bodyPr>
-                      <a:lstStyle/>
-                      <a:p>
-                        <a:r>
-                          <a:rPr lang="en-US" sz="1400" dirty="0"/>
-                          <a:t>14</a:t>
-                        </a:r>
-                        <a:endParaRPr lang="en-US" dirty="0"/>
-                      </a:p>
-                    </p:txBody>
-                  </p:sp>
-                  <p:sp>
-                    <p:nvSpPr>
-                      <p:cNvPr id="16" name="TextBox 15">
-                        <a:extLst>
-                          <a:ext uri="{FF2B5EF4-FFF2-40B4-BE49-F238E27FC236}">
-                            <a16:creationId xmlns:a16="http://schemas.microsoft.com/office/drawing/2014/main" id="{40EFBFB4-192E-984B-9586-ECD1701806B9}"/>
-                          </a:ext>
-                        </a:extLst>
-                      </p:cNvPr>
-                      <p:cNvSpPr txBox="1"/>
-                      <p:nvPr/>
-                    </p:nvSpPr>
-                    <p:spPr>
-                      <a:xfrm>
-                        <a:off x="2858661" y="3670904"/>
-                        <a:ext cx="367408" cy="307777"/>
-                      </a:xfrm>
-                      <a:prstGeom prst="rect">
-                        <a:avLst/>
-                      </a:prstGeom>
-                      <a:solidFill>
-                        <a:srgbClr val="BCCDE7"/>
-                      </a:solidFill>
-                    </p:spPr>
-                    <p:txBody>
-                      <a:bodyPr wrap="none" rtlCol="0">
-                        <a:spAutoFit/>
-                      </a:bodyPr>
-                      <a:lstStyle/>
-                      <a:p>
-                        <a:r>
-                          <a:rPr lang="en-US" sz="1400" dirty="0"/>
-                          <a:t>13</a:t>
-                        </a:r>
-                        <a:endParaRPr lang="en-US" dirty="0"/>
-                      </a:p>
-                    </p:txBody>
-                  </p:sp>
-                  <p:sp>
-                    <p:nvSpPr>
-                      <p:cNvPr id="17" name="TextBox 16">
-                        <a:extLst>
-                          <a:ext uri="{FF2B5EF4-FFF2-40B4-BE49-F238E27FC236}">
-                            <a16:creationId xmlns:a16="http://schemas.microsoft.com/office/drawing/2014/main" id="{C0A34CBC-4865-DF49-A0D7-FC369650FBD3}"/>
-                          </a:ext>
-                        </a:extLst>
-                      </p:cNvPr>
-                      <p:cNvSpPr txBox="1"/>
-                      <p:nvPr/>
-                    </p:nvSpPr>
-                    <p:spPr>
-                      <a:xfrm>
-                        <a:off x="2854909" y="3147622"/>
-                        <a:ext cx="367408" cy="307777"/>
-                      </a:xfrm>
-                      <a:prstGeom prst="rect">
-                        <a:avLst/>
-                      </a:prstGeom>
-                      <a:solidFill>
-                        <a:srgbClr val="BCCDE7"/>
-                      </a:solidFill>
-                    </p:spPr>
-                    <p:txBody>
-                      <a:bodyPr wrap="none" rtlCol="0">
-                        <a:spAutoFit/>
-                      </a:bodyPr>
-                      <a:lstStyle/>
-                      <a:p>
-                        <a:r>
-                          <a:rPr lang="en-US" sz="1400" dirty="0"/>
-                          <a:t>12</a:t>
-                        </a:r>
-                        <a:endParaRPr lang="en-US" dirty="0"/>
-                      </a:p>
-                    </p:txBody>
-                  </p:sp>
-                  <p:sp>
-                    <p:nvSpPr>
-                      <p:cNvPr id="18" name="TextBox 17">
-                        <a:extLst>
-                          <a:ext uri="{FF2B5EF4-FFF2-40B4-BE49-F238E27FC236}">
-                            <a16:creationId xmlns:a16="http://schemas.microsoft.com/office/drawing/2014/main" id="{574A1F26-3736-EE4F-83B1-E403411FA0D3}"/>
-                          </a:ext>
-                        </a:extLst>
-                      </p:cNvPr>
-                      <p:cNvSpPr txBox="1"/>
-                      <p:nvPr/>
-                    </p:nvSpPr>
-                    <p:spPr>
-                      <a:xfrm>
-                        <a:off x="2854909" y="2541933"/>
-                        <a:ext cx="367408" cy="307777"/>
-                      </a:xfrm>
-                      <a:prstGeom prst="rect">
-                        <a:avLst/>
-                      </a:prstGeom>
-                      <a:solidFill>
-                        <a:srgbClr val="BCCDE7"/>
-                      </a:solidFill>
-                    </p:spPr>
-                    <p:txBody>
-                      <a:bodyPr wrap="none" rtlCol="0">
-                        <a:spAutoFit/>
-                      </a:bodyPr>
-                      <a:lstStyle/>
-                      <a:p>
-                        <a:r>
-                          <a:rPr lang="en-US" sz="1400" dirty="0"/>
-                          <a:t>11</a:t>
-                        </a:r>
-                        <a:endParaRPr lang="en-US" dirty="0"/>
-                      </a:p>
-                    </p:txBody>
-                  </p:sp>
-                  <p:sp>
-                    <p:nvSpPr>
-                      <p:cNvPr id="19" name="TextBox 18">
-                        <a:extLst>
-                          <a:ext uri="{FF2B5EF4-FFF2-40B4-BE49-F238E27FC236}">
-                            <a16:creationId xmlns:a16="http://schemas.microsoft.com/office/drawing/2014/main" id="{5CC245CA-59BC-FF4A-B6CB-0716E4E294D7}"/>
-                          </a:ext>
-                        </a:extLst>
-                      </p:cNvPr>
-                      <p:cNvSpPr txBox="1"/>
-                      <p:nvPr/>
-                    </p:nvSpPr>
-                    <p:spPr>
-                      <a:xfrm>
-                        <a:off x="2854909" y="1980152"/>
-                        <a:ext cx="367408" cy="307777"/>
-                      </a:xfrm>
-                      <a:prstGeom prst="rect">
-                        <a:avLst/>
-                      </a:prstGeom>
-                      <a:solidFill>
-                        <a:srgbClr val="BCCDE7"/>
-                      </a:solidFill>
-                    </p:spPr>
-                    <p:txBody>
-                      <a:bodyPr wrap="none" rtlCol="0">
-                        <a:spAutoFit/>
-                      </a:bodyPr>
-                      <a:lstStyle/>
-                      <a:p>
-                        <a:r>
-                          <a:rPr lang="en-US" sz="1400" dirty="0"/>
-                          <a:t>10</a:t>
-                        </a:r>
-                        <a:endParaRPr lang="en-US" dirty="0"/>
-                      </a:p>
-                    </p:txBody>
-                  </p:sp>
-                  <p:sp>
-                    <p:nvSpPr>
-                      <p:cNvPr id="20" name="TextBox 19">
-                        <a:extLst>
-                          <a:ext uri="{FF2B5EF4-FFF2-40B4-BE49-F238E27FC236}">
-                            <a16:creationId xmlns:a16="http://schemas.microsoft.com/office/drawing/2014/main" id="{C1826819-9435-5441-B2FC-E04867D1F76D}"/>
-                          </a:ext>
-                        </a:extLst>
-                      </p:cNvPr>
-                      <p:cNvSpPr txBox="1"/>
-                      <p:nvPr/>
-                    </p:nvSpPr>
-                    <p:spPr>
-                      <a:xfrm>
-                        <a:off x="2854908" y="1374463"/>
-                        <a:ext cx="367408" cy="307777"/>
-                      </a:xfrm>
-                      <a:prstGeom prst="rect">
-                        <a:avLst/>
-                      </a:prstGeom>
-                      <a:solidFill>
-                        <a:srgbClr val="BCCDE7"/>
-                      </a:solidFill>
-                    </p:spPr>
-                    <p:txBody>
-                      <a:bodyPr wrap="square" rtlCol="0">
-                        <a:spAutoFit/>
-                      </a:bodyPr>
-                      <a:lstStyle/>
-                      <a:p>
-                        <a:pPr algn="ctr"/>
-                        <a:r>
-                          <a:rPr lang="en-US" sz="1400" dirty="0"/>
-                          <a:t>9</a:t>
-                        </a:r>
-                      </a:p>
-                    </p:txBody>
-                  </p:sp>
-                  <p:sp>
-                    <p:nvSpPr>
-                      <p:cNvPr id="21" name="TextBox 20">
-                        <a:extLst>
-                          <a:ext uri="{FF2B5EF4-FFF2-40B4-BE49-F238E27FC236}">
-                            <a16:creationId xmlns:a16="http://schemas.microsoft.com/office/drawing/2014/main" id="{70B56535-3F22-7949-94C2-70D9718AAB80}"/>
-                          </a:ext>
-                        </a:extLst>
-                      </p:cNvPr>
-                      <p:cNvSpPr txBox="1"/>
-                      <p:nvPr/>
-                    </p:nvSpPr>
-                    <p:spPr>
-                      <a:xfrm>
-                        <a:off x="4736925" y="1374462"/>
-                        <a:ext cx="367408" cy="307777"/>
-                      </a:xfrm>
-                      <a:prstGeom prst="rect">
-                        <a:avLst/>
-                      </a:prstGeom>
-                      <a:solidFill>
-                        <a:srgbClr val="BCCDE7"/>
-                      </a:solidFill>
-                    </p:spPr>
-                    <p:txBody>
-                      <a:bodyPr wrap="square" rtlCol="0">
-                        <a:spAutoFit/>
-                      </a:bodyPr>
-                      <a:lstStyle/>
-                      <a:p>
-                        <a:pPr algn="ctr"/>
-                        <a:r>
-                          <a:rPr lang="en-US" sz="1400" dirty="0"/>
-                          <a:t>8</a:t>
-                        </a:r>
-                      </a:p>
-                    </p:txBody>
-                  </p:sp>
-                  <p:sp>
-                    <p:nvSpPr>
-                      <p:cNvPr id="22" name="TextBox 21">
-                        <a:extLst>
-                          <a:ext uri="{FF2B5EF4-FFF2-40B4-BE49-F238E27FC236}">
-                            <a16:creationId xmlns:a16="http://schemas.microsoft.com/office/drawing/2014/main" id="{E5758700-864D-AC44-9815-3EA5B2D7006B}"/>
-                          </a:ext>
-                        </a:extLst>
-                      </p:cNvPr>
-                      <p:cNvSpPr txBox="1"/>
-                      <p:nvPr/>
-                    </p:nvSpPr>
-                    <p:spPr>
-                      <a:xfrm>
-                        <a:off x="4736925" y="1982675"/>
-                        <a:ext cx="367408" cy="307777"/>
-                      </a:xfrm>
-                      <a:prstGeom prst="rect">
-                        <a:avLst/>
-                      </a:prstGeom>
-                      <a:solidFill>
-                        <a:srgbClr val="BCCDE7"/>
-                      </a:solidFill>
-                    </p:spPr>
-                    <p:txBody>
-                      <a:bodyPr wrap="square" rtlCol="0">
-                        <a:spAutoFit/>
-                      </a:bodyPr>
-                      <a:lstStyle/>
-                      <a:p>
-                        <a:pPr algn="ctr"/>
-                        <a:r>
-                          <a:rPr lang="en-US" sz="1400" dirty="0"/>
-                          <a:t>7</a:t>
-                        </a:r>
-                      </a:p>
-                    </p:txBody>
-                  </p:sp>
-                  <p:sp>
-                    <p:nvSpPr>
-                      <p:cNvPr id="23" name="TextBox 22">
-                        <a:extLst>
-                          <a:ext uri="{FF2B5EF4-FFF2-40B4-BE49-F238E27FC236}">
-                            <a16:creationId xmlns:a16="http://schemas.microsoft.com/office/drawing/2014/main" id="{ED3EBAE8-DB35-9A43-8256-7CC2691DB09C}"/>
-                          </a:ext>
-                        </a:extLst>
-                      </p:cNvPr>
-                      <p:cNvSpPr txBox="1"/>
-                      <p:nvPr/>
-                    </p:nvSpPr>
-                    <p:spPr>
-                      <a:xfrm>
-                        <a:off x="4749805" y="2555226"/>
-                        <a:ext cx="367408" cy="307777"/>
-                      </a:xfrm>
-                      <a:prstGeom prst="rect">
-                        <a:avLst/>
-                      </a:prstGeom>
-                      <a:solidFill>
-                        <a:srgbClr val="BCCDE7"/>
-                      </a:solidFill>
-                    </p:spPr>
-                    <p:txBody>
-                      <a:bodyPr wrap="square" rtlCol="0">
-                        <a:spAutoFit/>
-                      </a:bodyPr>
-                      <a:lstStyle/>
-                      <a:p>
-                        <a:pPr algn="ctr"/>
-                        <a:r>
-                          <a:rPr lang="en-US" sz="1400" dirty="0"/>
-                          <a:t>6</a:t>
-                        </a:r>
-                      </a:p>
-                    </p:txBody>
-                  </p:sp>
-                  <p:sp>
-                    <p:nvSpPr>
-                      <p:cNvPr id="24" name="TextBox 23">
-                        <a:extLst>
-                          <a:ext uri="{FF2B5EF4-FFF2-40B4-BE49-F238E27FC236}">
-                            <a16:creationId xmlns:a16="http://schemas.microsoft.com/office/drawing/2014/main" id="{F482B356-4C8A-5944-9E50-6334C6337F2B}"/>
-                          </a:ext>
-                        </a:extLst>
-                      </p:cNvPr>
-                      <p:cNvSpPr txBox="1"/>
-                      <p:nvPr/>
-                    </p:nvSpPr>
-                    <p:spPr>
-                      <a:xfrm>
-                        <a:off x="4749805" y="3132755"/>
-                        <a:ext cx="367408" cy="307777"/>
-                      </a:xfrm>
-                      <a:prstGeom prst="rect">
-                        <a:avLst/>
-                      </a:prstGeom>
-                      <a:solidFill>
-                        <a:srgbClr val="BCCDE7"/>
-                      </a:solidFill>
-                    </p:spPr>
-                    <p:txBody>
-                      <a:bodyPr wrap="square" rtlCol="0">
-                        <a:spAutoFit/>
-                      </a:bodyPr>
-                      <a:lstStyle/>
-                      <a:p>
-                        <a:pPr algn="ctr"/>
-                        <a:r>
-                          <a:rPr lang="en-US" sz="1400" dirty="0"/>
-                          <a:t>5</a:t>
-                        </a:r>
-                      </a:p>
-                    </p:txBody>
-                  </p:sp>
-                  <p:sp>
-                    <p:nvSpPr>
-                      <p:cNvPr id="25" name="TextBox 24">
-                        <a:extLst>
-                          <a:ext uri="{FF2B5EF4-FFF2-40B4-BE49-F238E27FC236}">
-                            <a16:creationId xmlns:a16="http://schemas.microsoft.com/office/drawing/2014/main" id="{ED90DD4C-3B06-D840-9D5B-0A7AC35468B3}"/>
-                          </a:ext>
-                        </a:extLst>
-                      </p:cNvPr>
-                      <p:cNvSpPr txBox="1"/>
-                      <p:nvPr/>
-                    </p:nvSpPr>
-                    <p:spPr>
-                      <a:xfrm>
-                        <a:off x="4743310" y="3679468"/>
-                        <a:ext cx="367408" cy="307777"/>
-                      </a:xfrm>
-                      <a:prstGeom prst="rect">
-                        <a:avLst/>
-                      </a:prstGeom>
-                      <a:solidFill>
-                        <a:srgbClr val="BCCDE7"/>
-                      </a:solidFill>
-                    </p:spPr>
-                    <p:txBody>
-                      <a:bodyPr wrap="square" rtlCol="0">
-                        <a:spAutoFit/>
-                      </a:bodyPr>
-                      <a:lstStyle/>
-                      <a:p>
-                        <a:pPr algn="ctr"/>
-                        <a:r>
-                          <a:rPr lang="en-US" sz="1400" dirty="0"/>
-                          <a:t>4</a:t>
-                        </a:r>
-                      </a:p>
-                    </p:txBody>
-                  </p:sp>
-                  <p:sp>
-                    <p:nvSpPr>
-                      <p:cNvPr id="26" name="TextBox 25">
-                        <a:extLst>
-                          <a:ext uri="{FF2B5EF4-FFF2-40B4-BE49-F238E27FC236}">
-                            <a16:creationId xmlns:a16="http://schemas.microsoft.com/office/drawing/2014/main" id="{ED5AE710-FDE2-C841-A0B2-FCCD1C2616BE}"/>
-                          </a:ext>
-                        </a:extLst>
-                      </p:cNvPr>
-                      <p:cNvSpPr txBox="1"/>
-                      <p:nvPr/>
-                    </p:nvSpPr>
-                    <p:spPr>
-                      <a:xfrm>
-                        <a:off x="4743310" y="4287681"/>
-                        <a:ext cx="367408" cy="307777"/>
-                      </a:xfrm>
-                      <a:prstGeom prst="rect">
-                        <a:avLst/>
-                      </a:prstGeom>
-                      <a:solidFill>
-                        <a:srgbClr val="BCCDE7"/>
-                      </a:solidFill>
-                    </p:spPr>
-                    <p:txBody>
-                      <a:bodyPr wrap="square" rtlCol="0">
-                        <a:spAutoFit/>
-                      </a:bodyPr>
-                      <a:lstStyle/>
-                      <a:p>
-                        <a:pPr algn="ctr"/>
-                        <a:r>
-                          <a:rPr lang="en-US" sz="1400" dirty="0"/>
-                          <a:t>3</a:t>
-                        </a:r>
-                      </a:p>
-                    </p:txBody>
-                  </p:sp>
-                  <p:sp>
-                    <p:nvSpPr>
-                      <p:cNvPr id="27" name="TextBox 26">
-                        <a:extLst>
-                          <a:ext uri="{FF2B5EF4-FFF2-40B4-BE49-F238E27FC236}">
-                            <a16:creationId xmlns:a16="http://schemas.microsoft.com/office/drawing/2014/main" id="{0132DDA6-D48E-B948-8A62-016AA473EF92}"/>
-                          </a:ext>
-                        </a:extLst>
-                      </p:cNvPr>
-                      <p:cNvSpPr txBox="1"/>
-                      <p:nvPr/>
-                    </p:nvSpPr>
-                    <p:spPr>
-                      <a:xfrm>
-                        <a:off x="4756190" y="4860232"/>
-                        <a:ext cx="367408" cy="307777"/>
-                      </a:xfrm>
-                      <a:prstGeom prst="rect">
-                        <a:avLst/>
-                      </a:prstGeom>
-                      <a:solidFill>
-                        <a:srgbClr val="BCCDE7"/>
-                      </a:solidFill>
-                    </p:spPr>
-                    <p:txBody>
-                      <a:bodyPr wrap="square" rtlCol="0">
-                        <a:spAutoFit/>
-                      </a:bodyPr>
-                      <a:lstStyle/>
-                      <a:p>
-                        <a:pPr algn="ctr"/>
-                        <a:r>
-                          <a:rPr lang="en-US" sz="1400" dirty="0"/>
-                          <a:t>2</a:t>
-                        </a:r>
-                      </a:p>
-                    </p:txBody>
-                  </p:sp>
-                  <p:sp>
-                    <p:nvSpPr>
-                      <p:cNvPr id="28" name="TextBox 27">
-                        <a:extLst>
-                          <a:ext uri="{FF2B5EF4-FFF2-40B4-BE49-F238E27FC236}">
-                            <a16:creationId xmlns:a16="http://schemas.microsoft.com/office/drawing/2014/main" id="{1AD38BCB-FC59-0240-8BEC-AAB1E6926ECB}"/>
-                          </a:ext>
-                        </a:extLst>
-                      </p:cNvPr>
-                      <p:cNvSpPr txBox="1"/>
-                      <p:nvPr/>
-                    </p:nvSpPr>
-                    <p:spPr>
-                      <a:xfrm>
-                        <a:off x="4756190" y="5437761"/>
-                        <a:ext cx="367408" cy="307777"/>
-                      </a:xfrm>
-                      <a:prstGeom prst="rect">
-                        <a:avLst/>
-                      </a:prstGeom>
-                      <a:solidFill>
-                        <a:srgbClr val="BCCDE7"/>
-                      </a:solidFill>
-                    </p:spPr>
-                    <p:txBody>
-                      <a:bodyPr wrap="square" rtlCol="0">
-                        <a:spAutoFit/>
-                      </a:bodyPr>
-                      <a:lstStyle/>
-                      <a:p>
-                        <a:pPr algn="ctr"/>
-                        <a:r>
-                          <a:rPr lang="en-US" sz="1400" dirty="0"/>
-                          <a:t>1</a:t>
-                        </a:r>
-                      </a:p>
-                    </p:txBody>
-                  </p:sp>
-                  <p:sp>
-                    <p:nvSpPr>
-                      <p:cNvPr id="2" name="Rectangle 1">
-                        <a:extLst>
-                          <a:ext uri="{FF2B5EF4-FFF2-40B4-BE49-F238E27FC236}">
-                            <a16:creationId xmlns:a16="http://schemas.microsoft.com/office/drawing/2014/main" id="{90323245-E493-C744-85FB-20C57334397D}"/>
-                          </a:ext>
-                        </a:extLst>
-                      </p:cNvPr>
-                      <p:cNvSpPr/>
-                      <p:nvPr/>
-                    </p:nvSpPr>
-                    <p:spPr>
-                      <a:xfrm>
-                        <a:off x="3197291" y="1095769"/>
-                        <a:ext cx="1600794" cy="4947797"/>
-                      </a:xfrm>
-                      <a:prstGeom prst="rect">
-                        <a:avLst/>
-                      </a:prstGeom>
-                      <a:solidFill>
-                        <a:schemeClr val="tx1"/>
-                      </a:solidFill>
-                    </p:spPr>
-                    <p:style>
-                      <a:lnRef idx="2">
-                        <a:schemeClr val="accent1">
-                          <a:shade val="50000"/>
-                        </a:schemeClr>
-                      </a:lnRef>
-                      <a:fillRef idx="1">
-                        <a:schemeClr val="accent1"/>
-                      </a:fillRef>
-                      <a:effectRef idx="0">
-                        <a:schemeClr val="accent1"/>
-                      </a:effectRef>
-                      <a:fontRef idx="minor">
-                        <a:schemeClr val="lt1"/>
-                      </a:fontRef>
-                    </p:style>
-                    <p:txBody>
-                      <a:bodyPr rtlCol="0" anchor="ctr"/>
-                      <a:lstStyle/>
-                      <a:p>
-                        <a:pPr algn="ctr"/>
-                        <a:endParaRPr lang="en-US"/>
-                      </a:p>
-                    </p:txBody>
-                  </p:sp>
-                  <p:sp>
-                    <p:nvSpPr>
-                      <p:cNvPr id="3" name="Oval 2">
-                        <a:extLst>
-                          <a:ext uri="{FF2B5EF4-FFF2-40B4-BE49-F238E27FC236}">
-                            <a16:creationId xmlns:a16="http://schemas.microsoft.com/office/drawing/2014/main" id="{BB3CA70C-4C58-2D45-B548-43CA1110DD25}"/>
-                          </a:ext>
-                        </a:extLst>
-                      </p:cNvPr>
-                      <p:cNvSpPr/>
-                      <p:nvPr/>
-                    </p:nvSpPr>
-                    <p:spPr>
-                      <a:xfrm>
-                        <a:off x="3798728" y="5894424"/>
-                        <a:ext cx="378418" cy="378418"/>
-                      </a:xfrm>
-                      <a:prstGeom prst="ellipse">
-                        <a:avLst/>
-                      </a:prstGeom>
-                      <a:solidFill>
-                        <a:schemeClr val="bg1"/>
-                      </a:solidFill>
-                      <a:ln>
-                        <a:noFill/>
-                      </a:ln>
-                    </p:spPr>
-                    <p:style>
-                      <a:lnRef idx="2">
-                        <a:schemeClr val="accent1">
-                          <a:shade val="50000"/>
-                        </a:schemeClr>
-                      </a:lnRef>
-                      <a:fillRef idx="1">
-                        <a:schemeClr val="accent1"/>
-                      </a:fillRef>
-                      <a:effectRef idx="0">
-                        <a:schemeClr val="accent1"/>
-                      </a:effectRef>
-                      <a:fontRef idx="minor">
-                        <a:schemeClr val="lt1"/>
-                      </a:fontRef>
-                    </p:style>
-                    <p:txBody>
-                      <a:bodyPr rtlCol="0" anchor="ctr"/>
-                      <a:lstStyle/>
-                      <a:p>
-                        <a:pPr algn="ctr"/>
-                        <a:endParaRPr lang="en-US">
-                          <a:ln>
-                            <a:solidFill>
-                              <a:schemeClr val="bg1"/>
-                            </a:solidFill>
-                          </a:ln>
-                        </a:endParaRPr>
-                      </a:p>
-                    </p:txBody>
-                  </p:sp>
-                </p:grpSp>
-                <p:sp>
-                  <p:nvSpPr>
-                    <p:cNvPr id="29" name="TextBox 28">
-                      <a:extLst>
-                        <a:ext uri="{FF2B5EF4-FFF2-40B4-BE49-F238E27FC236}">
-                          <a16:creationId xmlns:a16="http://schemas.microsoft.com/office/drawing/2014/main" id="{DB35441E-F1F7-B948-A70F-16B7905F5C68}"/>
-                        </a:ext>
-                      </a:extLst>
-                    </p:cNvPr>
-                    <p:cNvSpPr txBox="1"/>
-                    <p:nvPr/>
-                  </p:nvSpPr>
-                  <p:spPr>
-                    <a:xfrm rot="16200000">
-                      <a:off x="3559106" y="3264318"/>
-                      <a:ext cx="877163" cy="461665"/>
-                    </a:xfrm>
-                    <a:prstGeom prst="rect">
-                      <a:avLst/>
-                    </a:prstGeom>
-                    <a:noFill/>
-                  </p:spPr>
-                  <p:txBody>
-                    <a:bodyPr wrap="none" rtlCol="0">
-                      <a:spAutoFit/>
-                    </a:bodyPr>
-                    <a:lstStyle/>
-                    <a:p>
-                      <a:r>
-                        <a:rPr lang="en-US" sz="2400" dirty="0">
-                          <a:solidFill>
-                            <a:schemeClr val="bg1"/>
-                          </a:solidFill>
-                        </a:rPr>
-                        <a:t>i4002</a:t>
-                      </a:r>
-                    </a:p>
-                  </p:txBody>
-                </p:sp>
-              </p:grpSp>
-              <p:sp>
-                <p:nvSpPr>
-                  <p:cNvPr id="31" name="TextBox 30">
-                    <a:extLst>
-                      <a:ext uri="{FF2B5EF4-FFF2-40B4-BE49-F238E27FC236}">
-                        <a16:creationId xmlns:a16="http://schemas.microsoft.com/office/drawing/2014/main" id="{DD5650B8-2C5A-D949-A538-B4321861C5AC}"/>
-                      </a:ext>
-                    </a:extLst>
-                  </p:cNvPr>
-                  <p:cNvSpPr txBox="1"/>
-                  <p:nvPr/>
-                </p:nvSpPr>
-                <p:spPr>
-                  <a:xfrm>
-                    <a:off x="850196" y="1414529"/>
-                    <a:ext cx="701987" cy="369332"/>
-                  </a:xfrm>
-                  <a:prstGeom prst="rect">
-                    <a:avLst/>
-                  </a:prstGeom>
-                  <a:noFill/>
-                </p:spPr>
-                <p:txBody>
-                  <a:bodyPr wrap="none" rtlCol="0">
-                    <a:spAutoFit/>
-                  </a:bodyPr>
-                  <a:lstStyle/>
-                  <a:p>
-                    <a:r>
-                      <a:rPr lang="en-US" dirty="0"/>
-                      <a:t>Reset</a:t>
-                    </a:r>
-                  </a:p>
-                </p:txBody>
-              </p:sp>
-              <p:sp>
-                <p:nvSpPr>
-                  <p:cNvPr id="33" name="TextBox 32">
-                    <a:extLst>
-                      <a:ext uri="{FF2B5EF4-FFF2-40B4-BE49-F238E27FC236}">
-                        <a16:creationId xmlns:a16="http://schemas.microsoft.com/office/drawing/2014/main" id="{83D6930B-BF6D-2346-8676-9D2E82A562BB}"/>
-                      </a:ext>
-                    </a:extLst>
-                  </p:cNvPr>
-                  <p:cNvSpPr txBox="1"/>
-                  <p:nvPr/>
-                </p:nvSpPr>
-                <p:spPr>
-                  <a:xfrm>
-                    <a:off x="996262" y="1959096"/>
-                    <a:ext cx="381836" cy="369332"/>
-                  </a:xfrm>
-                  <a:prstGeom prst="rect">
-                    <a:avLst/>
-                  </a:prstGeom>
-                  <a:noFill/>
-                </p:spPr>
-                <p:txBody>
-                  <a:bodyPr wrap="none" rtlCol="0">
-                    <a:spAutoFit/>
-                  </a:bodyPr>
-                  <a:lstStyle/>
-                  <a:p>
-                    <a:r>
-                      <a:rPr lang="en-US" dirty="0"/>
-                      <a:t>P</a:t>
-                    </a:r>
-                    <a:r>
-                      <a:rPr lang="en-US" baseline="-25000" dirty="0"/>
-                      <a:t>0</a:t>
-                    </a:r>
-                  </a:p>
-                </p:txBody>
-              </p:sp>
-              <p:sp>
-                <p:nvSpPr>
-                  <p:cNvPr id="35" name="TextBox 34">
-                    <a:extLst>
-                      <a:ext uri="{FF2B5EF4-FFF2-40B4-BE49-F238E27FC236}">
-                        <a16:creationId xmlns:a16="http://schemas.microsoft.com/office/drawing/2014/main" id="{F921922E-DEF9-B94F-9513-594575CBB810}"/>
-                      </a:ext>
-                    </a:extLst>
-                  </p:cNvPr>
-                  <p:cNvSpPr txBox="1"/>
-                  <p:nvPr/>
-                </p:nvSpPr>
-                <p:spPr>
-                  <a:xfrm>
-                    <a:off x="1013297" y="2524787"/>
-                    <a:ext cx="505267" cy="369332"/>
-                  </a:xfrm>
-                  <a:prstGeom prst="rect">
-                    <a:avLst/>
-                  </a:prstGeom>
-                  <a:noFill/>
-                </p:spPr>
-                <p:txBody>
-                  <a:bodyPr wrap="none" rtlCol="0">
-                    <a:spAutoFit/>
-                  </a:bodyPr>
-                  <a:lstStyle/>
-                  <a:p>
-                    <a:r>
-                      <a:rPr lang="en-US" dirty="0"/>
-                      <a:t>CM</a:t>
-                    </a:r>
-                  </a:p>
-                </p:txBody>
-              </p:sp>
-              <p:sp>
-                <p:nvSpPr>
-                  <p:cNvPr id="36" name="TextBox 35">
-                    <a:extLst>
-                      <a:ext uri="{FF2B5EF4-FFF2-40B4-BE49-F238E27FC236}">
-                        <a16:creationId xmlns:a16="http://schemas.microsoft.com/office/drawing/2014/main" id="{D853606E-3C8C-9B46-A895-539042729362}"/>
-                      </a:ext>
-                    </a:extLst>
-                  </p:cNvPr>
-                  <p:cNvSpPr txBox="1"/>
-                  <p:nvPr/>
-                </p:nvSpPr>
-                <p:spPr>
-                  <a:xfrm>
-                    <a:off x="1046916" y="3059668"/>
-                    <a:ext cx="505267" cy="369332"/>
-                  </a:xfrm>
-                  <a:prstGeom prst="rect">
-                    <a:avLst/>
-                  </a:prstGeom>
-                  <a:noFill/>
-                </p:spPr>
-                <p:txBody>
-                  <a:bodyPr wrap="none" rtlCol="0">
-                    <a:spAutoFit/>
-                  </a:bodyPr>
-                  <a:lstStyle/>
-                  <a:p>
-                    <a:r>
-                      <a:rPr lang="en-US" dirty="0"/>
-                      <a:t>V</a:t>
-                    </a:r>
-                    <a:r>
-                      <a:rPr lang="en-US" baseline="-25000" dirty="0"/>
-                      <a:t>DD</a:t>
-                    </a:r>
-                  </a:p>
-                </p:txBody>
-              </p:sp>
-              <p:sp>
-                <p:nvSpPr>
-                  <p:cNvPr id="37" name="TextBox 36">
-                    <a:extLst>
-                      <a:ext uri="{FF2B5EF4-FFF2-40B4-BE49-F238E27FC236}">
-                        <a16:creationId xmlns:a16="http://schemas.microsoft.com/office/drawing/2014/main" id="{F680FDA0-4915-4640-B858-0AA74DC34C00}"/>
-                      </a:ext>
-                    </a:extLst>
-                  </p:cNvPr>
-                  <p:cNvSpPr txBox="1"/>
-                  <p:nvPr/>
-                </p:nvSpPr>
-                <p:spPr>
-                  <a:xfrm>
-                    <a:off x="1084834" y="3693782"/>
-                    <a:ext cx="453970" cy="369332"/>
-                  </a:xfrm>
-                  <a:prstGeom prst="rect">
-                    <a:avLst/>
-                  </a:prstGeom>
-                  <a:noFill/>
-                </p:spPr>
-                <p:txBody>
-                  <a:bodyPr wrap="square" rtlCol="0">
-                    <a:spAutoFit/>
-                  </a:bodyPr>
-                  <a:lstStyle/>
-                  <a:p>
-                    <a:r>
-                      <a:rPr lang="en-US" dirty="0"/>
-                      <a:t>O</a:t>
-                    </a:r>
-                    <a:r>
-                      <a:rPr lang="en-US" baseline="-25000" dirty="0"/>
-                      <a:t>3</a:t>
-                    </a:r>
-                  </a:p>
-                </p:txBody>
-              </p:sp>
-              <p:sp>
-                <p:nvSpPr>
-                  <p:cNvPr id="40" name="TextBox 39">
-                    <a:extLst>
-                      <a:ext uri="{FF2B5EF4-FFF2-40B4-BE49-F238E27FC236}">
-                        <a16:creationId xmlns:a16="http://schemas.microsoft.com/office/drawing/2014/main" id="{C95C4066-BFDC-9742-8A47-18106B88EC76}"/>
-                      </a:ext>
-                    </a:extLst>
-                  </p:cNvPr>
-                  <p:cNvSpPr txBox="1"/>
-                  <p:nvPr/>
-                </p:nvSpPr>
-                <p:spPr>
-                  <a:xfrm>
-                    <a:off x="1084834" y="4282748"/>
-                    <a:ext cx="415498" cy="369332"/>
-                  </a:xfrm>
-                  <a:prstGeom prst="rect">
-                    <a:avLst/>
-                  </a:prstGeom>
-                  <a:noFill/>
-                </p:spPr>
-                <p:txBody>
-                  <a:bodyPr wrap="none" rtlCol="0">
-                    <a:spAutoFit/>
-                  </a:bodyPr>
-                  <a:lstStyle/>
-                  <a:p>
-                    <a:r>
-                      <a:rPr lang="en-US" dirty="0"/>
-                      <a:t>O</a:t>
-                    </a:r>
-                    <a:r>
-                      <a:rPr lang="en-US" baseline="-25000" dirty="0"/>
-                      <a:t>2</a:t>
-                    </a:r>
-                  </a:p>
-                </p:txBody>
-              </p:sp>
-              <p:sp>
-                <p:nvSpPr>
-                  <p:cNvPr id="41" name="TextBox 40">
-                    <a:extLst>
-                      <a:ext uri="{FF2B5EF4-FFF2-40B4-BE49-F238E27FC236}">
-                        <a16:creationId xmlns:a16="http://schemas.microsoft.com/office/drawing/2014/main" id="{80FF1CCB-D146-5E47-AB48-CCDE3FFAB840}"/>
-                      </a:ext>
-                    </a:extLst>
-                  </p:cNvPr>
-                  <p:cNvSpPr txBox="1"/>
-                  <p:nvPr/>
-                </p:nvSpPr>
-                <p:spPr>
-                  <a:xfrm>
-                    <a:off x="1084834" y="4864218"/>
-                    <a:ext cx="415498" cy="369332"/>
-                  </a:xfrm>
-                  <a:prstGeom prst="rect">
-                    <a:avLst/>
-                  </a:prstGeom>
-                  <a:noFill/>
-                </p:spPr>
-                <p:txBody>
-                  <a:bodyPr wrap="none" rtlCol="0">
-                    <a:spAutoFit/>
-                  </a:bodyPr>
-                  <a:lstStyle/>
-                  <a:p>
-                    <a:r>
-                      <a:rPr lang="en-US" dirty="0"/>
-                      <a:t>O</a:t>
-                    </a:r>
-                    <a:r>
-                      <a:rPr lang="en-US" baseline="-25000" dirty="0"/>
-                      <a:t>1</a:t>
-                    </a:r>
-                  </a:p>
-                </p:txBody>
-              </p:sp>
-              <p:sp>
-                <p:nvSpPr>
-                  <p:cNvPr id="42" name="TextBox 41">
-                    <a:extLst>
-                      <a:ext uri="{FF2B5EF4-FFF2-40B4-BE49-F238E27FC236}">
-                        <a16:creationId xmlns:a16="http://schemas.microsoft.com/office/drawing/2014/main" id="{B57CBFF0-721D-494D-A3CC-AC0AF1CD18B3}"/>
-                      </a:ext>
-                    </a:extLst>
-                  </p:cNvPr>
-                  <p:cNvSpPr txBox="1"/>
-                  <p:nvPr/>
-                </p:nvSpPr>
-                <p:spPr>
-                  <a:xfrm>
-                    <a:off x="1084834" y="5434614"/>
-                    <a:ext cx="415498" cy="369332"/>
-                  </a:xfrm>
-                  <a:prstGeom prst="rect">
-                    <a:avLst/>
-                  </a:prstGeom>
-                  <a:noFill/>
-                </p:spPr>
-                <p:txBody>
-                  <a:bodyPr wrap="none" rtlCol="0">
-                    <a:spAutoFit/>
-                  </a:bodyPr>
-                  <a:lstStyle/>
-                  <a:p>
-                    <a:r>
-                      <a:rPr lang="en-US" dirty="0"/>
-                      <a:t>O</a:t>
-                    </a:r>
-                    <a:r>
-                      <a:rPr lang="en-US" baseline="-25000" dirty="0"/>
-                      <a:t>0</a:t>
-                    </a:r>
-                  </a:p>
-                </p:txBody>
-              </p:sp>
-            </p:grpSp>
-            <p:sp>
-              <p:nvSpPr>
-                <p:cNvPr id="43" name="Double Brace 42">
-                  <a:extLst>
-                    <a:ext uri="{FF2B5EF4-FFF2-40B4-BE49-F238E27FC236}">
-                      <a16:creationId xmlns:a16="http://schemas.microsoft.com/office/drawing/2014/main" id="{0DAD5FD4-331B-4348-B5C1-F3867B97935A}"/>
-                    </a:ext>
-                  </a:extLst>
-                </p:cNvPr>
-                <p:cNvSpPr/>
-                <p:nvPr/>
-              </p:nvSpPr>
-              <p:spPr>
-                <a:xfrm>
-                  <a:off x="3123414" y="2566797"/>
-                  <a:ext cx="2025711" cy="394824"/>
-                </a:xfrm>
-                <a:prstGeom prst="bracePair">
-                  <a:avLst>
-                    <a:gd name="adj" fmla="val 22622"/>
-                  </a:avLst>
-                </a:prstGeom>
-                <a:ln w="38100">
-                  <a:solidFill>
-                    <a:schemeClr val="tx1">
-                      <a:lumMod val="95000"/>
-                      <a:lumOff val="5000"/>
-                    </a:schemeClr>
-                  </a:solidFill>
-                </a:ln>
-              </p:spPr>
-              <p:style>
-                <a:lnRef idx="1">
-                  <a:schemeClr val="accent1"/>
-                </a:lnRef>
-                <a:fillRef idx="0">
-                  <a:schemeClr val="accent1"/>
-                </a:fillRef>
-                <a:effectRef idx="0">
-                  <a:schemeClr val="accent1"/>
-                </a:effectRef>
-                <a:fontRef idx="minor">
-                  <a:schemeClr val="tx1"/>
-                </a:fontRef>
-              </p:style>
-              <p:txBody>
-                <a:bodyPr rtlCol="0" anchor="ctr"/>
-                <a:lstStyle/>
-                <a:p>
-                  <a:pPr algn="ctr"/>
-                  <a:endParaRPr lang="en-US"/>
-                </a:p>
-              </p:txBody>
-            </p:sp>
-            <p:sp>
-              <p:nvSpPr>
-                <p:cNvPr id="44" name="TextBox 43">
-                  <a:extLst>
-                    <a:ext uri="{FF2B5EF4-FFF2-40B4-BE49-F238E27FC236}">
-                      <a16:creationId xmlns:a16="http://schemas.microsoft.com/office/drawing/2014/main" id="{6E8684FC-CB28-5342-A5AE-E41843B470EA}"/>
-                    </a:ext>
-                  </a:extLst>
-                </p:cNvPr>
-                <p:cNvSpPr txBox="1"/>
-                <p:nvPr/>
-              </p:nvSpPr>
-              <p:spPr>
-                <a:xfrm>
-                  <a:off x="2449370" y="2467957"/>
-                  <a:ext cx="675185" cy="600164"/>
-                </a:xfrm>
-                <a:prstGeom prst="rect">
-                  <a:avLst/>
-                </a:prstGeom>
-                <a:noFill/>
-              </p:spPr>
-              <p:txBody>
-                <a:bodyPr wrap="none" rtlCol="0">
-                  <a:spAutoFit/>
-                </a:bodyPr>
-                <a:lstStyle/>
-                <a:p>
-                  <a:pPr algn="just"/>
-                  <a:r>
-                    <a:rPr lang="en-US" sz="1100" dirty="0"/>
-                    <a:t>Memory</a:t>
-                  </a:r>
-                </a:p>
-                <a:p>
-                  <a:pPr algn="just"/>
-                  <a:r>
-                    <a:rPr lang="en-US" sz="1100" dirty="0"/>
-                    <a:t>Control</a:t>
-                  </a:r>
-                </a:p>
-                <a:p>
-                  <a:pPr algn="just"/>
-                  <a:r>
-                    <a:rPr lang="en-US" sz="1100" dirty="0"/>
-                    <a:t>Input</a:t>
-                  </a:r>
-                </a:p>
-              </p:txBody>
-            </p:sp>
-            <p:sp>
-              <p:nvSpPr>
-                <p:cNvPr id="46" name="TextBox 45">
-                  <a:extLst>
-                    <a:ext uri="{FF2B5EF4-FFF2-40B4-BE49-F238E27FC236}">
-                      <a16:creationId xmlns:a16="http://schemas.microsoft.com/office/drawing/2014/main" id="{48724525-E23B-E147-BF47-0A29CE9374A5}"/>
-                    </a:ext>
-                  </a:extLst>
-                </p:cNvPr>
-                <p:cNvSpPr txBox="1"/>
-                <p:nvPr/>
-              </p:nvSpPr>
-              <p:spPr>
-                <a:xfrm>
-                  <a:off x="2419445" y="4481979"/>
-                  <a:ext cx="591829" cy="430887"/>
-                </a:xfrm>
-                <a:prstGeom prst="rect">
-                  <a:avLst/>
-                </a:prstGeom>
-                <a:noFill/>
-              </p:spPr>
-              <p:txBody>
-                <a:bodyPr wrap="none" rtlCol="0">
-                  <a:spAutoFit/>
-                </a:bodyPr>
-                <a:lstStyle/>
-                <a:p>
-                  <a:pPr algn="ctr"/>
-                  <a:r>
-                    <a:rPr lang="en-US" sz="1100" dirty="0"/>
-                    <a:t>Output</a:t>
-                  </a:r>
-                </a:p>
-                <a:p>
-                  <a:pPr algn="ctr"/>
-                  <a:r>
-                    <a:rPr lang="en-US" sz="1100" dirty="0"/>
-                    <a:t>Lines</a:t>
-                  </a:r>
-                </a:p>
-              </p:txBody>
-            </p:sp>
-            <p:sp>
-              <p:nvSpPr>
-                <p:cNvPr id="47" name="Double Brace 46">
-                  <a:extLst>
-                    <a:ext uri="{FF2B5EF4-FFF2-40B4-BE49-F238E27FC236}">
-                      <a16:creationId xmlns:a16="http://schemas.microsoft.com/office/drawing/2014/main" id="{B92355B1-C777-3340-BF54-A8CDB40B8A13}"/>
-                    </a:ext>
-                  </a:extLst>
-                </p:cNvPr>
-                <p:cNvSpPr/>
-                <p:nvPr/>
-              </p:nvSpPr>
-              <p:spPr>
-                <a:xfrm>
-                  <a:off x="2986604" y="3758700"/>
-                  <a:ext cx="4302469" cy="2066971"/>
-                </a:xfrm>
-                <a:prstGeom prst="bracePair">
-                  <a:avLst/>
-                </a:prstGeom>
-                <a:ln w="38100">
-                  <a:solidFill>
-                    <a:schemeClr val="tx1">
-                      <a:lumMod val="95000"/>
-                      <a:lumOff val="5000"/>
-                    </a:schemeClr>
-                  </a:solidFill>
-                </a:ln>
-              </p:spPr>
-              <p:style>
-                <a:lnRef idx="1">
-                  <a:schemeClr val="accent1"/>
-                </a:lnRef>
-                <a:fillRef idx="0">
-                  <a:schemeClr val="accent1"/>
-                </a:fillRef>
-                <a:effectRef idx="0">
-                  <a:schemeClr val="accent1"/>
-                </a:effectRef>
-                <a:fontRef idx="minor">
-                  <a:schemeClr val="tx1"/>
-                </a:fontRef>
-              </p:style>
-              <p:txBody>
-                <a:bodyPr rtlCol="0" anchor="ctr"/>
-                <a:lstStyle/>
-                <a:p>
-                  <a:pPr algn="ctr"/>
-                  <a:endParaRPr lang="en-US"/>
-                </a:p>
-              </p:txBody>
-            </p:sp>
-          </p:grpSp>
-          <p:sp>
-            <p:nvSpPr>
-              <p:cNvPr id="49" name="TextBox 48">
-                <a:extLst>
-                  <a:ext uri="{FF2B5EF4-FFF2-40B4-BE49-F238E27FC236}">
-                    <a16:creationId xmlns:a16="http://schemas.microsoft.com/office/drawing/2014/main" id="{E6BCD0F3-52C2-2645-BE46-E75F33B0CEEE}"/>
-                  </a:ext>
-                </a:extLst>
-              </p:cNvPr>
-              <p:cNvSpPr txBox="1"/>
-              <p:nvPr/>
-            </p:nvSpPr>
-            <p:spPr>
-              <a:xfrm>
-                <a:off x="6516664" y="3193295"/>
-                <a:ext cx="455830" cy="369332"/>
-              </a:xfrm>
-              <a:prstGeom prst="rect">
-                <a:avLst/>
-              </a:prstGeom>
-              <a:noFill/>
-            </p:spPr>
-            <p:txBody>
-              <a:bodyPr wrap="none" rtlCol="0">
-                <a:spAutoFit/>
-              </a:bodyPr>
-              <a:lstStyle/>
-              <a:p>
-                <a:r>
-                  <a:rPr lang="en-US" dirty="0"/>
-                  <a:t>V</a:t>
-                </a:r>
-                <a:r>
-                  <a:rPr lang="en-US" baseline="-25000" dirty="0"/>
-                  <a:t>SS</a:t>
-                </a:r>
-              </a:p>
-            </p:txBody>
-          </p:sp>
-          <p:sp>
-            <p:nvSpPr>
-              <p:cNvPr id="50" name="TextBox 49">
-                <a:extLst>
-                  <a:ext uri="{FF2B5EF4-FFF2-40B4-BE49-F238E27FC236}">
-                    <a16:creationId xmlns:a16="http://schemas.microsoft.com/office/drawing/2014/main" id="{7BC3687A-C0F0-2941-B5CD-E34BA8D61228}"/>
-                  </a:ext>
-                </a:extLst>
-              </p:cNvPr>
-              <p:cNvSpPr txBox="1"/>
-              <p:nvPr/>
-            </p:nvSpPr>
-            <p:spPr>
-              <a:xfrm>
-                <a:off x="6480121" y="2591289"/>
-                <a:ext cx="1244251" cy="369332"/>
-              </a:xfrm>
-              <a:prstGeom prst="rect">
-                <a:avLst/>
-              </a:prstGeom>
-              <a:noFill/>
-            </p:spPr>
-            <p:txBody>
-              <a:bodyPr wrap="none" rtlCol="0">
-                <a:spAutoFit/>
-              </a:bodyPr>
-              <a:lstStyle/>
-              <a:p>
-                <a:r>
-                  <a:rPr lang="en-US" dirty="0" err="1"/>
-                  <a:t>Clk</a:t>
-                </a:r>
-                <a:r>
-                  <a:rPr lang="en-US" dirty="0"/>
-                  <a:t> Phase 1</a:t>
-                </a:r>
-                <a:endParaRPr lang="en-US" baseline="-25000" dirty="0"/>
-              </a:p>
-            </p:txBody>
-          </p:sp>
-          <p:sp>
-            <p:nvSpPr>
-              <p:cNvPr id="51" name="TextBox 50">
-                <a:extLst>
-                  <a:ext uri="{FF2B5EF4-FFF2-40B4-BE49-F238E27FC236}">
-                    <a16:creationId xmlns:a16="http://schemas.microsoft.com/office/drawing/2014/main" id="{2566F70D-EA9A-0740-80E1-366913FF3AB0}"/>
-                  </a:ext>
-                </a:extLst>
-              </p:cNvPr>
-              <p:cNvSpPr txBox="1"/>
-              <p:nvPr/>
-            </p:nvSpPr>
-            <p:spPr>
-              <a:xfrm>
-                <a:off x="6475046" y="2060286"/>
-                <a:ext cx="1244251" cy="369332"/>
-              </a:xfrm>
-              <a:prstGeom prst="rect">
-                <a:avLst/>
-              </a:prstGeom>
-              <a:noFill/>
-            </p:spPr>
-            <p:txBody>
-              <a:bodyPr wrap="none" rtlCol="0">
-                <a:spAutoFit/>
-              </a:bodyPr>
-              <a:lstStyle/>
-              <a:p>
-                <a:r>
-                  <a:rPr lang="en-US" dirty="0" err="1"/>
-                  <a:t>Clk</a:t>
-                </a:r>
-                <a:r>
-                  <a:rPr lang="en-US" dirty="0"/>
-                  <a:t> Phase 2</a:t>
-                </a:r>
-                <a:endParaRPr lang="en-US" baseline="-25000" dirty="0"/>
-              </a:p>
-            </p:txBody>
-          </p:sp>
-          <p:sp>
-            <p:nvSpPr>
-              <p:cNvPr id="52" name="TextBox 51">
-                <a:extLst>
-                  <a:ext uri="{FF2B5EF4-FFF2-40B4-BE49-F238E27FC236}">
-                    <a16:creationId xmlns:a16="http://schemas.microsoft.com/office/drawing/2014/main" id="{BB7987C9-7AA3-E241-ADF5-EF92189810CC}"/>
-                  </a:ext>
-                </a:extLst>
-              </p:cNvPr>
-              <p:cNvSpPr txBox="1"/>
-              <p:nvPr/>
-            </p:nvSpPr>
-            <p:spPr>
-              <a:xfrm>
-                <a:off x="6475046" y="1453462"/>
-                <a:ext cx="1033040" cy="369332"/>
-              </a:xfrm>
-              <a:prstGeom prst="rect">
-                <a:avLst/>
-              </a:prstGeom>
-              <a:noFill/>
-            </p:spPr>
-            <p:txBody>
-              <a:bodyPr wrap="none" rtlCol="0">
-                <a:spAutoFit/>
-              </a:bodyPr>
-              <a:lstStyle/>
-              <a:p>
-                <a:r>
-                  <a:rPr lang="en-US" dirty="0"/>
-                  <a:t>Sync-Out</a:t>
-                </a:r>
-                <a:endParaRPr lang="en-US" baseline="-25000" dirty="0"/>
-              </a:p>
-            </p:txBody>
-          </p:sp>
-          <p:sp>
-            <p:nvSpPr>
-              <p:cNvPr id="53" name="TextBox 52">
-                <a:extLst>
-                  <a:ext uri="{FF2B5EF4-FFF2-40B4-BE49-F238E27FC236}">
-                    <a16:creationId xmlns:a16="http://schemas.microsoft.com/office/drawing/2014/main" id="{8EE809C1-1E01-0448-90C0-B924FBC2AA1E}"/>
-                  </a:ext>
-                </a:extLst>
-              </p:cNvPr>
-              <p:cNvSpPr txBox="1"/>
-              <p:nvPr/>
-            </p:nvSpPr>
-            <p:spPr>
-              <a:xfrm>
-                <a:off x="6512256" y="3698047"/>
-                <a:ext cx="444352" cy="369332"/>
-              </a:xfrm>
-              <a:prstGeom prst="rect">
-                <a:avLst/>
-              </a:prstGeom>
-              <a:noFill/>
-            </p:spPr>
-            <p:txBody>
-              <a:bodyPr wrap="none" rtlCol="0">
-                <a:spAutoFit/>
-              </a:bodyPr>
-              <a:lstStyle/>
-              <a:p>
-                <a:r>
-                  <a:rPr lang="en-US" dirty="0"/>
-                  <a:t>D3</a:t>
-                </a:r>
-                <a:endParaRPr lang="en-US" baseline="-25000" dirty="0"/>
-              </a:p>
-            </p:txBody>
-          </p:sp>
-          <p:sp>
-            <p:nvSpPr>
-              <p:cNvPr id="54" name="TextBox 53">
-                <a:extLst>
-                  <a:ext uri="{FF2B5EF4-FFF2-40B4-BE49-F238E27FC236}">
-                    <a16:creationId xmlns:a16="http://schemas.microsoft.com/office/drawing/2014/main" id="{26438E7C-9D05-914C-8753-FB8A00471470}"/>
-                  </a:ext>
-                </a:extLst>
-              </p:cNvPr>
-              <p:cNvSpPr txBox="1"/>
-              <p:nvPr/>
-            </p:nvSpPr>
-            <p:spPr>
-              <a:xfrm>
-                <a:off x="6480667" y="4288732"/>
-                <a:ext cx="444352" cy="369332"/>
-              </a:xfrm>
-              <a:prstGeom prst="rect">
-                <a:avLst/>
-              </a:prstGeom>
-              <a:noFill/>
-            </p:spPr>
-            <p:txBody>
-              <a:bodyPr wrap="none" rtlCol="0">
-                <a:spAutoFit/>
-              </a:bodyPr>
-              <a:lstStyle/>
-              <a:p>
-                <a:r>
-                  <a:rPr lang="en-US" dirty="0"/>
-                  <a:t>D2</a:t>
-                </a:r>
-                <a:endParaRPr lang="en-US" baseline="-25000" dirty="0"/>
-              </a:p>
-            </p:txBody>
-          </p:sp>
-          <p:sp>
-            <p:nvSpPr>
-              <p:cNvPr id="55" name="TextBox 54">
-                <a:extLst>
-                  <a:ext uri="{FF2B5EF4-FFF2-40B4-BE49-F238E27FC236}">
-                    <a16:creationId xmlns:a16="http://schemas.microsoft.com/office/drawing/2014/main" id="{4086D043-5AD7-6544-83B7-A5C039D51449}"/>
-                  </a:ext>
-                </a:extLst>
-              </p:cNvPr>
-              <p:cNvSpPr txBox="1"/>
-              <p:nvPr/>
-            </p:nvSpPr>
-            <p:spPr>
-              <a:xfrm>
-                <a:off x="6464079" y="4945778"/>
-                <a:ext cx="444352" cy="369332"/>
-              </a:xfrm>
-              <a:prstGeom prst="rect">
-                <a:avLst/>
-              </a:prstGeom>
-              <a:noFill/>
-            </p:spPr>
-            <p:txBody>
-              <a:bodyPr wrap="none" rtlCol="0">
-                <a:spAutoFit/>
-              </a:bodyPr>
-              <a:lstStyle/>
-              <a:p>
-                <a:r>
-                  <a:rPr lang="en-US" dirty="0"/>
-                  <a:t>D1</a:t>
-                </a:r>
-                <a:endParaRPr lang="en-US" baseline="-25000" dirty="0"/>
-              </a:p>
-            </p:txBody>
-          </p:sp>
-          <p:sp>
-            <p:nvSpPr>
-              <p:cNvPr id="56" name="TextBox 55">
-                <a:extLst>
-                  <a:ext uri="{FF2B5EF4-FFF2-40B4-BE49-F238E27FC236}">
-                    <a16:creationId xmlns:a16="http://schemas.microsoft.com/office/drawing/2014/main" id="{53ECCEFF-15CB-794B-B8F4-DF0A1B64D8E1}"/>
-                  </a:ext>
-                </a:extLst>
-              </p:cNvPr>
-              <p:cNvSpPr txBox="1"/>
-              <p:nvPr/>
-            </p:nvSpPr>
-            <p:spPr>
-              <a:xfrm>
-                <a:off x="6432490" y="5536463"/>
-                <a:ext cx="444352" cy="369332"/>
-              </a:xfrm>
-              <a:prstGeom prst="rect">
-                <a:avLst/>
-              </a:prstGeom>
-              <a:noFill/>
-            </p:spPr>
-            <p:txBody>
-              <a:bodyPr wrap="none" rtlCol="0">
-                <a:spAutoFit/>
-              </a:bodyPr>
-              <a:lstStyle/>
-              <a:p>
-                <a:r>
-                  <a:rPr lang="en-US" dirty="0"/>
-                  <a:t>D0</a:t>
-                </a:r>
-                <a:endParaRPr lang="en-US" baseline="-25000" dirty="0"/>
-              </a:p>
-            </p:txBody>
-          </p:sp>
-          <p:sp>
-            <p:nvSpPr>
-              <p:cNvPr id="57" name="TextBox 56">
-                <a:extLst>
-                  <a:ext uri="{FF2B5EF4-FFF2-40B4-BE49-F238E27FC236}">
-                    <a16:creationId xmlns:a16="http://schemas.microsoft.com/office/drawing/2014/main" id="{A4415EAE-DA0E-ED41-8ED0-C903A6DD0487}"/>
-                  </a:ext>
-                </a:extLst>
-              </p:cNvPr>
-              <p:cNvSpPr txBox="1"/>
-              <p:nvPr/>
-            </p:nvSpPr>
-            <p:spPr>
-              <a:xfrm>
-                <a:off x="7498187" y="4530280"/>
-                <a:ext cx="452368" cy="600164"/>
-              </a:xfrm>
-              <a:prstGeom prst="rect">
-                <a:avLst/>
-              </a:prstGeom>
-              <a:noFill/>
-            </p:spPr>
-            <p:txBody>
-              <a:bodyPr wrap="none" rtlCol="0">
-                <a:spAutoFit/>
-              </a:bodyPr>
-              <a:lstStyle/>
-              <a:p>
-                <a:pPr algn="ctr"/>
-                <a:r>
-                  <a:rPr lang="en-US" sz="1100" dirty="0"/>
-                  <a:t>Data</a:t>
-                </a:r>
-              </a:p>
-              <a:p>
-                <a:pPr algn="ctr"/>
-                <a:r>
-                  <a:rPr lang="en-US" sz="1100" dirty="0"/>
-                  <a:t>Bus</a:t>
-                </a:r>
-              </a:p>
-              <a:p>
-                <a:pPr algn="ctr"/>
-                <a:r>
-                  <a:rPr lang="en-US" sz="1100" dirty="0"/>
-                  <a:t>I/O</a:t>
-                </a:r>
-              </a:p>
-            </p:txBody>
-          </p:sp>
-        </p:grpSp>
-        <p:sp>
-          <p:nvSpPr>
-            <p:cNvPr id="101" name="TextBox 100">
-              <a:extLst>
-                <a:ext uri="{FF2B5EF4-FFF2-40B4-BE49-F238E27FC236}">
-                  <a16:creationId xmlns:a16="http://schemas.microsoft.com/office/drawing/2014/main" id="{C4037D5B-0FD9-324E-B90C-53427A477679}"/>
-                </a:ext>
-              </a:extLst>
-            </p:cNvPr>
-            <p:cNvSpPr txBox="1"/>
-            <p:nvPr/>
-          </p:nvSpPr>
-          <p:spPr>
-            <a:xfrm>
-              <a:off x="5153126" y="1503501"/>
-              <a:ext cx="814647" cy="430887"/>
-            </a:xfrm>
-            <a:prstGeom prst="rect">
-              <a:avLst/>
-            </a:prstGeom>
-            <a:noFill/>
-          </p:spPr>
-          <p:txBody>
-            <a:bodyPr wrap="none" rtlCol="0">
-              <a:spAutoFit/>
-            </a:bodyPr>
-            <a:lstStyle/>
-            <a:p>
-              <a:pPr algn="ctr"/>
-              <a:r>
-                <a:rPr lang="en-US" sz="1100" dirty="0"/>
-                <a:t>Chip Select</a:t>
-              </a:r>
-            </a:p>
-            <a:p>
-              <a:pPr algn="ctr"/>
-              <a:r>
-                <a:rPr lang="en-US" sz="1100" dirty="0"/>
-                <a:t>Input</a:t>
-              </a:r>
-            </a:p>
-          </p:txBody>
-        </p:sp>
-      </p:grpSp>
-      <p:graphicFrame>
-        <p:nvGraphicFramePr>
-          <p:cNvPr id="59" name="Table 58">
-            <a:extLst>
-              <a:ext uri="{FF2B5EF4-FFF2-40B4-BE49-F238E27FC236}">
-                <a16:creationId xmlns:a16="http://schemas.microsoft.com/office/drawing/2014/main" id="{6246ABF2-E5FF-154D-BC0C-7EC571A6E132}"/>
-              </a:ext>
-            </a:extLst>
-          </p:cNvPr>
-          <p:cNvGraphicFramePr>
-            <a:graphicFrameLocks noGrp="1"/>
-          </p:cNvGraphicFramePr>
-          <p:nvPr>
-            <p:extLst>
-              <p:ext uri="{D42A27DB-BD31-4B8C-83A1-F6EECF244321}">
-                <p14:modId xmlns:p14="http://schemas.microsoft.com/office/powerpoint/2010/main" val="3206328443"/>
-              </p:ext>
-            </p:extLst>
-          </p:nvPr>
-        </p:nvGraphicFramePr>
-        <p:xfrm>
-          <a:off x="102044" y="429952"/>
-          <a:ext cx="5247438" cy="1844040"/>
-        </p:xfrm>
-        <a:graphic>
-          <a:graphicData uri="http://schemas.openxmlformats.org/drawingml/2006/table">
-            <a:tbl>
-              <a:tblPr/>
-              <a:tblGrid>
-                <a:gridCol w="1291806">
-                  <a:extLst>
-                    <a:ext uri="{9D8B030D-6E8A-4147-A177-3AD203B41FA5}">
-                      <a16:colId xmlns:a16="http://schemas.microsoft.com/office/drawing/2014/main" val="760947265"/>
-                    </a:ext>
-                  </a:extLst>
-                </a:gridCol>
-                <a:gridCol w="3955632">
-                  <a:extLst>
-                    <a:ext uri="{9D8B030D-6E8A-4147-A177-3AD203B41FA5}">
-                      <a16:colId xmlns:a16="http://schemas.microsoft.com/office/drawing/2014/main" val="925352198"/>
-                    </a:ext>
-                  </a:extLst>
-                </a:gridCol>
-              </a:tblGrid>
-              <a:tr h="101665">
-                <a:tc>
-                  <a:txBody>
-                    <a:bodyPr/>
-                    <a:lstStyle/>
-                    <a:p>
-                      <a:pPr algn="r"/>
-                      <a:r>
-                        <a:rPr lang="en-GB" sz="1100" b="1" dirty="0">
-                          <a:latin typeface="+mn-lt"/>
-                        </a:rPr>
-                        <a:t>Introduction date:</a:t>
-                      </a:r>
-                      <a:endParaRPr lang="en-GB" sz="1100" dirty="0">
-                        <a:latin typeface="+mn-lt"/>
-                      </a:endParaRPr>
-                    </a:p>
-                  </a:txBody>
-                  <a:tcPr marL="0" marR="0" marT="0" marB="0">
-                    <a:lnL>
-                      <a:noFill/>
-                    </a:lnL>
-                    <a:lnR>
-                      <a:noFill/>
-                    </a:lnR>
-                    <a:lnT>
-                      <a:noFill/>
-                    </a:lnT>
-                    <a:lnB>
-                      <a:noFill/>
-                    </a:lnB>
-                    <a:solidFill>
-                      <a:srgbClr val="BCCDE8"/>
-                    </a:solidFill>
-                  </a:tcPr>
-                </a:tc>
-                <a:tc>
-                  <a:txBody>
-                    <a:bodyPr/>
-                    <a:lstStyle/>
-                    <a:p>
-                      <a:r>
-                        <a:rPr lang="en-GB" sz="1100">
-                          <a:latin typeface="+mn-lt"/>
-                        </a:rPr>
-                        <a:t>1971</a:t>
-                      </a:r>
-                    </a:p>
-                  </a:txBody>
-                  <a:tcPr marL="0" marR="0" marT="0" marB="0">
-                    <a:lnL>
-                      <a:noFill/>
-                    </a:lnL>
-                    <a:lnR>
-                      <a:noFill/>
-                    </a:lnR>
-                    <a:lnT>
-                      <a:noFill/>
-                    </a:lnT>
-                    <a:lnB>
-                      <a:noFill/>
-                    </a:lnB>
-                    <a:solidFill>
-                      <a:srgbClr val="BCCDE8"/>
-                    </a:solidFill>
-                  </a:tcPr>
-                </a:tc>
-                <a:extLst>
-                  <a:ext uri="{0D108BD9-81ED-4DB2-BD59-A6C34878D82A}">
-                    <a16:rowId xmlns:a16="http://schemas.microsoft.com/office/drawing/2014/main" val="3169308416"/>
-                  </a:ext>
-                </a:extLst>
-              </a:tr>
-              <a:tr h="101665">
-                <a:tc>
-                  <a:txBody>
-                    <a:bodyPr/>
-                    <a:lstStyle/>
-                    <a:p>
-                      <a:pPr algn="r"/>
-                      <a:r>
-                        <a:rPr lang="en-GB" sz="1100" b="1">
-                          <a:latin typeface="+mn-lt"/>
-                        </a:rPr>
-                        <a:t>Type:</a:t>
-                      </a:r>
-                      <a:endParaRPr lang="en-GB" sz="1100">
-                        <a:latin typeface="+mn-lt"/>
-                      </a:endParaRPr>
-                    </a:p>
-                  </a:txBody>
-                  <a:tcPr marL="0" marR="0" marT="0" marB="0">
-                    <a:lnL>
-                      <a:noFill/>
-                    </a:lnL>
-                    <a:lnR>
-                      <a:noFill/>
-                    </a:lnR>
-                    <a:lnT>
-                      <a:noFill/>
-                    </a:lnT>
-                    <a:lnB>
-                      <a:noFill/>
-                    </a:lnB>
-                    <a:solidFill>
-                      <a:srgbClr val="BCCDE8"/>
-                    </a:solidFill>
-                  </a:tcPr>
-                </a:tc>
-                <a:tc>
-                  <a:txBody>
-                    <a:bodyPr/>
-                    <a:lstStyle/>
-                    <a:p>
-                      <a:r>
-                        <a:rPr lang="en-GB" sz="1100">
-                          <a:latin typeface="+mn-lt"/>
-                        </a:rPr>
-                        <a:t>320-bit MOS RAM and 4-bit output port.</a:t>
-                      </a:r>
-                    </a:p>
-                  </a:txBody>
-                  <a:tcPr marL="0" marR="0" marT="0" marB="0">
-                    <a:lnL>
-                      <a:noFill/>
-                    </a:lnL>
-                    <a:lnR>
-                      <a:noFill/>
-                    </a:lnR>
-                    <a:lnT>
-                      <a:noFill/>
-                    </a:lnT>
-                    <a:lnB>
-                      <a:noFill/>
-                    </a:lnB>
-                    <a:solidFill>
-                      <a:srgbClr val="BCCDE8"/>
-                    </a:solidFill>
-                  </a:tcPr>
-                </a:tc>
-                <a:extLst>
-                  <a:ext uri="{0D108BD9-81ED-4DB2-BD59-A6C34878D82A}">
-                    <a16:rowId xmlns:a16="http://schemas.microsoft.com/office/drawing/2014/main" val="51752050"/>
-                  </a:ext>
-                </a:extLst>
-              </a:tr>
-              <a:tr h="101665">
-                <a:tc>
-                  <a:txBody>
-                    <a:bodyPr/>
-                    <a:lstStyle/>
-                    <a:p>
-                      <a:pPr algn="r"/>
-                      <a:r>
-                        <a:rPr lang="en-GB" sz="1100" b="1">
-                          <a:latin typeface="+mn-lt"/>
-                        </a:rPr>
-                        <a:t>Memory:</a:t>
-                      </a:r>
-                      <a:endParaRPr lang="en-GB" sz="1100">
-                        <a:latin typeface="+mn-lt"/>
-                      </a:endParaRPr>
-                    </a:p>
-                  </a:txBody>
-                  <a:tcPr marL="0" marR="0" marT="0" marB="0">
-                    <a:lnL>
-                      <a:noFill/>
-                    </a:lnL>
-                    <a:lnR>
-                      <a:noFill/>
-                    </a:lnR>
-                    <a:lnT>
-                      <a:noFill/>
-                    </a:lnT>
-                    <a:lnB>
-                      <a:noFill/>
-                    </a:lnB>
-                    <a:solidFill>
-                      <a:srgbClr val="BCCDE8"/>
-                    </a:solidFill>
-                  </a:tcPr>
-                </a:tc>
-                <a:tc>
-                  <a:txBody>
-                    <a:bodyPr/>
-                    <a:lstStyle/>
-                    <a:p>
-                      <a:r>
-                        <a:rPr lang="en-GB" sz="1100" dirty="0">
-                          <a:latin typeface="+mn-lt"/>
-                        </a:rPr>
-                        <a:t>80 x 4-bit</a:t>
-                      </a:r>
-                    </a:p>
-                  </a:txBody>
-                  <a:tcPr marL="0" marR="0" marT="0" marB="0">
-                    <a:lnL>
-                      <a:noFill/>
-                    </a:lnL>
-                    <a:lnR>
-                      <a:noFill/>
-                    </a:lnR>
-                    <a:lnT>
-                      <a:noFill/>
-                    </a:lnT>
-                    <a:lnB>
-                      <a:noFill/>
-                    </a:lnB>
-                    <a:solidFill>
-                      <a:srgbClr val="BCCDE8"/>
-                    </a:solidFill>
-                  </a:tcPr>
-                </a:tc>
-                <a:extLst>
-                  <a:ext uri="{0D108BD9-81ED-4DB2-BD59-A6C34878D82A}">
-                    <a16:rowId xmlns:a16="http://schemas.microsoft.com/office/drawing/2014/main" val="179454527"/>
-                  </a:ext>
-                </a:extLst>
-              </a:tr>
-              <a:tr h="101665">
-                <a:tc>
-                  <a:txBody>
-                    <a:bodyPr/>
-                    <a:lstStyle/>
-                    <a:p>
-                      <a:pPr algn="r"/>
-                      <a:r>
-                        <a:rPr lang="en-GB" sz="1100" b="1">
-                          <a:latin typeface="+mn-lt"/>
-                        </a:rPr>
-                        <a:t>Technology:</a:t>
-                      </a:r>
-                      <a:endParaRPr lang="en-GB" sz="1100">
-                        <a:latin typeface="+mn-lt"/>
-                      </a:endParaRPr>
-                    </a:p>
-                  </a:txBody>
-                  <a:tcPr marL="0" marR="0" marT="0" marB="0">
-                    <a:lnL>
-                      <a:noFill/>
-                    </a:lnL>
-                    <a:lnR>
-                      <a:noFill/>
-                    </a:lnR>
-                    <a:lnT>
-                      <a:noFill/>
-                    </a:lnT>
-                    <a:lnB>
-                      <a:noFill/>
-                    </a:lnB>
-                    <a:solidFill>
-                      <a:srgbClr val="BCCDE8"/>
-                    </a:solidFill>
-                  </a:tcPr>
-                </a:tc>
-                <a:tc>
-                  <a:txBody>
-                    <a:bodyPr/>
-                    <a:lstStyle/>
-                    <a:p>
-                      <a:r>
-                        <a:rPr lang="en-GB" sz="1100" dirty="0">
-                          <a:latin typeface="+mn-lt"/>
-                        </a:rPr>
-                        <a:t>P-channel silicon gate MOS technology</a:t>
-                      </a:r>
-                    </a:p>
-                  </a:txBody>
-                  <a:tcPr marL="0" marR="0" marT="0" marB="0">
-                    <a:lnL>
-                      <a:noFill/>
-                    </a:lnL>
-                    <a:lnR>
-                      <a:noFill/>
-                    </a:lnR>
-                    <a:lnT>
-                      <a:noFill/>
-                    </a:lnT>
-                    <a:lnB>
-                      <a:noFill/>
-                    </a:lnB>
-                    <a:solidFill>
-                      <a:srgbClr val="BCCDE8"/>
-                    </a:solidFill>
-                  </a:tcPr>
-                </a:tc>
-                <a:extLst>
-                  <a:ext uri="{0D108BD9-81ED-4DB2-BD59-A6C34878D82A}">
-                    <a16:rowId xmlns:a16="http://schemas.microsoft.com/office/drawing/2014/main" val="2877346425"/>
-                  </a:ext>
-                </a:extLst>
-              </a:tr>
-              <a:tr h="74834">
-                <a:tc>
-                  <a:txBody>
-                    <a:bodyPr/>
-                    <a:lstStyle/>
-                    <a:p>
-                      <a:pPr algn="r"/>
-                      <a:r>
-                        <a:rPr lang="en-GB" sz="1100" b="1" dirty="0">
-                          <a:latin typeface="+mn-lt"/>
-                        </a:rPr>
-                        <a:t>History:</a:t>
-                      </a:r>
-                      <a:br>
-                        <a:rPr lang="en-GB" sz="1100" b="1" dirty="0">
-                          <a:latin typeface="+mn-lt"/>
-                        </a:rPr>
-                      </a:br>
-                      <a:br>
-                        <a:rPr lang="en-GB" sz="1100" b="1" dirty="0">
-                          <a:latin typeface="+mn-lt"/>
-                        </a:rPr>
-                      </a:br>
-                      <a:br>
-                        <a:rPr lang="en-GB" sz="1100" b="1" dirty="0">
-                          <a:latin typeface="+mn-lt"/>
-                        </a:rPr>
-                      </a:br>
-                      <a:r>
-                        <a:rPr lang="en-GB" sz="1100" b="1" dirty="0">
-                          <a:latin typeface="+mn-lt"/>
-                        </a:rPr>
-                        <a:t> </a:t>
-                      </a:r>
-                      <a:endParaRPr lang="en-GB" sz="1100" dirty="0">
-                        <a:latin typeface="+mn-lt"/>
-                      </a:endParaRPr>
-                    </a:p>
-                  </a:txBody>
-                  <a:tcPr marL="0" marR="0" marT="0" marB="0">
-                    <a:lnL>
-                      <a:noFill/>
-                    </a:lnL>
-                    <a:lnR>
-                      <a:noFill/>
-                    </a:lnR>
-                    <a:lnT>
-                      <a:noFill/>
-                    </a:lnT>
-                    <a:lnB>
-                      <a:noFill/>
-                    </a:lnB>
-                    <a:solidFill>
-                      <a:srgbClr val="BCCDE8"/>
-                    </a:solidFill>
-                  </a:tcPr>
-                </a:tc>
-                <a:tc>
-                  <a:txBody>
-                    <a:bodyPr/>
-                    <a:lstStyle/>
-                    <a:p>
-                      <a:r>
-                        <a:rPr lang="en-GB" sz="1100" dirty="0">
-                          <a:latin typeface="+mn-lt"/>
-                        </a:rPr>
-                        <a:t>The 4002 was designed to be used with other MCS-4/40 devices such as the 4004 CPU.</a:t>
-                      </a:r>
-                      <a:br>
-                        <a:rPr lang="en-GB" sz="1100" dirty="0">
-                          <a:latin typeface="+mn-lt"/>
-                        </a:rPr>
-                      </a:br>
-                      <a:r>
-                        <a:rPr lang="en-GB" sz="1100" dirty="0">
-                          <a:latin typeface="+mn-lt"/>
-                        </a:rPr>
-                        <a:t>The chip was available in two different metal options 4002-1 and 4002-2 this was to make it possible to extend the chip selection so that 4pcs of 4002 chips could be connected to the 4004 CPU without any external chip selection logic. </a:t>
-                      </a:r>
-                    </a:p>
-                  </a:txBody>
-                  <a:tcPr marL="0" marR="0" marT="0" marB="0">
-                    <a:lnL>
-                      <a:noFill/>
-                    </a:lnL>
-                    <a:lnR>
-                      <a:noFill/>
-                    </a:lnR>
-                    <a:lnT>
-                      <a:noFill/>
-                    </a:lnT>
-                    <a:lnB>
-                      <a:noFill/>
-                    </a:lnB>
-                    <a:solidFill>
-                      <a:srgbClr val="BCCDE8"/>
-                    </a:solidFill>
-                  </a:tcPr>
-                </a:tc>
-                <a:extLst>
-                  <a:ext uri="{0D108BD9-81ED-4DB2-BD59-A6C34878D82A}">
-                    <a16:rowId xmlns:a16="http://schemas.microsoft.com/office/drawing/2014/main" val="3357763909"/>
-                  </a:ext>
-                </a:extLst>
-              </a:tr>
-              <a:tr h="101665">
-                <a:tc>
-                  <a:txBody>
-                    <a:bodyPr/>
-                    <a:lstStyle/>
-                    <a:p>
-                      <a:pPr algn="r"/>
-                      <a:r>
-                        <a:rPr lang="en-GB" sz="1100" b="1" dirty="0">
-                          <a:latin typeface="+mn-lt"/>
-                        </a:rPr>
-                        <a:t>Second source:</a:t>
-                      </a:r>
-                      <a:endParaRPr lang="en-GB" sz="1100" dirty="0">
-                        <a:latin typeface="+mn-lt"/>
-                      </a:endParaRPr>
-                    </a:p>
-                  </a:txBody>
-                  <a:tcPr marL="0" marR="0" marT="0" marB="0">
-                    <a:lnL>
-                      <a:noFill/>
-                    </a:lnL>
-                    <a:lnR>
-                      <a:noFill/>
-                    </a:lnR>
-                    <a:lnT>
-                      <a:noFill/>
-                    </a:lnT>
-                    <a:lnB>
-                      <a:noFill/>
-                    </a:lnB>
-                    <a:solidFill>
-                      <a:srgbClr val="BCCDE8"/>
-                    </a:solidFill>
-                  </a:tcPr>
-                </a:tc>
-                <a:tc>
-                  <a:txBody>
-                    <a:bodyPr/>
-                    <a:lstStyle/>
-                    <a:p>
-                      <a:r>
-                        <a:rPr lang="en-GB" sz="1100" dirty="0">
-                          <a:latin typeface="+mn-lt"/>
-                        </a:rPr>
-                        <a:t>National Semiconductors was the only second source.</a:t>
-                      </a:r>
-                    </a:p>
-                  </a:txBody>
-                  <a:tcPr marL="0" marR="0" marT="0" marB="0">
-                    <a:lnL>
-                      <a:noFill/>
-                    </a:lnL>
-                    <a:lnR>
-                      <a:noFill/>
-                    </a:lnR>
-                    <a:lnT>
-                      <a:noFill/>
-                    </a:lnT>
-                    <a:lnB>
-                      <a:noFill/>
-                    </a:lnB>
-                    <a:solidFill>
-                      <a:srgbClr val="BCCDE8"/>
-                    </a:solidFill>
-                  </a:tcPr>
-                </a:tc>
-                <a:extLst>
-                  <a:ext uri="{0D108BD9-81ED-4DB2-BD59-A6C34878D82A}">
-                    <a16:rowId xmlns:a16="http://schemas.microsoft.com/office/drawing/2014/main" val="2458150794"/>
-                  </a:ext>
-                </a:extLst>
-              </a:tr>
-            </a:tbl>
-          </a:graphicData>
-        </a:graphic>
-      </p:graphicFrame>
-      <p:sp>
-        <p:nvSpPr>
-          <p:cNvPr id="60" name="Rectangle 3">
-            <a:extLst>
-              <a:ext uri="{FF2B5EF4-FFF2-40B4-BE49-F238E27FC236}">
-                <a16:creationId xmlns:a16="http://schemas.microsoft.com/office/drawing/2014/main" id="{5F9EAEAD-FFF1-914E-93B5-C6B2F0E540F3}"/>
-              </a:ext>
-            </a:extLst>
-          </p:cNvPr>
-          <p:cNvSpPr>
-            <a:spLocks noChangeArrowheads="1"/>
-          </p:cNvSpPr>
-          <p:nvPr/>
-        </p:nvSpPr>
-        <p:spPr bwMode="auto">
-          <a:xfrm>
-            <a:off x="838200" y="2492375"/>
-            <a:ext cx="12192000" cy="457200"/>
-          </a:xfrm>
-          <a:prstGeom prst="rect">
-            <a:avLst/>
-          </a:prstGeom>
-          <a:noFill/>
-          <a:ln>
-            <a:noFill/>
-          </a:ln>
-          <a:effectLst/>
-          <a:extLst>
-            <a:ext uri="{909E8E84-426E-40DD-AFC4-6F175D3DCCD1}">
-              <a14:hiddenFill xmlns:a14="http://schemas.microsoft.com/office/drawing/2010/main">
-                <a:solidFill>
-                  <a:schemeClr val="accent1"/>
-                </a:solidFill>
-              </a14:hiddenFill>
-            </a:ext>
-            <a:ext uri="{91240B29-F687-4F45-9708-019B960494DF}">
-              <a14:hiddenLine xmlns:a14="http://schemas.microsoft.com/office/drawing/2010/main" w="9525">
-                <a:solidFill>
-                  <a:schemeClr val="tx1"/>
-                </a:solidFill>
-                <a:miter lim="800000"/>
-                <a:headEnd/>
-                <a:tailEnd/>
-              </a14:hiddenLine>
-            </a:ext>
-            <a:ext uri="{AF507438-7753-43E0-B8FC-AC1667EBCBE1}">
-              <a14:hiddenEffects xmlns:a14="http://schemas.microsoft.com/office/drawing/2010/main">
-                <a:effectLst>
-                  <a:outerShdw dist="35921" dir="2700000" algn="ctr" rotWithShape="0">
-                    <a:schemeClr val="bg2"/>
-                  </a:outerShdw>
-                </a:effectLst>
-              </a14:hiddenEffects>
-            </a:ext>
-          </a:extLst>
-        </p:spPr>
-        <p:txBody>
-          <a:bodyPr vert="horz" wrap="none" lIns="91440" tIns="45720" rIns="91440" bIns="45720" numCol="1" anchor="ctr" anchorCtr="0" compatLnSpc="1">
-            <a:prstTxWarp prst="textNoShape">
-              <a:avLst/>
-            </a:prstTxWarp>
-            <a:spAutoFit/>
-          </a:bodyPr>
-          <a:lstStyle/>
-          <a:p>
-            <a:pPr marL="0" marR="0" lvl="0" indent="0" algn="l" defTabSz="914400" rtl="0" eaLnBrk="0" fontAlgn="base" latinLnBrk="0" hangingPunct="0">
-              <a:lnSpc>
-                <a:spcPct val="100000"/>
-              </a:lnSpc>
-              <a:spcBef>
-                <a:spcPct val="0"/>
-              </a:spcBef>
-              <a:spcAft>
-                <a:spcPct val="0"/>
-              </a:spcAft>
-              <a:buClrTx/>
-              <a:buSzTx/>
-              <a:buFontTx/>
-              <a:buNone/>
-              <a:tabLst/>
-            </a:pPr>
-            <a:r>
-              <a:rPr kumimoji="0" lang="en-US" altLang="en-US" sz="1800" b="0" i="0" u="none" strike="noStrike" cap="none" normalizeH="0" baseline="0">
-                <a:ln>
-                  <a:noFill/>
-                </a:ln>
-                <a:solidFill>
-                  <a:srgbClr val="000000"/>
-                </a:solidFill>
-                <a:effectLst/>
-                <a:latin typeface="-webkit-standard"/>
-              </a:rPr>
-              <a:t> </a:t>
-            </a:r>
-            <a:endParaRPr kumimoji="0" lang="en-US" altLang="en-US" sz="1800" b="0" i="0" u="none" strike="noStrike" cap="none" normalizeH="0" baseline="0">
-              <a:ln>
-                <a:noFill/>
-              </a:ln>
-              <a:solidFill>
-                <a:schemeClr val="tx1"/>
-              </a:solidFill>
-              <a:effectLst/>
-              <a:latin typeface="Arial" panose="020B0604020202020204" pitchFamily="34" charset="0"/>
-            </a:endParaRPr>
-          </a:p>
-        </p:txBody>
-      </p:sp>
     </p:spTree>
     <p:extLst>
       <p:ext uri="{BB962C8B-B14F-4D97-AF65-F5344CB8AC3E}">
-        <p14:creationId xmlns:p14="http://schemas.microsoft.com/office/powerpoint/2010/main" val="869540554"/>
+        <p14:creationId xmlns:p14="http://schemas.microsoft.com/office/powerpoint/2010/main" val="3225038744"/>
       </p:ext>
     </p:extLst>
   </p:cSld>
